--- a/경력기술서_사진.pptx
+++ b/경력기술서_사진.pptx
@@ -7,6 +7,7 @@
   <p:sldIdLst>
     <p:sldId id="256" r:id="rId2"/>
     <p:sldId id="257" r:id="rId3"/>
+    <p:sldId id="258" r:id="rId4"/>
   </p:sldIdLst>
   <p:sldSz cx="12192000" cy="6858000"/>
   <p:notesSz cx="6858000" cy="9144000"/>
@@ -105,6 +106,11 @@
       </a:defRPr>
     </a:lvl9pPr>
   </p:defaultTextStyle>
+  <p:extLst>
+    <p:ext uri="{EFAFB233-063F-42B5-8137-9DF3F51BA10A}">
+      <p15:sldGuideLst xmlns:p15="http://schemas.microsoft.com/office/powerpoint/2012/main"/>
+    </p:ext>
+  </p:extLst>
 </p:presentation>
 </file>
 
@@ -239,7 +245,7 @@
           <a:p>
             <a:fld id="{D6334DD8-7EAD-4415-B7E0-C5E979A3366E}" type="datetimeFigureOut">
               <a:rPr lang="ko-KR" altLang="en-US" smtClean="0"/>
-              <a:t>2024-09-06</a:t>
+              <a:t>2024-09-09</a:t>
             </a:fld>
             <a:endParaRPr lang="ko-KR" altLang="en-US"/>
           </a:p>
@@ -409,7 +415,7 @@
           <a:p>
             <a:fld id="{D6334DD8-7EAD-4415-B7E0-C5E979A3366E}" type="datetimeFigureOut">
               <a:rPr lang="ko-KR" altLang="en-US" smtClean="0"/>
-              <a:t>2024-09-06</a:t>
+              <a:t>2024-09-09</a:t>
             </a:fld>
             <a:endParaRPr lang="ko-KR" altLang="en-US"/>
           </a:p>
@@ -589,7 +595,7 @@
           <a:p>
             <a:fld id="{D6334DD8-7EAD-4415-B7E0-C5E979A3366E}" type="datetimeFigureOut">
               <a:rPr lang="ko-KR" altLang="en-US" smtClean="0"/>
-              <a:t>2024-09-06</a:t>
+              <a:t>2024-09-09</a:t>
             </a:fld>
             <a:endParaRPr lang="ko-KR" altLang="en-US"/>
           </a:p>
@@ -759,7 +765,7 @@
           <a:p>
             <a:fld id="{D6334DD8-7EAD-4415-B7E0-C5E979A3366E}" type="datetimeFigureOut">
               <a:rPr lang="ko-KR" altLang="en-US" smtClean="0"/>
-              <a:t>2024-09-06</a:t>
+              <a:t>2024-09-09</a:t>
             </a:fld>
             <a:endParaRPr lang="ko-KR" altLang="en-US"/>
           </a:p>
@@ -1005,7 +1011,7 @@
           <a:p>
             <a:fld id="{D6334DD8-7EAD-4415-B7E0-C5E979A3366E}" type="datetimeFigureOut">
               <a:rPr lang="ko-KR" altLang="en-US" smtClean="0"/>
-              <a:t>2024-09-06</a:t>
+              <a:t>2024-09-09</a:t>
             </a:fld>
             <a:endParaRPr lang="ko-KR" altLang="en-US"/>
           </a:p>
@@ -1237,7 +1243,7 @@
           <a:p>
             <a:fld id="{D6334DD8-7EAD-4415-B7E0-C5E979A3366E}" type="datetimeFigureOut">
               <a:rPr lang="ko-KR" altLang="en-US" smtClean="0"/>
-              <a:t>2024-09-06</a:t>
+              <a:t>2024-09-09</a:t>
             </a:fld>
             <a:endParaRPr lang="ko-KR" altLang="en-US"/>
           </a:p>
@@ -1604,7 +1610,7 @@
           <a:p>
             <a:fld id="{D6334DD8-7EAD-4415-B7E0-C5E979A3366E}" type="datetimeFigureOut">
               <a:rPr lang="ko-KR" altLang="en-US" smtClean="0"/>
-              <a:t>2024-09-06</a:t>
+              <a:t>2024-09-09</a:t>
             </a:fld>
             <a:endParaRPr lang="ko-KR" altLang="en-US"/>
           </a:p>
@@ -1722,7 +1728,7 @@
           <a:p>
             <a:fld id="{D6334DD8-7EAD-4415-B7E0-C5E979A3366E}" type="datetimeFigureOut">
               <a:rPr lang="ko-KR" altLang="en-US" smtClean="0"/>
-              <a:t>2024-09-06</a:t>
+              <a:t>2024-09-09</a:t>
             </a:fld>
             <a:endParaRPr lang="ko-KR" altLang="en-US"/>
           </a:p>
@@ -1817,7 +1823,7 @@
           <a:p>
             <a:fld id="{D6334DD8-7EAD-4415-B7E0-C5E979A3366E}" type="datetimeFigureOut">
               <a:rPr lang="ko-KR" altLang="en-US" smtClean="0"/>
-              <a:t>2024-09-06</a:t>
+              <a:t>2024-09-09</a:t>
             </a:fld>
             <a:endParaRPr lang="ko-KR" altLang="en-US"/>
           </a:p>
@@ -2094,7 +2100,7 @@
           <a:p>
             <a:fld id="{D6334DD8-7EAD-4415-B7E0-C5E979A3366E}" type="datetimeFigureOut">
               <a:rPr lang="ko-KR" altLang="en-US" smtClean="0"/>
-              <a:t>2024-09-06</a:t>
+              <a:t>2024-09-09</a:t>
             </a:fld>
             <a:endParaRPr lang="ko-KR" altLang="en-US"/>
           </a:p>
@@ -2347,7 +2353,7 @@
           <a:p>
             <a:fld id="{D6334DD8-7EAD-4415-B7E0-C5E979A3366E}" type="datetimeFigureOut">
               <a:rPr lang="ko-KR" altLang="en-US" smtClean="0"/>
-              <a:t>2024-09-06</a:t>
+              <a:t>2024-09-09</a:t>
             </a:fld>
             <a:endParaRPr lang="ko-KR" altLang="en-US"/>
           </a:p>
@@ -2560,7 +2566,7 @@
           <a:p>
             <a:fld id="{D6334DD8-7EAD-4415-B7E0-C5E979A3366E}" type="datetimeFigureOut">
               <a:rPr lang="ko-KR" altLang="en-US" smtClean="0"/>
-              <a:t>2024-09-06</a:t>
+              <a:t>2024-09-09</a:t>
             </a:fld>
             <a:endParaRPr lang="ko-KR" altLang="en-US"/>
           </a:p>
@@ -3024,25 +3030,40 @@
             <a:p>
               <a:pPr algn="ctr"/>
               <a:r>
-                <a:rPr lang="en-US" altLang="ko-KR" sz="1200" b="1" dirty="0" smtClean="0"/>
+                <a:rPr lang="en-US" altLang="ko-KR" sz="1200" b="1" dirty="0" smtClean="0">
+                  <a:latin typeface="Noto Sans KR" panose="020B0200000000000000" pitchFamily="50" charset="-127"/>
+                  <a:ea typeface="Noto Sans KR" panose="020B0200000000000000" pitchFamily="50" charset="-127"/>
+                </a:rPr>
                 <a:t> </a:t>
               </a:r>
               <a:r>
-                <a:rPr lang="en-US" altLang="ko-KR" sz="1200" b="1" dirty="0" err="1" smtClean="0"/>
+                <a:rPr lang="en-US" altLang="ko-KR" sz="1200" b="1" dirty="0" err="1" smtClean="0">
+                  <a:latin typeface="Noto Sans KR" panose="020B0200000000000000" pitchFamily="50" charset="-127"/>
+                  <a:ea typeface="Noto Sans KR" panose="020B0200000000000000" pitchFamily="50" charset="-127"/>
+                </a:rPr>
                 <a:t>UnMarshal</a:t>
               </a:r>
               <a:r>
-                <a:rPr lang="en-US" altLang="ko-KR" sz="1200" b="1" dirty="0" smtClean="0"/>
+                <a:rPr lang="en-US" altLang="ko-KR" sz="1200" b="1" dirty="0" smtClean="0">
+                  <a:latin typeface="Noto Sans KR" panose="020B0200000000000000" pitchFamily="50" charset="-127"/>
+                  <a:ea typeface="Noto Sans KR" panose="020B0200000000000000" pitchFamily="50" charset="-127"/>
+                </a:rPr>
                 <a:t> / </a:t>
               </a:r>
             </a:p>
             <a:p>
               <a:pPr algn="ctr"/>
               <a:r>
-                <a:rPr lang="en-US" altLang="ko-KR" sz="1200" b="1" dirty="0" smtClean="0"/>
+                <a:rPr lang="en-US" altLang="ko-KR" sz="1200" b="1" dirty="0" smtClean="0">
+                  <a:latin typeface="Noto Sans KR" panose="020B0200000000000000" pitchFamily="50" charset="-127"/>
+                  <a:ea typeface="Noto Sans KR" panose="020B0200000000000000" pitchFamily="50" charset="-127"/>
+                </a:rPr>
                 <a:t>Marshal </a:t>
               </a:r>
-              <a:endParaRPr lang="ko-KR" altLang="en-US" sz="1200" b="1" dirty="0"/>
+              <a:endParaRPr lang="ko-KR" altLang="en-US" sz="1200" b="1" dirty="0">
+                <a:latin typeface="Noto Sans KR" panose="020B0200000000000000" pitchFamily="50" charset="-127"/>
+                <a:ea typeface="Noto Sans KR" panose="020B0200000000000000" pitchFamily="50" charset="-127"/>
+              </a:endParaRPr>
             </a:p>
           </p:txBody>
         </p:sp>
@@ -3097,10 +3118,16 @@
               <a:p>
                 <a:pPr algn="ctr"/>
                 <a:r>
-                  <a:rPr lang="en-US" altLang="ko-KR" sz="1100" dirty="0" smtClean="0"/>
+                  <a:rPr lang="en-US" altLang="ko-KR" sz="1100" dirty="0" smtClean="0">
+                    <a:latin typeface="Noto Sans KR" panose="020B0200000000000000" pitchFamily="50" charset="-127"/>
+                    <a:ea typeface="Noto Sans KR" panose="020B0200000000000000" pitchFamily="50" charset="-127"/>
+                  </a:rPr>
                   <a:t>KEY</a:t>
                 </a:r>
-                <a:endParaRPr lang="ko-KR" altLang="en-US" sz="1100" dirty="0"/>
+                <a:endParaRPr lang="ko-KR" altLang="en-US" sz="1100" dirty="0">
+                  <a:latin typeface="Noto Sans KR" panose="020B0200000000000000" pitchFamily="50" charset="-127"/>
+                  <a:ea typeface="Noto Sans KR" panose="020B0200000000000000" pitchFamily="50" charset="-127"/>
+                </a:endParaRPr>
               </a:p>
             </p:txBody>
           </p:sp>
@@ -3141,10 +3168,16 @@
               <a:p>
                 <a:pPr algn="ctr"/>
                 <a:r>
-                  <a:rPr lang="en-US" altLang="ko-KR" sz="1100" dirty="0" smtClean="0"/>
+                  <a:rPr lang="en-US" altLang="ko-KR" sz="1100" dirty="0" smtClean="0">
+                    <a:latin typeface="Noto Sans KR" panose="020B0200000000000000" pitchFamily="50" charset="-127"/>
+                    <a:ea typeface="Noto Sans KR" panose="020B0200000000000000" pitchFamily="50" charset="-127"/>
+                  </a:rPr>
                   <a:t>VALUE</a:t>
                 </a:r>
-                <a:endParaRPr lang="ko-KR" altLang="en-US" sz="1100" dirty="0"/>
+                <a:endParaRPr lang="ko-KR" altLang="en-US" sz="1100" dirty="0">
+                  <a:latin typeface="Noto Sans KR" panose="020B0200000000000000" pitchFamily="50" charset="-127"/>
+                  <a:ea typeface="Noto Sans KR" panose="020B0200000000000000" pitchFamily="50" charset="-127"/>
+                </a:endParaRPr>
               </a:p>
             </p:txBody>
           </p:sp>
@@ -3226,10 +3259,16 @@
               <a:p>
                 <a:pPr algn="ctr"/>
                 <a:r>
-                  <a:rPr lang="en-US" altLang="ko-KR" sz="1100" dirty="0" smtClean="0"/>
+                  <a:rPr lang="en-US" altLang="ko-KR" sz="1100" dirty="0" smtClean="0">
+                    <a:latin typeface="Noto Sans KR" panose="020B0200000000000000" pitchFamily="50" charset="-127"/>
+                    <a:ea typeface="Noto Sans KR" panose="020B0200000000000000" pitchFamily="50" charset="-127"/>
+                  </a:rPr>
                   <a:t>KEY</a:t>
                 </a:r>
-                <a:endParaRPr lang="ko-KR" altLang="en-US" sz="1100" dirty="0"/>
+                <a:endParaRPr lang="ko-KR" altLang="en-US" sz="1100" dirty="0">
+                  <a:latin typeface="Noto Sans KR" panose="020B0200000000000000" pitchFamily="50" charset="-127"/>
+                  <a:ea typeface="Noto Sans KR" panose="020B0200000000000000" pitchFamily="50" charset="-127"/>
+                </a:endParaRPr>
               </a:p>
             </p:txBody>
           </p:sp>
@@ -3270,10 +3309,16 @@
               <a:p>
                 <a:pPr algn="ctr"/>
                 <a:r>
-                  <a:rPr lang="en-US" altLang="ko-KR" sz="1100" dirty="0" smtClean="0"/>
+                  <a:rPr lang="en-US" altLang="ko-KR" sz="1100" dirty="0" smtClean="0">
+                    <a:latin typeface="Noto Sans KR" panose="020B0200000000000000" pitchFamily="50" charset="-127"/>
+                    <a:ea typeface="Noto Sans KR" panose="020B0200000000000000" pitchFamily="50" charset="-127"/>
+                  </a:rPr>
                   <a:t>VALUE</a:t>
                 </a:r>
-                <a:endParaRPr lang="ko-KR" altLang="en-US" sz="1100" dirty="0"/>
+                <a:endParaRPr lang="ko-KR" altLang="en-US" sz="1100" dirty="0">
+                  <a:latin typeface="Noto Sans KR" panose="020B0200000000000000" pitchFamily="50" charset="-127"/>
+                  <a:ea typeface="Noto Sans KR" panose="020B0200000000000000" pitchFamily="50" charset="-127"/>
+                </a:endParaRPr>
               </a:p>
             </p:txBody>
           </p:sp>
@@ -3326,8 +3371,8 @@
             </p:nvSpPr>
             <p:spPr>
               <a:xfrm rot="5400000">
-                <a:off x="1742987" y="1039458"/>
-                <a:ext cx="309700" cy="261610"/>
+                <a:off x="1734972" y="1039458"/>
+                <a:ext cx="325730" cy="261610"/>
               </a:xfrm>
               <a:prstGeom prst="rect">
                 <a:avLst/>
@@ -3341,10 +3386,16 @@
               <a:lstStyle/>
               <a:p>
                 <a:r>
-                  <a:rPr lang="en-US" altLang="ko-KR" sz="1100" b="1" dirty="0" smtClean="0"/>
+                  <a:rPr lang="en-US" altLang="ko-KR" sz="1100" b="1" dirty="0" smtClean="0">
+                    <a:latin typeface="Noto Sans KR" panose="020B0200000000000000" pitchFamily="50" charset="-127"/>
+                    <a:ea typeface="Noto Sans KR" panose="020B0200000000000000" pitchFamily="50" charset="-127"/>
+                  </a:rPr>
                   <a:t>…</a:t>
                 </a:r>
-                <a:endParaRPr lang="ko-KR" altLang="en-US" sz="1100" b="1" dirty="0"/>
+                <a:endParaRPr lang="ko-KR" altLang="en-US" sz="1100" b="1" dirty="0">
+                  <a:latin typeface="Noto Sans KR" panose="020B0200000000000000" pitchFamily="50" charset="-127"/>
+                  <a:ea typeface="Noto Sans KR" panose="020B0200000000000000" pitchFamily="50" charset="-127"/>
+                </a:endParaRPr>
               </a:p>
             </p:txBody>
           </p:sp>
@@ -3358,7 +3409,7 @@
           <p:spPr>
             <a:xfrm>
               <a:off x="185223" y="390656"/>
-              <a:ext cx="633507" cy="246221"/>
+              <a:ext cx="673582" cy="246221"/>
             </a:xfrm>
             <a:prstGeom prst="rect">
               <a:avLst/>
@@ -3372,10 +3423,16 @@
             <a:lstStyle/>
             <a:p>
               <a:r>
-                <a:rPr lang="en-US" altLang="ko-KR" sz="1000" dirty="0" smtClean="0"/>
+                <a:rPr lang="en-US" altLang="ko-KR" sz="1000" dirty="0" smtClean="0">
+                  <a:latin typeface="Noto Sans KR" panose="020B0200000000000000" pitchFamily="50" charset="-127"/>
+                  <a:ea typeface="Noto Sans KR" panose="020B0200000000000000" pitchFamily="50" charset="-127"/>
+                </a:rPr>
                 <a:t>‘SYS_ID’</a:t>
               </a:r>
-              <a:endParaRPr lang="ko-KR" altLang="en-US" sz="1000" dirty="0"/>
+              <a:endParaRPr lang="ko-KR" altLang="en-US" sz="1000" dirty="0">
+                <a:latin typeface="Noto Sans KR" panose="020B0200000000000000" pitchFamily="50" charset="-127"/>
+                <a:ea typeface="Noto Sans KR" panose="020B0200000000000000" pitchFamily="50" charset="-127"/>
+              </a:endParaRPr>
             </a:p>
           </p:txBody>
         </p:sp>
@@ -3388,7 +3445,7 @@
           <p:spPr>
             <a:xfrm>
               <a:off x="1489712" y="390655"/>
-              <a:ext cx="891591" cy="246221"/>
+              <a:ext cx="923651" cy="246221"/>
             </a:xfrm>
             <a:prstGeom prst="rect">
               <a:avLst/>
@@ -3402,10 +3459,16 @@
             <a:lstStyle/>
             <a:p>
               <a:r>
-                <a:rPr lang="en-US" altLang="ko-KR" sz="1000" dirty="0" smtClean="0"/>
+                <a:rPr lang="en-US" altLang="ko-KR" sz="1000" dirty="0" smtClean="0">
+                  <a:latin typeface="Noto Sans KR" panose="020B0200000000000000" pitchFamily="50" charset="-127"/>
+                  <a:ea typeface="Noto Sans KR" panose="020B0200000000000000" pitchFamily="50" charset="-127"/>
+                </a:rPr>
                 <a:t>‘CONTENTS’</a:t>
               </a:r>
-              <a:endParaRPr lang="ko-KR" altLang="en-US" sz="1000" dirty="0"/>
+              <a:endParaRPr lang="ko-KR" altLang="en-US" sz="1000" dirty="0">
+                <a:latin typeface="Noto Sans KR" panose="020B0200000000000000" pitchFamily="50" charset="-127"/>
+                <a:ea typeface="Noto Sans KR" panose="020B0200000000000000" pitchFamily="50" charset="-127"/>
+              </a:endParaRPr>
             </a:p>
           </p:txBody>
         </p:sp>
@@ -3542,6 +3605,8 @@
                   <a:solidFill>
                     <a:schemeClr val="tx1"/>
                   </a:solidFill>
+                  <a:latin typeface="Noto Sans KR" panose="020B0200000000000000" pitchFamily="50" charset="-127"/>
+                  <a:ea typeface="Noto Sans KR" panose="020B0200000000000000" pitchFamily="50" charset="-127"/>
                 </a:rPr>
                 <a:t>System</a:t>
               </a:r>
@@ -3549,6 +3614,8 @@
                 <a:solidFill>
                   <a:schemeClr val="tx1"/>
                 </a:solidFill>
+                <a:latin typeface="Noto Sans KR" panose="020B0200000000000000" pitchFamily="50" charset="-127"/>
+                <a:ea typeface="Noto Sans KR" panose="020B0200000000000000" pitchFamily="50" charset="-127"/>
               </a:endParaRPr>
             </a:p>
           </p:txBody>
@@ -3606,6 +3673,8 @@
                   <a:solidFill>
                     <a:schemeClr val="tx1"/>
                   </a:solidFill>
+                  <a:latin typeface="Noto Sans KR" panose="020B0200000000000000" pitchFamily="50" charset="-127"/>
+                  <a:ea typeface="Noto Sans KR" panose="020B0200000000000000" pitchFamily="50" charset="-127"/>
                 </a:rPr>
                 <a:t>Adapter</a:t>
               </a:r>
@@ -3613,6 +3682,8 @@
                 <a:solidFill>
                   <a:schemeClr val="tx1"/>
                 </a:solidFill>
+                <a:latin typeface="Noto Sans KR" panose="020B0200000000000000" pitchFamily="50" charset="-127"/>
+                <a:ea typeface="Noto Sans KR" panose="020B0200000000000000" pitchFamily="50" charset="-127"/>
               </a:endParaRPr>
             </a:p>
           </p:txBody>
@@ -3670,6 +3741,8 @@
                   <a:solidFill>
                     <a:schemeClr val="tx1"/>
                   </a:solidFill>
+                  <a:latin typeface="Noto Sans KR" panose="020B0200000000000000" pitchFamily="50" charset="-127"/>
+                  <a:ea typeface="Noto Sans KR" panose="020B0200000000000000" pitchFamily="50" charset="-127"/>
                 </a:rPr>
                 <a:t>Endpoint</a:t>
               </a:r>
@@ -3677,6 +3750,8 @@
                 <a:solidFill>
                   <a:schemeClr val="tx1"/>
                 </a:solidFill>
+                <a:latin typeface="Noto Sans KR" panose="020B0200000000000000" pitchFamily="50" charset="-127"/>
+                <a:ea typeface="Noto Sans KR" panose="020B0200000000000000" pitchFamily="50" charset="-127"/>
               </a:endParaRPr>
             </a:p>
           </p:txBody>
@@ -3734,6 +3809,8 @@
                   <a:solidFill>
                     <a:schemeClr val="tx1"/>
                   </a:solidFill>
+                  <a:latin typeface="Noto Sans KR" panose="020B0200000000000000" pitchFamily="50" charset="-127"/>
+                  <a:ea typeface="Noto Sans KR" panose="020B0200000000000000" pitchFamily="50" charset="-127"/>
                 </a:rPr>
                 <a:t>BPMN Flow</a:t>
               </a:r>
@@ -3741,6 +3818,8 @@
                 <a:solidFill>
                   <a:schemeClr val="tx1"/>
                 </a:solidFill>
+                <a:latin typeface="Noto Sans KR" panose="020B0200000000000000" pitchFamily="50" charset="-127"/>
+                <a:ea typeface="Noto Sans KR" panose="020B0200000000000000" pitchFamily="50" charset="-127"/>
               </a:endParaRPr>
             </a:p>
           </p:txBody>
@@ -3798,6 +3877,8 @@
                   <a:solidFill>
                     <a:schemeClr val="tx1"/>
                   </a:solidFill>
+                  <a:latin typeface="Noto Sans KR" panose="020B0200000000000000" pitchFamily="50" charset="-127"/>
+                  <a:ea typeface="Noto Sans KR" panose="020B0200000000000000" pitchFamily="50" charset="-127"/>
                 </a:rPr>
                 <a:t>Transaction</a:t>
               </a:r>
@@ -3805,6 +3886,8 @@
                 <a:solidFill>
                   <a:schemeClr val="tx1"/>
                 </a:solidFill>
+                <a:latin typeface="Noto Sans KR" panose="020B0200000000000000" pitchFamily="50" charset="-127"/>
+                <a:ea typeface="Noto Sans KR" panose="020B0200000000000000" pitchFamily="50" charset="-127"/>
               </a:endParaRPr>
             </a:p>
           </p:txBody>
@@ -3862,6 +3945,8 @@
                   <a:solidFill>
                     <a:schemeClr val="tx1"/>
                   </a:solidFill>
+                  <a:latin typeface="Noto Sans KR" panose="020B0200000000000000" pitchFamily="50" charset="-127"/>
+                  <a:ea typeface="Noto Sans KR" panose="020B0200000000000000" pitchFamily="50" charset="-127"/>
                 </a:rPr>
                 <a:t>Message</a:t>
               </a:r>
@@ -3869,6 +3954,8 @@
                 <a:solidFill>
                   <a:schemeClr val="tx1"/>
                 </a:solidFill>
+                <a:latin typeface="Noto Sans KR" panose="020B0200000000000000" pitchFamily="50" charset="-127"/>
+                <a:ea typeface="Noto Sans KR" panose="020B0200000000000000" pitchFamily="50" charset="-127"/>
               </a:endParaRPr>
             </a:p>
           </p:txBody>
@@ -3881,8 +3968,8 @@
           </p:nvSpPr>
           <p:spPr>
             <a:xfrm rot="5400000">
-              <a:off x="6167450" y="1089016"/>
-              <a:ext cx="309700" cy="261610"/>
+              <a:off x="6159435" y="1089016"/>
+              <a:ext cx="325730" cy="261610"/>
             </a:xfrm>
             <a:prstGeom prst="rect">
               <a:avLst/>
@@ -3896,10 +3983,16 @@
             <a:lstStyle/>
             <a:p>
               <a:r>
-                <a:rPr lang="en-US" altLang="ko-KR" sz="1100" b="1" dirty="0" smtClean="0"/>
+                <a:rPr lang="en-US" altLang="ko-KR" sz="1100" b="1" dirty="0" smtClean="0">
+                  <a:latin typeface="Noto Sans KR" panose="020B0200000000000000" pitchFamily="50" charset="-127"/>
+                  <a:ea typeface="Noto Sans KR" panose="020B0200000000000000" pitchFamily="50" charset="-127"/>
+                </a:rPr>
                 <a:t>…</a:t>
               </a:r>
-              <a:endParaRPr lang="ko-KR" altLang="en-US" sz="1100" b="1" dirty="0"/>
+              <a:endParaRPr lang="ko-KR" altLang="en-US" sz="1100" b="1" dirty="0">
+                <a:latin typeface="Noto Sans KR" panose="020B0200000000000000" pitchFamily="50" charset="-127"/>
+                <a:ea typeface="Noto Sans KR" panose="020B0200000000000000" pitchFamily="50" charset="-127"/>
+              </a:endParaRPr>
             </a:p>
           </p:txBody>
         </p:sp>
@@ -3942,7 +4035,10 @@
             <a:lstStyle/>
             <a:p>
               <a:pPr algn="ctr"/>
-              <a:endParaRPr lang="ko-KR" altLang="en-US"/>
+              <a:endParaRPr lang="ko-KR" altLang="en-US">
+                <a:latin typeface="Noto Sans KR" panose="020B0200000000000000" pitchFamily="50" charset="-127"/>
+                <a:ea typeface="Noto Sans KR" panose="020B0200000000000000" pitchFamily="50" charset="-127"/>
+              </a:endParaRPr>
             </a:p>
           </p:txBody>
         </p:sp>
@@ -4033,7 +4129,10 @@
             <a:lstStyle/>
             <a:p>
               <a:pPr algn="ctr"/>
-              <a:endParaRPr lang="ko-KR" altLang="en-US"/>
+              <a:endParaRPr lang="ko-KR" altLang="en-US">
+                <a:latin typeface="Noto Sans KR" panose="020B0200000000000000" pitchFamily="50" charset="-127"/>
+                <a:ea typeface="Noto Sans KR" panose="020B0200000000000000" pitchFamily="50" charset="-127"/>
+              </a:endParaRPr>
             </a:p>
           </p:txBody>
         </p:sp>
@@ -4086,10 +4185,16 @@
             <a:p>
               <a:pPr algn="ctr"/>
               <a:r>
-                <a:rPr lang="en-US" altLang="ko-KR" sz="1200" dirty="0" smtClean="0"/>
+                <a:rPr lang="en-US" altLang="ko-KR" sz="1200" dirty="0" smtClean="0">
+                  <a:latin typeface="Noto Sans KR" panose="020B0200000000000000" pitchFamily="50" charset="-127"/>
+                  <a:ea typeface="Noto Sans KR" panose="020B0200000000000000" pitchFamily="50" charset="-127"/>
+                </a:rPr>
                 <a:t>Web Application</a:t>
               </a:r>
-              <a:endParaRPr lang="ko-KR" altLang="en-US" sz="1200" dirty="0"/>
+              <a:endParaRPr lang="ko-KR" altLang="en-US" sz="1200" dirty="0">
+                <a:latin typeface="Noto Sans KR" panose="020B0200000000000000" pitchFamily="50" charset="-127"/>
+                <a:ea typeface="Noto Sans KR" panose="020B0200000000000000" pitchFamily="50" charset="-127"/>
+              </a:endParaRPr>
             </a:p>
           </p:txBody>
         </p:sp>
@@ -4142,17 +4247,26 @@
             <a:p>
               <a:pPr algn="ctr"/>
               <a:r>
-                <a:rPr lang="en-US" altLang="ko-KR" sz="1200" dirty="0" smtClean="0"/>
+                <a:rPr lang="en-US" altLang="ko-KR" sz="1200" dirty="0" smtClean="0">
+                  <a:latin typeface="Noto Sans KR" panose="020B0200000000000000" pitchFamily="50" charset="-127"/>
+                  <a:ea typeface="Noto Sans KR" panose="020B0200000000000000" pitchFamily="50" charset="-127"/>
+                </a:rPr>
                 <a:t>Eclipse IDE</a:t>
               </a:r>
             </a:p>
             <a:p>
               <a:pPr algn="ctr"/>
               <a:r>
-                <a:rPr lang="en-US" altLang="ko-KR" sz="1200" dirty="0" smtClean="0"/>
+                <a:rPr lang="en-US" altLang="ko-KR" sz="1200" dirty="0" smtClean="0">
+                  <a:latin typeface="Noto Sans KR" panose="020B0200000000000000" pitchFamily="50" charset="-127"/>
+                  <a:ea typeface="Noto Sans KR" panose="020B0200000000000000" pitchFamily="50" charset="-127"/>
+                </a:rPr>
                 <a:t>Application</a:t>
               </a:r>
-              <a:endParaRPr lang="ko-KR" altLang="en-US" sz="1200" dirty="0"/>
+              <a:endParaRPr lang="ko-KR" altLang="en-US" sz="1200" dirty="0">
+                <a:latin typeface="Noto Sans KR" panose="020B0200000000000000" pitchFamily="50" charset="-127"/>
+                <a:ea typeface="Noto Sans KR" panose="020B0200000000000000" pitchFamily="50" charset="-127"/>
+              </a:endParaRPr>
             </a:p>
           </p:txBody>
         </p:sp>
@@ -4205,17 +4319,26 @@
             <a:p>
               <a:pPr algn="ctr"/>
               <a:r>
-                <a:rPr lang="en-US" altLang="ko-KR" sz="1200" dirty="0" smtClean="0"/>
+                <a:rPr lang="en-US" altLang="ko-KR" sz="1200" dirty="0" smtClean="0">
+                  <a:latin typeface="Noto Sans KR" panose="020B0200000000000000" pitchFamily="50" charset="-127"/>
+                  <a:ea typeface="Noto Sans KR" panose="020B0200000000000000" pitchFamily="50" charset="-127"/>
+                </a:rPr>
                 <a:t>Interface</a:t>
               </a:r>
             </a:p>
             <a:p>
               <a:pPr algn="ctr"/>
               <a:r>
-                <a:rPr lang="en-US" altLang="ko-KR" sz="1200" dirty="0" smtClean="0"/>
+                <a:rPr lang="en-US" altLang="ko-KR" sz="1200" dirty="0" smtClean="0">
+                  <a:latin typeface="Noto Sans KR" panose="020B0200000000000000" pitchFamily="50" charset="-127"/>
+                  <a:ea typeface="Noto Sans KR" panose="020B0200000000000000" pitchFamily="50" charset="-127"/>
+                </a:rPr>
                 <a:t>Execute Engine</a:t>
               </a:r>
-              <a:endParaRPr lang="ko-KR" altLang="en-US" sz="1200" dirty="0"/>
+              <a:endParaRPr lang="ko-KR" altLang="en-US" sz="1200" dirty="0">
+                <a:latin typeface="Noto Sans KR" panose="020B0200000000000000" pitchFamily="50" charset="-127"/>
+                <a:ea typeface="Noto Sans KR" panose="020B0200000000000000" pitchFamily="50" charset="-127"/>
+              </a:endParaRPr>
             </a:p>
           </p:txBody>
         </p:sp>
@@ -4354,6 +4477,8 @@
                   <a:solidFill>
                     <a:schemeClr val="tx1"/>
                   </a:solidFill>
+                  <a:latin typeface="Noto Sans KR" panose="020B0200000000000000" pitchFamily="50" charset="-127"/>
+                  <a:ea typeface="Noto Sans KR" panose="020B0200000000000000" pitchFamily="50" charset="-127"/>
                 </a:rPr>
                 <a:t>Adapter</a:t>
               </a:r>
@@ -4361,6 +4486,8 @@
                 <a:solidFill>
                   <a:schemeClr val="tx1"/>
                 </a:solidFill>
+                <a:latin typeface="Noto Sans KR" panose="020B0200000000000000" pitchFamily="50" charset="-127"/>
+                <a:ea typeface="Noto Sans KR" panose="020B0200000000000000" pitchFamily="50" charset="-127"/>
               </a:endParaRPr>
             </a:p>
           </p:txBody>
@@ -4418,6 +4545,8 @@
                   <a:solidFill>
                     <a:schemeClr val="tx1"/>
                   </a:solidFill>
+                  <a:latin typeface="Noto Sans KR" panose="020B0200000000000000" pitchFamily="50" charset="-127"/>
+                  <a:ea typeface="Noto Sans KR" panose="020B0200000000000000" pitchFamily="50" charset="-127"/>
                 </a:rPr>
                 <a:t>Endpoint</a:t>
               </a:r>
@@ -4425,6 +4554,8 @@
                 <a:solidFill>
                   <a:schemeClr val="tx1"/>
                 </a:solidFill>
+                <a:latin typeface="Noto Sans KR" panose="020B0200000000000000" pitchFamily="50" charset="-127"/>
+                <a:ea typeface="Noto Sans KR" panose="020B0200000000000000" pitchFamily="50" charset="-127"/>
               </a:endParaRPr>
             </a:p>
           </p:txBody>
@@ -4482,6 +4613,8 @@
                   <a:solidFill>
                     <a:schemeClr val="tx1"/>
                   </a:solidFill>
+                  <a:latin typeface="Noto Sans KR" panose="020B0200000000000000" pitchFamily="50" charset="-127"/>
+                  <a:ea typeface="Noto Sans KR" panose="020B0200000000000000" pitchFamily="50" charset="-127"/>
                 </a:rPr>
                 <a:t>BPMN Flow</a:t>
               </a:r>
@@ -4489,6 +4622,8 @@
                 <a:solidFill>
                   <a:schemeClr val="tx1"/>
                 </a:solidFill>
+                <a:latin typeface="Noto Sans KR" panose="020B0200000000000000" pitchFamily="50" charset="-127"/>
+                <a:ea typeface="Noto Sans KR" panose="020B0200000000000000" pitchFamily="50" charset="-127"/>
               </a:endParaRPr>
             </a:p>
           </p:txBody>
@@ -4546,6 +4681,8 @@
                   <a:solidFill>
                     <a:schemeClr val="tx1"/>
                   </a:solidFill>
+                  <a:latin typeface="Noto Sans KR" panose="020B0200000000000000" pitchFamily="50" charset="-127"/>
+                  <a:ea typeface="Noto Sans KR" panose="020B0200000000000000" pitchFamily="50" charset="-127"/>
                 </a:rPr>
                 <a:t>Transaction</a:t>
               </a:r>
@@ -4553,6 +4690,8 @@
                 <a:solidFill>
                   <a:schemeClr val="tx1"/>
                 </a:solidFill>
+                <a:latin typeface="Noto Sans KR" panose="020B0200000000000000" pitchFamily="50" charset="-127"/>
+                <a:ea typeface="Noto Sans KR" panose="020B0200000000000000" pitchFamily="50" charset="-127"/>
               </a:endParaRPr>
             </a:p>
           </p:txBody>
@@ -4610,6 +4749,8 @@
                   <a:solidFill>
                     <a:schemeClr val="tx1"/>
                   </a:solidFill>
+                  <a:latin typeface="Noto Sans KR" panose="020B0200000000000000" pitchFamily="50" charset="-127"/>
+                  <a:ea typeface="Noto Sans KR" panose="020B0200000000000000" pitchFamily="50" charset="-127"/>
                 </a:rPr>
                 <a:t>Adapter</a:t>
               </a:r>
@@ -4617,6 +4758,8 @@
                 <a:solidFill>
                   <a:schemeClr val="tx1"/>
                 </a:solidFill>
+                <a:latin typeface="Noto Sans KR" panose="020B0200000000000000" pitchFamily="50" charset="-127"/>
+                <a:ea typeface="Noto Sans KR" panose="020B0200000000000000" pitchFamily="50" charset="-127"/>
               </a:endParaRPr>
             </a:p>
           </p:txBody>
@@ -4674,6 +4817,8 @@
                   <a:solidFill>
                     <a:schemeClr val="tx1"/>
                   </a:solidFill>
+                  <a:latin typeface="Noto Sans KR" panose="020B0200000000000000" pitchFamily="50" charset="-127"/>
+                  <a:ea typeface="Noto Sans KR" panose="020B0200000000000000" pitchFamily="50" charset="-127"/>
                 </a:rPr>
                 <a:t>Endpoint</a:t>
               </a:r>
@@ -4681,6 +4826,8 @@
                 <a:solidFill>
                   <a:schemeClr val="tx1"/>
                 </a:solidFill>
+                <a:latin typeface="Noto Sans KR" panose="020B0200000000000000" pitchFamily="50" charset="-127"/>
+                <a:ea typeface="Noto Sans KR" panose="020B0200000000000000" pitchFamily="50" charset="-127"/>
               </a:endParaRPr>
             </a:p>
           </p:txBody>
@@ -4738,6 +4885,8 @@
                   <a:solidFill>
                     <a:schemeClr val="tx1"/>
                   </a:solidFill>
+                  <a:latin typeface="Noto Sans KR" panose="020B0200000000000000" pitchFamily="50" charset="-127"/>
+                  <a:ea typeface="Noto Sans KR" panose="020B0200000000000000" pitchFamily="50" charset="-127"/>
                 </a:rPr>
                 <a:t>BPMN Flow</a:t>
               </a:r>
@@ -4745,6 +4894,8 @@
                 <a:solidFill>
                   <a:schemeClr val="tx1"/>
                 </a:solidFill>
+                <a:latin typeface="Noto Sans KR" panose="020B0200000000000000" pitchFamily="50" charset="-127"/>
+                <a:ea typeface="Noto Sans KR" panose="020B0200000000000000" pitchFamily="50" charset="-127"/>
               </a:endParaRPr>
             </a:p>
           </p:txBody>
@@ -4802,6 +4953,8 @@
                   <a:solidFill>
                     <a:schemeClr val="tx1"/>
                   </a:solidFill>
+                  <a:latin typeface="Noto Sans KR" panose="020B0200000000000000" pitchFamily="50" charset="-127"/>
+                  <a:ea typeface="Noto Sans KR" panose="020B0200000000000000" pitchFamily="50" charset="-127"/>
                 </a:rPr>
                 <a:t>Transaction</a:t>
               </a:r>
@@ -4809,6 +4962,8 @@
                 <a:solidFill>
                   <a:schemeClr val="tx1"/>
                 </a:solidFill>
+                <a:latin typeface="Noto Sans KR" panose="020B0200000000000000" pitchFamily="50" charset="-127"/>
+                <a:ea typeface="Noto Sans KR" panose="020B0200000000000000" pitchFamily="50" charset="-127"/>
               </a:endParaRPr>
             </a:p>
           </p:txBody>
@@ -4856,10 +5011,16 @@
             <a:p>
               <a:pPr algn="ctr"/>
               <a:r>
-                <a:rPr lang="en-US" altLang="ko-KR" sz="1200" dirty="0" smtClean="0"/>
+                <a:rPr lang="en-US" altLang="ko-KR" sz="1200" dirty="0" smtClean="0">
+                  <a:latin typeface="Noto Sans KR" panose="020B0200000000000000" pitchFamily="50" charset="-127"/>
+                  <a:ea typeface="Noto Sans KR" panose="020B0200000000000000" pitchFamily="50" charset="-127"/>
+                </a:rPr>
                 <a:t>Deploy</a:t>
               </a:r>
-              <a:endParaRPr lang="ko-KR" altLang="en-US" sz="1200" dirty="0"/>
+              <a:endParaRPr lang="ko-KR" altLang="en-US" sz="1200" dirty="0">
+                <a:latin typeface="Noto Sans KR" panose="020B0200000000000000" pitchFamily="50" charset="-127"/>
+                <a:ea typeface="Noto Sans KR" panose="020B0200000000000000" pitchFamily="50" charset="-127"/>
+              </a:endParaRPr>
             </a:p>
           </p:txBody>
         </p:sp>
@@ -4906,10 +5067,16 @@
             <a:p>
               <a:pPr algn="ctr"/>
               <a:r>
-                <a:rPr lang="en-US" altLang="ko-KR" sz="1200" dirty="0" smtClean="0"/>
+                <a:rPr lang="en-US" altLang="ko-KR" sz="1200" dirty="0" smtClean="0">
+                  <a:latin typeface="Noto Sans KR" panose="020B0200000000000000" pitchFamily="50" charset="-127"/>
+                  <a:ea typeface="Noto Sans KR" panose="020B0200000000000000" pitchFamily="50" charset="-127"/>
+                </a:rPr>
                 <a:t>Deploy</a:t>
               </a:r>
-              <a:endParaRPr lang="ko-KR" altLang="en-US" sz="1200" dirty="0"/>
+              <a:endParaRPr lang="ko-KR" altLang="en-US" sz="1200" dirty="0">
+                <a:latin typeface="Noto Sans KR" panose="020B0200000000000000" pitchFamily="50" charset="-127"/>
+                <a:ea typeface="Noto Sans KR" panose="020B0200000000000000" pitchFamily="50" charset="-127"/>
+              </a:endParaRPr>
             </a:p>
           </p:txBody>
         </p:sp>
@@ -4918,6 +5085,1366 @@
     <p:extLst>
       <p:ext uri="{BB962C8B-B14F-4D97-AF65-F5344CB8AC3E}">
         <p14:creationId xmlns:p14="http://schemas.microsoft.com/office/powerpoint/2010/main" val="359702186"/>
+      </p:ext>
+    </p:extLst>
+  </p:cSld>
+  <p:clrMapOvr>
+    <a:masterClrMapping/>
+  </p:clrMapOvr>
+</p:sld>
+</file>
+
+<file path=ppt/slides/slide3.xml><?xml version="1.0" encoding="utf-8"?>
+<p:sld xmlns:a="http://schemas.openxmlformats.org/drawingml/2006/main" xmlns:r="http://schemas.openxmlformats.org/officeDocument/2006/relationships" xmlns:p="http://schemas.openxmlformats.org/presentationml/2006/main">
+  <p:cSld>
+    <p:spTree>
+      <p:nvGrpSpPr>
+        <p:cNvPr id="1" name=""/>
+        <p:cNvGrpSpPr/>
+        <p:nvPr/>
+      </p:nvGrpSpPr>
+      <p:grpSpPr>
+        <a:xfrm>
+          <a:off x="0" y="0"/>
+          <a:ext cx="0" cy="0"/>
+          <a:chOff x="0" y="0"/>
+          <a:chExt cx="0" cy="0"/>
+        </a:xfrm>
+      </p:grpSpPr>
+      <p:grpSp>
+        <p:nvGrpSpPr>
+          <p:cNvPr id="81" name="그룹 80"/>
+          <p:cNvGrpSpPr/>
+          <p:nvPr/>
+        </p:nvGrpSpPr>
+        <p:grpSpPr>
+          <a:xfrm>
+            <a:off x="491253" y="995751"/>
+            <a:ext cx="9323867" cy="2344292"/>
+            <a:chOff x="491253" y="995751"/>
+            <a:chExt cx="9323867" cy="2344292"/>
+          </a:xfrm>
+        </p:grpSpPr>
+        <p:sp>
+          <p:nvSpPr>
+            <p:cNvPr id="22" name="순서도: 수행의 시작/종료 21"/>
+            <p:cNvSpPr/>
+            <p:nvPr/>
+          </p:nvSpPr>
+          <p:spPr>
+            <a:xfrm>
+              <a:off x="491253" y="995752"/>
+              <a:ext cx="1080000" cy="315032"/>
+            </a:xfrm>
+            <a:prstGeom prst="flowChartTerminator">
+              <a:avLst/>
+            </a:prstGeom>
+            <a:solidFill>
+              <a:schemeClr val="accent4">
+                <a:lumMod val="60000"/>
+                <a:lumOff val="40000"/>
+              </a:schemeClr>
+            </a:solidFill>
+            <a:ln>
+              <a:solidFill>
+                <a:schemeClr val="accent4">
+                  <a:lumMod val="75000"/>
+                </a:schemeClr>
+              </a:solidFill>
+            </a:ln>
+          </p:spPr>
+          <p:style>
+            <a:lnRef idx="2">
+              <a:schemeClr val="accent1">
+                <a:shade val="50000"/>
+              </a:schemeClr>
+            </a:lnRef>
+            <a:fillRef idx="1">
+              <a:schemeClr val="accent1"/>
+            </a:fillRef>
+            <a:effectRef idx="0">
+              <a:schemeClr val="accent1"/>
+            </a:effectRef>
+            <a:fontRef idx="minor">
+              <a:schemeClr val="lt1"/>
+            </a:fontRef>
+          </p:style>
+          <p:txBody>
+            <a:bodyPr rtlCol="0" anchor="ctr"/>
+            <a:lstStyle/>
+            <a:p>
+              <a:r>
+                <a:rPr lang="en-US" altLang="ko-KR" sz="1000" dirty="0" smtClean="0">
+                  <a:solidFill>
+                    <a:schemeClr val="tx1"/>
+                  </a:solidFill>
+                  <a:latin typeface="Noto Sans KR" panose="020B0200000000000000" pitchFamily="50" charset="-127"/>
+                  <a:ea typeface="Noto Sans KR" panose="020B0200000000000000" pitchFamily="50" charset="-127"/>
+                </a:rPr>
+                <a:t>SYSTEM</a:t>
+              </a:r>
+              <a:endParaRPr lang="ko-KR" altLang="en-US" sz="1000" dirty="0">
+                <a:solidFill>
+                  <a:schemeClr val="tx1"/>
+                </a:solidFill>
+                <a:latin typeface="Noto Sans KR" panose="020B0200000000000000" pitchFamily="50" charset="-127"/>
+                <a:ea typeface="Noto Sans KR" panose="020B0200000000000000" pitchFamily="50" charset="-127"/>
+              </a:endParaRPr>
+            </a:p>
+          </p:txBody>
+        </p:sp>
+        <p:sp>
+          <p:nvSpPr>
+            <p:cNvPr id="26" name="순서도: 수행의 시작/종료 25"/>
+            <p:cNvSpPr/>
+            <p:nvPr/>
+          </p:nvSpPr>
+          <p:spPr>
+            <a:xfrm>
+              <a:off x="1571253" y="1599769"/>
+              <a:ext cx="1080000" cy="315032"/>
+            </a:xfrm>
+            <a:prstGeom prst="flowChartTerminator">
+              <a:avLst/>
+            </a:prstGeom>
+            <a:solidFill>
+              <a:schemeClr val="accent4">
+                <a:lumMod val="60000"/>
+                <a:lumOff val="40000"/>
+              </a:schemeClr>
+            </a:solidFill>
+            <a:ln>
+              <a:solidFill>
+                <a:schemeClr val="accent4">
+                  <a:lumMod val="75000"/>
+                </a:schemeClr>
+              </a:solidFill>
+            </a:ln>
+          </p:spPr>
+          <p:style>
+            <a:lnRef idx="2">
+              <a:schemeClr val="accent1">
+                <a:shade val="50000"/>
+              </a:schemeClr>
+            </a:lnRef>
+            <a:fillRef idx="1">
+              <a:schemeClr val="accent1"/>
+            </a:fillRef>
+            <a:effectRef idx="0">
+              <a:schemeClr val="accent1"/>
+            </a:effectRef>
+            <a:fontRef idx="minor">
+              <a:schemeClr val="lt1"/>
+            </a:fontRef>
+          </p:style>
+          <p:txBody>
+            <a:bodyPr rtlCol="0" anchor="ctr"/>
+            <a:lstStyle/>
+            <a:p>
+              <a:r>
+                <a:rPr lang="en-US" altLang="ko-KR" sz="1000" dirty="0" smtClean="0">
+                  <a:solidFill>
+                    <a:schemeClr val="tx1"/>
+                  </a:solidFill>
+                  <a:latin typeface="Noto Sans KR" panose="020B0200000000000000" pitchFamily="50" charset="-127"/>
+                  <a:ea typeface="Noto Sans KR" panose="020B0200000000000000" pitchFamily="50" charset="-127"/>
+                </a:rPr>
+                <a:t>ADAPTER</a:t>
+              </a:r>
+              <a:endParaRPr lang="ko-KR" altLang="en-US" sz="1000" dirty="0">
+                <a:solidFill>
+                  <a:schemeClr val="tx1"/>
+                </a:solidFill>
+                <a:latin typeface="Noto Sans KR" panose="020B0200000000000000" pitchFamily="50" charset="-127"/>
+                <a:ea typeface="Noto Sans KR" panose="020B0200000000000000" pitchFamily="50" charset="-127"/>
+              </a:endParaRPr>
+            </a:p>
+          </p:txBody>
+        </p:sp>
+        <p:sp>
+          <p:nvSpPr>
+            <p:cNvPr id="30" name="순서도: 수행의 시작/종료 29"/>
+            <p:cNvSpPr/>
+            <p:nvPr/>
+          </p:nvSpPr>
+          <p:spPr>
+            <a:xfrm>
+              <a:off x="4359083" y="1257361"/>
+              <a:ext cx="1080000" cy="315032"/>
+            </a:xfrm>
+            <a:prstGeom prst="flowChartTerminator">
+              <a:avLst/>
+            </a:prstGeom>
+            <a:solidFill>
+              <a:schemeClr val="accent4">
+                <a:lumMod val="60000"/>
+                <a:lumOff val="40000"/>
+              </a:schemeClr>
+            </a:solidFill>
+            <a:ln>
+              <a:solidFill>
+                <a:schemeClr val="accent4">
+                  <a:lumMod val="75000"/>
+                </a:schemeClr>
+              </a:solidFill>
+            </a:ln>
+          </p:spPr>
+          <p:style>
+            <a:lnRef idx="2">
+              <a:schemeClr val="accent1">
+                <a:shade val="50000"/>
+              </a:schemeClr>
+            </a:lnRef>
+            <a:fillRef idx="1">
+              <a:schemeClr val="accent1"/>
+            </a:fillRef>
+            <a:effectRef idx="0">
+              <a:schemeClr val="accent1"/>
+            </a:effectRef>
+            <a:fontRef idx="minor">
+              <a:schemeClr val="lt1"/>
+            </a:fontRef>
+          </p:style>
+          <p:txBody>
+            <a:bodyPr rtlCol="0" anchor="ctr"/>
+            <a:lstStyle/>
+            <a:p>
+              <a:r>
+                <a:rPr lang="en-US" altLang="ko-KR" sz="1000" dirty="0" smtClean="0">
+                  <a:solidFill>
+                    <a:schemeClr val="tx1"/>
+                  </a:solidFill>
+                  <a:latin typeface="Noto Sans KR" panose="020B0200000000000000" pitchFamily="50" charset="-127"/>
+                  <a:ea typeface="Noto Sans KR" panose="020B0200000000000000" pitchFamily="50" charset="-127"/>
+                </a:rPr>
+                <a:t>ENDPOINT</a:t>
+              </a:r>
+              <a:endParaRPr lang="ko-KR" altLang="en-US" sz="1000" dirty="0">
+                <a:solidFill>
+                  <a:schemeClr val="tx1"/>
+                </a:solidFill>
+                <a:latin typeface="Noto Sans KR" panose="020B0200000000000000" pitchFamily="50" charset="-127"/>
+                <a:ea typeface="Noto Sans KR" panose="020B0200000000000000" pitchFamily="50" charset="-127"/>
+              </a:endParaRPr>
+            </a:p>
+          </p:txBody>
+        </p:sp>
+        <p:sp>
+          <p:nvSpPr>
+            <p:cNvPr id="32" name="순서도: 수행의 시작/종료 31"/>
+            <p:cNvSpPr/>
+            <p:nvPr/>
+          </p:nvSpPr>
+          <p:spPr>
+            <a:xfrm>
+              <a:off x="6552318" y="1186504"/>
+              <a:ext cx="2381490" cy="315032"/>
+            </a:xfrm>
+            <a:prstGeom prst="flowChartTerminator">
+              <a:avLst/>
+            </a:prstGeom>
+            <a:solidFill>
+              <a:schemeClr val="accent4">
+                <a:lumMod val="60000"/>
+                <a:lumOff val="40000"/>
+              </a:schemeClr>
+            </a:solidFill>
+            <a:ln>
+              <a:solidFill>
+                <a:schemeClr val="accent4">
+                  <a:lumMod val="75000"/>
+                </a:schemeClr>
+              </a:solidFill>
+            </a:ln>
+          </p:spPr>
+          <p:style>
+            <a:lnRef idx="2">
+              <a:schemeClr val="accent1">
+                <a:shade val="50000"/>
+              </a:schemeClr>
+            </a:lnRef>
+            <a:fillRef idx="1">
+              <a:schemeClr val="accent1"/>
+            </a:fillRef>
+            <a:effectRef idx="0">
+              <a:schemeClr val="accent1"/>
+            </a:effectRef>
+            <a:fontRef idx="minor">
+              <a:schemeClr val="lt1"/>
+            </a:fontRef>
+          </p:style>
+          <p:txBody>
+            <a:bodyPr rtlCol="0" anchor="ctr"/>
+            <a:lstStyle/>
+            <a:p>
+              <a:r>
+                <a:rPr lang="en-US" altLang="ko-KR" sz="1000" dirty="0" smtClean="0">
+                  <a:solidFill>
+                    <a:schemeClr val="tx1"/>
+                  </a:solidFill>
+                  <a:latin typeface="Noto Sans KR" panose="020B0200000000000000" pitchFamily="50" charset="-127"/>
+                  <a:ea typeface="Noto Sans KR" panose="020B0200000000000000" pitchFamily="50" charset="-127"/>
+                </a:rPr>
+                <a:t>HTTP OUTBOUND INFOMATION</a:t>
+              </a:r>
+              <a:endParaRPr lang="ko-KR" altLang="en-US" sz="1000" dirty="0">
+                <a:solidFill>
+                  <a:schemeClr val="tx1"/>
+                </a:solidFill>
+                <a:latin typeface="Noto Sans KR" panose="020B0200000000000000" pitchFamily="50" charset="-127"/>
+                <a:ea typeface="Noto Sans KR" panose="020B0200000000000000" pitchFamily="50" charset="-127"/>
+              </a:endParaRPr>
+            </a:p>
+          </p:txBody>
+        </p:sp>
+        <p:sp>
+          <p:nvSpPr>
+            <p:cNvPr id="11" name="순서도: 수행의 시작/종료 10"/>
+            <p:cNvSpPr/>
+            <p:nvPr/>
+          </p:nvSpPr>
+          <p:spPr>
+            <a:xfrm>
+              <a:off x="2918179" y="2223133"/>
+              <a:ext cx="1080000" cy="315032"/>
+            </a:xfrm>
+            <a:prstGeom prst="flowChartTerminator">
+              <a:avLst/>
+            </a:prstGeom>
+            <a:solidFill>
+              <a:schemeClr val="accent4">
+                <a:lumMod val="60000"/>
+                <a:lumOff val="40000"/>
+              </a:schemeClr>
+            </a:solidFill>
+            <a:ln>
+              <a:solidFill>
+                <a:schemeClr val="accent4">
+                  <a:lumMod val="75000"/>
+                </a:schemeClr>
+              </a:solidFill>
+            </a:ln>
+          </p:spPr>
+          <p:style>
+            <a:lnRef idx="2">
+              <a:schemeClr val="accent1">
+                <a:shade val="50000"/>
+              </a:schemeClr>
+            </a:lnRef>
+            <a:fillRef idx="1">
+              <a:schemeClr val="accent1"/>
+            </a:fillRef>
+            <a:effectRef idx="0">
+              <a:schemeClr val="accent1"/>
+            </a:effectRef>
+            <a:fontRef idx="minor">
+              <a:schemeClr val="lt1"/>
+            </a:fontRef>
+          </p:style>
+          <p:txBody>
+            <a:bodyPr rtlCol="0" anchor="ctr"/>
+            <a:lstStyle/>
+            <a:p>
+              <a:r>
+                <a:rPr lang="en-US" altLang="ko-KR" sz="1000" dirty="0" smtClean="0">
+                  <a:solidFill>
+                    <a:schemeClr val="tx1"/>
+                  </a:solidFill>
+                  <a:latin typeface="Noto Sans KR" panose="020B0200000000000000" pitchFamily="50" charset="-127"/>
+                  <a:ea typeface="Noto Sans KR" panose="020B0200000000000000" pitchFamily="50" charset="-127"/>
+                </a:rPr>
+                <a:t>GROUP</a:t>
+              </a:r>
+              <a:endParaRPr lang="ko-KR" altLang="en-US" sz="1000" dirty="0">
+                <a:solidFill>
+                  <a:schemeClr val="tx1"/>
+                </a:solidFill>
+                <a:latin typeface="Noto Sans KR" panose="020B0200000000000000" pitchFamily="50" charset="-127"/>
+                <a:ea typeface="Noto Sans KR" panose="020B0200000000000000" pitchFamily="50" charset="-127"/>
+              </a:endParaRPr>
+            </a:p>
+          </p:txBody>
+        </p:sp>
+        <p:sp>
+          <p:nvSpPr>
+            <p:cNvPr id="16" name="TextBox 15"/>
+            <p:cNvSpPr txBox="1"/>
+            <p:nvPr/>
+          </p:nvSpPr>
+          <p:spPr>
+            <a:xfrm>
+              <a:off x="1028962" y="1501536"/>
+              <a:ext cx="404278" cy="261610"/>
+            </a:xfrm>
+            <a:prstGeom prst="rect">
+              <a:avLst/>
+            </a:prstGeom>
+            <a:noFill/>
+          </p:spPr>
+          <p:txBody>
+            <a:bodyPr wrap="none" rtlCol="0">
+              <a:spAutoFit/>
+            </a:bodyPr>
+            <a:lstStyle/>
+            <a:p>
+              <a:r>
+                <a:rPr lang="en-US" altLang="ko-KR" sz="1050" dirty="0" smtClean="0">
+                  <a:latin typeface="Noto Sans KR" panose="020B0200000000000000" pitchFamily="50" charset="-127"/>
+                  <a:ea typeface="Noto Sans KR" panose="020B0200000000000000" pitchFamily="50" charset="-127"/>
+                </a:rPr>
+                <a:t>1:N</a:t>
+              </a:r>
+              <a:endParaRPr lang="ko-KR" altLang="en-US" sz="1050" dirty="0">
+                <a:latin typeface="Noto Sans KR" panose="020B0200000000000000" pitchFamily="50" charset="-127"/>
+                <a:ea typeface="Noto Sans KR" panose="020B0200000000000000" pitchFamily="50" charset="-127"/>
+              </a:endParaRPr>
+            </a:p>
+          </p:txBody>
+        </p:sp>
+        <p:sp>
+          <p:nvSpPr>
+            <p:cNvPr id="27" name="TextBox 26"/>
+            <p:cNvSpPr txBox="1"/>
+            <p:nvPr/>
+          </p:nvSpPr>
+          <p:spPr>
+            <a:xfrm>
+              <a:off x="2111253" y="2119039"/>
+              <a:ext cx="404278" cy="261610"/>
+            </a:xfrm>
+            <a:prstGeom prst="rect">
+              <a:avLst/>
+            </a:prstGeom>
+            <a:noFill/>
+          </p:spPr>
+          <p:txBody>
+            <a:bodyPr wrap="none" rtlCol="0">
+              <a:spAutoFit/>
+            </a:bodyPr>
+            <a:lstStyle/>
+            <a:p>
+              <a:r>
+                <a:rPr lang="en-US" altLang="ko-KR" sz="1050" dirty="0" smtClean="0">
+                  <a:latin typeface="Noto Sans KR" panose="020B0200000000000000" pitchFamily="50" charset="-127"/>
+                  <a:ea typeface="Noto Sans KR" panose="020B0200000000000000" pitchFamily="50" charset="-127"/>
+                </a:rPr>
+                <a:t>1:N</a:t>
+              </a:r>
+              <a:endParaRPr lang="ko-KR" altLang="en-US" sz="1050" dirty="0">
+                <a:latin typeface="Noto Sans KR" panose="020B0200000000000000" pitchFamily="50" charset="-127"/>
+                <a:ea typeface="Noto Sans KR" panose="020B0200000000000000" pitchFamily="50" charset="-127"/>
+              </a:endParaRPr>
+            </a:p>
+          </p:txBody>
+        </p:sp>
+        <p:sp>
+          <p:nvSpPr>
+            <p:cNvPr id="37" name="TextBox 36"/>
+            <p:cNvSpPr txBox="1"/>
+            <p:nvPr/>
+          </p:nvSpPr>
+          <p:spPr>
+            <a:xfrm>
+              <a:off x="3426135" y="1421255"/>
+              <a:ext cx="404278" cy="261610"/>
+            </a:xfrm>
+            <a:prstGeom prst="rect">
+              <a:avLst/>
+            </a:prstGeom>
+            <a:noFill/>
+          </p:spPr>
+          <p:txBody>
+            <a:bodyPr wrap="none" rtlCol="0">
+              <a:spAutoFit/>
+            </a:bodyPr>
+            <a:lstStyle/>
+            <a:p>
+              <a:r>
+                <a:rPr lang="en-US" altLang="ko-KR" sz="1050" dirty="0" smtClean="0">
+                  <a:latin typeface="Noto Sans KR" panose="020B0200000000000000" pitchFamily="50" charset="-127"/>
+                  <a:ea typeface="Noto Sans KR" panose="020B0200000000000000" pitchFamily="50" charset="-127"/>
+                </a:rPr>
+                <a:t>1:N</a:t>
+              </a:r>
+              <a:endParaRPr lang="ko-KR" altLang="en-US" sz="1050" dirty="0">
+                <a:latin typeface="Noto Sans KR" panose="020B0200000000000000" pitchFamily="50" charset="-127"/>
+                <a:ea typeface="Noto Sans KR" panose="020B0200000000000000" pitchFamily="50" charset="-127"/>
+              </a:endParaRPr>
+            </a:p>
+          </p:txBody>
+        </p:sp>
+        <p:sp>
+          <p:nvSpPr>
+            <p:cNvPr id="38" name="TextBox 37"/>
+            <p:cNvSpPr txBox="1"/>
+            <p:nvPr/>
+          </p:nvSpPr>
+          <p:spPr>
+            <a:xfrm>
+              <a:off x="3426135" y="3078433"/>
+              <a:ext cx="404278" cy="261610"/>
+            </a:xfrm>
+            <a:prstGeom prst="rect">
+              <a:avLst/>
+            </a:prstGeom>
+            <a:noFill/>
+          </p:spPr>
+          <p:txBody>
+            <a:bodyPr wrap="none" rtlCol="0">
+              <a:spAutoFit/>
+            </a:bodyPr>
+            <a:lstStyle/>
+            <a:p>
+              <a:r>
+                <a:rPr lang="en-US" altLang="ko-KR" sz="1050" dirty="0" smtClean="0">
+                  <a:latin typeface="Noto Sans KR" panose="020B0200000000000000" pitchFamily="50" charset="-127"/>
+                  <a:ea typeface="Noto Sans KR" panose="020B0200000000000000" pitchFamily="50" charset="-127"/>
+                </a:rPr>
+                <a:t>1:N</a:t>
+              </a:r>
+              <a:endParaRPr lang="ko-KR" altLang="en-US" sz="1050" dirty="0">
+                <a:latin typeface="Noto Sans KR" panose="020B0200000000000000" pitchFamily="50" charset="-127"/>
+                <a:ea typeface="Noto Sans KR" panose="020B0200000000000000" pitchFamily="50" charset="-127"/>
+              </a:endParaRPr>
+            </a:p>
+          </p:txBody>
+        </p:sp>
+        <p:sp>
+          <p:nvSpPr>
+            <p:cNvPr id="40" name="TextBox 39"/>
+            <p:cNvSpPr txBox="1"/>
+            <p:nvPr/>
+          </p:nvSpPr>
+          <p:spPr>
+            <a:xfrm rot="5400000">
+              <a:off x="7809298" y="2285066"/>
+              <a:ext cx="311063" cy="261610"/>
+            </a:xfrm>
+            <a:prstGeom prst="rect">
+              <a:avLst/>
+            </a:prstGeom>
+            <a:noFill/>
+          </p:spPr>
+          <p:txBody>
+            <a:bodyPr wrap="square" rtlCol="0">
+              <a:spAutoFit/>
+            </a:bodyPr>
+            <a:lstStyle/>
+            <a:p>
+              <a:r>
+                <a:rPr lang="en-US" altLang="ko-KR" sz="1100" b="1" dirty="0" smtClean="0">
+                  <a:latin typeface="Noto Sans KR" panose="020B0200000000000000" pitchFamily="50" charset="-127"/>
+                  <a:ea typeface="Noto Sans KR" panose="020B0200000000000000" pitchFamily="50" charset="-127"/>
+                </a:rPr>
+                <a:t>…</a:t>
+              </a:r>
+              <a:endParaRPr lang="ko-KR" altLang="en-US" sz="1100" b="1" dirty="0">
+                <a:latin typeface="Noto Sans KR" panose="020B0200000000000000" pitchFamily="50" charset="-127"/>
+                <a:ea typeface="Noto Sans KR" panose="020B0200000000000000" pitchFamily="50" charset="-127"/>
+              </a:endParaRPr>
+            </a:p>
+          </p:txBody>
+        </p:sp>
+        <p:sp>
+          <p:nvSpPr>
+            <p:cNvPr id="41" name="순서도: 수행의 시작/종료 40"/>
+            <p:cNvSpPr/>
+            <p:nvPr/>
+          </p:nvSpPr>
+          <p:spPr>
+            <a:xfrm>
+              <a:off x="6663063" y="1421255"/>
+              <a:ext cx="2381490" cy="315032"/>
+            </a:xfrm>
+            <a:prstGeom prst="flowChartTerminator">
+              <a:avLst/>
+            </a:prstGeom>
+            <a:solidFill>
+              <a:schemeClr val="accent4">
+                <a:lumMod val="60000"/>
+                <a:lumOff val="40000"/>
+              </a:schemeClr>
+            </a:solidFill>
+            <a:ln>
+              <a:solidFill>
+                <a:schemeClr val="accent4">
+                  <a:lumMod val="75000"/>
+                </a:schemeClr>
+              </a:solidFill>
+            </a:ln>
+          </p:spPr>
+          <p:style>
+            <a:lnRef idx="2">
+              <a:schemeClr val="accent1">
+                <a:shade val="50000"/>
+              </a:schemeClr>
+            </a:lnRef>
+            <a:fillRef idx="1">
+              <a:schemeClr val="accent1"/>
+            </a:fillRef>
+            <a:effectRef idx="0">
+              <a:schemeClr val="accent1"/>
+            </a:effectRef>
+            <a:fontRef idx="minor">
+              <a:schemeClr val="lt1"/>
+            </a:fontRef>
+          </p:style>
+          <p:txBody>
+            <a:bodyPr rtlCol="0" anchor="ctr"/>
+            <a:lstStyle/>
+            <a:p>
+              <a:r>
+                <a:rPr lang="en-US" altLang="ko-KR" sz="1000" dirty="0">
+                  <a:solidFill>
+                    <a:schemeClr val="tx1"/>
+                  </a:solidFill>
+                  <a:latin typeface="Noto Sans KR" panose="020B0200000000000000" pitchFamily="50" charset="-127"/>
+                  <a:ea typeface="Noto Sans KR" panose="020B0200000000000000" pitchFamily="50" charset="-127"/>
+                </a:rPr>
+                <a:t>HTTP </a:t>
+              </a:r>
+              <a:r>
+                <a:rPr lang="en-US" altLang="ko-KR" sz="1000" dirty="0" smtClean="0">
+                  <a:solidFill>
+                    <a:schemeClr val="tx1"/>
+                  </a:solidFill>
+                  <a:latin typeface="Noto Sans KR" panose="020B0200000000000000" pitchFamily="50" charset="-127"/>
+                  <a:ea typeface="Noto Sans KR" panose="020B0200000000000000" pitchFamily="50" charset="-127"/>
+                </a:rPr>
+                <a:t>INBOUND </a:t>
+              </a:r>
+              <a:r>
+                <a:rPr lang="en-US" altLang="ko-KR" sz="1000" dirty="0">
+                  <a:solidFill>
+                    <a:schemeClr val="tx1"/>
+                  </a:solidFill>
+                  <a:latin typeface="Noto Sans KR" panose="020B0200000000000000" pitchFamily="50" charset="-127"/>
+                  <a:ea typeface="Noto Sans KR" panose="020B0200000000000000" pitchFamily="50" charset="-127"/>
+                </a:rPr>
+                <a:t>INFOMATION</a:t>
+              </a:r>
+              <a:endParaRPr lang="ko-KR" altLang="en-US" sz="1000" dirty="0">
+                <a:solidFill>
+                  <a:schemeClr val="tx1"/>
+                </a:solidFill>
+                <a:latin typeface="Noto Sans KR" panose="020B0200000000000000" pitchFamily="50" charset="-127"/>
+                <a:ea typeface="Noto Sans KR" panose="020B0200000000000000" pitchFamily="50" charset="-127"/>
+              </a:endParaRPr>
+            </a:p>
+          </p:txBody>
+        </p:sp>
+        <p:sp>
+          <p:nvSpPr>
+            <p:cNvPr id="42" name="순서도: 수행의 시작/종료 41"/>
+            <p:cNvSpPr/>
+            <p:nvPr/>
+          </p:nvSpPr>
+          <p:spPr>
+            <a:xfrm>
+              <a:off x="6773808" y="1656006"/>
+              <a:ext cx="2381490" cy="315032"/>
+            </a:xfrm>
+            <a:prstGeom prst="flowChartTerminator">
+              <a:avLst/>
+            </a:prstGeom>
+            <a:solidFill>
+              <a:schemeClr val="accent4">
+                <a:lumMod val="60000"/>
+                <a:lumOff val="40000"/>
+              </a:schemeClr>
+            </a:solidFill>
+            <a:ln>
+              <a:solidFill>
+                <a:schemeClr val="accent4">
+                  <a:lumMod val="75000"/>
+                </a:schemeClr>
+              </a:solidFill>
+            </a:ln>
+          </p:spPr>
+          <p:style>
+            <a:lnRef idx="2">
+              <a:schemeClr val="accent1">
+                <a:shade val="50000"/>
+              </a:schemeClr>
+            </a:lnRef>
+            <a:fillRef idx="1">
+              <a:schemeClr val="accent1"/>
+            </a:fillRef>
+            <a:effectRef idx="0">
+              <a:schemeClr val="accent1"/>
+            </a:effectRef>
+            <a:fontRef idx="minor">
+              <a:schemeClr val="lt1"/>
+            </a:fontRef>
+          </p:style>
+          <p:txBody>
+            <a:bodyPr rtlCol="0" anchor="ctr"/>
+            <a:lstStyle/>
+            <a:p>
+              <a:r>
+                <a:rPr lang="en-US" altLang="ko-KR" sz="1000" dirty="0" smtClean="0">
+                  <a:solidFill>
+                    <a:schemeClr val="tx1"/>
+                  </a:solidFill>
+                  <a:latin typeface="Noto Sans KR" panose="020B0200000000000000" pitchFamily="50" charset="-127"/>
+                  <a:ea typeface="Noto Sans KR" panose="020B0200000000000000" pitchFamily="50" charset="-127"/>
+                </a:rPr>
+                <a:t>TCP BOTH </a:t>
+              </a:r>
+              <a:r>
+                <a:rPr lang="en-US" altLang="ko-KR" sz="1000" dirty="0">
+                  <a:solidFill>
+                    <a:schemeClr val="tx1"/>
+                  </a:solidFill>
+                  <a:latin typeface="Noto Sans KR" panose="020B0200000000000000" pitchFamily="50" charset="-127"/>
+                  <a:ea typeface="Noto Sans KR" panose="020B0200000000000000" pitchFamily="50" charset="-127"/>
+                </a:rPr>
+                <a:t>INFOMATION</a:t>
+              </a:r>
+              <a:endParaRPr lang="ko-KR" altLang="en-US" sz="1000" dirty="0">
+                <a:solidFill>
+                  <a:schemeClr val="tx1"/>
+                </a:solidFill>
+                <a:latin typeface="Noto Sans KR" panose="020B0200000000000000" pitchFamily="50" charset="-127"/>
+                <a:ea typeface="Noto Sans KR" panose="020B0200000000000000" pitchFamily="50" charset="-127"/>
+              </a:endParaRPr>
+            </a:p>
+          </p:txBody>
+        </p:sp>
+        <p:sp>
+          <p:nvSpPr>
+            <p:cNvPr id="43" name="순서도: 수행의 시작/종료 42"/>
+            <p:cNvSpPr/>
+            <p:nvPr/>
+          </p:nvSpPr>
+          <p:spPr>
+            <a:xfrm>
+              <a:off x="6884553" y="1890758"/>
+              <a:ext cx="2381490" cy="315032"/>
+            </a:xfrm>
+            <a:prstGeom prst="flowChartTerminator">
+              <a:avLst/>
+            </a:prstGeom>
+            <a:solidFill>
+              <a:schemeClr val="accent4">
+                <a:lumMod val="60000"/>
+                <a:lumOff val="40000"/>
+              </a:schemeClr>
+            </a:solidFill>
+            <a:ln>
+              <a:solidFill>
+                <a:schemeClr val="accent4">
+                  <a:lumMod val="75000"/>
+                </a:schemeClr>
+              </a:solidFill>
+            </a:ln>
+          </p:spPr>
+          <p:style>
+            <a:lnRef idx="2">
+              <a:schemeClr val="accent1">
+                <a:shade val="50000"/>
+              </a:schemeClr>
+            </a:lnRef>
+            <a:fillRef idx="1">
+              <a:schemeClr val="accent1"/>
+            </a:fillRef>
+            <a:effectRef idx="0">
+              <a:schemeClr val="accent1"/>
+            </a:effectRef>
+            <a:fontRef idx="minor">
+              <a:schemeClr val="lt1"/>
+            </a:fontRef>
+          </p:style>
+          <p:txBody>
+            <a:bodyPr rtlCol="0" anchor="ctr"/>
+            <a:lstStyle/>
+            <a:p>
+              <a:r>
+                <a:rPr lang="en-US" altLang="ko-KR" sz="1000" dirty="0" smtClean="0">
+                  <a:solidFill>
+                    <a:schemeClr val="tx1"/>
+                  </a:solidFill>
+                  <a:latin typeface="Noto Sans KR" panose="020B0200000000000000" pitchFamily="50" charset="-127"/>
+                  <a:ea typeface="Noto Sans KR" panose="020B0200000000000000" pitchFamily="50" charset="-127"/>
+                </a:rPr>
+                <a:t>TCP OUTBOUND </a:t>
+              </a:r>
+              <a:r>
+                <a:rPr lang="en-US" altLang="ko-KR" sz="1000" dirty="0">
+                  <a:solidFill>
+                    <a:schemeClr val="tx1"/>
+                  </a:solidFill>
+                  <a:latin typeface="Noto Sans KR" panose="020B0200000000000000" pitchFamily="50" charset="-127"/>
+                  <a:ea typeface="Noto Sans KR" panose="020B0200000000000000" pitchFamily="50" charset="-127"/>
+                </a:rPr>
+                <a:t>INFOMATION</a:t>
+              </a:r>
+              <a:endParaRPr lang="ko-KR" altLang="en-US" sz="1000" dirty="0">
+                <a:solidFill>
+                  <a:schemeClr val="tx1"/>
+                </a:solidFill>
+                <a:latin typeface="Noto Sans KR" panose="020B0200000000000000" pitchFamily="50" charset="-127"/>
+                <a:ea typeface="Noto Sans KR" panose="020B0200000000000000" pitchFamily="50" charset="-127"/>
+              </a:endParaRPr>
+            </a:p>
+          </p:txBody>
+        </p:sp>
+        <p:sp>
+          <p:nvSpPr>
+            <p:cNvPr id="44" name="순서도: 수행의 시작/종료 43"/>
+            <p:cNvSpPr/>
+            <p:nvPr/>
+          </p:nvSpPr>
+          <p:spPr>
+            <a:xfrm>
+              <a:off x="7162787" y="2622711"/>
+              <a:ext cx="2381490" cy="315032"/>
+            </a:xfrm>
+            <a:prstGeom prst="flowChartTerminator">
+              <a:avLst/>
+            </a:prstGeom>
+            <a:solidFill>
+              <a:schemeClr val="accent4">
+                <a:lumMod val="60000"/>
+                <a:lumOff val="40000"/>
+              </a:schemeClr>
+            </a:solidFill>
+            <a:ln>
+              <a:solidFill>
+                <a:schemeClr val="accent4">
+                  <a:lumMod val="75000"/>
+                </a:schemeClr>
+              </a:solidFill>
+            </a:ln>
+          </p:spPr>
+          <p:style>
+            <a:lnRef idx="2">
+              <a:schemeClr val="accent1">
+                <a:shade val="50000"/>
+              </a:schemeClr>
+            </a:lnRef>
+            <a:fillRef idx="1">
+              <a:schemeClr val="accent1"/>
+            </a:fillRef>
+            <a:effectRef idx="0">
+              <a:schemeClr val="accent1"/>
+            </a:effectRef>
+            <a:fontRef idx="minor">
+              <a:schemeClr val="lt1"/>
+            </a:fontRef>
+          </p:style>
+          <p:txBody>
+            <a:bodyPr rtlCol="0" anchor="ctr"/>
+            <a:lstStyle/>
+            <a:p>
+              <a:r>
+                <a:rPr lang="en-US" altLang="ko-KR" sz="1000" dirty="0" smtClean="0">
+                  <a:solidFill>
+                    <a:schemeClr val="tx1"/>
+                  </a:solidFill>
+                  <a:latin typeface="Noto Sans KR" panose="020B0200000000000000" pitchFamily="50" charset="-127"/>
+                  <a:ea typeface="Noto Sans KR" panose="020B0200000000000000" pitchFamily="50" charset="-127"/>
+                </a:rPr>
+                <a:t>FTP </a:t>
+              </a:r>
+              <a:r>
+                <a:rPr lang="en-US" altLang="ko-KR" sz="1000" dirty="0">
+                  <a:solidFill>
+                    <a:schemeClr val="tx1"/>
+                  </a:solidFill>
+                  <a:latin typeface="Noto Sans KR" panose="020B0200000000000000" pitchFamily="50" charset="-127"/>
+                  <a:ea typeface="Noto Sans KR" panose="020B0200000000000000" pitchFamily="50" charset="-127"/>
+                </a:rPr>
+                <a:t>INFOMATION</a:t>
+              </a:r>
+              <a:endParaRPr lang="ko-KR" altLang="en-US" sz="1000" dirty="0">
+                <a:solidFill>
+                  <a:schemeClr val="tx1"/>
+                </a:solidFill>
+                <a:latin typeface="Noto Sans KR" panose="020B0200000000000000" pitchFamily="50" charset="-127"/>
+                <a:ea typeface="Noto Sans KR" panose="020B0200000000000000" pitchFamily="50" charset="-127"/>
+              </a:endParaRPr>
+            </a:p>
+          </p:txBody>
+        </p:sp>
+        <p:sp>
+          <p:nvSpPr>
+            <p:cNvPr id="45" name="양쪽 대괄호 44"/>
+            <p:cNvSpPr/>
+            <p:nvPr/>
+          </p:nvSpPr>
+          <p:spPr>
+            <a:xfrm>
+              <a:off x="6384022" y="995751"/>
+              <a:ext cx="3431098" cy="2084325"/>
+            </a:xfrm>
+            <a:prstGeom prst="bracketPair">
+              <a:avLst/>
+            </a:prstGeom>
+            <a:ln w="38100">
+              <a:solidFill>
+                <a:schemeClr val="accent4">
+                  <a:lumMod val="75000"/>
+                </a:schemeClr>
+              </a:solidFill>
+            </a:ln>
+          </p:spPr>
+          <p:style>
+            <a:lnRef idx="1">
+              <a:schemeClr val="accent1"/>
+            </a:lnRef>
+            <a:fillRef idx="0">
+              <a:schemeClr val="accent1"/>
+            </a:fillRef>
+            <a:effectRef idx="0">
+              <a:schemeClr val="accent1"/>
+            </a:effectRef>
+            <a:fontRef idx="minor">
+              <a:schemeClr val="tx1"/>
+            </a:fontRef>
+          </p:style>
+          <p:txBody>
+            <a:bodyPr rtlCol="0" anchor="ctr"/>
+            <a:lstStyle/>
+            <a:p>
+              <a:pPr algn="ctr"/>
+              <a:endParaRPr lang="ko-KR" altLang="en-US">
+                <a:latin typeface="Noto Sans KR" panose="020B0200000000000000" pitchFamily="50" charset="-127"/>
+                <a:ea typeface="Noto Sans KR" panose="020B0200000000000000" pitchFamily="50" charset="-127"/>
+              </a:endParaRPr>
+            </a:p>
+          </p:txBody>
+        </p:sp>
+        <p:sp>
+          <p:nvSpPr>
+            <p:cNvPr id="49" name="TextBox 48"/>
+            <p:cNvSpPr txBox="1"/>
+            <p:nvPr/>
+          </p:nvSpPr>
+          <p:spPr>
+            <a:xfrm>
+              <a:off x="5855977" y="1786664"/>
+              <a:ext cx="372218" cy="253916"/>
+            </a:xfrm>
+            <a:prstGeom prst="rect">
+              <a:avLst/>
+            </a:prstGeom>
+            <a:noFill/>
+          </p:spPr>
+          <p:txBody>
+            <a:bodyPr wrap="none" rtlCol="0">
+              <a:spAutoFit/>
+            </a:bodyPr>
+            <a:lstStyle/>
+            <a:p>
+              <a:r>
+                <a:rPr lang="en-US" altLang="ko-KR" sz="1050" dirty="0" smtClean="0">
+                  <a:latin typeface="Noto Sans KR" panose="020B0200000000000000" pitchFamily="50" charset="-127"/>
+                  <a:ea typeface="Noto Sans KR" panose="020B0200000000000000" pitchFamily="50" charset="-127"/>
+                </a:rPr>
+                <a:t>1:1</a:t>
+              </a:r>
+              <a:endParaRPr lang="ko-KR" altLang="en-US" sz="1050" dirty="0">
+                <a:latin typeface="Noto Sans KR" panose="020B0200000000000000" pitchFamily="50" charset="-127"/>
+                <a:ea typeface="Noto Sans KR" panose="020B0200000000000000" pitchFamily="50" charset="-127"/>
+              </a:endParaRPr>
+            </a:p>
+          </p:txBody>
+        </p:sp>
+        <p:sp>
+          <p:nvSpPr>
+            <p:cNvPr id="57" name="TextBox 56"/>
+            <p:cNvSpPr txBox="1"/>
+            <p:nvPr/>
+          </p:nvSpPr>
+          <p:spPr>
+            <a:xfrm>
+              <a:off x="2108961" y="1029607"/>
+              <a:ext cx="404278" cy="261610"/>
+            </a:xfrm>
+            <a:prstGeom prst="rect">
+              <a:avLst/>
+            </a:prstGeom>
+            <a:noFill/>
+          </p:spPr>
+          <p:txBody>
+            <a:bodyPr wrap="none" rtlCol="0">
+              <a:spAutoFit/>
+            </a:bodyPr>
+            <a:lstStyle/>
+            <a:p>
+              <a:r>
+                <a:rPr lang="en-US" altLang="ko-KR" sz="1050" dirty="0" smtClean="0">
+                  <a:latin typeface="Noto Sans KR" panose="020B0200000000000000" pitchFamily="50" charset="-127"/>
+                  <a:ea typeface="Noto Sans KR" panose="020B0200000000000000" pitchFamily="50" charset="-127"/>
+                </a:rPr>
+                <a:t>1:N</a:t>
+              </a:r>
+              <a:endParaRPr lang="ko-KR" altLang="en-US" sz="1050" dirty="0">
+                <a:latin typeface="Noto Sans KR" panose="020B0200000000000000" pitchFamily="50" charset="-127"/>
+                <a:ea typeface="Noto Sans KR" panose="020B0200000000000000" pitchFamily="50" charset="-127"/>
+              </a:endParaRPr>
+            </a:p>
+          </p:txBody>
+        </p:sp>
+      </p:grpSp>
+      <p:sp>
+        <p:nvSpPr>
+          <p:cNvPr id="82" name="순서도: 수행의 시작/종료 81"/>
+          <p:cNvSpPr/>
+          <p:nvPr/>
+        </p:nvSpPr>
+        <p:spPr>
+          <a:xfrm>
+            <a:off x="7015635" y="3332553"/>
+            <a:ext cx="1080000" cy="315032"/>
+          </a:xfrm>
+          <a:prstGeom prst="flowChartTerminator">
+            <a:avLst/>
+          </a:prstGeom>
+          <a:solidFill>
+            <a:schemeClr val="accent4">
+              <a:lumMod val="60000"/>
+              <a:lumOff val="40000"/>
+            </a:schemeClr>
+          </a:solidFill>
+          <a:ln>
+            <a:solidFill>
+              <a:schemeClr val="accent4">
+                <a:lumMod val="75000"/>
+              </a:schemeClr>
+            </a:solidFill>
+          </a:ln>
+        </p:spPr>
+        <p:style>
+          <a:lnRef idx="2">
+            <a:schemeClr val="accent1">
+              <a:shade val="50000"/>
+            </a:schemeClr>
+          </a:lnRef>
+          <a:fillRef idx="1">
+            <a:schemeClr val="accent1"/>
+          </a:fillRef>
+          <a:effectRef idx="0">
+            <a:schemeClr val="accent1"/>
+          </a:effectRef>
+          <a:fontRef idx="minor">
+            <a:schemeClr val="lt1"/>
+          </a:fontRef>
+        </p:style>
+        <p:txBody>
+          <a:bodyPr rtlCol="0" anchor="ctr"/>
+          <a:lstStyle/>
+          <a:p>
+            <a:endParaRPr lang="ko-KR" altLang="en-US" sz="1000" dirty="0">
+              <a:solidFill>
+                <a:schemeClr val="tx1"/>
+              </a:solidFill>
+              <a:latin typeface="Noto Sans KR" panose="020B0200000000000000" pitchFamily="50" charset="-127"/>
+              <a:ea typeface="Noto Sans KR" panose="020B0200000000000000" pitchFamily="50" charset="-127"/>
+            </a:endParaRPr>
+          </a:p>
+        </p:txBody>
+      </p:sp>
+      <p:sp>
+        <p:nvSpPr>
+          <p:cNvPr id="84" name="TextBox 83"/>
+          <p:cNvSpPr txBox="1"/>
+          <p:nvPr/>
+        </p:nvSpPr>
+        <p:spPr>
+          <a:xfrm>
+            <a:off x="8077881" y="3299084"/>
+            <a:ext cx="1824538" cy="369332"/>
+          </a:xfrm>
+          <a:prstGeom prst="rect">
+            <a:avLst/>
+          </a:prstGeom>
+          <a:noFill/>
+        </p:spPr>
+        <p:txBody>
+          <a:bodyPr wrap="none" rtlCol="0">
+            <a:spAutoFit/>
+          </a:bodyPr>
+          <a:lstStyle/>
+          <a:p>
+            <a:r>
+              <a:rPr lang="en-US" altLang="ko-KR" dirty="0" smtClean="0">
+                <a:latin typeface="Noto Sans KR" panose="020B0200000000000000" pitchFamily="50" charset="-127"/>
+                <a:ea typeface="Noto Sans KR" panose="020B0200000000000000" pitchFamily="50" charset="-127"/>
+              </a:rPr>
+              <a:t>: Entity(=Table)</a:t>
+            </a:r>
+            <a:endParaRPr lang="ko-KR" altLang="en-US" dirty="0">
+              <a:latin typeface="Noto Sans KR" panose="020B0200000000000000" pitchFamily="50" charset="-127"/>
+              <a:ea typeface="Noto Sans KR" panose="020B0200000000000000" pitchFamily="50" charset="-127"/>
+            </a:endParaRPr>
+          </a:p>
+        </p:txBody>
+      </p:sp>
+      <p:cxnSp>
+        <p:nvCxnSpPr>
+          <p:cNvPr id="86" name="꺾인 연결선 85"/>
+          <p:cNvCxnSpPr>
+            <a:stCxn id="22" idx="2"/>
+            <a:endCxn id="26" idx="1"/>
+          </p:cNvCxnSpPr>
+          <p:nvPr/>
+        </p:nvCxnSpPr>
+        <p:spPr>
+          <a:xfrm rot="16200000" flipH="1">
+            <a:off x="1078003" y="1264034"/>
+            <a:ext cx="446501" cy="540000"/>
+          </a:xfrm>
+          <a:prstGeom prst="bentConnector2">
+            <a:avLst/>
+          </a:prstGeom>
+          <a:ln w="28575">
+            <a:solidFill>
+              <a:schemeClr val="tx1">
+                <a:lumMod val="50000"/>
+                <a:lumOff val="50000"/>
+              </a:schemeClr>
+            </a:solidFill>
+            <a:tailEnd type="triangle"/>
+          </a:ln>
+        </p:spPr>
+        <p:style>
+          <a:lnRef idx="1">
+            <a:schemeClr val="accent1"/>
+          </a:lnRef>
+          <a:fillRef idx="0">
+            <a:schemeClr val="accent1"/>
+          </a:fillRef>
+          <a:effectRef idx="0">
+            <a:schemeClr val="accent1"/>
+          </a:effectRef>
+          <a:fontRef idx="minor">
+            <a:schemeClr val="tx1"/>
+          </a:fontRef>
+        </p:style>
+      </p:cxnSp>
+      <p:cxnSp>
+        <p:nvCxnSpPr>
+          <p:cNvPr id="87" name="꺾인 연결선 86"/>
+          <p:cNvCxnSpPr>
+            <a:stCxn id="26" idx="0"/>
+            <a:endCxn id="30" idx="0"/>
+          </p:cNvCxnSpPr>
+          <p:nvPr/>
+        </p:nvCxnSpPr>
+        <p:spPr>
+          <a:xfrm rot="5400000" flipH="1" flipV="1">
+            <a:off x="3333964" y="34650"/>
+            <a:ext cx="342408" cy="2787830"/>
+          </a:xfrm>
+          <a:prstGeom prst="bentConnector3">
+            <a:avLst>
+              <a:gd name="adj1" fmla="val 166762"/>
+            </a:avLst>
+          </a:prstGeom>
+          <a:ln w="28575">
+            <a:solidFill>
+              <a:schemeClr val="tx1">
+                <a:lumMod val="50000"/>
+                <a:lumOff val="50000"/>
+              </a:schemeClr>
+            </a:solidFill>
+            <a:tailEnd type="triangle"/>
+          </a:ln>
+        </p:spPr>
+        <p:style>
+          <a:lnRef idx="1">
+            <a:schemeClr val="accent1"/>
+          </a:lnRef>
+          <a:fillRef idx="0">
+            <a:schemeClr val="accent1"/>
+          </a:fillRef>
+          <a:effectRef idx="0">
+            <a:schemeClr val="accent1"/>
+          </a:effectRef>
+          <a:fontRef idx="minor">
+            <a:schemeClr val="tx1"/>
+          </a:fontRef>
+        </p:style>
+      </p:cxnSp>
+      <p:cxnSp>
+        <p:nvCxnSpPr>
+          <p:cNvPr id="88" name="꺾인 연결선 87"/>
+          <p:cNvCxnSpPr>
+            <a:stCxn id="11" idx="0"/>
+            <a:endCxn id="30" idx="1"/>
+          </p:cNvCxnSpPr>
+          <p:nvPr/>
+        </p:nvCxnSpPr>
+        <p:spPr>
+          <a:xfrm rot="5400000" flipH="1" flipV="1">
+            <a:off x="3504503" y="1368553"/>
+            <a:ext cx="808256" cy="900904"/>
+          </a:xfrm>
+          <a:prstGeom prst="bentConnector2">
+            <a:avLst/>
+          </a:prstGeom>
+          <a:ln w="28575">
+            <a:solidFill>
+              <a:schemeClr val="tx1">
+                <a:lumMod val="50000"/>
+                <a:lumOff val="50000"/>
+              </a:schemeClr>
+            </a:solidFill>
+            <a:tailEnd type="triangle"/>
+          </a:ln>
+        </p:spPr>
+        <p:style>
+          <a:lnRef idx="1">
+            <a:schemeClr val="accent1"/>
+          </a:lnRef>
+          <a:fillRef idx="0">
+            <a:schemeClr val="accent1"/>
+          </a:fillRef>
+          <a:effectRef idx="0">
+            <a:schemeClr val="accent1"/>
+          </a:effectRef>
+          <a:fontRef idx="minor">
+            <a:schemeClr val="tx1"/>
+          </a:fontRef>
+        </p:style>
+      </p:cxnSp>
+      <p:cxnSp>
+        <p:nvCxnSpPr>
+          <p:cNvPr id="89" name="꺾인 연결선 88"/>
+          <p:cNvCxnSpPr>
+            <a:stCxn id="11" idx="2"/>
+            <a:endCxn id="11" idx="3"/>
+          </p:cNvCxnSpPr>
+          <p:nvPr/>
+        </p:nvCxnSpPr>
+        <p:spPr>
+          <a:xfrm rot="5400000" flipH="1" flipV="1">
+            <a:off x="3649421" y="2189407"/>
+            <a:ext cx="157516" cy="540000"/>
+          </a:xfrm>
+          <a:prstGeom prst="bentConnector4">
+            <a:avLst>
+              <a:gd name="adj1" fmla="val -342183"/>
+              <a:gd name="adj2" fmla="val 173403"/>
+            </a:avLst>
+          </a:prstGeom>
+          <a:ln w="28575">
+            <a:solidFill>
+              <a:schemeClr val="tx1">
+                <a:lumMod val="50000"/>
+                <a:lumOff val="50000"/>
+              </a:schemeClr>
+            </a:solidFill>
+            <a:tailEnd type="triangle"/>
+          </a:ln>
+        </p:spPr>
+        <p:style>
+          <a:lnRef idx="1">
+            <a:schemeClr val="accent1"/>
+          </a:lnRef>
+          <a:fillRef idx="0">
+            <a:schemeClr val="accent1"/>
+          </a:fillRef>
+          <a:effectRef idx="0">
+            <a:schemeClr val="accent1"/>
+          </a:effectRef>
+          <a:fontRef idx="minor">
+            <a:schemeClr val="tx1"/>
+          </a:fontRef>
+        </p:style>
+      </p:cxnSp>
+      <p:cxnSp>
+        <p:nvCxnSpPr>
+          <p:cNvPr id="90" name="꺾인 연결선 89"/>
+          <p:cNvCxnSpPr>
+            <a:stCxn id="26" idx="2"/>
+            <a:endCxn id="11" idx="1"/>
+          </p:cNvCxnSpPr>
+          <p:nvPr/>
+        </p:nvCxnSpPr>
+        <p:spPr>
+          <a:xfrm rot="16200000" flipH="1">
+            <a:off x="2281792" y="1744262"/>
+            <a:ext cx="465848" cy="806926"/>
+          </a:xfrm>
+          <a:prstGeom prst="bentConnector2">
+            <a:avLst/>
+          </a:prstGeom>
+          <a:ln w="28575">
+            <a:solidFill>
+              <a:schemeClr val="tx1">
+                <a:lumMod val="50000"/>
+                <a:lumOff val="50000"/>
+              </a:schemeClr>
+            </a:solidFill>
+            <a:tailEnd type="triangle"/>
+          </a:ln>
+        </p:spPr>
+        <p:style>
+          <a:lnRef idx="1">
+            <a:schemeClr val="accent1"/>
+          </a:lnRef>
+          <a:fillRef idx="0">
+            <a:schemeClr val="accent1"/>
+          </a:fillRef>
+          <a:effectRef idx="0">
+            <a:schemeClr val="accent1"/>
+          </a:effectRef>
+          <a:fontRef idx="minor">
+            <a:schemeClr val="tx1"/>
+          </a:fontRef>
+        </p:style>
+      </p:cxnSp>
+      <p:cxnSp>
+        <p:nvCxnSpPr>
+          <p:cNvPr id="104" name="꺾인 연결선 103"/>
+          <p:cNvCxnSpPr>
+            <a:stCxn id="30" idx="3"/>
+            <a:endCxn id="45" idx="1"/>
+          </p:cNvCxnSpPr>
+          <p:nvPr/>
+        </p:nvCxnSpPr>
+        <p:spPr>
+          <a:xfrm>
+            <a:off x="5439083" y="1414877"/>
+            <a:ext cx="944939" cy="623037"/>
+          </a:xfrm>
+          <a:prstGeom prst="bentConnector3">
+            <a:avLst>
+              <a:gd name="adj1" fmla="val 50000"/>
+            </a:avLst>
+          </a:prstGeom>
+          <a:ln w="28575">
+            <a:solidFill>
+              <a:schemeClr val="tx1">
+                <a:lumMod val="50000"/>
+                <a:lumOff val="50000"/>
+              </a:schemeClr>
+            </a:solidFill>
+            <a:tailEnd type="triangle"/>
+          </a:ln>
+        </p:spPr>
+        <p:style>
+          <a:lnRef idx="1">
+            <a:schemeClr val="accent1"/>
+          </a:lnRef>
+          <a:fillRef idx="0">
+            <a:schemeClr val="accent1"/>
+          </a:fillRef>
+          <a:effectRef idx="0">
+            <a:schemeClr val="accent1"/>
+          </a:effectRef>
+          <a:fontRef idx="minor">
+            <a:schemeClr val="tx1"/>
+          </a:fontRef>
+        </p:style>
+      </p:cxnSp>
+    </p:spTree>
+    <p:extLst>
+      <p:ext uri="{BB962C8B-B14F-4D97-AF65-F5344CB8AC3E}">
+        <p14:creationId xmlns:p14="http://schemas.microsoft.com/office/powerpoint/2010/main" val="1959795646"/>
       </p:ext>
     </p:extLst>
   </p:cSld>
@@ -4968,76 +6495,16 @@
         <a:srgbClr val="954F72"/>
       </a:folHlink>
     </a:clrScheme>
-    <a:fontScheme name="Office">
+    <a:fontScheme name="사용자 지정 1">
       <a:majorFont>
-        <a:latin typeface="맑은 고딕" panose="020F0302020204030204"/>
-        <a:ea typeface=""/>
+        <a:latin typeface="Noto Sans KR"/>
+        <a:ea typeface="Noto Sans KR"/>
         <a:cs typeface=""/>
-        <a:font script="Jpan" typeface="游ゴシック Light"/>
-        <a:font script="Hang" typeface="맑은 고딕"/>
-        <a:font script="Hans" typeface="等线 Light"/>
-        <a:font script="Hant" typeface="新細明體"/>
-        <a:font script="Arab" typeface="Times New Roman"/>
-        <a:font script="Hebr" typeface="Times New Roman"/>
-        <a:font script="Thai" typeface="Angsana New"/>
-        <a:font script="Ethi" typeface="Nyala"/>
-        <a:font script="Beng" typeface="Vrinda"/>
-        <a:font script="Gujr" typeface="Shruti"/>
-        <a:font script="Khmr" typeface="MoolBoran"/>
-        <a:font script="Knda" typeface="Tunga"/>
-        <a:font script="Guru" typeface="Raavi"/>
-        <a:font script="Cans" typeface="Euphemia"/>
-        <a:font script="Cher" typeface="Plantagenet Cherokee"/>
-        <a:font script="Yiii" typeface="Microsoft Yi Baiti"/>
-        <a:font script="Tibt" typeface="Microsoft Himalaya"/>
-        <a:font script="Thaa" typeface="MV Boli"/>
-        <a:font script="Deva" typeface="Mangal"/>
-        <a:font script="Telu" typeface="Gautami"/>
-        <a:font script="Taml" typeface="Latha"/>
-        <a:font script="Syrc" typeface="Estrangelo Edessa"/>
-        <a:font script="Orya" typeface="Kalinga"/>
-        <a:font script="Mlym" typeface="Kartika"/>
-        <a:font script="Laoo" typeface="DokChampa"/>
-        <a:font script="Sinh" typeface="Iskoola Pota"/>
-        <a:font script="Mong" typeface="Mongolian Baiti"/>
-        <a:font script="Viet" typeface="Times New Roman"/>
-        <a:font script="Uigh" typeface="Microsoft Uighur"/>
-        <a:font script="Geor" typeface="Sylfaen"/>
       </a:majorFont>
       <a:minorFont>
-        <a:latin typeface="맑은 고딕" panose="020F0502020204030204"/>
-        <a:ea typeface=""/>
+        <a:latin typeface="Noto Sans KR"/>
+        <a:ea typeface="Noto Sans KR"/>
         <a:cs typeface=""/>
-        <a:font script="Jpan" typeface="游ゴシック"/>
-        <a:font script="Hang" typeface="맑은 고딕"/>
-        <a:font script="Hans" typeface="等线"/>
-        <a:font script="Hant" typeface="新細明體"/>
-        <a:font script="Arab" typeface="Arial"/>
-        <a:font script="Hebr" typeface="Arial"/>
-        <a:font script="Thai" typeface="Cordia New"/>
-        <a:font script="Ethi" typeface="Nyala"/>
-        <a:font script="Beng" typeface="Vrinda"/>
-        <a:font script="Gujr" typeface="Shruti"/>
-        <a:font script="Khmr" typeface="DaunPenh"/>
-        <a:font script="Knda" typeface="Tunga"/>
-        <a:font script="Guru" typeface="Raavi"/>
-        <a:font script="Cans" typeface="Euphemia"/>
-        <a:font script="Cher" typeface="Plantagenet Cherokee"/>
-        <a:font script="Yiii" typeface="Microsoft Yi Baiti"/>
-        <a:font script="Tibt" typeface="Microsoft Himalaya"/>
-        <a:font script="Thaa" typeface="MV Boli"/>
-        <a:font script="Deva" typeface="Mangal"/>
-        <a:font script="Telu" typeface="Gautami"/>
-        <a:font script="Taml" typeface="Latha"/>
-        <a:font script="Syrc" typeface="Estrangelo Edessa"/>
-        <a:font script="Orya" typeface="Kalinga"/>
-        <a:font script="Mlym" typeface="Kartika"/>
-        <a:font script="Laoo" typeface="DokChampa"/>
-        <a:font script="Sinh" typeface="Iskoola Pota"/>
-        <a:font script="Mong" typeface="Mongolian Baiti"/>
-        <a:font script="Viet" typeface="Arial"/>
-        <a:font script="Uigh" typeface="Microsoft Uighur"/>
-        <a:font script="Geor" typeface="Sylfaen"/>
       </a:minorFont>
     </a:fontScheme>
     <a:fmtScheme name="Office">

--- a/경력기술서_사진.pptx
+++ b/경력기술서_사진.pptx
@@ -8,6 +8,10 @@
     <p:sldId id="256" r:id="rId2"/>
     <p:sldId id="257" r:id="rId3"/>
     <p:sldId id="258" r:id="rId4"/>
+    <p:sldId id="259" r:id="rId5"/>
+    <p:sldId id="260" r:id="rId6"/>
+    <p:sldId id="261" r:id="rId7"/>
+    <p:sldId id="263" r:id="rId8"/>
   </p:sldIdLst>
   <p:sldSz cx="12192000" cy="6858000"/>
   <p:notesSz cx="6858000" cy="9144000"/>
@@ -6454,6 +6458,5992 @@
 </p:sld>
 </file>
 
+<file path=ppt/slides/slide4.xml><?xml version="1.0" encoding="utf-8"?>
+<p:sld xmlns:a="http://schemas.openxmlformats.org/drawingml/2006/main" xmlns:r="http://schemas.openxmlformats.org/officeDocument/2006/relationships" xmlns:p="http://schemas.openxmlformats.org/presentationml/2006/main">
+  <p:cSld>
+    <p:spTree>
+      <p:nvGrpSpPr>
+        <p:cNvPr id="1" name=""/>
+        <p:cNvGrpSpPr/>
+        <p:nvPr/>
+      </p:nvGrpSpPr>
+      <p:grpSpPr>
+        <a:xfrm>
+          <a:off x="0" y="0"/>
+          <a:ext cx="0" cy="0"/>
+          <a:chOff x="0" y="0"/>
+          <a:chExt cx="0" cy="0"/>
+        </a:xfrm>
+      </p:grpSpPr>
+      <p:grpSp>
+        <p:nvGrpSpPr>
+          <p:cNvPr id="134" name="그룹 133"/>
+          <p:cNvGrpSpPr/>
+          <p:nvPr/>
+        </p:nvGrpSpPr>
+        <p:grpSpPr>
+          <a:xfrm>
+            <a:off x="181919" y="498666"/>
+            <a:ext cx="10883068" cy="3470113"/>
+            <a:chOff x="181919" y="498666"/>
+            <a:chExt cx="10883068" cy="3470113"/>
+          </a:xfrm>
+        </p:grpSpPr>
+        <p:sp>
+          <p:nvSpPr>
+            <p:cNvPr id="127" name="모서리가 둥근 직사각형 126"/>
+            <p:cNvSpPr/>
+            <p:nvPr/>
+          </p:nvSpPr>
+          <p:spPr>
+            <a:xfrm>
+              <a:off x="5144079" y="1843349"/>
+              <a:ext cx="482969" cy="770822"/>
+            </a:xfrm>
+            <a:prstGeom prst="roundRect">
+              <a:avLst/>
+            </a:prstGeom>
+            <a:solidFill>
+              <a:schemeClr val="accent3">
+                <a:lumMod val="40000"/>
+                <a:lumOff val="60000"/>
+                <a:alpha val="30000"/>
+              </a:schemeClr>
+            </a:solidFill>
+            <a:ln>
+              <a:noFill/>
+            </a:ln>
+          </p:spPr>
+          <p:style>
+            <a:lnRef idx="2">
+              <a:schemeClr val="accent1">
+                <a:shade val="50000"/>
+              </a:schemeClr>
+            </a:lnRef>
+            <a:fillRef idx="1">
+              <a:schemeClr val="accent1"/>
+            </a:fillRef>
+            <a:effectRef idx="0">
+              <a:schemeClr val="accent1"/>
+            </a:effectRef>
+            <a:fontRef idx="minor">
+              <a:schemeClr val="lt1"/>
+            </a:fontRef>
+          </p:style>
+          <p:txBody>
+            <a:bodyPr rtlCol="0" anchor="ctr"/>
+            <a:lstStyle/>
+            <a:p>
+              <a:pPr algn="ctr"/>
+              <a:r>
+                <a:rPr lang="en-US" altLang="ko-KR" sz="700" dirty="0" smtClean="0">
+                  <a:solidFill>
+                    <a:schemeClr val="tx1">
+                      <a:alpha val="20000"/>
+                    </a:schemeClr>
+                  </a:solidFill>
+                </a:rPr>
+                <a:t>ERROR</a:t>
+              </a:r>
+              <a:endParaRPr lang="ko-KR" altLang="en-US" sz="700" dirty="0">
+                <a:solidFill>
+                  <a:schemeClr val="tx1">
+                    <a:alpha val="20000"/>
+                  </a:schemeClr>
+                </a:solidFill>
+              </a:endParaRPr>
+            </a:p>
+          </p:txBody>
+        </p:sp>
+        <p:sp>
+          <p:nvSpPr>
+            <p:cNvPr id="128" name="모서리가 둥근 직사각형 127"/>
+            <p:cNvSpPr/>
+            <p:nvPr/>
+          </p:nvSpPr>
+          <p:spPr>
+            <a:xfrm>
+              <a:off x="6216559" y="1835281"/>
+              <a:ext cx="482969" cy="770400"/>
+            </a:xfrm>
+            <a:prstGeom prst="roundRect">
+              <a:avLst/>
+            </a:prstGeom>
+            <a:solidFill>
+              <a:schemeClr val="accent3">
+                <a:lumMod val="40000"/>
+                <a:lumOff val="60000"/>
+                <a:alpha val="30000"/>
+              </a:schemeClr>
+            </a:solidFill>
+            <a:ln>
+              <a:noFill/>
+            </a:ln>
+          </p:spPr>
+          <p:style>
+            <a:lnRef idx="2">
+              <a:schemeClr val="accent1">
+                <a:shade val="50000"/>
+              </a:schemeClr>
+            </a:lnRef>
+            <a:fillRef idx="1">
+              <a:schemeClr val="accent1"/>
+            </a:fillRef>
+            <a:effectRef idx="0">
+              <a:schemeClr val="accent1"/>
+            </a:effectRef>
+            <a:fontRef idx="minor">
+              <a:schemeClr val="lt1"/>
+            </a:fontRef>
+          </p:style>
+          <p:txBody>
+            <a:bodyPr rtlCol="0" anchor="ctr"/>
+            <a:lstStyle/>
+            <a:p>
+              <a:pPr algn="ctr"/>
+              <a:r>
+                <a:rPr lang="en-US" altLang="ko-KR" sz="700" dirty="0" smtClean="0">
+                  <a:solidFill>
+                    <a:schemeClr val="tx1">
+                      <a:alpha val="20000"/>
+                    </a:schemeClr>
+                  </a:solidFill>
+                </a:rPr>
+                <a:t>COMPILE</a:t>
+              </a:r>
+              <a:endParaRPr lang="ko-KR" altLang="en-US" sz="700" dirty="0">
+                <a:solidFill>
+                  <a:schemeClr val="tx1">
+                    <a:alpha val="20000"/>
+                  </a:schemeClr>
+                </a:solidFill>
+              </a:endParaRPr>
+            </a:p>
+          </p:txBody>
+        </p:sp>
+        <p:sp>
+          <p:nvSpPr>
+            <p:cNvPr id="129" name="모서리가 둥근 직사각형 128"/>
+            <p:cNvSpPr/>
+            <p:nvPr/>
+          </p:nvSpPr>
+          <p:spPr>
+            <a:xfrm>
+              <a:off x="5680319" y="1837298"/>
+              <a:ext cx="482969" cy="770400"/>
+            </a:xfrm>
+            <a:prstGeom prst="roundRect">
+              <a:avLst/>
+            </a:prstGeom>
+            <a:solidFill>
+              <a:schemeClr val="accent3">
+                <a:lumMod val="40000"/>
+                <a:lumOff val="60000"/>
+                <a:alpha val="30000"/>
+              </a:schemeClr>
+            </a:solidFill>
+            <a:ln>
+              <a:noFill/>
+            </a:ln>
+          </p:spPr>
+          <p:style>
+            <a:lnRef idx="2">
+              <a:schemeClr val="accent1">
+                <a:shade val="50000"/>
+              </a:schemeClr>
+            </a:lnRef>
+            <a:fillRef idx="1">
+              <a:schemeClr val="accent1"/>
+            </a:fillRef>
+            <a:effectRef idx="0">
+              <a:schemeClr val="accent1"/>
+            </a:effectRef>
+            <a:fontRef idx="minor">
+              <a:schemeClr val="lt1"/>
+            </a:fontRef>
+          </p:style>
+          <p:txBody>
+            <a:bodyPr rtlCol="0" anchor="ctr"/>
+            <a:lstStyle/>
+            <a:p>
+              <a:pPr algn="ctr"/>
+              <a:r>
+                <a:rPr lang="en-US" altLang="ko-KR" sz="700" dirty="0" smtClean="0">
+                  <a:solidFill>
+                    <a:schemeClr val="tx1">
+                      <a:alpha val="20000"/>
+                    </a:schemeClr>
+                  </a:solidFill>
+                </a:rPr>
+                <a:t>ERROR</a:t>
+              </a:r>
+              <a:endParaRPr lang="ko-KR" altLang="en-US" sz="700" dirty="0">
+                <a:solidFill>
+                  <a:schemeClr val="tx1">
+                    <a:alpha val="20000"/>
+                  </a:schemeClr>
+                </a:solidFill>
+              </a:endParaRPr>
+            </a:p>
+          </p:txBody>
+        </p:sp>
+        <p:sp>
+          <p:nvSpPr>
+            <p:cNvPr id="130" name="모서리가 둥근 직사각형 129"/>
+            <p:cNvSpPr/>
+            <p:nvPr/>
+          </p:nvSpPr>
+          <p:spPr>
+            <a:xfrm>
+              <a:off x="4607839" y="1845789"/>
+              <a:ext cx="482969" cy="770400"/>
+            </a:xfrm>
+            <a:prstGeom prst="roundRect">
+              <a:avLst/>
+            </a:prstGeom>
+            <a:solidFill>
+              <a:schemeClr val="accent3">
+                <a:lumMod val="40000"/>
+                <a:lumOff val="60000"/>
+                <a:alpha val="30000"/>
+              </a:schemeClr>
+            </a:solidFill>
+            <a:ln>
+              <a:noFill/>
+            </a:ln>
+          </p:spPr>
+          <p:style>
+            <a:lnRef idx="2">
+              <a:schemeClr val="accent1">
+                <a:shade val="50000"/>
+              </a:schemeClr>
+            </a:lnRef>
+            <a:fillRef idx="1">
+              <a:schemeClr val="accent1"/>
+            </a:fillRef>
+            <a:effectRef idx="0">
+              <a:schemeClr val="accent1"/>
+            </a:effectRef>
+            <a:fontRef idx="minor">
+              <a:schemeClr val="lt1"/>
+            </a:fontRef>
+          </p:style>
+          <p:txBody>
+            <a:bodyPr rtlCol="0" anchor="ctr"/>
+            <a:lstStyle/>
+            <a:p>
+              <a:pPr algn="ctr"/>
+              <a:r>
+                <a:rPr lang="en-US" altLang="ko-KR" sz="700" dirty="0" smtClean="0">
+                  <a:solidFill>
+                    <a:schemeClr val="tx1">
+                      <a:alpha val="20000"/>
+                    </a:schemeClr>
+                  </a:solidFill>
+                </a:rPr>
+                <a:t>DEPLOY</a:t>
+              </a:r>
+              <a:endParaRPr lang="ko-KR" altLang="en-US" sz="700" dirty="0">
+                <a:solidFill>
+                  <a:schemeClr val="tx1">
+                    <a:alpha val="20000"/>
+                  </a:schemeClr>
+                </a:solidFill>
+              </a:endParaRPr>
+            </a:p>
+          </p:txBody>
+        </p:sp>
+        <p:sp>
+          <p:nvSpPr>
+            <p:cNvPr id="131" name="모서리가 둥근 직사각형 130"/>
+            <p:cNvSpPr/>
+            <p:nvPr/>
+          </p:nvSpPr>
+          <p:spPr>
+            <a:xfrm>
+              <a:off x="4071599" y="1839315"/>
+              <a:ext cx="482969" cy="770400"/>
+            </a:xfrm>
+            <a:prstGeom prst="roundRect">
+              <a:avLst/>
+            </a:prstGeom>
+            <a:solidFill>
+              <a:schemeClr val="accent3">
+                <a:lumMod val="40000"/>
+                <a:lumOff val="60000"/>
+                <a:alpha val="30000"/>
+              </a:schemeClr>
+            </a:solidFill>
+            <a:ln>
+              <a:noFill/>
+            </a:ln>
+          </p:spPr>
+          <p:style>
+            <a:lnRef idx="2">
+              <a:schemeClr val="accent1">
+                <a:shade val="50000"/>
+              </a:schemeClr>
+            </a:lnRef>
+            <a:fillRef idx="1">
+              <a:schemeClr val="accent1"/>
+            </a:fillRef>
+            <a:effectRef idx="0">
+              <a:schemeClr val="accent1"/>
+            </a:effectRef>
+            <a:fontRef idx="minor">
+              <a:schemeClr val="lt1"/>
+            </a:fontRef>
+          </p:style>
+          <p:txBody>
+            <a:bodyPr rtlCol="0" anchor="ctr"/>
+            <a:lstStyle/>
+            <a:p>
+              <a:pPr algn="ctr"/>
+              <a:r>
+                <a:rPr lang="en-US" altLang="ko-KR" sz="700" dirty="0" smtClean="0">
+                  <a:solidFill>
+                    <a:schemeClr val="tx1">
+                      <a:alpha val="20000"/>
+                    </a:schemeClr>
+                  </a:solidFill>
+                </a:rPr>
+                <a:t>CODE-GEN</a:t>
+              </a:r>
+              <a:endParaRPr lang="ko-KR" altLang="en-US" sz="700" dirty="0">
+                <a:solidFill>
+                  <a:schemeClr val="tx1">
+                    <a:alpha val="20000"/>
+                  </a:schemeClr>
+                </a:solidFill>
+              </a:endParaRPr>
+            </a:p>
+          </p:txBody>
+        </p:sp>
+        <p:sp>
+          <p:nvSpPr>
+            <p:cNvPr id="132" name="모서리가 둥근 직사각형 131"/>
+            <p:cNvSpPr/>
+            <p:nvPr/>
+          </p:nvSpPr>
+          <p:spPr>
+            <a:xfrm>
+              <a:off x="6752797" y="1841332"/>
+              <a:ext cx="482969" cy="770400"/>
+            </a:xfrm>
+            <a:prstGeom prst="roundRect">
+              <a:avLst/>
+            </a:prstGeom>
+            <a:solidFill>
+              <a:schemeClr val="accent3">
+                <a:lumMod val="40000"/>
+                <a:lumOff val="60000"/>
+                <a:alpha val="30000"/>
+              </a:schemeClr>
+            </a:solidFill>
+            <a:ln>
+              <a:noFill/>
+            </a:ln>
+          </p:spPr>
+          <p:style>
+            <a:lnRef idx="2">
+              <a:schemeClr val="accent1">
+                <a:shade val="50000"/>
+              </a:schemeClr>
+            </a:lnRef>
+            <a:fillRef idx="1">
+              <a:schemeClr val="accent1"/>
+            </a:fillRef>
+            <a:effectRef idx="0">
+              <a:schemeClr val="accent1"/>
+            </a:effectRef>
+            <a:fontRef idx="minor">
+              <a:schemeClr val="lt1"/>
+            </a:fontRef>
+          </p:style>
+          <p:txBody>
+            <a:bodyPr rtlCol="0" anchor="ctr"/>
+            <a:lstStyle/>
+            <a:p>
+              <a:pPr algn="ctr"/>
+              <a:r>
+                <a:rPr lang="en-US" altLang="ko-KR" sz="700" dirty="0" smtClean="0">
+                  <a:solidFill>
+                    <a:schemeClr val="tx1">
+                      <a:alpha val="20000"/>
+                    </a:schemeClr>
+                  </a:solidFill>
+                </a:rPr>
+                <a:t>CODE-GEN</a:t>
+              </a:r>
+              <a:endParaRPr lang="ko-KR" altLang="en-US" sz="700" dirty="0">
+                <a:solidFill>
+                  <a:schemeClr val="tx1">
+                    <a:alpha val="20000"/>
+                  </a:schemeClr>
+                </a:solidFill>
+              </a:endParaRPr>
+            </a:p>
+          </p:txBody>
+        </p:sp>
+        <p:sp>
+          <p:nvSpPr>
+            <p:cNvPr id="58" name="모서리가 둥근 직사각형 57"/>
+            <p:cNvSpPr/>
+            <p:nvPr/>
+          </p:nvSpPr>
+          <p:spPr>
+            <a:xfrm>
+              <a:off x="181919" y="1980239"/>
+              <a:ext cx="1812022" cy="501505"/>
+            </a:xfrm>
+            <a:prstGeom prst="roundRect">
+              <a:avLst/>
+            </a:prstGeom>
+            <a:solidFill>
+              <a:schemeClr val="bg2">
+                <a:lumMod val="50000"/>
+              </a:schemeClr>
+            </a:solidFill>
+            <a:ln>
+              <a:solidFill>
+                <a:schemeClr val="bg2">
+                  <a:lumMod val="50000"/>
+                </a:schemeClr>
+              </a:solidFill>
+            </a:ln>
+          </p:spPr>
+          <p:style>
+            <a:lnRef idx="2">
+              <a:schemeClr val="accent1">
+                <a:shade val="50000"/>
+              </a:schemeClr>
+            </a:lnRef>
+            <a:fillRef idx="1">
+              <a:schemeClr val="accent1"/>
+            </a:fillRef>
+            <a:effectRef idx="0">
+              <a:schemeClr val="accent1"/>
+            </a:effectRef>
+            <a:fontRef idx="minor">
+              <a:schemeClr val="lt1"/>
+            </a:fontRef>
+          </p:style>
+          <p:txBody>
+            <a:bodyPr rtlCol="0" anchor="ctr"/>
+            <a:lstStyle/>
+            <a:p>
+              <a:pPr algn="ctr"/>
+              <a:r>
+                <a:rPr lang="en-US" altLang="ko-KR" sz="1200" dirty="0" smtClean="0">
+                  <a:latin typeface="Noto Sans KR" panose="020B0200000000000000" pitchFamily="50" charset="-127"/>
+                  <a:ea typeface="Noto Sans KR" panose="020B0200000000000000" pitchFamily="50" charset="-127"/>
+                </a:rPr>
+                <a:t>Web Application</a:t>
+              </a:r>
+              <a:endParaRPr lang="ko-KR" altLang="en-US" sz="1200" dirty="0">
+                <a:latin typeface="Noto Sans KR" panose="020B0200000000000000" pitchFamily="50" charset="-127"/>
+                <a:ea typeface="Noto Sans KR" panose="020B0200000000000000" pitchFamily="50" charset="-127"/>
+              </a:endParaRPr>
+            </a:p>
+          </p:txBody>
+        </p:sp>
+        <p:sp>
+          <p:nvSpPr>
+            <p:cNvPr id="60" name="모서리가 둥근 직사각형 59"/>
+            <p:cNvSpPr/>
+            <p:nvPr/>
+          </p:nvSpPr>
+          <p:spPr>
+            <a:xfrm>
+              <a:off x="9252965" y="905791"/>
+              <a:ext cx="1812022" cy="501505"/>
+            </a:xfrm>
+            <a:prstGeom prst="roundRect">
+              <a:avLst/>
+            </a:prstGeom>
+            <a:solidFill>
+              <a:schemeClr val="bg2">
+                <a:lumMod val="50000"/>
+              </a:schemeClr>
+            </a:solidFill>
+            <a:ln>
+              <a:solidFill>
+                <a:schemeClr val="bg2">
+                  <a:lumMod val="50000"/>
+                </a:schemeClr>
+              </a:solidFill>
+            </a:ln>
+          </p:spPr>
+          <p:style>
+            <a:lnRef idx="2">
+              <a:schemeClr val="accent1">
+                <a:shade val="50000"/>
+              </a:schemeClr>
+            </a:lnRef>
+            <a:fillRef idx="1">
+              <a:schemeClr val="accent1"/>
+            </a:fillRef>
+            <a:effectRef idx="0">
+              <a:schemeClr val="accent1"/>
+            </a:effectRef>
+            <a:fontRef idx="minor">
+              <a:schemeClr val="lt1"/>
+            </a:fontRef>
+          </p:style>
+          <p:txBody>
+            <a:bodyPr rtlCol="0" anchor="ctr"/>
+            <a:lstStyle/>
+            <a:p>
+              <a:pPr algn="ctr"/>
+              <a:r>
+                <a:rPr lang="en-US" altLang="ko-KR" sz="1200" dirty="0" smtClean="0">
+                  <a:latin typeface="Noto Sans KR" panose="020B0200000000000000" pitchFamily="50" charset="-127"/>
+                  <a:ea typeface="Noto Sans KR" panose="020B0200000000000000" pitchFamily="50" charset="-127"/>
+                </a:rPr>
+                <a:t>Interface</a:t>
+              </a:r>
+            </a:p>
+            <a:p>
+              <a:pPr algn="ctr"/>
+              <a:r>
+                <a:rPr lang="en-US" altLang="ko-KR" sz="1200" dirty="0" smtClean="0">
+                  <a:latin typeface="Noto Sans KR" panose="020B0200000000000000" pitchFamily="50" charset="-127"/>
+                  <a:ea typeface="Noto Sans KR" panose="020B0200000000000000" pitchFamily="50" charset="-127"/>
+                </a:rPr>
+                <a:t>Execute Engine</a:t>
+              </a:r>
+              <a:endParaRPr lang="ko-KR" altLang="en-US" sz="1200" dirty="0">
+                <a:latin typeface="Noto Sans KR" panose="020B0200000000000000" pitchFamily="50" charset="-127"/>
+                <a:ea typeface="Noto Sans KR" panose="020B0200000000000000" pitchFamily="50" charset="-127"/>
+              </a:endParaRPr>
+            </a:p>
+          </p:txBody>
+        </p:sp>
+        <p:sp>
+          <p:nvSpPr>
+            <p:cNvPr id="4" name="모서리가 둥근 직사각형 3"/>
+            <p:cNvSpPr/>
+            <p:nvPr/>
+          </p:nvSpPr>
+          <p:spPr>
+            <a:xfrm>
+              <a:off x="3394102" y="977227"/>
+              <a:ext cx="4404220" cy="2629382"/>
+            </a:xfrm>
+            <a:prstGeom prst="roundRect">
+              <a:avLst/>
+            </a:prstGeom>
+            <a:noFill/>
+            <a:ln w="28575">
+              <a:solidFill>
+                <a:srgbClr val="767171"/>
+              </a:solidFill>
+            </a:ln>
+          </p:spPr>
+          <p:style>
+            <a:lnRef idx="2">
+              <a:schemeClr val="accent1">
+                <a:shade val="50000"/>
+              </a:schemeClr>
+            </a:lnRef>
+            <a:fillRef idx="1">
+              <a:schemeClr val="accent1"/>
+            </a:fillRef>
+            <a:effectRef idx="0">
+              <a:schemeClr val="accent1"/>
+            </a:effectRef>
+            <a:fontRef idx="minor">
+              <a:schemeClr val="lt1"/>
+            </a:fontRef>
+          </p:style>
+          <p:txBody>
+            <a:bodyPr rtlCol="0" anchor="ctr"/>
+            <a:lstStyle/>
+            <a:p>
+              <a:pPr algn="ctr"/>
+              <a:endParaRPr lang="ko-KR" altLang="en-US"/>
+            </a:p>
+          </p:txBody>
+        </p:sp>
+        <p:sp>
+          <p:nvSpPr>
+            <p:cNvPr id="61" name="모서리가 둥근 직사각형 60"/>
+            <p:cNvSpPr/>
+            <p:nvPr/>
+          </p:nvSpPr>
+          <p:spPr>
+            <a:xfrm>
+              <a:off x="9252965" y="1969729"/>
+              <a:ext cx="1812022" cy="501505"/>
+            </a:xfrm>
+            <a:prstGeom prst="roundRect">
+              <a:avLst/>
+            </a:prstGeom>
+            <a:solidFill>
+              <a:schemeClr val="bg2">
+                <a:lumMod val="50000"/>
+              </a:schemeClr>
+            </a:solidFill>
+            <a:ln>
+              <a:solidFill>
+                <a:schemeClr val="bg2">
+                  <a:lumMod val="50000"/>
+                </a:schemeClr>
+              </a:solidFill>
+            </a:ln>
+          </p:spPr>
+          <p:style>
+            <a:lnRef idx="2">
+              <a:schemeClr val="accent1">
+                <a:shade val="50000"/>
+              </a:schemeClr>
+            </a:lnRef>
+            <a:fillRef idx="1">
+              <a:schemeClr val="accent1"/>
+            </a:fillRef>
+            <a:effectRef idx="0">
+              <a:schemeClr val="accent1"/>
+            </a:effectRef>
+            <a:fontRef idx="minor">
+              <a:schemeClr val="lt1"/>
+            </a:fontRef>
+          </p:style>
+          <p:txBody>
+            <a:bodyPr rtlCol="0" anchor="ctr"/>
+            <a:lstStyle/>
+            <a:p>
+              <a:pPr algn="ctr"/>
+              <a:r>
+                <a:rPr lang="en-US" altLang="ko-KR" sz="1200" dirty="0" smtClean="0">
+                  <a:latin typeface="Noto Sans KR" panose="020B0200000000000000" pitchFamily="50" charset="-127"/>
+                  <a:ea typeface="Noto Sans KR" panose="020B0200000000000000" pitchFamily="50" charset="-127"/>
+                </a:rPr>
+                <a:t>Interface</a:t>
+              </a:r>
+            </a:p>
+            <a:p>
+              <a:pPr algn="ctr"/>
+              <a:r>
+                <a:rPr lang="en-US" altLang="ko-KR" sz="1200" dirty="0" smtClean="0">
+                  <a:latin typeface="Noto Sans KR" panose="020B0200000000000000" pitchFamily="50" charset="-127"/>
+                  <a:ea typeface="Noto Sans KR" panose="020B0200000000000000" pitchFamily="50" charset="-127"/>
+                </a:rPr>
+                <a:t>Execute Engine</a:t>
+              </a:r>
+              <a:endParaRPr lang="ko-KR" altLang="en-US" sz="1200" dirty="0">
+                <a:latin typeface="Noto Sans KR" panose="020B0200000000000000" pitchFamily="50" charset="-127"/>
+                <a:ea typeface="Noto Sans KR" panose="020B0200000000000000" pitchFamily="50" charset="-127"/>
+              </a:endParaRPr>
+            </a:p>
+          </p:txBody>
+        </p:sp>
+        <p:sp>
+          <p:nvSpPr>
+            <p:cNvPr id="62" name="모서리가 둥근 직사각형 61"/>
+            <p:cNvSpPr/>
+            <p:nvPr/>
+          </p:nvSpPr>
+          <p:spPr>
+            <a:xfrm>
+              <a:off x="9252965" y="3033667"/>
+              <a:ext cx="1812022" cy="501505"/>
+            </a:xfrm>
+            <a:prstGeom prst="roundRect">
+              <a:avLst/>
+            </a:prstGeom>
+            <a:solidFill>
+              <a:schemeClr val="bg2">
+                <a:lumMod val="50000"/>
+              </a:schemeClr>
+            </a:solidFill>
+            <a:ln>
+              <a:solidFill>
+                <a:schemeClr val="bg2">
+                  <a:lumMod val="50000"/>
+                </a:schemeClr>
+              </a:solidFill>
+            </a:ln>
+          </p:spPr>
+          <p:style>
+            <a:lnRef idx="2">
+              <a:schemeClr val="accent1">
+                <a:shade val="50000"/>
+              </a:schemeClr>
+            </a:lnRef>
+            <a:fillRef idx="1">
+              <a:schemeClr val="accent1"/>
+            </a:fillRef>
+            <a:effectRef idx="0">
+              <a:schemeClr val="accent1"/>
+            </a:effectRef>
+            <a:fontRef idx="minor">
+              <a:schemeClr val="lt1"/>
+            </a:fontRef>
+          </p:style>
+          <p:txBody>
+            <a:bodyPr rtlCol="0" anchor="ctr"/>
+            <a:lstStyle/>
+            <a:p>
+              <a:pPr algn="ctr"/>
+              <a:r>
+                <a:rPr lang="en-US" altLang="ko-KR" sz="1200" dirty="0" smtClean="0">
+                  <a:latin typeface="Noto Sans KR" panose="020B0200000000000000" pitchFamily="50" charset="-127"/>
+                  <a:ea typeface="Noto Sans KR" panose="020B0200000000000000" pitchFamily="50" charset="-127"/>
+                </a:rPr>
+                <a:t>Interface</a:t>
+              </a:r>
+            </a:p>
+            <a:p>
+              <a:pPr algn="ctr"/>
+              <a:r>
+                <a:rPr lang="en-US" altLang="ko-KR" sz="1200" dirty="0" smtClean="0">
+                  <a:latin typeface="Noto Sans KR" panose="020B0200000000000000" pitchFamily="50" charset="-127"/>
+                  <a:ea typeface="Noto Sans KR" panose="020B0200000000000000" pitchFamily="50" charset="-127"/>
+                </a:rPr>
+                <a:t>Execute Engine</a:t>
+              </a:r>
+              <a:endParaRPr lang="ko-KR" altLang="en-US" sz="1200" dirty="0">
+                <a:latin typeface="Noto Sans KR" panose="020B0200000000000000" pitchFamily="50" charset="-127"/>
+                <a:ea typeface="Noto Sans KR" panose="020B0200000000000000" pitchFamily="50" charset="-127"/>
+              </a:endParaRPr>
+            </a:p>
+          </p:txBody>
+        </p:sp>
+        <p:cxnSp>
+          <p:nvCxnSpPr>
+            <p:cNvPr id="9" name="직선 화살표 연결선 8"/>
+            <p:cNvCxnSpPr/>
+            <p:nvPr/>
+          </p:nvCxnSpPr>
+          <p:spPr>
+            <a:xfrm>
+              <a:off x="1087930" y="498666"/>
+              <a:ext cx="0" cy="1481573"/>
+            </a:xfrm>
+            <a:prstGeom prst="straightConnector1">
+              <a:avLst/>
+            </a:prstGeom>
+            <a:ln w="28575">
+              <a:solidFill>
+                <a:srgbClr val="4886BF"/>
+              </a:solidFill>
+              <a:tailEnd type="triangle"/>
+            </a:ln>
+          </p:spPr>
+          <p:style>
+            <a:lnRef idx="1">
+              <a:schemeClr val="accent1"/>
+            </a:lnRef>
+            <a:fillRef idx="0">
+              <a:schemeClr val="accent1"/>
+            </a:fillRef>
+            <a:effectRef idx="0">
+              <a:schemeClr val="accent1"/>
+            </a:effectRef>
+            <a:fontRef idx="minor">
+              <a:schemeClr val="tx1"/>
+            </a:fontRef>
+          </p:style>
+        </p:cxnSp>
+        <p:sp>
+          <p:nvSpPr>
+            <p:cNvPr id="63" name="순서도: 처리 62"/>
+            <p:cNvSpPr/>
+            <p:nvPr/>
+          </p:nvSpPr>
+          <p:spPr>
+            <a:xfrm>
+              <a:off x="535514" y="1057013"/>
+              <a:ext cx="1130954" cy="422158"/>
+            </a:xfrm>
+            <a:prstGeom prst="flowChartProcess">
+              <a:avLst/>
+            </a:prstGeom>
+            <a:solidFill>
+              <a:srgbClr val="4886BF"/>
+            </a:solidFill>
+            <a:ln>
+              <a:noFill/>
+            </a:ln>
+          </p:spPr>
+          <p:style>
+            <a:lnRef idx="2">
+              <a:schemeClr val="accent1">
+                <a:shade val="50000"/>
+              </a:schemeClr>
+            </a:lnRef>
+            <a:fillRef idx="1">
+              <a:schemeClr val="accent1"/>
+            </a:fillRef>
+            <a:effectRef idx="0">
+              <a:schemeClr val="accent1"/>
+            </a:effectRef>
+            <a:fontRef idx="minor">
+              <a:schemeClr val="lt1"/>
+            </a:fontRef>
+          </p:style>
+          <p:txBody>
+            <a:bodyPr rtlCol="0" anchor="ctr"/>
+            <a:lstStyle/>
+            <a:p>
+              <a:pPr algn="ctr"/>
+              <a:r>
+                <a:rPr lang="en-US" altLang="ko-KR" sz="1100" dirty="0" smtClean="0">
+                  <a:latin typeface="Noto Sans KR" panose="020B0200000000000000" pitchFamily="50" charset="-127"/>
+                  <a:ea typeface="Noto Sans KR" panose="020B0200000000000000" pitchFamily="50" charset="-127"/>
+                </a:rPr>
+                <a:t>Deploy</a:t>
+              </a:r>
+            </a:p>
+            <a:p>
+              <a:pPr algn="ctr"/>
+              <a:r>
+                <a:rPr lang="en-US" altLang="ko-KR" sz="1100" dirty="0" smtClean="0">
+                  <a:latin typeface="Noto Sans KR" panose="020B0200000000000000" pitchFamily="50" charset="-127"/>
+                  <a:ea typeface="Noto Sans KR" panose="020B0200000000000000" pitchFamily="50" charset="-127"/>
+                </a:rPr>
+                <a:t>Request</a:t>
+              </a:r>
+              <a:endParaRPr lang="ko-KR" altLang="en-US" sz="1100" dirty="0">
+                <a:latin typeface="Noto Sans KR" panose="020B0200000000000000" pitchFamily="50" charset="-127"/>
+                <a:ea typeface="Noto Sans KR" panose="020B0200000000000000" pitchFamily="50" charset="-127"/>
+              </a:endParaRPr>
+            </a:p>
+          </p:txBody>
+        </p:sp>
+        <p:cxnSp>
+          <p:nvCxnSpPr>
+            <p:cNvPr id="64" name="직선 화살표 연결선 63"/>
+            <p:cNvCxnSpPr>
+              <a:stCxn id="58" idx="3"/>
+              <a:endCxn id="14" idx="1"/>
+            </p:cNvCxnSpPr>
+            <p:nvPr/>
+          </p:nvCxnSpPr>
+          <p:spPr>
+            <a:xfrm flipV="1">
+              <a:off x="1993941" y="2230990"/>
+              <a:ext cx="634503" cy="2"/>
+            </a:xfrm>
+            <a:prstGeom prst="straightConnector1">
+              <a:avLst/>
+            </a:prstGeom>
+            <a:ln w="28575">
+              <a:solidFill>
+                <a:srgbClr val="4886BF"/>
+              </a:solidFill>
+              <a:tailEnd type="triangle"/>
+            </a:ln>
+          </p:spPr>
+          <p:style>
+            <a:lnRef idx="1">
+              <a:schemeClr val="accent1"/>
+            </a:lnRef>
+            <a:fillRef idx="0">
+              <a:schemeClr val="accent1"/>
+            </a:fillRef>
+            <a:effectRef idx="0">
+              <a:schemeClr val="accent1"/>
+            </a:effectRef>
+            <a:fontRef idx="minor">
+              <a:schemeClr val="tx1"/>
+            </a:fontRef>
+          </p:style>
+        </p:cxnSp>
+        <p:sp>
+          <p:nvSpPr>
+            <p:cNvPr id="65" name="모서리가 둥근 직사각형 64"/>
+            <p:cNvSpPr/>
+            <p:nvPr/>
+          </p:nvSpPr>
+          <p:spPr>
+            <a:xfrm>
+              <a:off x="4690201" y="3467274"/>
+              <a:ext cx="1812022" cy="501505"/>
+            </a:xfrm>
+            <a:prstGeom prst="roundRect">
+              <a:avLst/>
+            </a:prstGeom>
+            <a:solidFill>
+              <a:schemeClr val="bg2">
+                <a:lumMod val="50000"/>
+              </a:schemeClr>
+            </a:solidFill>
+            <a:ln>
+              <a:solidFill>
+                <a:schemeClr val="bg2">
+                  <a:lumMod val="50000"/>
+                </a:schemeClr>
+              </a:solidFill>
+            </a:ln>
+          </p:spPr>
+          <p:style>
+            <a:lnRef idx="2">
+              <a:schemeClr val="accent1">
+                <a:shade val="50000"/>
+              </a:schemeClr>
+            </a:lnRef>
+            <a:fillRef idx="1">
+              <a:schemeClr val="accent1"/>
+            </a:fillRef>
+            <a:effectRef idx="0">
+              <a:schemeClr val="accent1"/>
+            </a:effectRef>
+            <a:fontRef idx="minor">
+              <a:schemeClr val="lt1"/>
+            </a:fontRef>
+          </p:style>
+          <p:txBody>
+            <a:bodyPr rtlCol="0" anchor="ctr"/>
+            <a:lstStyle/>
+            <a:p>
+              <a:pPr algn="ctr"/>
+              <a:r>
+                <a:rPr lang="en-US" altLang="ko-KR" sz="1200" dirty="0" smtClean="0">
+                  <a:latin typeface="Noto Sans KR" panose="020B0200000000000000" pitchFamily="50" charset="-127"/>
+                  <a:ea typeface="Noto Sans KR" panose="020B0200000000000000" pitchFamily="50" charset="-127"/>
+                </a:rPr>
+                <a:t>Integrated API</a:t>
+              </a:r>
+            </a:p>
+            <a:p>
+              <a:pPr algn="ctr"/>
+              <a:r>
+                <a:rPr lang="en-US" altLang="ko-KR" sz="1200" dirty="0" smtClean="0">
+                  <a:latin typeface="Noto Sans KR" panose="020B0200000000000000" pitchFamily="50" charset="-127"/>
+                  <a:ea typeface="Noto Sans KR" panose="020B0200000000000000" pitchFamily="50" charset="-127"/>
+                </a:rPr>
+                <a:t>Server</a:t>
+              </a:r>
+              <a:endParaRPr lang="ko-KR" altLang="en-US" sz="1200" dirty="0">
+                <a:latin typeface="Noto Sans KR" panose="020B0200000000000000" pitchFamily="50" charset="-127"/>
+                <a:ea typeface="Noto Sans KR" panose="020B0200000000000000" pitchFamily="50" charset="-127"/>
+              </a:endParaRPr>
+            </a:p>
+          </p:txBody>
+        </p:sp>
+        <p:sp>
+          <p:nvSpPr>
+            <p:cNvPr id="14" name="모서리가 둥근 직사각형 13"/>
+            <p:cNvSpPr/>
+            <p:nvPr/>
+          </p:nvSpPr>
+          <p:spPr>
+            <a:xfrm>
+              <a:off x="2628444" y="2048137"/>
+              <a:ext cx="901090" cy="365706"/>
+            </a:xfrm>
+            <a:prstGeom prst="roundRect">
+              <a:avLst/>
+            </a:prstGeom>
+            <a:solidFill>
+              <a:schemeClr val="accent3">
+                <a:lumMod val="40000"/>
+                <a:lumOff val="60000"/>
+              </a:schemeClr>
+            </a:solidFill>
+            <a:ln>
+              <a:noFill/>
+            </a:ln>
+          </p:spPr>
+          <p:style>
+            <a:lnRef idx="2">
+              <a:schemeClr val="accent1">
+                <a:shade val="50000"/>
+              </a:schemeClr>
+            </a:lnRef>
+            <a:fillRef idx="1">
+              <a:schemeClr val="accent1"/>
+            </a:fillRef>
+            <a:effectRef idx="0">
+              <a:schemeClr val="accent1"/>
+            </a:effectRef>
+            <a:fontRef idx="minor">
+              <a:schemeClr val="lt1"/>
+            </a:fontRef>
+          </p:style>
+          <p:txBody>
+            <a:bodyPr rtlCol="0" anchor="ctr"/>
+            <a:lstStyle/>
+            <a:p>
+              <a:pPr algn="ctr"/>
+              <a:r>
+                <a:rPr lang="en-US" altLang="ko-KR" sz="1100" dirty="0" smtClean="0">
+                  <a:solidFill>
+                    <a:schemeClr val="tx1"/>
+                  </a:solidFill>
+                </a:rPr>
+                <a:t>Gateway</a:t>
+              </a:r>
+              <a:endParaRPr lang="ko-KR" altLang="en-US" sz="1100" dirty="0">
+                <a:solidFill>
+                  <a:schemeClr val="tx1"/>
+                </a:solidFill>
+              </a:endParaRPr>
+            </a:p>
+          </p:txBody>
+        </p:sp>
+        <p:sp>
+          <p:nvSpPr>
+            <p:cNvPr id="66" name="모서리가 둥근 직사각형 65"/>
+            <p:cNvSpPr/>
+            <p:nvPr/>
+          </p:nvSpPr>
+          <p:spPr>
+            <a:xfrm>
+              <a:off x="3984593" y="2931426"/>
+              <a:ext cx="901090" cy="365706"/>
+            </a:xfrm>
+            <a:prstGeom prst="roundRect">
+              <a:avLst/>
+            </a:prstGeom>
+            <a:solidFill>
+              <a:schemeClr val="accent3">
+                <a:lumMod val="40000"/>
+                <a:lumOff val="60000"/>
+              </a:schemeClr>
+            </a:solidFill>
+            <a:ln>
+              <a:noFill/>
+            </a:ln>
+          </p:spPr>
+          <p:style>
+            <a:lnRef idx="2">
+              <a:schemeClr val="accent1">
+                <a:shade val="50000"/>
+              </a:schemeClr>
+            </a:lnRef>
+            <a:fillRef idx="1">
+              <a:schemeClr val="accent1"/>
+            </a:fillRef>
+            <a:effectRef idx="0">
+              <a:schemeClr val="accent1"/>
+            </a:effectRef>
+            <a:fontRef idx="minor">
+              <a:schemeClr val="lt1"/>
+            </a:fontRef>
+          </p:style>
+          <p:txBody>
+            <a:bodyPr rtlCol="0" anchor="ctr"/>
+            <a:lstStyle/>
+            <a:p>
+              <a:pPr algn="ctr"/>
+              <a:r>
+                <a:rPr lang="en-US" altLang="ko-KR" sz="1100" dirty="0" smtClean="0">
+                  <a:solidFill>
+                    <a:schemeClr val="tx1"/>
+                  </a:solidFill>
+                </a:rPr>
+                <a:t>Code-gen</a:t>
+              </a:r>
+            </a:p>
+            <a:p>
+              <a:pPr algn="ctr"/>
+              <a:r>
+                <a:rPr lang="en-US" altLang="ko-KR" sz="1100" dirty="0" smtClean="0">
+                  <a:solidFill>
+                    <a:schemeClr val="tx1"/>
+                  </a:solidFill>
+                </a:rPr>
+                <a:t>Service</a:t>
+              </a:r>
+              <a:endParaRPr lang="ko-KR" altLang="en-US" sz="1100" dirty="0">
+                <a:solidFill>
+                  <a:schemeClr val="tx1"/>
+                </a:solidFill>
+              </a:endParaRPr>
+            </a:p>
+          </p:txBody>
+        </p:sp>
+        <p:sp>
+          <p:nvSpPr>
+            <p:cNvPr id="67" name="모서리가 둥근 직사각형 66"/>
+            <p:cNvSpPr/>
+            <p:nvPr/>
+          </p:nvSpPr>
+          <p:spPr>
+            <a:xfrm>
+              <a:off x="6426196" y="1156744"/>
+              <a:ext cx="901090" cy="365706"/>
+            </a:xfrm>
+            <a:prstGeom prst="roundRect">
+              <a:avLst/>
+            </a:prstGeom>
+            <a:solidFill>
+              <a:schemeClr val="accent3">
+                <a:lumMod val="40000"/>
+                <a:lumOff val="60000"/>
+              </a:schemeClr>
+            </a:solidFill>
+            <a:ln>
+              <a:noFill/>
+            </a:ln>
+          </p:spPr>
+          <p:style>
+            <a:lnRef idx="2">
+              <a:schemeClr val="accent1">
+                <a:shade val="50000"/>
+              </a:schemeClr>
+            </a:lnRef>
+            <a:fillRef idx="1">
+              <a:schemeClr val="accent1"/>
+            </a:fillRef>
+            <a:effectRef idx="0">
+              <a:schemeClr val="accent1"/>
+            </a:effectRef>
+            <a:fontRef idx="minor">
+              <a:schemeClr val="lt1"/>
+            </a:fontRef>
+          </p:style>
+          <p:txBody>
+            <a:bodyPr rtlCol="0" anchor="ctr"/>
+            <a:lstStyle/>
+            <a:p>
+              <a:pPr algn="ctr"/>
+              <a:r>
+                <a:rPr lang="en-US" altLang="ko-KR" sz="1100" dirty="0" smtClean="0">
+                  <a:solidFill>
+                    <a:schemeClr val="tx1"/>
+                  </a:solidFill>
+                </a:rPr>
+                <a:t>Compile</a:t>
+              </a:r>
+            </a:p>
+            <a:p>
+              <a:pPr algn="ctr"/>
+              <a:r>
+                <a:rPr lang="en-US" altLang="ko-KR" sz="1100" dirty="0" smtClean="0">
+                  <a:solidFill>
+                    <a:schemeClr val="tx1"/>
+                  </a:solidFill>
+                </a:rPr>
+                <a:t>Service</a:t>
+              </a:r>
+              <a:endParaRPr lang="ko-KR" altLang="en-US" sz="1100" dirty="0">
+                <a:solidFill>
+                  <a:schemeClr val="tx1"/>
+                </a:solidFill>
+              </a:endParaRPr>
+            </a:p>
+          </p:txBody>
+        </p:sp>
+        <p:sp>
+          <p:nvSpPr>
+            <p:cNvPr id="68" name="모서리가 둥근 직사각형 67"/>
+            <p:cNvSpPr/>
+            <p:nvPr/>
+          </p:nvSpPr>
+          <p:spPr>
+            <a:xfrm>
+              <a:off x="6417807" y="2929770"/>
+              <a:ext cx="901090" cy="365706"/>
+            </a:xfrm>
+            <a:prstGeom prst="roundRect">
+              <a:avLst/>
+            </a:prstGeom>
+            <a:solidFill>
+              <a:schemeClr val="accent3">
+                <a:lumMod val="40000"/>
+                <a:lumOff val="60000"/>
+              </a:schemeClr>
+            </a:solidFill>
+            <a:ln>
+              <a:noFill/>
+            </a:ln>
+          </p:spPr>
+          <p:style>
+            <a:lnRef idx="2">
+              <a:schemeClr val="accent1">
+                <a:shade val="50000"/>
+              </a:schemeClr>
+            </a:lnRef>
+            <a:fillRef idx="1">
+              <a:schemeClr val="accent1"/>
+            </a:fillRef>
+            <a:effectRef idx="0">
+              <a:schemeClr val="accent1"/>
+            </a:effectRef>
+            <a:fontRef idx="minor">
+              <a:schemeClr val="lt1"/>
+            </a:fontRef>
+          </p:style>
+          <p:txBody>
+            <a:bodyPr rtlCol="0" anchor="ctr"/>
+            <a:lstStyle/>
+            <a:p>
+              <a:pPr algn="ctr"/>
+              <a:r>
+                <a:rPr lang="en-US" altLang="ko-KR" sz="1100" dirty="0" smtClean="0">
+                  <a:solidFill>
+                    <a:schemeClr val="tx1"/>
+                  </a:solidFill>
+                </a:rPr>
+                <a:t>Deploy</a:t>
+              </a:r>
+            </a:p>
+            <a:p>
+              <a:pPr algn="ctr"/>
+              <a:r>
+                <a:rPr lang="en-US" altLang="ko-KR" sz="1100" dirty="0" smtClean="0">
+                  <a:solidFill>
+                    <a:schemeClr val="tx1"/>
+                  </a:solidFill>
+                </a:rPr>
+                <a:t>Service</a:t>
+              </a:r>
+              <a:endParaRPr lang="ko-KR" altLang="en-US" sz="1100" dirty="0">
+                <a:solidFill>
+                  <a:schemeClr val="tx1"/>
+                </a:solidFill>
+              </a:endParaRPr>
+            </a:p>
+          </p:txBody>
+        </p:sp>
+        <p:cxnSp>
+          <p:nvCxnSpPr>
+            <p:cNvPr id="19" name="꺾인 연결선 18"/>
+            <p:cNvCxnSpPr>
+              <a:stCxn id="68" idx="3"/>
+              <a:endCxn id="60" idx="1"/>
+            </p:cNvCxnSpPr>
+            <p:nvPr/>
+          </p:nvCxnSpPr>
+          <p:spPr>
+            <a:xfrm flipV="1">
+              <a:off x="7318897" y="1156544"/>
+              <a:ext cx="1934068" cy="1956079"/>
+            </a:xfrm>
+            <a:prstGeom prst="bentConnector3">
+              <a:avLst/>
+            </a:prstGeom>
+            <a:ln w="28575">
+              <a:solidFill>
+                <a:srgbClr val="4886BF"/>
+              </a:solidFill>
+              <a:tailEnd type="triangle"/>
+            </a:ln>
+          </p:spPr>
+          <p:style>
+            <a:lnRef idx="1">
+              <a:schemeClr val="accent1"/>
+            </a:lnRef>
+            <a:fillRef idx="0">
+              <a:schemeClr val="accent1"/>
+            </a:fillRef>
+            <a:effectRef idx="0">
+              <a:schemeClr val="accent1"/>
+            </a:effectRef>
+            <a:fontRef idx="minor">
+              <a:schemeClr val="tx1"/>
+            </a:fontRef>
+          </p:style>
+        </p:cxnSp>
+        <p:cxnSp>
+          <p:nvCxnSpPr>
+            <p:cNvPr id="73" name="꺾인 연결선 72"/>
+            <p:cNvCxnSpPr>
+              <a:stCxn id="68" idx="3"/>
+              <a:endCxn id="61" idx="1"/>
+            </p:cNvCxnSpPr>
+            <p:nvPr/>
+          </p:nvCxnSpPr>
+          <p:spPr>
+            <a:xfrm flipV="1">
+              <a:off x="7318897" y="2220482"/>
+              <a:ext cx="1934068" cy="892141"/>
+            </a:xfrm>
+            <a:prstGeom prst="bentConnector3">
+              <a:avLst>
+                <a:gd name="adj1" fmla="val 50000"/>
+              </a:avLst>
+            </a:prstGeom>
+            <a:ln w="28575">
+              <a:solidFill>
+                <a:srgbClr val="4886BF"/>
+              </a:solidFill>
+              <a:tailEnd type="triangle"/>
+            </a:ln>
+          </p:spPr>
+          <p:style>
+            <a:lnRef idx="1">
+              <a:schemeClr val="accent1"/>
+            </a:lnRef>
+            <a:fillRef idx="0">
+              <a:schemeClr val="accent1"/>
+            </a:fillRef>
+            <a:effectRef idx="0">
+              <a:schemeClr val="accent1"/>
+            </a:effectRef>
+            <a:fontRef idx="minor">
+              <a:schemeClr val="tx1"/>
+            </a:fontRef>
+          </p:style>
+        </p:cxnSp>
+        <p:cxnSp>
+          <p:nvCxnSpPr>
+            <p:cNvPr id="76" name="꺾인 연결선 75"/>
+            <p:cNvCxnSpPr>
+              <a:stCxn id="68" idx="3"/>
+              <a:endCxn id="62" idx="1"/>
+            </p:cNvCxnSpPr>
+            <p:nvPr/>
+          </p:nvCxnSpPr>
+          <p:spPr>
+            <a:xfrm>
+              <a:off x="7318897" y="3112623"/>
+              <a:ext cx="1934068" cy="171797"/>
+            </a:xfrm>
+            <a:prstGeom prst="bentConnector3">
+              <a:avLst>
+                <a:gd name="adj1" fmla="val 50000"/>
+              </a:avLst>
+            </a:prstGeom>
+            <a:ln w="28575">
+              <a:solidFill>
+                <a:srgbClr val="4886BF"/>
+              </a:solidFill>
+              <a:tailEnd type="triangle"/>
+            </a:ln>
+          </p:spPr>
+          <p:style>
+            <a:lnRef idx="1">
+              <a:schemeClr val="accent1"/>
+            </a:lnRef>
+            <a:fillRef idx="0">
+              <a:schemeClr val="accent1"/>
+            </a:fillRef>
+            <a:effectRef idx="0">
+              <a:schemeClr val="accent1"/>
+            </a:effectRef>
+            <a:fontRef idx="minor">
+              <a:schemeClr val="tx1"/>
+            </a:fontRef>
+          </p:style>
+        </p:cxnSp>
+        <p:sp>
+          <p:nvSpPr>
+            <p:cNvPr id="85" name="모서리가 둥근 직사각형 84"/>
+            <p:cNvSpPr/>
+            <p:nvPr/>
+          </p:nvSpPr>
+          <p:spPr>
+            <a:xfrm>
+              <a:off x="3980079" y="1773919"/>
+              <a:ext cx="3347207" cy="914141"/>
+            </a:xfrm>
+            <a:prstGeom prst="roundRect">
+              <a:avLst/>
+            </a:prstGeom>
+            <a:noFill/>
+            <a:ln w="38100">
+              <a:solidFill>
+                <a:schemeClr val="tx1"/>
+              </a:solidFill>
+              <a:prstDash val="sysDash"/>
+            </a:ln>
+          </p:spPr>
+          <p:style>
+            <a:lnRef idx="2">
+              <a:schemeClr val="accent1">
+                <a:shade val="50000"/>
+              </a:schemeClr>
+            </a:lnRef>
+            <a:fillRef idx="1">
+              <a:schemeClr val="accent1"/>
+            </a:fillRef>
+            <a:effectRef idx="0">
+              <a:schemeClr val="accent1"/>
+            </a:effectRef>
+            <a:fontRef idx="minor">
+              <a:schemeClr val="lt1"/>
+            </a:fontRef>
+          </p:style>
+          <p:txBody>
+            <a:bodyPr rtlCol="0" anchor="t"/>
+            <a:lstStyle/>
+            <a:p>
+              <a:pPr algn="ctr"/>
+              <a:r>
+                <a:rPr lang="en-US" altLang="ko-KR" sz="1050" dirty="0" smtClean="0">
+                  <a:solidFill>
+                    <a:sysClr val="windowText" lastClr="000000"/>
+                  </a:solidFill>
+                </a:rPr>
+                <a:t>Message Queue</a:t>
+              </a:r>
+              <a:endParaRPr lang="ko-KR" altLang="en-US" sz="1050" dirty="0">
+                <a:solidFill>
+                  <a:sysClr val="windowText" lastClr="000000"/>
+                </a:solidFill>
+              </a:endParaRPr>
+            </a:p>
+          </p:txBody>
+        </p:sp>
+        <p:sp>
+          <p:nvSpPr>
+            <p:cNvPr id="97" name="모서리가 둥근 직사각형 96"/>
+            <p:cNvSpPr/>
+            <p:nvPr/>
+          </p:nvSpPr>
+          <p:spPr>
+            <a:xfrm>
+              <a:off x="3984593" y="1156544"/>
+              <a:ext cx="901090" cy="365706"/>
+            </a:xfrm>
+            <a:prstGeom prst="roundRect">
+              <a:avLst/>
+            </a:prstGeom>
+            <a:solidFill>
+              <a:schemeClr val="accent3">
+                <a:lumMod val="40000"/>
+                <a:lumOff val="60000"/>
+              </a:schemeClr>
+            </a:solidFill>
+            <a:ln>
+              <a:noFill/>
+            </a:ln>
+          </p:spPr>
+          <p:style>
+            <a:lnRef idx="2">
+              <a:schemeClr val="accent1">
+                <a:shade val="50000"/>
+              </a:schemeClr>
+            </a:lnRef>
+            <a:fillRef idx="1">
+              <a:schemeClr val="accent1"/>
+            </a:fillRef>
+            <a:effectRef idx="0">
+              <a:schemeClr val="accent1"/>
+            </a:effectRef>
+            <a:fontRef idx="minor">
+              <a:schemeClr val="lt1"/>
+            </a:fontRef>
+          </p:style>
+          <p:txBody>
+            <a:bodyPr rtlCol="0" anchor="ctr"/>
+            <a:lstStyle/>
+            <a:p>
+              <a:pPr algn="ctr"/>
+              <a:r>
+                <a:rPr lang="en-US" altLang="ko-KR" sz="1100" dirty="0" smtClean="0">
+                  <a:solidFill>
+                    <a:schemeClr val="tx1"/>
+                  </a:solidFill>
+                </a:rPr>
+                <a:t>Error</a:t>
+              </a:r>
+            </a:p>
+            <a:p>
+              <a:pPr algn="ctr"/>
+              <a:r>
+                <a:rPr lang="en-US" altLang="ko-KR" sz="1100" dirty="0" smtClean="0">
+                  <a:solidFill>
+                    <a:schemeClr val="tx1"/>
+                  </a:solidFill>
+                </a:rPr>
+                <a:t>Service</a:t>
+              </a:r>
+              <a:endParaRPr lang="ko-KR" altLang="en-US" sz="1100" dirty="0">
+                <a:solidFill>
+                  <a:schemeClr val="tx1"/>
+                </a:solidFill>
+              </a:endParaRPr>
+            </a:p>
+          </p:txBody>
+        </p:sp>
+        <p:cxnSp>
+          <p:nvCxnSpPr>
+            <p:cNvPr id="101" name="꺾인 연결선 100"/>
+            <p:cNvCxnSpPr>
+              <a:stCxn id="97" idx="3"/>
+              <a:endCxn id="85" idx="0"/>
+            </p:cNvCxnSpPr>
+            <p:nvPr/>
+          </p:nvCxnSpPr>
+          <p:spPr>
+            <a:xfrm>
+              <a:off x="4885683" y="1339397"/>
+              <a:ext cx="768000" cy="434522"/>
+            </a:xfrm>
+            <a:prstGeom prst="bentConnector2">
+              <a:avLst/>
+            </a:prstGeom>
+            <a:ln w="28575">
+              <a:solidFill>
+                <a:schemeClr val="tx1"/>
+              </a:solidFill>
+              <a:headEnd type="triangle"/>
+              <a:tailEnd type="triangle"/>
+            </a:ln>
+          </p:spPr>
+          <p:style>
+            <a:lnRef idx="1">
+              <a:schemeClr val="accent1"/>
+            </a:lnRef>
+            <a:fillRef idx="0">
+              <a:schemeClr val="accent1"/>
+            </a:fillRef>
+            <a:effectRef idx="0">
+              <a:schemeClr val="accent1"/>
+            </a:effectRef>
+            <a:fontRef idx="minor">
+              <a:schemeClr val="tx1"/>
+            </a:fontRef>
+          </p:style>
+        </p:cxnSp>
+        <p:cxnSp>
+          <p:nvCxnSpPr>
+            <p:cNvPr id="103" name="꺾인 연결선 102"/>
+            <p:cNvCxnSpPr>
+              <a:stCxn id="67" idx="1"/>
+              <a:endCxn id="85" idx="0"/>
+            </p:cNvCxnSpPr>
+            <p:nvPr/>
+          </p:nvCxnSpPr>
+          <p:spPr>
+            <a:xfrm rot="10800000" flipV="1">
+              <a:off x="5653684" y="1339597"/>
+              <a:ext cx="772513" cy="434322"/>
+            </a:xfrm>
+            <a:prstGeom prst="bentConnector2">
+              <a:avLst/>
+            </a:prstGeom>
+            <a:ln w="28575">
+              <a:solidFill>
+                <a:schemeClr val="tx1"/>
+              </a:solidFill>
+              <a:headEnd type="triangle"/>
+              <a:tailEnd type="triangle"/>
+            </a:ln>
+          </p:spPr>
+          <p:style>
+            <a:lnRef idx="1">
+              <a:schemeClr val="accent1"/>
+            </a:lnRef>
+            <a:fillRef idx="0">
+              <a:schemeClr val="accent1"/>
+            </a:fillRef>
+            <a:effectRef idx="0">
+              <a:schemeClr val="accent1"/>
+            </a:effectRef>
+            <a:fontRef idx="minor">
+              <a:schemeClr val="tx1"/>
+            </a:fontRef>
+          </p:style>
+        </p:cxnSp>
+        <p:cxnSp>
+          <p:nvCxnSpPr>
+            <p:cNvPr id="107" name="꺾인 연결선 106"/>
+            <p:cNvCxnSpPr>
+              <a:stCxn id="66" idx="3"/>
+              <a:endCxn id="85" idx="2"/>
+            </p:cNvCxnSpPr>
+            <p:nvPr/>
+          </p:nvCxnSpPr>
+          <p:spPr>
+            <a:xfrm flipV="1">
+              <a:off x="4885683" y="2688060"/>
+              <a:ext cx="768000" cy="426219"/>
+            </a:xfrm>
+            <a:prstGeom prst="bentConnector2">
+              <a:avLst/>
+            </a:prstGeom>
+            <a:ln w="28575">
+              <a:solidFill>
+                <a:schemeClr val="tx1"/>
+              </a:solidFill>
+              <a:headEnd type="triangle"/>
+              <a:tailEnd type="triangle"/>
+            </a:ln>
+          </p:spPr>
+          <p:style>
+            <a:lnRef idx="1">
+              <a:schemeClr val="accent1"/>
+            </a:lnRef>
+            <a:fillRef idx="0">
+              <a:schemeClr val="accent1"/>
+            </a:fillRef>
+            <a:effectRef idx="0">
+              <a:schemeClr val="accent1"/>
+            </a:effectRef>
+            <a:fontRef idx="minor">
+              <a:schemeClr val="tx1"/>
+            </a:fontRef>
+          </p:style>
+        </p:cxnSp>
+        <p:cxnSp>
+          <p:nvCxnSpPr>
+            <p:cNvPr id="109" name="꺾인 연결선 108"/>
+            <p:cNvCxnSpPr>
+              <a:stCxn id="85" idx="2"/>
+              <a:endCxn id="68" idx="1"/>
+            </p:cNvCxnSpPr>
+            <p:nvPr/>
+          </p:nvCxnSpPr>
+          <p:spPr>
+            <a:xfrm rot="16200000" flipH="1">
+              <a:off x="5823464" y="2518279"/>
+              <a:ext cx="424563" cy="764124"/>
+            </a:xfrm>
+            <a:prstGeom prst="bentConnector2">
+              <a:avLst/>
+            </a:prstGeom>
+            <a:ln w="28575">
+              <a:solidFill>
+                <a:schemeClr val="tx1"/>
+              </a:solidFill>
+              <a:headEnd type="triangle"/>
+              <a:tailEnd type="triangle"/>
+            </a:ln>
+          </p:spPr>
+          <p:style>
+            <a:lnRef idx="1">
+              <a:schemeClr val="accent1"/>
+            </a:lnRef>
+            <a:fillRef idx="0">
+              <a:schemeClr val="accent1"/>
+            </a:fillRef>
+            <a:effectRef idx="0">
+              <a:schemeClr val="accent1"/>
+            </a:effectRef>
+            <a:fontRef idx="minor">
+              <a:schemeClr val="tx1"/>
+            </a:fontRef>
+          </p:style>
+        </p:cxnSp>
+        <p:cxnSp>
+          <p:nvCxnSpPr>
+            <p:cNvPr id="126" name="직선 화살표 연결선 125"/>
+            <p:cNvCxnSpPr>
+              <a:stCxn id="14" idx="3"/>
+              <a:endCxn id="85" idx="1"/>
+            </p:cNvCxnSpPr>
+            <p:nvPr/>
+          </p:nvCxnSpPr>
+          <p:spPr>
+            <a:xfrm>
+              <a:off x="3529534" y="2230990"/>
+              <a:ext cx="450545" cy="0"/>
+            </a:xfrm>
+            <a:prstGeom prst="straightConnector1">
+              <a:avLst/>
+            </a:prstGeom>
+            <a:ln w="28575">
+              <a:solidFill>
+                <a:schemeClr val="tx1"/>
+              </a:solidFill>
+              <a:tailEnd type="triangle"/>
+            </a:ln>
+          </p:spPr>
+          <p:style>
+            <a:lnRef idx="1">
+              <a:schemeClr val="accent1"/>
+            </a:lnRef>
+            <a:fillRef idx="0">
+              <a:schemeClr val="accent1"/>
+            </a:fillRef>
+            <a:effectRef idx="0">
+              <a:schemeClr val="accent1"/>
+            </a:effectRef>
+            <a:fontRef idx="minor">
+              <a:schemeClr val="tx1"/>
+            </a:fontRef>
+          </p:style>
+        </p:cxnSp>
+        <p:sp>
+          <p:nvSpPr>
+            <p:cNvPr id="133" name="순서도: 처리 132"/>
+            <p:cNvSpPr/>
+            <p:nvPr/>
+          </p:nvSpPr>
+          <p:spPr>
+            <a:xfrm>
+              <a:off x="7875853" y="2017681"/>
+              <a:ext cx="1130954" cy="422158"/>
+            </a:xfrm>
+            <a:prstGeom prst="flowChartProcess">
+              <a:avLst/>
+            </a:prstGeom>
+            <a:solidFill>
+              <a:srgbClr val="4886BF"/>
+            </a:solidFill>
+            <a:ln>
+              <a:noFill/>
+            </a:ln>
+          </p:spPr>
+          <p:style>
+            <a:lnRef idx="2">
+              <a:schemeClr val="accent1">
+                <a:shade val="50000"/>
+              </a:schemeClr>
+            </a:lnRef>
+            <a:fillRef idx="1">
+              <a:schemeClr val="accent1"/>
+            </a:fillRef>
+            <a:effectRef idx="0">
+              <a:schemeClr val="accent1"/>
+            </a:effectRef>
+            <a:fontRef idx="minor">
+              <a:schemeClr val="lt1"/>
+            </a:fontRef>
+          </p:style>
+          <p:txBody>
+            <a:bodyPr rtlCol="0" anchor="ctr"/>
+            <a:lstStyle/>
+            <a:p>
+              <a:pPr algn="ctr"/>
+              <a:r>
+                <a:rPr lang="en-US" altLang="ko-KR" sz="1100" dirty="0" smtClean="0">
+                  <a:latin typeface="Noto Sans KR" panose="020B0200000000000000" pitchFamily="50" charset="-127"/>
+                  <a:ea typeface="Noto Sans KR" panose="020B0200000000000000" pitchFamily="50" charset="-127"/>
+                </a:rPr>
+                <a:t>Deploy</a:t>
+              </a:r>
+            </a:p>
+            <a:p>
+              <a:pPr algn="ctr"/>
+              <a:r>
+                <a:rPr lang="en-US" altLang="ko-KR" sz="1100" dirty="0" smtClean="0">
+                  <a:latin typeface="Noto Sans KR" panose="020B0200000000000000" pitchFamily="50" charset="-127"/>
+                  <a:ea typeface="Noto Sans KR" panose="020B0200000000000000" pitchFamily="50" charset="-127"/>
+                </a:rPr>
+                <a:t>Resource</a:t>
+              </a:r>
+              <a:endParaRPr lang="ko-KR" altLang="en-US" sz="1100" dirty="0">
+                <a:latin typeface="Noto Sans KR" panose="020B0200000000000000" pitchFamily="50" charset="-127"/>
+                <a:ea typeface="Noto Sans KR" panose="020B0200000000000000" pitchFamily="50" charset="-127"/>
+              </a:endParaRPr>
+            </a:p>
+          </p:txBody>
+        </p:sp>
+      </p:grpSp>
+    </p:spTree>
+    <p:extLst>
+      <p:ext uri="{BB962C8B-B14F-4D97-AF65-F5344CB8AC3E}">
+        <p14:creationId xmlns:p14="http://schemas.microsoft.com/office/powerpoint/2010/main" val="411742485"/>
+      </p:ext>
+    </p:extLst>
+  </p:cSld>
+  <p:clrMapOvr>
+    <a:masterClrMapping/>
+  </p:clrMapOvr>
+</p:sld>
+</file>
+
+<file path=ppt/slides/slide5.xml><?xml version="1.0" encoding="utf-8"?>
+<p:sld xmlns:a="http://schemas.openxmlformats.org/drawingml/2006/main" xmlns:r="http://schemas.openxmlformats.org/officeDocument/2006/relationships" xmlns:p="http://schemas.openxmlformats.org/presentationml/2006/main">
+  <p:cSld>
+    <p:spTree>
+      <p:nvGrpSpPr>
+        <p:cNvPr id="1" name=""/>
+        <p:cNvGrpSpPr/>
+        <p:nvPr/>
+      </p:nvGrpSpPr>
+      <p:grpSpPr>
+        <a:xfrm>
+          <a:off x="0" y="0"/>
+          <a:ext cx="0" cy="0"/>
+          <a:chOff x="0" y="0"/>
+          <a:chExt cx="0" cy="0"/>
+        </a:xfrm>
+      </p:grpSpPr>
+      <p:grpSp>
+        <p:nvGrpSpPr>
+          <p:cNvPr id="166" name="그룹 165"/>
+          <p:cNvGrpSpPr/>
+          <p:nvPr/>
+        </p:nvGrpSpPr>
+        <p:grpSpPr>
+          <a:xfrm>
+            <a:off x="1121803" y="655472"/>
+            <a:ext cx="9018115" cy="2996682"/>
+            <a:chOff x="492629" y="1653762"/>
+            <a:chExt cx="9018115" cy="2996682"/>
+          </a:xfrm>
+        </p:grpSpPr>
+        <p:sp>
+          <p:nvSpPr>
+            <p:cNvPr id="78" name="모서리가 둥근 직사각형 77"/>
+            <p:cNvSpPr/>
+            <p:nvPr/>
+          </p:nvSpPr>
+          <p:spPr>
+            <a:xfrm>
+              <a:off x="5428233" y="1653762"/>
+              <a:ext cx="2041312" cy="676800"/>
+            </a:xfrm>
+            <a:prstGeom prst="roundRect">
+              <a:avLst/>
+            </a:prstGeom>
+            <a:solidFill>
+              <a:schemeClr val="accent4">
+                <a:lumMod val="60000"/>
+                <a:lumOff val="40000"/>
+              </a:schemeClr>
+            </a:solidFill>
+            <a:ln w="28575">
+              <a:solidFill>
+                <a:schemeClr val="accent4">
+                  <a:lumMod val="75000"/>
+                </a:schemeClr>
+              </a:solidFill>
+            </a:ln>
+          </p:spPr>
+          <p:style>
+            <a:lnRef idx="2">
+              <a:schemeClr val="accent1">
+                <a:shade val="50000"/>
+              </a:schemeClr>
+            </a:lnRef>
+            <a:fillRef idx="1">
+              <a:schemeClr val="accent1"/>
+            </a:fillRef>
+            <a:effectRef idx="0">
+              <a:schemeClr val="accent1"/>
+            </a:effectRef>
+            <a:fontRef idx="minor">
+              <a:schemeClr val="lt1"/>
+            </a:fontRef>
+          </p:style>
+          <p:txBody>
+            <a:bodyPr rtlCol="0" anchor="ctr"/>
+            <a:lstStyle/>
+            <a:p>
+              <a:pPr algn="ctr"/>
+              <a:r>
+                <a:rPr lang="en-US" altLang="ko-KR" sz="1100" dirty="0" smtClean="0">
+                  <a:solidFill>
+                    <a:schemeClr val="tx1"/>
+                  </a:solidFill>
+                </a:rPr>
+                <a:t>Version Control Service</a:t>
+              </a:r>
+            </a:p>
+            <a:p>
+              <a:pPr algn="ctr"/>
+              <a:r>
+                <a:rPr lang="en-US" altLang="ko-KR" sz="1100" dirty="0" smtClean="0">
+                  <a:solidFill>
+                    <a:schemeClr val="tx1"/>
+                  </a:solidFill>
+                </a:rPr>
+                <a:t>(</a:t>
+              </a:r>
+              <a:r>
+                <a:rPr lang="en-US" altLang="ko-KR" sz="1100" dirty="0" err="1" smtClean="0">
+                  <a:solidFill>
+                    <a:schemeClr val="tx1"/>
+                  </a:solidFill>
+                </a:rPr>
+                <a:t>Git</a:t>
+              </a:r>
+              <a:r>
+                <a:rPr lang="en-US" altLang="ko-KR" sz="1100" dirty="0" smtClean="0">
+                  <a:solidFill>
+                    <a:schemeClr val="tx1"/>
+                  </a:solidFill>
+                </a:rPr>
+                <a:t>)</a:t>
+              </a:r>
+              <a:endParaRPr lang="ko-KR" altLang="en-US" sz="1100" dirty="0">
+                <a:solidFill>
+                  <a:schemeClr val="tx1"/>
+                </a:solidFill>
+              </a:endParaRPr>
+            </a:p>
+          </p:txBody>
+        </p:sp>
+        <p:grpSp>
+          <p:nvGrpSpPr>
+            <p:cNvPr id="123" name="그룹 122"/>
+            <p:cNvGrpSpPr/>
+            <p:nvPr/>
+          </p:nvGrpSpPr>
+          <p:grpSpPr>
+            <a:xfrm>
+              <a:off x="492629" y="2469617"/>
+              <a:ext cx="2441826" cy="914141"/>
+              <a:chOff x="199014" y="245020"/>
+              <a:chExt cx="2441826" cy="914141"/>
+            </a:xfrm>
+          </p:grpSpPr>
+          <p:sp>
+            <p:nvSpPr>
+              <p:cNvPr id="89" name="모서리가 둥근 직사각형 88"/>
+              <p:cNvSpPr/>
+              <p:nvPr/>
+            </p:nvSpPr>
+            <p:spPr>
+              <a:xfrm>
+                <a:off x="2073292" y="314872"/>
+                <a:ext cx="482969" cy="770400"/>
+              </a:xfrm>
+              <a:prstGeom prst="roundRect">
+                <a:avLst/>
+              </a:prstGeom>
+              <a:solidFill>
+                <a:schemeClr val="accent3">
+                  <a:lumMod val="40000"/>
+                  <a:lumOff val="60000"/>
+                  <a:alpha val="30000"/>
+                </a:schemeClr>
+              </a:solidFill>
+              <a:ln>
+                <a:noFill/>
+              </a:ln>
+            </p:spPr>
+            <p:style>
+              <a:lnRef idx="2">
+                <a:schemeClr val="accent1">
+                  <a:shade val="50000"/>
+                </a:schemeClr>
+              </a:lnRef>
+              <a:fillRef idx="1">
+                <a:schemeClr val="accent1"/>
+              </a:fillRef>
+              <a:effectRef idx="0">
+                <a:schemeClr val="accent1"/>
+              </a:effectRef>
+              <a:fontRef idx="minor">
+                <a:schemeClr val="lt1"/>
+              </a:fontRef>
+            </p:style>
+            <p:txBody>
+              <a:bodyPr rtlCol="0" anchor="ctr"/>
+              <a:lstStyle/>
+              <a:p>
+                <a:pPr algn="ctr"/>
+                <a:r>
+                  <a:rPr lang="en-US" altLang="ko-KR" sz="700" dirty="0" smtClean="0">
+                    <a:solidFill>
+                      <a:schemeClr val="tx1"/>
+                    </a:solidFill>
+                  </a:rPr>
+                  <a:t>VCS</a:t>
+                </a:r>
+                <a:endParaRPr lang="ko-KR" altLang="en-US" sz="700" dirty="0">
+                  <a:solidFill>
+                    <a:schemeClr val="tx1"/>
+                  </a:solidFill>
+                </a:endParaRPr>
+              </a:p>
+            </p:txBody>
+          </p:sp>
+          <p:sp>
+            <p:nvSpPr>
+              <p:cNvPr id="93" name="모서리가 둥근 직사각형 92"/>
+              <p:cNvSpPr/>
+              <p:nvPr/>
+            </p:nvSpPr>
+            <p:spPr>
+              <a:xfrm>
+                <a:off x="199014" y="245020"/>
+                <a:ext cx="2441826" cy="914141"/>
+              </a:xfrm>
+              <a:prstGeom prst="roundRect">
+                <a:avLst/>
+              </a:prstGeom>
+              <a:noFill/>
+              <a:ln w="38100">
+                <a:solidFill>
+                  <a:schemeClr val="tx1"/>
+                </a:solidFill>
+                <a:prstDash val="sysDash"/>
+              </a:ln>
+            </p:spPr>
+            <p:style>
+              <a:lnRef idx="2">
+                <a:schemeClr val="accent1">
+                  <a:shade val="50000"/>
+                </a:schemeClr>
+              </a:lnRef>
+              <a:fillRef idx="1">
+                <a:schemeClr val="accent1"/>
+              </a:fillRef>
+              <a:effectRef idx="0">
+                <a:schemeClr val="accent1"/>
+              </a:effectRef>
+              <a:fontRef idx="minor">
+                <a:schemeClr val="lt1"/>
+              </a:fontRef>
+            </p:style>
+            <p:txBody>
+              <a:bodyPr rtlCol="0" anchor="ctr"/>
+              <a:lstStyle/>
+              <a:p>
+                <a:pPr algn="ctr"/>
+                <a:r>
+                  <a:rPr lang="en-US" altLang="ko-KR" sz="1050" dirty="0" smtClean="0">
+                    <a:solidFill>
+                      <a:sysClr val="windowText" lastClr="000000"/>
+                    </a:solidFill>
+                  </a:rPr>
+                  <a:t>Message Queue</a:t>
+                </a:r>
+                <a:endParaRPr lang="ko-KR" altLang="en-US" sz="1050" dirty="0">
+                  <a:solidFill>
+                    <a:sysClr val="windowText" lastClr="000000"/>
+                  </a:solidFill>
+                </a:endParaRPr>
+              </a:p>
+            </p:txBody>
+          </p:sp>
+        </p:grpSp>
+        <p:sp>
+          <p:nvSpPr>
+            <p:cNvPr id="98" name="모서리가 둥근 직사각형 97"/>
+            <p:cNvSpPr/>
+            <p:nvPr/>
+          </p:nvSpPr>
+          <p:spPr>
+            <a:xfrm>
+              <a:off x="7469544" y="2586269"/>
+              <a:ext cx="2041200" cy="676800"/>
+            </a:xfrm>
+            <a:prstGeom prst="roundRect">
+              <a:avLst/>
+            </a:prstGeom>
+            <a:solidFill>
+              <a:schemeClr val="bg2">
+                <a:lumMod val="50000"/>
+              </a:schemeClr>
+            </a:solidFill>
+            <a:ln w="28575">
+              <a:solidFill>
+                <a:schemeClr val="bg2">
+                  <a:lumMod val="25000"/>
+                </a:schemeClr>
+              </a:solidFill>
+            </a:ln>
+          </p:spPr>
+          <p:style>
+            <a:lnRef idx="2">
+              <a:schemeClr val="accent1">
+                <a:shade val="50000"/>
+              </a:schemeClr>
+            </a:lnRef>
+            <a:fillRef idx="1">
+              <a:schemeClr val="accent1"/>
+            </a:fillRef>
+            <a:effectRef idx="0">
+              <a:schemeClr val="accent1"/>
+            </a:effectRef>
+            <a:fontRef idx="minor">
+              <a:schemeClr val="lt1"/>
+            </a:fontRef>
+          </p:style>
+          <p:txBody>
+            <a:bodyPr rtlCol="0" anchor="ctr"/>
+            <a:lstStyle/>
+            <a:p>
+              <a:pPr algn="ctr"/>
+              <a:r>
+                <a:rPr lang="en-US" altLang="ko-KR" sz="1100" dirty="0" smtClean="0">
+                  <a:solidFill>
+                    <a:schemeClr val="bg1"/>
+                  </a:solidFill>
+                </a:rPr>
+                <a:t>Local Working Directory</a:t>
+              </a:r>
+              <a:endParaRPr lang="ko-KR" altLang="en-US" sz="1100" dirty="0">
+                <a:solidFill>
+                  <a:schemeClr val="bg1"/>
+                </a:solidFill>
+              </a:endParaRPr>
+            </a:p>
+          </p:txBody>
+        </p:sp>
+        <p:cxnSp>
+          <p:nvCxnSpPr>
+            <p:cNvPr id="23" name="꺾인 연결선 22"/>
+            <p:cNvCxnSpPr>
+              <a:stCxn id="78" idx="3"/>
+              <a:endCxn id="98" idx="3"/>
+            </p:cNvCxnSpPr>
+            <p:nvPr/>
+          </p:nvCxnSpPr>
+          <p:spPr>
+            <a:xfrm>
+              <a:off x="7469545" y="1992162"/>
+              <a:ext cx="2041199" cy="932507"/>
+            </a:xfrm>
+            <a:prstGeom prst="bentConnector3">
+              <a:avLst>
+                <a:gd name="adj1" fmla="val 111199"/>
+              </a:avLst>
+            </a:prstGeom>
+            <a:ln w="28575">
+              <a:solidFill>
+                <a:schemeClr val="tx1"/>
+              </a:solidFill>
+              <a:tailEnd type="triangle"/>
+            </a:ln>
+          </p:spPr>
+          <p:style>
+            <a:lnRef idx="1">
+              <a:schemeClr val="accent1"/>
+            </a:lnRef>
+            <a:fillRef idx="0">
+              <a:schemeClr val="accent1"/>
+            </a:fillRef>
+            <a:effectRef idx="0">
+              <a:schemeClr val="accent1"/>
+            </a:effectRef>
+            <a:fontRef idx="minor">
+              <a:schemeClr val="tx1"/>
+            </a:fontRef>
+          </p:style>
+        </p:cxnSp>
+        <p:sp>
+          <p:nvSpPr>
+            <p:cNvPr id="102" name="모서리가 둥근 직사각형 101"/>
+            <p:cNvSpPr/>
+            <p:nvPr/>
+          </p:nvSpPr>
+          <p:spPr>
+            <a:xfrm>
+              <a:off x="3346618" y="2743835"/>
+              <a:ext cx="1263904" cy="365706"/>
+            </a:xfrm>
+            <a:prstGeom prst="roundRect">
+              <a:avLst/>
+            </a:prstGeom>
+            <a:solidFill>
+              <a:schemeClr val="accent3">
+                <a:lumMod val="40000"/>
+                <a:lumOff val="60000"/>
+              </a:schemeClr>
+            </a:solidFill>
+            <a:ln>
+              <a:noFill/>
+            </a:ln>
+          </p:spPr>
+          <p:style>
+            <a:lnRef idx="2">
+              <a:schemeClr val="accent1">
+                <a:shade val="50000"/>
+              </a:schemeClr>
+            </a:lnRef>
+            <a:fillRef idx="1">
+              <a:schemeClr val="accent1"/>
+            </a:fillRef>
+            <a:effectRef idx="0">
+              <a:schemeClr val="accent1"/>
+            </a:effectRef>
+            <a:fontRef idx="minor">
+              <a:schemeClr val="lt1"/>
+            </a:fontRef>
+          </p:style>
+          <p:txBody>
+            <a:bodyPr rtlCol="0" anchor="ctr"/>
+            <a:lstStyle/>
+            <a:p>
+              <a:pPr algn="ctr"/>
+              <a:r>
+                <a:rPr lang="en-US" altLang="ko-KR" sz="1100" dirty="0" smtClean="0">
+                  <a:solidFill>
+                    <a:schemeClr val="tx1"/>
+                  </a:solidFill>
+                </a:rPr>
+                <a:t>VCS</a:t>
+              </a:r>
+            </a:p>
+            <a:p>
+              <a:pPr algn="ctr"/>
+              <a:r>
+                <a:rPr lang="en-US" altLang="ko-KR" sz="1100" dirty="0" smtClean="0">
+                  <a:solidFill>
+                    <a:schemeClr val="tx1"/>
+                  </a:solidFill>
+                </a:rPr>
+                <a:t>Service</a:t>
+              </a:r>
+              <a:endParaRPr lang="ko-KR" altLang="en-US" sz="1100" dirty="0">
+                <a:solidFill>
+                  <a:schemeClr val="tx1"/>
+                </a:solidFill>
+              </a:endParaRPr>
+            </a:p>
+          </p:txBody>
+        </p:sp>
+        <p:cxnSp>
+          <p:nvCxnSpPr>
+            <p:cNvPr id="110" name="꺾인 연결선 109"/>
+            <p:cNvCxnSpPr>
+              <a:stCxn id="102" idx="3"/>
+              <a:endCxn id="78" idx="1"/>
+            </p:cNvCxnSpPr>
+            <p:nvPr/>
+          </p:nvCxnSpPr>
+          <p:spPr>
+            <a:xfrm flipV="1">
+              <a:off x="4610522" y="1992162"/>
+              <a:ext cx="817711" cy="934526"/>
+            </a:xfrm>
+            <a:prstGeom prst="bentConnector3">
+              <a:avLst>
+                <a:gd name="adj1" fmla="val 50000"/>
+              </a:avLst>
+            </a:prstGeom>
+            <a:ln w="28575">
+              <a:solidFill>
+                <a:schemeClr val="tx1"/>
+              </a:solidFill>
+              <a:tailEnd type="triangle"/>
+            </a:ln>
+          </p:spPr>
+          <p:style>
+            <a:lnRef idx="1">
+              <a:schemeClr val="accent1"/>
+            </a:lnRef>
+            <a:fillRef idx="0">
+              <a:schemeClr val="accent1"/>
+            </a:fillRef>
+            <a:effectRef idx="0">
+              <a:schemeClr val="accent1"/>
+            </a:effectRef>
+            <a:fontRef idx="minor">
+              <a:schemeClr val="tx1"/>
+            </a:fontRef>
+          </p:style>
+        </p:cxnSp>
+        <p:grpSp>
+          <p:nvGrpSpPr>
+            <p:cNvPr id="95" name="그룹 94"/>
+            <p:cNvGrpSpPr/>
+            <p:nvPr/>
+          </p:nvGrpSpPr>
+          <p:grpSpPr>
+            <a:xfrm>
+              <a:off x="7731839" y="3253173"/>
+              <a:ext cx="1516610" cy="505412"/>
+              <a:chOff x="4798930" y="2190606"/>
+              <a:chExt cx="1516610" cy="505412"/>
+            </a:xfrm>
+          </p:grpSpPr>
+          <p:sp>
+            <p:nvSpPr>
+              <p:cNvPr id="113" name="모서리가 둥근 직사각형 112"/>
+              <p:cNvSpPr/>
+              <p:nvPr/>
+            </p:nvSpPr>
+            <p:spPr>
+              <a:xfrm>
+                <a:off x="5051636" y="2404278"/>
+                <a:ext cx="1263904" cy="184010"/>
+              </a:xfrm>
+              <a:prstGeom prst="roundRect">
+                <a:avLst/>
+              </a:prstGeom>
+              <a:solidFill>
+                <a:schemeClr val="accent3">
+                  <a:lumMod val="40000"/>
+                  <a:lumOff val="60000"/>
+                </a:schemeClr>
+              </a:solidFill>
+              <a:ln>
+                <a:noFill/>
+              </a:ln>
+            </p:spPr>
+            <p:style>
+              <a:lnRef idx="2">
+                <a:schemeClr val="accent1">
+                  <a:shade val="50000"/>
+                </a:schemeClr>
+              </a:lnRef>
+              <a:fillRef idx="1">
+                <a:schemeClr val="accent1"/>
+              </a:fillRef>
+              <a:effectRef idx="0">
+                <a:schemeClr val="accent1"/>
+              </a:effectRef>
+              <a:fontRef idx="minor">
+                <a:schemeClr val="lt1"/>
+              </a:fontRef>
+            </p:style>
+            <p:txBody>
+              <a:bodyPr rtlCol="0" anchor="ctr"/>
+              <a:lstStyle/>
+              <a:p>
+                <a:pPr algn="ctr"/>
+                <a:r>
+                  <a:rPr lang="en-US" altLang="ko-KR" sz="1100" dirty="0" smtClean="0">
+                    <a:solidFill>
+                      <a:schemeClr val="tx1"/>
+                    </a:solidFill>
+                  </a:rPr>
+                  <a:t>Repository</a:t>
+                </a:r>
+                <a:endParaRPr lang="ko-KR" altLang="en-US" sz="1100" dirty="0">
+                  <a:solidFill>
+                    <a:schemeClr val="tx1"/>
+                  </a:solidFill>
+                </a:endParaRPr>
+              </a:p>
+            </p:txBody>
+          </p:sp>
+          <p:pic>
+            <p:nvPicPr>
+              <p:cNvPr id="1026" name="Picture 2" descr="Free Folder SVG, PNG Icon, Symbol. Download Image."/>
+              <p:cNvPicPr>
+                <a:picLocks noChangeAspect="1" noChangeArrowheads="1"/>
+              </p:cNvPicPr>
+              <p:nvPr/>
+            </p:nvPicPr>
+            <p:blipFill>
+              <a:blip r:embed="rId2" cstate="print">
+                <a:extLst>
+                  <a:ext uri="{28A0092B-C50C-407E-A947-70E740481C1C}">
+                    <a14:useLocalDpi xmlns:a14="http://schemas.microsoft.com/office/drawing/2010/main" val="0"/>
+                  </a:ext>
+                </a:extLst>
+              </a:blip>
+              <a:srcRect/>
+              <a:stretch>
+                <a:fillRect/>
+              </a:stretch>
+            </p:blipFill>
+            <p:spPr bwMode="auto">
+              <a:xfrm>
+                <a:off x="4798930" y="2190606"/>
+                <a:ext cx="505412" cy="505412"/>
+              </a:xfrm>
+              <a:prstGeom prst="rect">
+                <a:avLst/>
+              </a:prstGeom>
+              <a:noFill/>
+              <a:extLst>
+                <a:ext uri="{909E8E84-426E-40DD-AFC4-6F175D3DCCD1}">
+                  <a14:hiddenFill xmlns:a14="http://schemas.microsoft.com/office/drawing/2010/main">
+                    <a:solidFill>
+                      <a:srgbClr val="FFFFFF"/>
+                    </a:solidFill>
+                  </a14:hiddenFill>
+                </a:ext>
+              </a:extLst>
+            </p:spPr>
+          </p:pic>
+        </p:grpSp>
+        <p:sp>
+          <p:nvSpPr>
+            <p:cNvPr id="135" name="모서리가 둥근 직사각형 134"/>
+            <p:cNvSpPr/>
+            <p:nvPr/>
+          </p:nvSpPr>
+          <p:spPr>
+            <a:xfrm>
+              <a:off x="1817190" y="3175517"/>
+              <a:ext cx="482969" cy="770822"/>
+            </a:xfrm>
+            <a:prstGeom prst="roundRect">
+              <a:avLst/>
+            </a:prstGeom>
+            <a:solidFill>
+              <a:schemeClr val="accent3">
+                <a:lumMod val="40000"/>
+                <a:lumOff val="60000"/>
+                <a:alpha val="30000"/>
+              </a:schemeClr>
+            </a:solidFill>
+            <a:ln>
+              <a:noFill/>
+            </a:ln>
+          </p:spPr>
+          <p:style>
+            <a:lnRef idx="2">
+              <a:schemeClr val="accent1">
+                <a:shade val="50000"/>
+              </a:schemeClr>
+            </a:lnRef>
+            <a:fillRef idx="1">
+              <a:schemeClr val="accent1"/>
+            </a:fillRef>
+            <a:effectRef idx="0">
+              <a:schemeClr val="accent1"/>
+            </a:effectRef>
+            <a:fontRef idx="minor">
+              <a:schemeClr val="lt1"/>
+            </a:fontRef>
+          </p:style>
+          <p:txBody>
+            <a:bodyPr rtlCol="0" anchor="ctr"/>
+            <a:lstStyle/>
+            <a:p>
+              <a:pPr algn="ctr"/>
+              <a:r>
+                <a:rPr lang="en-US" altLang="ko-KR" sz="700" dirty="0" smtClean="0">
+                  <a:solidFill>
+                    <a:schemeClr val="tx1"/>
+                  </a:solidFill>
+                </a:rPr>
+                <a:t>ERR</a:t>
+              </a:r>
+              <a:endParaRPr lang="ko-KR" altLang="en-US" sz="700" dirty="0">
+                <a:solidFill>
+                  <a:schemeClr val="tx1"/>
+                </a:solidFill>
+              </a:endParaRPr>
+            </a:p>
+          </p:txBody>
+        </p:sp>
+        <p:cxnSp>
+          <p:nvCxnSpPr>
+            <p:cNvPr id="125" name="직선 화살표 연결선 124"/>
+            <p:cNvCxnSpPr>
+              <a:stCxn id="89" idx="3"/>
+              <a:endCxn id="102" idx="1"/>
+            </p:cNvCxnSpPr>
+            <p:nvPr/>
+          </p:nvCxnSpPr>
+          <p:spPr>
+            <a:xfrm>
+              <a:off x="2849876" y="2924669"/>
+              <a:ext cx="496742" cy="2019"/>
+            </a:xfrm>
+            <a:prstGeom prst="straightConnector1">
+              <a:avLst/>
+            </a:prstGeom>
+            <a:ln w="28575">
+              <a:solidFill>
+                <a:schemeClr val="tx1"/>
+              </a:solidFill>
+              <a:tailEnd type="triangle"/>
+            </a:ln>
+          </p:spPr>
+          <p:style>
+            <a:lnRef idx="1">
+              <a:schemeClr val="accent1"/>
+            </a:lnRef>
+            <a:fillRef idx="0">
+              <a:schemeClr val="accent1"/>
+            </a:fillRef>
+            <a:effectRef idx="0">
+              <a:schemeClr val="accent1"/>
+            </a:effectRef>
+            <a:fontRef idx="minor">
+              <a:schemeClr val="tx1"/>
+            </a:fontRef>
+          </p:style>
+        </p:cxnSp>
+        <p:sp>
+          <p:nvSpPr>
+            <p:cNvPr id="147" name="모서리가 둥근 직사각형 146"/>
+            <p:cNvSpPr/>
+            <p:nvPr/>
+          </p:nvSpPr>
+          <p:spPr>
+            <a:xfrm>
+              <a:off x="8074232" y="1663658"/>
+              <a:ext cx="901090" cy="365706"/>
+            </a:xfrm>
+            <a:prstGeom prst="roundRect">
+              <a:avLst/>
+            </a:prstGeom>
+            <a:noFill/>
+            <a:ln>
+              <a:noFill/>
+            </a:ln>
+          </p:spPr>
+          <p:style>
+            <a:lnRef idx="2">
+              <a:schemeClr val="accent1">
+                <a:shade val="50000"/>
+              </a:schemeClr>
+            </a:lnRef>
+            <a:fillRef idx="1">
+              <a:schemeClr val="accent1"/>
+            </a:fillRef>
+            <a:effectRef idx="0">
+              <a:schemeClr val="accent1"/>
+            </a:effectRef>
+            <a:fontRef idx="minor">
+              <a:schemeClr val="lt1"/>
+            </a:fontRef>
+          </p:style>
+          <p:txBody>
+            <a:bodyPr rtlCol="0" anchor="ctr"/>
+            <a:lstStyle/>
+            <a:p>
+              <a:pPr algn="ctr"/>
+              <a:r>
+                <a:rPr lang="en-US" altLang="ko-KR" sz="1000" dirty="0" smtClean="0">
+                  <a:solidFill>
+                    <a:schemeClr val="tx1"/>
+                  </a:solidFill>
+                </a:rPr>
+                <a:t>Cloning</a:t>
+              </a:r>
+              <a:endParaRPr lang="ko-KR" altLang="en-US" sz="1000" dirty="0">
+                <a:solidFill>
+                  <a:schemeClr val="tx1"/>
+                </a:solidFill>
+              </a:endParaRPr>
+            </a:p>
+          </p:txBody>
+        </p:sp>
+        <p:sp>
+          <p:nvSpPr>
+            <p:cNvPr id="148" name="모서리가 둥근 직사각형 147"/>
+            <p:cNvSpPr/>
+            <p:nvPr/>
+          </p:nvSpPr>
+          <p:spPr>
+            <a:xfrm>
+              <a:off x="6306577" y="2444891"/>
+              <a:ext cx="901090" cy="365706"/>
+            </a:xfrm>
+            <a:prstGeom prst="roundRect">
+              <a:avLst/>
+            </a:prstGeom>
+            <a:noFill/>
+            <a:ln>
+              <a:noFill/>
+            </a:ln>
+          </p:spPr>
+          <p:style>
+            <a:lnRef idx="2">
+              <a:schemeClr val="accent1">
+                <a:shade val="50000"/>
+              </a:schemeClr>
+            </a:lnRef>
+            <a:fillRef idx="1">
+              <a:schemeClr val="accent1"/>
+            </a:fillRef>
+            <a:effectRef idx="0">
+              <a:schemeClr val="accent1"/>
+            </a:effectRef>
+            <a:fontRef idx="minor">
+              <a:schemeClr val="lt1"/>
+            </a:fontRef>
+          </p:style>
+          <p:txBody>
+            <a:bodyPr rtlCol="0" anchor="ctr"/>
+            <a:lstStyle/>
+            <a:p>
+              <a:pPr algn="ctr"/>
+              <a:r>
+                <a:rPr lang="en-US" altLang="ko-KR" sz="1000" dirty="0" smtClean="0">
+                  <a:solidFill>
+                    <a:schemeClr val="tx1"/>
+                  </a:solidFill>
+                </a:rPr>
+                <a:t>Failed Request</a:t>
+              </a:r>
+              <a:endParaRPr lang="ko-KR" altLang="en-US" sz="1000" dirty="0">
+                <a:solidFill>
+                  <a:schemeClr val="tx1"/>
+                </a:solidFill>
+              </a:endParaRPr>
+            </a:p>
+          </p:txBody>
+        </p:sp>
+        <p:sp>
+          <p:nvSpPr>
+            <p:cNvPr id="149" name="모서리가 둥근 직사각형 148"/>
+            <p:cNvSpPr/>
+            <p:nvPr/>
+          </p:nvSpPr>
+          <p:spPr>
+            <a:xfrm>
+              <a:off x="4990179" y="2368137"/>
+              <a:ext cx="1016030" cy="365706"/>
+            </a:xfrm>
+            <a:prstGeom prst="roundRect">
+              <a:avLst/>
+            </a:prstGeom>
+            <a:noFill/>
+            <a:ln>
+              <a:noFill/>
+            </a:ln>
+          </p:spPr>
+          <p:style>
+            <a:lnRef idx="2">
+              <a:schemeClr val="accent1">
+                <a:shade val="50000"/>
+              </a:schemeClr>
+            </a:lnRef>
+            <a:fillRef idx="1">
+              <a:schemeClr val="accent1"/>
+            </a:fillRef>
+            <a:effectRef idx="0">
+              <a:schemeClr val="accent1"/>
+            </a:effectRef>
+            <a:fontRef idx="minor">
+              <a:schemeClr val="lt1"/>
+            </a:fontRef>
+          </p:style>
+          <p:txBody>
+            <a:bodyPr rtlCol="0" anchor="ctr"/>
+            <a:lstStyle/>
+            <a:p>
+              <a:pPr algn="ctr"/>
+              <a:r>
+                <a:rPr lang="en-US" altLang="ko-KR" sz="1000" dirty="0" err="1" smtClean="0">
+                  <a:solidFill>
+                    <a:schemeClr val="tx1"/>
+                  </a:solidFill>
+                </a:rPr>
+                <a:t>Git</a:t>
+              </a:r>
+              <a:r>
+                <a:rPr lang="en-US" altLang="ko-KR" sz="1000" dirty="0" smtClean="0">
+                  <a:solidFill>
+                    <a:schemeClr val="tx1"/>
+                  </a:solidFill>
+                </a:rPr>
+                <a:t> Request</a:t>
+              </a:r>
+              <a:endParaRPr lang="ko-KR" altLang="en-US" sz="1000" dirty="0">
+                <a:solidFill>
+                  <a:schemeClr val="tx1"/>
+                </a:solidFill>
+              </a:endParaRPr>
+            </a:p>
+          </p:txBody>
+        </p:sp>
+        <p:cxnSp>
+          <p:nvCxnSpPr>
+            <p:cNvPr id="150" name="꺾인 연결선 149"/>
+            <p:cNvCxnSpPr>
+              <a:stCxn id="78" idx="2"/>
+              <a:endCxn id="135" idx="2"/>
+            </p:cNvCxnSpPr>
+            <p:nvPr/>
+          </p:nvCxnSpPr>
+          <p:spPr>
+            <a:xfrm rot="5400000">
+              <a:off x="3445894" y="943343"/>
+              <a:ext cx="1615777" cy="4390214"/>
+            </a:xfrm>
+            <a:prstGeom prst="bentConnector3">
+              <a:avLst>
+                <a:gd name="adj1" fmla="val 114148"/>
+              </a:avLst>
+            </a:prstGeom>
+            <a:ln w="28575">
+              <a:solidFill>
+                <a:srgbClr val="C00000"/>
+              </a:solidFill>
+              <a:tailEnd type="triangle"/>
+            </a:ln>
+          </p:spPr>
+          <p:style>
+            <a:lnRef idx="1">
+              <a:schemeClr val="accent1"/>
+            </a:lnRef>
+            <a:fillRef idx="0">
+              <a:schemeClr val="accent1"/>
+            </a:fillRef>
+            <a:effectRef idx="0">
+              <a:schemeClr val="accent1"/>
+            </a:effectRef>
+            <a:fontRef idx="minor">
+              <a:schemeClr val="tx1"/>
+            </a:fontRef>
+          </p:style>
+        </p:cxnSp>
+        <p:cxnSp>
+          <p:nvCxnSpPr>
+            <p:cNvPr id="152" name="꺾인 연결선 151"/>
+            <p:cNvCxnSpPr>
+              <a:stCxn id="113" idx="2"/>
+              <a:endCxn id="135" idx="2"/>
+            </p:cNvCxnSpPr>
+            <p:nvPr/>
+          </p:nvCxnSpPr>
+          <p:spPr>
+            <a:xfrm rot="5400000">
+              <a:off x="5189844" y="519686"/>
+              <a:ext cx="295484" cy="6557822"/>
+            </a:xfrm>
+            <a:prstGeom prst="bentConnector3">
+              <a:avLst>
+                <a:gd name="adj1" fmla="val 177365"/>
+              </a:avLst>
+            </a:prstGeom>
+            <a:ln w="28575">
+              <a:solidFill>
+                <a:srgbClr val="C00000"/>
+              </a:solidFill>
+              <a:tailEnd type="triangle"/>
+            </a:ln>
+          </p:spPr>
+          <p:style>
+            <a:lnRef idx="1">
+              <a:schemeClr val="accent1"/>
+            </a:lnRef>
+            <a:fillRef idx="0">
+              <a:schemeClr val="accent1"/>
+            </a:fillRef>
+            <a:effectRef idx="0">
+              <a:schemeClr val="accent1"/>
+            </a:effectRef>
+            <a:fontRef idx="minor">
+              <a:schemeClr val="tx1"/>
+            </a:fontRef>
+          </p:style>
+        </p:cxnSp>
+        <p:sp>
+          <p:nvSpPr>
+            <p:cNvPr id="157" name="모서리가 둥근 직사각형 156"/>
+            <p:cNvSpPr/>
+            <p:nvPr/>
+          </p:nvSpPr>
+          <p:spPr>
+            <a:xfrm>
+              <a:off x="8490144" y="3741639"/>
+              <a:ext cx="901090" cy="365706"/>
+            </a:xfrm>
+            <a:prstGeom prst="roundRect">
+              <a:avLst/>
+            </a:prstGeom>
+            <a:noFill/>
+            <a:ln>
+              <a:noFill/>
+            </a:ln>
+          </p:spPr>
+          <p:style>
+            <a:lnRef idx="2">
+              <a:schemeClr val="accent1">
+                <a:shade val="50000"/>
+              </a:schemeClr>
+            </a:lnRef>
+            <a:fillRef idx="1">
+              <a:schemeClr val="accent1"/>
+            </a:fillRef>
+            <a:effectRef idx="0">
+              <a:schemeClr val="accent1"/>
+            </a:effectRef>
+            <a:fontRef idx="minor">
+              <a:schemeClr val="lt1"/>
+            </a:fontRef>
+          </p:style>
+          <p:txBody>
+            <a:bodyPr rtlCol="0" anchor="ctr"/>
+            <a:lstStyle/>
+            <a:p>
+              <a:pPr algn="ctr"/>
+              <a:r>
+                <a:rPr lang="en-US" altLang="ko-KR" sz="1000" dirty="0" smtClean="0">
+                  <a:solidFill>
+                    <a:schemeClr val="tx1"/>
+                  </a:solidFill>
+                </a:rPr>
+                <a:t>Failed Cloning</a:t>
+              </a:r>
+              <a:endParaRPr lang="ko-KR" altLang="en-US" sz="1000" dirty="0">
+                <a:solidFill>
+                  <a:schemeClr val="tx1"/>
+                </a:solidFill>
+              </a:endParaRPr>
+            </a:p>
+          </p:txBody>
+        </p:sp>
+        <p:sp>
+          <p:nvSpPr>
+            <p:cNvPr id="158" name="모서리가 둥근 직사각형 157"/>
+            <p:cNvSpPr/>
+            <p:nvPr/>
+          </p:nvSpPr>
+          <p:spPr>
+            <a:xfrm>
+              <a:off x="1799359" y="1927279"/>
+              <a:ext cx="482969" cy="770822"/>
+            </a:xfrm>
+            <a:prstGeom prst="roundRect">
+              <a:avLst/>
+            </a:prstGeom>
+            <a:solidFill>
+              <a:schemeClr val="accent3">
+                <a:lumMod val="40000"/>
+                <a:lumOff val="60000"/>
+                <a:alpha val="30000"/>
+              </a:schemeClr>
+            </a:solidFill>
+            <a:ln>
+              <a:noFill/>
+            </a:ln>
+          </p:spPr>
+          <p:style>
+            <a:lnRef idx="2">
+              <a:schemeClr val="accent1">
+                <a:shade val="50000"/>
+              </a:schemeClr>
+            </a:lnRef>
+            <a:fillRef idx="1">
+              <a:schemeClr val="accent1"/>
+            </a:fillRef>
+            <a:effectRef idx="0">
+              <a:schemeClr val="accent1"/>
+            </a:effectRef>
+            <a:fontRef idx="minor">
+              <a:schemeClr val="lt1"/>
+            </a:fontRef>
+          </p:style>
+          <p:txBody>
+            <a:bodyPr rtlCol="0" anchor="ctr"/>
+            <a:lstStyle/>
+            <a:p>
+              <a:pPr algn="ctr"/>
+              <a:r>
+                <a:rPr lang="en-US" altLang="ko-KR" sz="700" dirty="0" smtClean="0">
+                  <a:solidFill>
+                    <a:schemeClr val="tx1"/>
+                  </a:solidFill>
+                </a:rPr>
+                <a:t>KUBE</a:t>
+              </a:r>
+              <a:endParaRPr lang="ko-KR" altLang="en-US" sz="700" dirty="0">
+                <a:solidFill>
+                  <a:schemeClr val="tx1"/>
+                </a:solidFill>
+              </a:endParaRPr>
+            </a:p>
+          </p:txBody>
+        </p:sp>
+        <p:cxnSp>
+          <p:nvCxnSpPr>
+            <p:cNvPr id="159" name="꺾인 연결선 158"/>
+            <p:cNvCxnSpPr>
+              <a:stCxn id="102" idx="0"/>
+              <a:endCxn id="158" idx="0"/>
+            </p:cNvCxnSpPr>
+            <p:nvPr/>
+          </p:nvCxnSpPr>
+          <p:spPr>
+            <a:xfrm rot="16200000" flipV="1">
+              <a:off x="2601429" y="1366694"/>
+              <a:ext cx="816556" cy="1937726"/>
+            </a:xfrm>
+            <a:prstGeom prst="bentConnector3">
+              <a:avLst>
+                <a:gd name="adj1" fmla="val 127996"/>
+              </a:avLst>
+            </a:prstGeom>
+            <a:ln w="28575">
+              <a:solidFill>
+                <a:srgbClr val="00B050"/>
+              </a:solidFill>
+              <a:tailEnd type="triangle"/>
+            </a:ln>
+          </p:spPr>
+          <p:style>
+            <a:lnRef idx="1">
+              <a:schemeClr val="accent1"/>
+            </a:lnRef>
+            <a:fillRef idx="0">
+              <a:schemeClr val="accent1"/>
+            </a:fillRef>
+            <a:effectRef idx="0">
+              <a:schemeClr val="accent1"/>
+            </a:effectRef>
+            <a:fontRef idx="minor">
+              <a:schemeClr val="tx1"/>
+            </a:fontRef>
+          </p:style>
+        </p:cxnSp>
+        <p:cxnSp>
+          <p:nvCxnSpPr>
+            <p:cNvPr id="164" name="꺾인 연결선 163"/>
+            <p:cNvCxnSpPr>
+              <a:stCxn id="1026" idx="1"/>
+              <a:endCxn id="102" idx="2"/>
+            </p:cNvCxnSpPr>
+            <p:nvPr/>
+          </p:nvCxnSpPr>
+          <p:spPr>
+            <a:xfrm rot="10800000">
+              <a:off x="3978571" y="3109541"/>
+              <a:ext cx="3753269" cy="396338"/>
+            </a:xfrm>
+            <a:prstGeom prst="bentConnector2">
+              <a:avLst/>
+            </a:prstGeom>
+            <a:ln w="28575">
+              <a:solidFill>
+                <a:srgbClr val="00B050"/>
+              </a:solidFill>
+              <a:tailEnd type="triangle"/>
+            </a:ln>
+          </p:spPr>
+          <p:style>
+            <a:lnRef idx="1">
+              <a:schemeClr val="accent1"/>
+            </a:lnRef>
+            <a:fillRef idx="0">
+              <a:schemeClr val="accent1"/>
+            </a:fillRef>
+            <a:effectRef idx="0">
+              <a:schemeClr val="accent1"/>
+            </a:effectRef>
+            <a:fontRef idx="minor">
+              <a:schemeClr val="tx1"/>
+            </a:fontRef>
+          </p:style>
+        </p:cxnSp>
+        <p:sp>
+          <p:nvSpPr>
+            <p:cNvPr id="167" name="모서리가 둥근 직사각형 166"/>
+            <p:cNvSpPr/>
+            <p:nvPr/>
+          </p:nvSpPr>
+          <p:spPr>
+            <a:xfrm>
+              <a:off x="6902048" y="3542024"/>
+              <a:ext cx="901090" cy="365706"/>
+            </a:xfrm>
+            <a:prstGeom prst="roundRect">
+              <a:avLst/>
+            </a:prstGeom>
+            <a:noFill/>
+            <a:ln>
+              <a:noFill/>
+            </a:ln>
+          </p:spPr>
+          <p:style>
+            <a:lnRef idx="2">
+              <a:schemeClr val="accent1">
+                <a:shade val="50000"/>
+              </a:schemeClr>
+            </a:lnRef>
+            <a:fillRef idx="1">
+              <a:schemeClr val="accent1"/>
+            </a:fillRef>
+            <a:effectRef idx="0">
+              <a:schemeClr val="accent1"/>
+            </a:effectRef>
+            <a:fontRef idx="minor">
+              <a:schemeClr val="lt1"/>
+            </a:fontRef>
+          </p:style>
+          <p:txBody>
+            <a:bodyPr rtlCol="0" anchor="ctr"/>
+            <a:lstStyle/>
+            <a:p>
+              <a:pPr algn="ctr"/>
+              <a:r>
+                <a:rPr lang="en-US" altLang="ko-KR" sz="1000" dirty="0" smtClean="0">
+                  <a:solidFill>
+                    <a:schemeClr val="tx1"/>
+                  </a:solidFill>
+                </a:rPr>
+                <a:t>Succeed</a:t>
+              </a:r>
+            </a:p>
+            <a:p>
+              <a:pPr algn="ctr"/>
+              <a:r>
+                <a:rPr lang="en-US" altLang="ko-KR" sz="1000" dirty="0" smtClean="0">
+                  <a:solidFill>
+                    <a:schemeClr val="tx1"/>
+                  </a:solidFill>
+                </a:rPr>
+                <a:t>Cloning</a:t>
+              </a:r>
+              <a:endParaRPr lang="ko-KR" altLang="en-US" sz="1000" dirty="0">
+                <a:solidFill>
+                  <a:schemeClr val="tx1"/>
+                </a:solidFill>
+              </a:endParaRPr>
+            </a:p>
+          </p:txBody>
+        </p:sp>
+        <p:sp>
+          <p:nvSpPr>
+            <p:cNvPr id="168" name="모서리가 둥근 직사각형 167"/>
+            <p:cNvSpPr/>
+            <p:nvPr/>
+          </p:nvSpPr>
+          <p:spPr>
+            <a:xfrm>
+              <a:off x="2649747" y="1747076"/>
+              <a:ext cx="1350109" cy="365706"/>
+            </a:xfrm>
+            <a:prstGeom prst="roundRect">
+              <a:avLst/>
+            </a:prstGeom>
+            <a:noFill/>
+            <a:ln>
+              <a:noFill/>
+            </a:ln>
+          </p:spPr>
+          <p:style>
+            <a:lnRef idx="2">
+              <a:schemeClr val="accent1">
+                <a:shade val="50000"/>
+              </a:schemeClr>
+            </a:lnRef>
+            <a:fillRef idx="1">
+              <a:schemeClr val="accent1"/>
+            </a:fillRef>
+            <a:effectRef idx="0">
+              <a:schemeClr val="accent1"/>
+            </a:effectRef>
+            <a:fontRef idx="minor">
+              <a:schemeClr val="lt1"/>
+            </a:fontRef>
+          </p:style>
+          <p:txBody>
+            <a:bodyPr rtlCol="0" anchor="ctr"/>
+            <a:lstStyle/>
+            <a:p>
+              <a:pPr algn="ctr"/>
+              <a:r>
+                <a:rPr lang="en-US" altLang="ko-KR" sz="1000" dirty="0" smtClean="0">
+                  <a:solidFill>
+                    <a:schemeClr val="tx1"/>
+                  </a:solidFill>
+                </a:rPr>
+                <a:t>Insert</a:t>
+              </a:r>
+            </a:p>
+            <a:p>
+              <a:pPr algn="ctr"/>
+              <a:r>
+                <a:rPr lang="en-US" altLang="ko-KR" sz="1000" dirty="0" smtClean="0">
+                  <a:solidFill>
+                    <a:schemeClr val="tx1"/>
+                  </a:solidFill>
+                </a:rPr>
+                <a:t>‘KUBE’ Message</a:t>
+              </a:r>
+              <a:endParaRPr lang="ko-KR" altLang="en-US" sz="1000" dirty="0">
+                <a:solidFill>
+                  <a:schemeClr val="tx1"/>
+                </a:solidFill>
+              </a:endParaRPr>
+            </a:p>
+          </p:txBody>
+        </p:sp>
+        <p:sp>
+          <p:nvSpPr>
+            <p:cNvPr id="169" name="모서리가 둥근 직사각형 168"/>
+            <p:cNvSpPr/>
+            <p:nvPr/>
+          </p:nvSpPr>
+          <p:spPr>
+            <a:xfrm>
+              <a:off x="2684333" y="4284738"/>
+              <a:ext cx="1350109" cy="365706"/>
+            </a:xfrm>
+            <a:prstGeom prst="roundRect">
+              <a:avLst/>
+            </a:prstGeom>
+            <a:noFill/>
+            <a:ln>
+              <a:noFill/>
+            </a:ln>
+          </p:spPr>
+          <p:style>
+            <a:lnRef idx="2">
+              <a:schemeClr val="accent1">
+                <a:shade val="50000"/>
+              </a:schemeClr>
+            </a:lnRef>
+            <a:fillRef idx="1">
+              <a:schemeClr val="accent1"/>
+            </a:fillRef>
+            <a:effectRef idx="0">
+              <a:schemeClr val="accent1"/>
+            </a:effectRef>
+            <a:fontRef idx="minor">
+              <a:schemeClr val="lt1"/>
+            </a:fontRef>
+          </p:style>
+          <p:txBody>
+            <a:bodyPr rtlCol="0" anchor="ctr"/>
+            <a:lstStyle/>
+            <a:p>
+              <a:pPr algn="ctr"/>
+              <a:r>
+                <a:rPr lang="en-US" altLang="ko-KR" sz="1000" dirty="0" smtClean="0">
+                  <a:solidFill>
+                    <a:schemeClr val="tx1"/>
+                  </a:solidFill>
+                </a:rPr>
+                <a:t>Insert</a:t>
+              </a:r>
+            </a:p>
+            <a:p>
+              <a:pPr algn="ctr"/>
+              <a:r>
+                <a:rPr lang="en-US" altLang="ko-KR" sz="1000" dirty="0" smtClean="0">
+                  <a:solidFill>
+                    <a:schemeClr val="tx1"/>
+                  </a:solidFill>
+                </a:rPr>
+                <a:t>‘ERROR’ Message</a:t>
+              </a:r>
+              <a:endParaRPr lang="ko-KR" altLang="en-US" sz="1000" dirty="0">
+                <a:solidFill>
+                  <a:schemeClr val="tx1"/>
+                </a:solidFill>
+              </a:endParaRPr>
+            </a:p>
+          </p:txBody>
+        </p:sp>
+      </p:grpSp>
+    </p:spTree>
+    <p:extLst>
+      <p:ext uri="{BB962C8B-B14F-4D97-AF65-F5344CB8AC3E}">
+        <p14:creationId xmlns:p14="http://schemas.microsoft.com/office/powerpoint/2010/main" val="3173966306"/>
+      </p:ext>
+    </p:extLst>
+  </p:cSld>
+  <p:clrMapOvr>
+    <a:masterClrMapping/>
+  </p:clrMapOvr>
+</p:sld>
+</file>
+
+<file path=ppt/slides/slide6.xml><?xml version="1.0" encoding="utf-8"?>
+<p:sld xmlns:a="http://schemas.openxmlformats.org/drawingml/2006/main" xmlns:r="http://schemas.openxmlformats.org/officeDocument/2006/relationships" xmlns:p="http://schemas.openxmlformats.org/presentationml/2006/main">
+  <p:cSld>
+    <p:spTree>
+      <p:nvGrpSpPr>
+        <p:cNvPr id="1" name=""/>
+        <p:cNvGrpSpPr/>
+        <p:nvPr/>
+      </p:nvGrpSpPr>
+      <p:grpSpPr>
+        <a:xfrm>
+          <a:off x="0" y="0"/>
+          <a:ext cx="0" cy="0"/>
+          <a:chOff x="0" y="0"/>
+          <a:chExt cx="0" cy="0"/>
+        </a:xfrm>
+      </p:grpSpPr>
+      <p:grpSp>
+        <p:nvGrpSpPr>
+          <p:cNvPr id="100" name="그룹 99"/>
+          <p:cNvGrpSpPr/>
+          <p:nvPr/>
+        </p:nvGrpSpPr>
+        <p:grpSpPr>
+          <a:xfrm>
+            <a:off x="1121803" y="125889"/>
+            <a:ext cx="9776668" cy="3814285"/>
+            <a:chOff x="1121803" y="125889"/>
+            <a:chExt cx="9776668" cy="3814285"/>
+          </a:xfrm>
+        </p:grpSpPr>
+        <p:sp>
+          <p:nvSpPr>
+            <p:cNvPr id="76" name="모서리가 둥근 직사각형 75"/>
+            <p:cNvSpPr/>
+            <p:nvPr/>
+          </p:nvSpPr>
+          <p:spPr>
+            <a:xfrm>
+              <a:off x="6494251" y="455724"/>
+              <a:ext cx="4404220" cy="1698335"/>
+            </a:xfrm>
+            <a:prstGeom prst="roundRect">
+              <a:avLst/>
+            </a:prstGeom>
+            <a:noFill/>
+            <a:ln w="28575">
+              <a:solidFill>
+                <a:srgbClr val="767171"/>
+              </a:solidFill>
+            </a:ln>
+          </p:spPr>
+          <p:style>
+            <a:lnRef idx="2">
+              <a:schemeClr val="accent1">
+                <a:shade val="50000"/>
+              </a:schemeClr>
+            </a:lnRef>
+            <a:fillRef idx="1">
+              <a:schemeClr val="accent1"/>
+            </a:fillRef>
+            <a:effectRef idx="0">
+              <a:schemeClr val="accent1"/>
+            </a:effectRef>
+            <a:fontRef idx="minor">
+              <a:schemeClr val="lt1"/>
+            </a:fontRef>
+          </p:style>
+          <p:txBody>
+            <a:bodyPr rtlCol="0" anchor="ctr"/>
+            <a:lstStyle/>
+            <a:p>
+              <a:pPr algn="ctr"/>
+              <a:endParaRPr lang="ko-KR" altLang="en-US"/>
+            </a:p>
+          </p:txBody>
+        </p:sp>
+        <p:grpSp>
+          <p:nvGrpSpPr>
+            <p:cNvPr id="20" name="그룹 19"/>
+            <p:cNvGrpSpPr/>
+            <p:nvPr/>
+          </p:nvGrpSpPr>
+          <p:grpSpPr>
+            <a:xfrm>
+              <a:off x="1121803" y="1471327"/>
+              <a:ext cx="2441826" cy="914141"/>
+              <a:chOff x="199014" y="245020"/>
+              <a:chExt cx="2441826" cy="914141"/>
+            </a:xfrm>
+          </p:grpSpPr>
+          <p:sp>
+            <p:nvSpPr>
+              <p:cNvPr id="49" name="모서리가 둥근 직사각형 48"/>
+              <p:cNvSpPr/>
+              <p:nvPr/>
+            </p:nvSpPr>
+            <p:spPr>
+              <a:xfrm>
+                <a:off x="2073292" y="314872"/>
+                <a:ext cx="482969" cy="770400"/>
+              </a:xfrm>
+              <a:prstGeom prst="roundRect">
+                <a:avLst/>
+              </a:prstGeom>
+              <a:solidFill>
+                <a:schemeClr val="accent3">
+                  <a:lumMod val="40000"/>
+                  <a:lumOff val="60000"/>
+                  <a:alpha val="30000"/>
+                </a:schemeClr>
+              </a:solidFill>
+              <a:ln>
+                <a:noFill/>
+              </a:ln>
+            </p:spPr>
+            <p:style>
+              <a:lnRef idx="2">
+                <a:schemeClr val="accent1">
+                  <a:shade val="50000"/>
+                </a:schemeClr>
+              </a:lnRef>
+              <a:fillRef idx="1">
+                <a:schemeClr val="accent1"/>
+              </a:fillRef>
+              <a:effectRef idx="0">
+                <a:schemeClr val="accent1"/>
+              </a:effectRef>
+              <a:fontRef idx="minor">
+                <a:schemeClr val="lt1"/>
+              </a:fontRef>
+            </p:style>
+            <p:txBody>
+              <a:bodyPr rtlCol="0" anchor="ctr"/>
+              <a:lstStyle/>
+              <a:p>
+                <a:pPr algn="ctr"/>
+                <a:r>
+                  <a:rPr lang="en-US" altLang="ko-KR" sz="700" dirty="0" smtClean="0">
+                    <a:solidFill>
+                      <a:schemeClr val="tx1"/>
+                    </a:solidFill>
+                  </a:rPr>
+                  <a:t>KUBE</a:t>
+                </a:r>
+                <a:endParaRPr lang="ko-KR" altLang="en-US" sz="700" dirty="0">
+                  <a:solidFill>
+                    <a:schemeClr val="tx1"/>
+                  </a:solidFill>
+                </a:endParaRPr>
+              </a:p>
+            </p:txBody>
+          </p:sp>
+          <p:sp>
+            <p:nvSpPr>
+              <p:cNvPr id="50" name="모서리가 둥근 직사각형 49"/>
+              <p:cNvSpPr/>
+              <p:nvPr/>
+            </p:nvSpPr>
+            <p:spPr>
+              <a:xfrm>
+                <a:off x="199014" y="245020"/>
+                <a:ext cx="2441826" cy="914141"/>
+              </a:xfrm>
+              <a:prstGeom prst="roundRect">
+                <a:avLst/>
+              </a:prstGeom>
+              <a:noFill/>
+              <a:ln w="38100">
+                <a:solidFill>
+                  <a:schemeClr val="tx1"/>
+                </a:solidFill>
+                <a:prstDash val="sysDash"/>
+              </a:ln>
+            </p:spPr>
+            <p:style>
+              <a:lnRef idx="2">
+                <a:schemeClr val="accent1">
+                  <a:shade val="50000"/>
+                </a:schemeClr>
+              </a:lnRef>
+              <a:fillRef idx="1">
+                <a:schemeClr val="accent1"/>
+              </a:fillRef>
+              <a:effectRef idx="0">
+                <a:schemeClr val="accent1"/>
+              </a:effectRef>
+              <a:fontRef idx="minor">
+                <a:schemeClr val="lt1"/>
+              </a:fontRef>
+            </p:style>
+            <p:txBody>
+              <a:bodyPr rtlCol="0" anchor="ctr"/>
+              <a:lstStyle/>
+              <a:p>
+                <a:pPr algn="ctr"/>
+                <a:r>
+                  <a:rPr lang="en-US" altLang="ko-KR" sz="1050" dirty="0" smtClean="0">
+                    <a:solidFill>
+                      <a:sysClr val="windowText" lastClr="000000"/>
+                    </a:solidFill>
+                  </a:rPr>
+                  <a:t>Message Queue</a:t>
+                </a:r>
+                <a:endParaRPr lang="ko-KR" altLang="en-US" sz="1050" dirty="0">
+                  <a:solidFill>
+                    <a:sysClr val="windowText" lastClr="000000"/>
+                  </a:solidFill>
+                </a:endParaRPr>
+              </a:p>
+            </p:txBody>
+          </p:sp>
+        </p:grpSp>
+        <p:sp>
+          <p:nvSpPr>
+            <p:cNvPr id="23" name="모서리가 둥근 직사각형 22"/>
+            <p:cNvSpPr/>
+            <p:nvPr/>
+          </p:nvSpPr>
+          <p:spPr>
+            <a:xfrm>
+              <a:off x="3937410" y="369353"/>
+              <a:ext cx="1263904" cy="365706"/>
+            </a:xfrm>
+            <a:prstGeom prst="roundRect">
+              <a:avLst/>
+            </a:prstGeom>
+            <a:solidFill>
+              <a:schemeClr val="accent3">
+                <a:lumMod val="40000"/>
+                <a:lumOff val="60000"/>
+              </a:schemeClr>
+            </a:solidFill>
+            <a:ln>
+              <a:noFill/>
+            </a:ln>
+          </p:spPr>
+          <p:style>
+            <a:lnRef idx="2">
+              <a:schemeClr val="accent1">
+                <a:shade val="50000"/>
+              </a:schemeClr>
+            </a:lnRef>
+            <a:fillRef idx="1">
+              <a:schemeClr val="accent1"/>
+            </a:fillRef>
+            <a:effectRef idx="0">
+              <a:schemeClr val="accent1"/>
+            </a:effectRef>
+            <a:fontRef idx="minor">
+              <a:schemeClr val="lt1"/>
+            </a:fontRef>
+          </p:style>
+          <p:txBody>
+            <a:bodyPr rtlCol="0" anchor="ctr"/>
+            <a:lstStyle/>
+            <a:p>
+              <a:pPr algn="ctr"/>
+              <a:r>
+                <a:rPr lang="en-US" altLang="ko-KR" sz="1100" dirty="0">
+                  <a:solidFill>
+                    <a:schemeClr val="tx1"/>
+                  </a:solidFill>
+                </a:rPr>
+                <a:t>Kubernetes Service</a:t>
+              </a:r>
+              <a:endParaRPr lang="ko-KR" altLang="en-US" sz="1100" dirty="0">
+                <a:solidFill>
+                  <a:schemeClr val="tx1"/>
+                </a:solidFill>
+              </a:endParaRPr>
+            </a:p>
+          </p:txBody>
+        </p:sp>
+        <p:sp>
+          <p:nvSpPr>
+            <p:cNvPr id="26" name="모서리가 둥근 직사각형 25"/>
+            <p:cNvSpPr/>
+            <p:nvPr/>
+          </p:nvSpPr>
+          <p:spPr>
+            <a:xfrm>
+              <a:off x="2446364" y="2177227"/>
+              <a:ext cx="482969" cy="770822"/>
+            </a:xfrm>
+            <a:prstGeom prst="roundRect">
+              <a:avLst/>
+            </a:prstGeom>
+            <a:solidFill>
+              <a:schemeClr val="accent3">
+                <a:lumMod val="40000"/>
+                <a:lumOff val="60000"/>
+                <a:alpha val="30000"/>
+              </a:schemeClr>
+            </a:solidFill>
+            <a:ln>
+              <a:noFill/>
+            </a:ln>
+          </p:spPr>
+          <p:style>
+            <a:lnRef idx="2">
+              <a:schemeClr val="accent1">
+                <a:shade val="50000"/>
+              </a:schemeClr>
+            </a:lnRef>
+            <a:fillRef idx="1">
+              <a:schemeClr val="accent1"/>
+            </a:fillRef>
+            <a:effectRef idx="0">
+              <a:schemeClr val="accent1"/>
+            </a:effectRef>
+            <a:fontRef idx="minor">
+              <a:schemeClr val="lt1"/>
+            </a:fontRef>
+          </p:style>
+          <p:txBody>
+            <a:bodyPr rtlCol="0" anchor="ctr"/>
+            <a:lstStyle/>
+            <a:p>
+              <a:pPr algn="ctr"/>
+              <a:r>
+                <a:rPr lang="en-US" altLang="ko-KR" sz="700" dirty="0" smtClean="0">
+                  <a:solidFill>
+                    <a:schemeClr val="tx1"/>
+                  </a:solidFill>
+                </a:rPr>
+                <a:t>ERR</a:t>
+              </a:r>
+              <a:endParaRPr lang="ko-KR" altLang="en-US" sz="700" dirty="0">
+                <a:solidFill>
+                  <a:schemeClr val="tx1"/>
+                </a:solidFill>
+              </a:endParaRPr>
+            </a:p>
+          </p:txBody>
+        </p:sp>
+        <p:sp>
+          <p:nvSpPr>
+            <p:cNvPr id="28" name="모서리가 둥근 직사각형 27"/>
+            <p:cNvSpPr/>
+            <p:nvPr/>
+          </p:nvSpPr>
+          <p:spPr>
+            <a:xfrm>
+              <a:off x="5040238" y="685131"/>
+              <a:ext cx="901090" cy="365706"/>
+            </a:xfrm>
+            <a:prstGeom prst="roundRect">
+              <a:avLst/>
+            </a:prstGeom>
+            <a:noFill/>
+            <a:ln>
+              <a:noFill/>
+            </a:ln>
+          </p:spPr>
+          <p:style>
+            <a:lnRef idx="2">
+              <a:schemeClr val="accent1">
+                <a:shade val="50000"/>
+              </a:schemeClr>
+            </a:lnRef>
+            <a:fillRef idx="1">
+              <a:schemeClr val="accent1"/>
+            </a:fillRef>
+            <a:effectRef idx="0">
+              <a:schemeClr val="accent1"/>
+            </a:effectRef>
+            <a:fontRef idx="minor">
+              <a:schemeClr val="lt1"/>
+            </a:fontRef>
+          </p:style>
+          <p:txBody>
+            <a:bodyPr rtlCol="0" anchor="ctr"/>
+            <a:lstStyle/>
+            <a:p>
+              <a:pPr algn="ctr"/>
+              <a:r>
+                <a:rPr lang="en-US" altLang="ko-KR" sz="1000" dirty="0" smtClean="0">
+                  <a:solidFill>
+                    <a:schemeClr val="tx1"/>
+                  </a:solidFill>
+                </a:rPr>
+                <a:t>Injection</a:t>
+              </a:r>
+            </a:p>
+            <a:p>
+              <a:pPr algn="ctr"/>
+              <a:r>
+                <a:rPr lang="en-US" altLang="ko-KR" sz="1000" dirty="0" smtClean="0">
+                  <a:solidFill>
+                    <a:schemeClr val="tx1"/>
+                  </a:solidFill>
+                </a:rPr>
+                <a:t>Jib script</a:t>
+              </a:r>
+              <a:endParaRPr lang="ko-KR" altLang="en-US" sz="1000" dirty="0">
+                <a:solidFill>
+                  <a:schemeClr val="tx1"/>
+                </a:solidFill>
+              </a:endParaRPr>
+            </a:p>
+          </p:txBody>
+        </p:sp>
+        <p:sp>
+          <p:nvSpPr>
+            <p:cNvPr id="51" name="모서리가 둥근 직사각형 50"/>
+            <p:cNvSpPr/>
+            <p:nvPr/>
+          </p:nvSpPr>
+          <p:spPr>
+            <a:xfrm>
+              <a:off x="6357508" y="3204143"/>
+              <a:ext cx="2041312" cy="676800"/>
+            </a:xfrm>
+            <a:prstGeom prst="roundRect">
+              <a:avLst/>
+            </a:prstGeom>
+            <a:solidFill>
+              <a:schemeClr val="accent1">
+                <a:lumMod val="60000"/>
+                <a:lumOff val="40000"/>
+              </a:schemeClr>
+            </a:solidFill>
+            <a:ln w="28575">
+              <a:solidFill>
+                <a:schemeClr val="accent1">
+                  <a:lumMod val="75000"/>
+                </a:schemeClr>
+              </a:solidFill>
+            </a:ln>
+          </p:spPr>
+          <p:style>
+            <a:lnRef idx="2">
+              <a:schemeClr val="accent1">
+                <a:shade val="50000"/>
+              </a:schemeClr>
+            </a:lnRef>
+            <a:fillRef idx="1">
+              <a:schemeClr val="accent1"/>
+            </a:fillRef>
+            <a:effectRef idx="0">
+              <a:schemeClr val="accent1"/>
+            </a:effectRef>
+            <a:fontRef idx="minor">
+              <a:schemeClr val="lt1"/>
+            </a:fontRef>
+          </p:style>
+          <p:txBody>
+            <a:bodyPr rtlCol="0" anchor="ctr"/>
+            <a:lstStyle/>
+            <a:p>
+              <a:pPr algn="ctr"/>
+              <a:r>
+                <a:rPr lang="en-US" altLang="ko-KR" sz="1100" dirty="0" smtClean="0">
+                  <a:solidFill>
+                    <a:schemeClr val="tx1"/>
+                  </a:solidFill>
+                </a:rPr>
+                <a:t>Kubernetes</a:t>
+              </a:r>
+            </a:p>
+            <a:p>
+              <a:pPr algn="ctr"/>
+              <a:r>
+                <a:rPr lang="en-US" altLang="ko-KR" sz="1100" dirty="0" smtClean="0">
+                  <a:solidFill>
+                    <a:schemeClr val="tx1"/>
+                  </a:solidFill>
+                </a:rPr>
+                <a:t>Environment</a:t>
+              </a:r>
+              <a:endParaRPr lang="ko-KR" altLang="en-US" sz="1100" dirty="0">
+                <a:solidFill>
+                  <a:schemeClr val="tx1"/>
+                </a:solidFill>
+              </a:endParaRPr>
+            </a:p>
+          </p:txBody>
+        </p:sp>
+        <p:sp>
+          <p:nvSpPr>
+            <p:cNvPr id="52" name="모서리가 둥근 직사각형 51"/>
+            <p:cNvSpPr/>
+            <p:nvPr/>
+          </p:nvSpPr>
+          <p:spPr>
+            <a:xfrm>
+              <a:off x="8633023" y="125889"/>
+              <a:ext cx="2041200" cy="676800"/>
+            </a:xfrm>
+            <a:prstGeom prst="roundRect">
+              <a:avLst/>
+            </a:prstGeom>
+            <a:solidFill>
+              <a:schemeClr val="bg2">
+                <a:lumMod val="50000"/>
+              </a:schemeClr>
+            </a:solidFill>
+            <a:ln w="28575">
+              <a:solidFill>
+                <a:schemeClr val="bg2">
+                  <a:lumMod val="25000"/>
+                </a:schemeClr>
+              </a:solidFill>
+            </a:ln>
+          </p:spPr>
+          <p:style>
+            <a:lnRef idx="2">
+              <a:schemeClr val="accent1">
+                <a:shade val="50000"/>
+              </a:schemeClr>
+            </a:lnRef>
+            <a:fillRef idx="1">
+              <a:schemeClr val="accent1"/>
+            </a:fillRef>
+            <a:effectRef idx="0">
+              <a:schemeClr val="accent1"/>
+            </a:effectRef>
+            <a:fontRef idx="minor">
+              <a:schemeClr val="lt1"/>
+            </a:fontRef>
+          </p:style>
+          <p:txBody>
+            <a:bodyPr rtlCol="0" anchor="ctr"/>
+            <a:lstStyle/>
+            <a:p>
+              <a:pPr algn="ctr"/>
+              <a:r>
+                <a:rPr lang="en-US" altLang="ko-KR" sz="1100" dirty="0" smtClean="0">
+                  <a:solidFill>
+                    <a:schemeClr val="bg1"/>
+                  </a:solidFill>
+                </a:rPr>
+                <a:t>Local Working Directory</a:t>
+              </a:r>
+              <a:endParaRPr lang="ko-KR" altLang="en-US" sz="1100" dirty="0">
+                <a:solidFill>
+                  <a:schemeClr val="bg1"/>
+                </a:solidFill>
+              </a:endParaRPr>
+            </a:p>
+          </p:txBody>
+        </p:sp>
+        <p:grpSp>
+          <p:nvGrpSpPr>
+            <p:cNvPr id="53" name="그룹 52"/>
+            <p:cNvGrpSpPr/>
+            <p:nvPr/>
+          </p:nvGrpSpPr>
+          <p:grpSpPr>
+            <a:xfrm>
+              <a:off x="6265520" y="848059"/>
+              <a:ext cx="1516610" cy="505412"/>
+              <a:chOff x="4798930" y="2190606"/>
+              <a:chExt cx="1516610" cy="505412"/>
+            </a:xfrm>
+          </p:grpSpPr>
+          <p:sp>
+            <p:nvSpPr>
+              <p:cNvPr id="54" name="모서리가 둥근 직사각형 53"/>
+              <p:cNvSpPr/>
+              <p:nvPr/>
+            </p:nvSpPr>
+            <p:spPr>
+              <a:xfrm>
+                <a:off x="5051636" y="2404278"/>
+                <a:ext cx="1263904" cy="184010"/>
+              </a:xfrm>
+              <a:prstGeom prst="roundRect">
+                <a:avLst/>
+              </a:prstGeom>
+              <a:solidFill>
+                <a:schemeClr val="accent3">
+                  <a:lumMod val="40000"/>
+                  <a:lumOff val="60000"/>
+                </a:schemeClr>
+              </a:solidFill>
+              <a:ln>
+                <a:noFill/>
+              </a:ln>
+            </p:spPr>
+            <p:style>
+              <a:lnRef idx="2">
+                <a:schemeClr val="accent1">
+                  <a:shade val="50000"/>
+                </a:schemeClr>
+              </a:lnRef>
+              <a:fillRef idx="1">
+                <a:schemeClr val="accent1"/>
+              </a:fillRef>
+              <a:effectRef idx="0">
+                <a:schemeClr val="accent1"/>
+              </a:effectRef>
+              <a:fontRef idx="minor">
+                <a:schemeClr val="lt1"/>
+              </a:fontRef>
+            </p:style>
+            <p:txBody>
+              <a:bodyPr rtlCol="0" anchor="ctr"/>
+              <a:lstStyle/>
+              <a:p>
+                <a:pPr algn="ctr"/>
+                <a:r>
+                  <a:rPr lang="en-US" altLang="ko-KR" sz="1100" dirty="0" smtClean="0">
+                    <a:solidFill>
+                      <a:schemeClr val="tx1"/>
+                    </a:solidFill>
+                  </a:rPr>
+                  <a:t>Repository</a:t>
+                </a:r>
+                <a:endParaRPr lang="ko-KR" altLang="en-US" sz="1100" dirty="0">
+                  <a:solidFill>
+                    <a:schemeClr val="tx1"/>
+                  </a:solidFill>
+                </a:endParaRPr>
+              </a:p>
+            </p:txBody>
+          </p:sp>
+          <p:pic>
+            <p:nvPicPr>
+              <p:cNvPr id="55" name="Picture 2" descr="Free Folder SVG, PNG Icon, Symbol. Download Image."/>
+              <p:cNvPicPr>
+                <a:picLocks noChangeAspect="1" noChangeArrowheads="1"/>
+              </p:cNvPicPr>
+              <p:nvPr/>
+            </p:nvPicPr>
+            <p:blipFill>
+              <a:blip r:embed="rId2" cstate="print">
+                <a:extLst>
+                  <a:ext uri="{28A0092B-C50C-407E-A947-70E740481C1C}">
+                    <a14:useLocalDpi xmlns:a14="http://schemas.microsoft.com/office/drawing/2010/main" val="0"/>
+                  </a:ext>
+                </a:extLst>
+              </a:blip>
+              <a:srcRect/>
+              <a:stretch>
+                <a:fillRect/>
+              </a:stretch>
+            </p:blipFill>
+            <p:spPr bwMode="auto">
+              <a:xfrm>
+                <a:off x="4798930" y="2190606"/>
+                <a:ext cx="505412" cy="505412"/>
+              </a:xfrm>
+              <a:prstGeom prst="rect">
+                <a:avLst/>
+              </a:prstGeom>
+              <a:noFill/>
+              <a:extLst>
+                <a:ext uri="{909E8E84-426E-40DD-AFC4-6F175D3DCCD1}">
+                  <a14:hiddenFill xmlns:a14="http://schemas.microsoft.com/office/drawing/2010/main">
+                    <a:solidFill>
+                      <a:srgbClr val="FFFFFF"/>
+                    </a:solidFill>
+                  </a14:hiddenFill>
+                </a:ext>
+              </a:extLst>
+            </p:spPr>
+          </p:pic>
+        </p:grpSp>
+        <p:sp>
+          <p:nvSpPr>
+            <p:cNvPr id="67" name="모서리가 둥근 직사각형 66"/>
+            <p:cNvSpPr/>
+            <p:nvPr/>
+          </p:nvSpPr>
+          <p:spPr>
+            <a:xfrm>
+              <a:off x="7826387" y="1426713"/>
+              <a:ext cx="901090" cy="365706"/>
+            </a:xfrm>
+            <a:prstGeom prst="roundRect">
+              <a:avLst/>
+            </a:prstGeom>
+            <a:noFill/>
+            <a:ln>
+              <a:noFill/>
+            </a:ln>
+          </p:spPr>
+          <p:style>
+            <a:lnRef idx="2">
+              <a:schemeClr val="accent1">
+                <a:shade val="50000"/>
+              </a:schemeClr>
+            </a:lnRef>
+            <a:fillRef idx="1">
+              <a:schemeClr val="accent1"/>
+            </a:fillRef>
+            <a:effectRef idx="0">
+              <a:schemeClr val="accent1"/>
+            </a:effectRef>
+            <a:fontRef idx="minor">
+              <a:schemeClr val="lt1"/>
+            </a:fontRef>
+          </p:style>
+          <p:txBody>
+            <a:bodyPr rtlCol="0" anchor="ctr"/>
+            <a:lstStyle/>
+            <a:p>
+              <a:pPr algn="ctr"/>
+              <a:r>
+                <a:rPr lang="en-US" altLang="ko-KR" sz="1000" dirty="0" smtClean="0">
+                  <a:solidFill>
+                    <a:schemeClr val="tx1"/>
+                  </a:solidFill>
+                </a:rPr>
+                <a:t>Jib execute</a:t>
+              </a:r>
+            </a:p>
+            <a:p>
+              <a:pPr algn="ctr"/>
+              <a:r>
+                <a:rPr lang="en-US" altLang="ko-KR" sz="1000" dirty="0" smtClean="0">
+                  <a:solidFill>
+                    <a:schemeClr val="tx1"/>
+                  </a:solidFill>
+                </a:rPr>
+                <a:t>Command</a:t>
+              </a:r>
+            </a:p>
+          </p:txBody>
+        </p:sp>
+        <p:grpSp>
+          <p:nvGrpSpPr>
+            <p:cNvPr id="16" name="그룹 15"/>
+            <p:cNvGrpSpPr/>
+            <p:nvPr/>
+          </p:nvGrpSpPr>
+          <p:grpSpPr>
+            <a:xfrm>
+              <a:off x="9119324" y="1871107"/>
+              <a:ext cx="1515904" cy="504000"/>
+              <a:chOff x="6124068" y="2341261"/>
+              <a:chExt cx="1515904" cy="504000"/>
+            </a:xfrm>
+          </p:grpSpPr>
+          <p:sp>
+            <p:nvSpPr>
+              <p:cNvPr id="70" name="모서리가 둥근 직사각형 69"/>
+              <p:cNvSpPr/>
+              <p:nvPr/>
+            </p:nvSpPr>
+            <p:spPr>
+              <a:xfrm>
+                <a:off x="6376068" y="2514240"/>
+                <a:ext cx="1263904" cy="184010"/>
+              </a:xfrm>
+              <a:prstGeom prst="roundRect">
+                <a:avLst/>
+              </a:prstGeom>
+              <a:solidFill>
+                <a:schemeClr val="accent3">
+                  <a:lumMod val="40000"/>
+                  <a:lumOff val="60000"/>
+                </a:schemeClr>
+              </a:solidFill>
+              <a:ln>
+                <a:noFill/>
+              </a:ln>
+            </p:spPr>
+            <p:style>
+              <a:lnRef idx="2">
+                <a:schemeClr val="accent1">
+                  <a:shade val="50000"/>
+                </a:schemeClr>
+              </a:lnRef>
+              <a:fillRef idx="1">
+                <a:schemeClr val="accent1"/>
+              </a:fillRef>
+              <a:effectRef idx="0">
+                <a:schemeClr val="accent1"/>
+              </a:effectRef>
+              <a:fontRef idx="minor">
+                <a:schemeClr val="lt1"/>
+              </a:fontRef>
+            </p:style>
+            <p:txBody>
+              <a:bodyPr rtlCol="0" anchor="ctr"/>
+              <a:lstStyle/>
+              <a:p>
+                <a:pPr algn="ctr"/>
+                <a:r>
+                  <a:rPr lang="en-US" altLang="ko-KR" sz="1100" dirty="0" smtClean="0">
+                    <a:solidFill>
+                      <a:schemeClr val="tx1"/>
+                    </a:solidFill>
+                  </a:rPr>
+                  <a:t>Container</a:t>
+                </a:r>
+                <a:endParaRPr lang="ko-KR" altLang="en-US" sz="1100" dirty="0">
+                  <a:solidFill>
+                    <a:schemeClr val="tx1"/>
+                  </a:solidFill>
+                </a:endParaRPr>
+              </a:p>
+            </p:txBody>
+          </p:sp>
+          <p:pic>
+            <p:nvPicPr>
+              <p:cNvPr id="2050" name="Picture 2" descr="Container - Free transport icons"/>
+              <p:cNvPicPr>
+                <a:picLocks noChangeAspect="1" noChangeArrowheads="1"/>
+              </p:cNvPicPr>
+              <p:nvPr/>
+            </p:nvPicPr>
+            <p:blipFill>
+              <a:blip r:embed="rId3" cstate="print">
+                <a:extLst>
+                  <a:ext uri="{28A0092B-C50C-407E-A947-70E740481C1C}">
+                    <a14:useLocalDpi xmlns:a14="http://schemas.microsoft.com/office/drawing/2010/main" val="0"/>
+                  </a:ext>
+                </a:extLst>
+              </a:blip>
+              <a:srcRect/>
+              <a:stretch>
+                <a:fillRect/>
+              </a:stretch>
+            </p:blipFill>
+            <p:spPr bwMode="auto">
+              <a:xfrm>
+                <a:off x="6124068" y="2341261"/>
+                <a:ext cx="504000" cy="504000"/>
+              </a:xfrm>
+              <a:prstGeom prst="rect">
+                <a:avLst/>
+              </a:prstGeom>
+              <a:noFill/>
+              <a:extLst>
+                <a:ext uri="{909E8E84-426E-40DD-AFC4-6F175D3DCCD1}">
+                  <a14:hiddenFill xmlns:a14="http://schemas.microsoft.com/office/drawing/2010/main">
+                    <a:solidFill>
+                      <a:srgbClr val="FFFFFF"/>
+                    </a:solidFill>
+                  </a14:hiddenFill>
+                </a:ext>
+              </a:extLst>
+            </p:spPr>
+          </p:pic>
+        </p:grpSp>
+        <p:cxnSp>
+          <p:nvCxnSpPr>
+            <p:cNvPr id="66" name="꺾인 연결선 65"/>
+            <p:cNvCxnSpPr>
+              <a:stCxn id="49" idx="3"/>
+              <a:endCxn id="23" idx="1"/>
+            </p:cNvCxnSpPr>
+            <p:nvPr/>
+          </p:nvCxnSpPr>
+          <p:spPr>
+            <a:xfrm flipV="1">
+              <a:off x="3479050" y="552206"/>
+              <a:ext cx="458360" cy="1374173"/>
+            </a:xfrm>
+            <a:prstGeom prst="bentConnector3">
+              <a:avLst/>
+            </a:prstGeom>
+            <a:ln w="28575">
+              <a:solidFill>
+                <a:schemeClr val="tx1"/>
+              </a:solidFill>
+              <a:tailEnd type="triangle"/>
+            </a:ln>
+          </p:spPr>
+          <p:style>
+            <a:lnRef idx="1">
+              <a:schemeClr val="accent1"/>
+            </a:lnRef>
+            <a:fillRef idx="0">
+              <a:schemeClr val="accent1"/>
+            </a:fillRef>
+            <a:effectRef idx="0">
+              <a:schemeClr val="accent1"/>
+            </a:effectRef>
+            <a:fontRef idx="minor">
+              <a:schemeClr val="tx1"/>
+            </a:fontRef>
+          </p:style>
+        </p:cxnSp>
+        <p:cxnSp>
+          <p:nvCxnSpPr>
+            <p:cNvPr id="69" name="꺾인 연결선 68"/>
+            <p:cNvCxnSpPr>
+              <a:stCxn id="23" idx="2"/>
+              <a:endCxn id="55" idx="1"/>
+            </p:cNvCxnSpPr>
+            <p:nvPr/>
+          </p:nvCxnSpPr>
+          <p:spPr>
+            <a:xfrm rot="16200000" flipH="1">
+              <a:off x="5234588" y="69833"/>
+              <a:ext cx="365706" cy="1696158"/>
+            </a:xfrm>
+            <a:prstGeom prst="bentConnector2">
+              <a:avLst/>
+            </a:prstGeom>
+            <a:ln w="28575">
+              <a:solidFill>
+                <a:schemeClr val="tx1"/>
+              </a:solidFill>
+              <a:tailEnd type="triangle"/>
+            </a:ln>
+          </p:spPr>
+          <p:style>
+            <a:lnRef idx="1">
+              <a:schemeClr val="accent1"/>
+            </a:lnRef>
+            <a:fillRef idx="0">
+              <a:schemeClr val="accent1"/>
+            </a:fillRef>
+            <a:effectRef idx="0">
+              <a:schemeClr val="accent1"/>
+            </a:effectRef>
+            <a:fontRef idx="minor">
+              <a:schemeClr val="tx1"/>
+            </a:fontRef>
+          </p:style>
+        </p:cxnSp>
+        <p:cxnSp>
+          <p:nvCxnSpPr>
+            <p:cNvPr id="74" name="꺾인 연결선 73"/>
+            <p:cNvCxnSpPr>
+              <a:stCxn id="54" idx="3"/>
+              <a:endCxn id="67" idx="0"/>
+            </p:cNvCxnSpPr>
+            <p:nvPr/>
+          </p:nvCxnSpPr>
+          <p:spPr>
+            <a:xfrm>
+              <a:off x="7782130" y="1153736"/>
+              <a:ext cx="494802" cy="272977"/>
+            </a:xfrm>
+            <a:prstGeom prst="bentConnector2">
+              <a:avLst/>
+            </a:prstGeom>
+            <a:ln w="28575">
+              <a:solidFill>
+                <a:schemeClr val="tx1"/>
+              </a:solidFill>
+              <a:tailEnd type="triangle"/>
+            </a:ln>
+          </p:spPr>
+          <p:style>
+            <a:lnRef idx="1">
+              <a:schemeClr val="accent1"/>
+            </a:lnRef>
+            <a:fillRef idx="0">
+              <a:schemeClr val="accent1"/>
+            </a:fillRef>
+            <a:effectRef idx="0">
+              <a:schemeClr val="accent1"/>
+            </a:effectRef>
+            <a:fontRef idx="minor">
+              <a:schemeClr val="tx1"/>
+            </a:fontRef>
+          </p:style>
+        </p:cxnSp>
+        <p:cxnSp>
+          <p:nvCxnSpPr>
+            <p:cNvPr id="84" name="꺾인 연결선 83"/>
+            <p:cNvCxnSpPr>
+              <a:stCxn id="67" idx="3"/>
+              <a:endCxn id="70" idx="0"/>
+            </p:cNvCxnSpPr>
+            <p:nvPr/>
+          </p:nvCxnSpPr>
+          <p:spPr>
+            <a:xfrm>
+              <a:off x="8727477" y="1609566"/>
+              <a:ext cx="1275799" cy="434520"/>
+            </a:xfrm>
+            <a:prstGeom prst="bentConnector2">
+              <a:avLst/>
+            </a:prstGeom>
+            <a:ln w="28575">
+              <a:solidFill>
+                <a:schemeClr val="tx1"/>
+              </a:solidFill>
+              <a:tailEnd type="triangle"/>
+            </a:ln>
+          </p:spPr>
+          <p:style>
+            <a:lnRef idx="1">
+              <a:schemeClr val="accent1"/>
+            </a:lnRef>
+            <a:fillRef idx="0">
+              <a:schemeClr val="accent1"/>
+            </a:fillRef>
+            <a:effectRef idx="0">
+              <a:schemeClr val="accent1"/>
+            </a:effectRef>
+            <a:fontRef idx="minor">
+              <a:schemeClr val="tx1"/>
+            </a:fontRef>
+          </p:style>
+        </p:cxnSp>
+        <p:cxnSp>
+          <p:nvCxnSpPr>
+            <p:cNvPr id="86" name="꺾인 연결선 85"/>
+            <p:cNvCxnSpPr>
+              <a:stCxn id="67" idx="1"/>
+              <a:endCxn id="26" idx="2"/>
+            </p:cNvCxnSpPr>
+            <p:nvPr/>
+          </p:nvCxnSpPr>
+          <p:spPr>
+            <a:xfrm rot="10800000" flipV="1">
+              <a:off x="2687849" y="1609565"/>
+              <a:ext cx="5138538" cy="1338483"/>
+            </a:xfrm>
+            <a:prstGeom prst="bentConnector4">
+              <a:avLst>
+                <a:gd name="adj1" fmla="val 47650"/>
+                <a:gd name="adj2" fmla="val 117079"/>
+              </a:avLst>
+            </a:prstGeom>
+            <a:ln w="28575">
+              <a:solidFill>
+                <a:srgbClr val="C00000"/>
+              </a:solidFill>
+              <a:tailEnd type="triangle"/>
+            </a:ln>
+          </p:spPr>
+          <p:style>
+            <a:lnRef idx="1">
+              <a:schemeClr val="accent1"/>
+            </a:lnRef>
+            <a:fillRef idx="0">
+              <a:schemeClr val="accent1"/>
+            </a:fillRef>
+            <a:effectRef idx="0">
+              <a:schemeClr val="accent1"/>
+            </a:effectRef>
+            <a:fontRef idx="minor">
+              <a:schemeClr val="tx1"/>
+            </a:fontRef>
+          </p:style>
+        </p:cxnSp>
+        <p:cxnSp>
+          <p:nvCxnSpPr>
+            <p:cNvPr id="88" name="꺾인 연결선 87"/>
+            <p:cNvCxnSpPr>
+              <a:stCxn id="70" idx="2"/>
+              <a:endCxn id="51" idx="0"/>
+            </p:cNvCxnSpPr>
+            <p:nvPr/>
+          </p:nvCxnSpPr>
+          <p:spPr>
+            <a:xfrm rot="5400000">
+              <a:off x="8202697" y="1403563"/>
+              <a:ext cx="976047" cy="2625112"/>
+            </a:xfrm>
+            <a:prstGeom prst="bentConnector3">
+              <a:avLst>
+                <a:gd name="adj1" fmla="val 50000"/>
+              </a:avLst>
+            </a:prstGeom>
+            <a:ln w="28575">
+              <a:solidFill>
+                <a:schemeClr val="tx1"/>
+              </a:solidFill>
+              <a:tailEnd type="triangle"/>
+            </a:ln>
+          </p:spPr>
+          <p:style>
+            <a:lnRef idx="1">
+              <a:schemeClr val="accent1"/>
+            </a:lnRef>
+            <a:fillRef idx="0">
+              <a:schemeClr val="accent1"/>
+            </a:fillRef>
+            <a:effectRef idx="0">
+              <a:schemeClr val="accent1"/>
+            </a:effectRef>
+            <a:fontRef idx="minor">
+              <a:schemeClr val="tx1"/>
+            </a:fontRef>
+          </p:style>
+        </p:cxnSp>
+        <p:sp>
+          <p:nvSpPr>
+            <p:cNvPr id="96" name="모서리가 둥근 직사각형 95"/>
+            <p:cNvSpPr/>
+            <p:nvPr/>
+          </p:nvSpPr>
+          <p:spPr>
+            <a:xfrm>
+              <a:off x="7331585" y="2782855"/>
+              <a:ext cx="901090" cy="365706"/>
+            </a:xfrm>
+            <a:prstGeom prst="roundRect">
+              <a:avLst/>
+            </a:prstGeom>
+            <a:noFill/>
+            <a:ln>
+              <a:noFill/>
+            </a:ln>
+          </p:spPr>
+          <p:style>
+            <a:lnRef idx="2">
+              <a:schemeClr val="accent1">
+                <a:shade val="50000"/>
+              </a:schemeClr>
+            </a:lnRef>
+            <a:fillRef idx="1">
+              <a:schemeClr val="accent1"/>
+            </a:fillRef>
+            <a:effectRef idx="0">
+              <a:schemeClr val="accent1"/>
+            </a:effectRef>
+            <a:fontRef idx="minor">
+              <a:schemeClr val="lt1"/>
+            </a:fontRef>
+          </p:style>
+          <p:txBody>
+            <a:bodyPr rtlCol="0" anchor="ctr"/>
+            <a:lstStyle/>
+            <a:p>
+              <a:pPr algn="ctr"/>
+              <a:r>
+                <a:rPr lang="en-US" altLang="ko-KR" sz="1000" dirty="0" smtClean="0">
+                  <a:solidFill>
+                    <a:schemeClr val="tx1"/>
+                  </a:solidFill>
+                </a:rPr>
+                <a:t>Container</a:t>
+              </a:r>
+            </a:p>
+            <a:p>
+              <a:pPr algn="ctr"/>
+              <a:r>
+                <a:rPr lang="en-US" altLang="ko-KR" sz="1000" dirty="0" smtClean="0">
+                  <a:solidFill>
+                    <a:schemeClr val="tx1"/>
+                  </a:solidFill>
+                </a:rPr>
+                <a:t>Deploy</a:t>
+              </a:r>
+              <a:endParaRPr lang="ko-KR" altLang="en-US" sz="1000" dirty="0">
+                <a:solidFill>
+                  <a:schemeClr val="tx1"/>
+                </a:solidFill>
+              </a:endParaRPr>
+            </a:p>
+          </p:txBody>
+        </p:sp>
+        <p:cxnSp>
+          <p:nvCxnSpPr>
+            <p:cNvPr id="97" name="꺾인 연결선 96"/>
+            <p:cNvCxnSpPr>
+              <a:stCxn id="51" idx="1"/>
+              <a:endCxn id="26" idx="2"/>
+            </p:cNvCxnSpPr>
+            <p:nvPr/>
+          </p:nvCxnSpPr>
+          <p:spPr>
+            <a:xfrm rot="10800000">
+              <a:off x="2687850" y="2948049"/>
+              <a:ext cx="3669659" cy="594494"/>
+            </a:xfrm>
+            <a:prstGeom prst="bentConnector2">
+              <a:avLst/>
+            </a:prstGeom>
+            <a:ln w="28575">
+              <a:solidFill>
+                <a:srgbClr val="C00000"/>
+              </a:solidFill>
+              <a:tailEnd type="triangle"/>
+            </a:ln>
+          </p:spPr>
+          <p:style>
+            <a:lnRef idx="1">
+              <a:schemeClr val="accent1"/>
+            </a:lnRef>
+            <a:fillRef idx="0">
+              <a:schemeClr val="accent1"/>
+            </a:fillRef>
+            <a:effectRef idx="0">
+              <a:schemeClr val="accent1"/>
+            </a:effectRef>
+            <a:fontRef idx="minor">
+              <a:schemeClr val="tx1"/>
+            </a:fontRef>
+          </p:style>
+        </p:cxnSp>
+        <p:sp>
+          <p:nvSpPr>
+            <p:cNvPr id="101" name="모서리가 둥근 직사각형 100"/>
+            <p:cNvSpPr/>
+            <p:nvPr/>
+          </p:nvSpPr>
+          <p:spPr>
+            <a:xfrm>
+              <a:off x="5302046" y="1640293"/>
+              <a:ext cx="1177550" cy="365706"/>
+            </a:xfrm>
+            <a:prstGeom prst="roundRect">
+              <a:avLst/>
+            </a:prstGeom>
+            <a:noFill/>
+            <a:ln>
+              <a:noFill/>
+            </a:ln>
+          </p:spPr>
+          <p:style>
+            <a:lnRef idx="2">
+              <a:schemeClr val="accent1">
+                <a:shade val="50000"/>
+              </a:schemeClr>
+            </a:lnRef>
+            <a:fillRef idx="1">
+              <a:schemeClr val="accent1"/>
+            </a:fillRef>
+            <a:effectRef idx="0">
+              <a:schemeClr val="accent1"/>
+            </a:effectRef>
+            <a:fontRef idx="minor">
+              <a:schemeClr val="lt1"/>
+            </a:fontRef>
+          </p:style>
+          <p:txBody>
+            <a:bodyPr rtlCol="0" anchor="ctr"/>
+            <a:lstStyle/>
+            <a:p>
+              <a:pPr algn="ctr"/>
+              <a:r>
+                <a:rPr lang="en-US" altLang="ko-KR" sz="1000" dirty="0" smtClean="0">
+                  <a:solidFill>
+                    <a:schemeClr val="tx1"/>
+                  </a:solidFill>
+                </a:rPr>
+                <a:t>Failed</a:t>
+              </a:r>
+            </a:p>
+            <a:p>
+              <a:pPr algn="ctr"/>
+              <a:r>
+                <a:rPr lang="en-US" altLang="ko-KR" sz="1000" dirty="0" smtClean="0">
+                  <a:solidFill>
+                    <a:schemeClr val="tx1"/>
+                  </a:solidFill>
+                </a:rPr>
+                <a:t>Container Build</a:t>
+              </a:r>
+              <a:endParaRPr lang="ko-KR" altLang="en-US" sz="1000" dirty="0">
+                <a:solidFill>
+                  <a:schemeClr val="tx1"/>
+                </a:solidFill>
+              </a:endParaRPr>
+            </a:p>
+          </p:txBody>
+        </p:sp>
+        <p:sp>
+          <p:nvSpPr>
+            <p:cNvPr id="102" name="모서리가 둥근 직사각형 101"/>
+            <p:cNvSpPr/>
+            <p:nvPr/>
+          </p:nvSpPr>
+          <p:spPr>
+            <a:xfrm>
+              <a:off x="5201314" y="3574468"/>
+              <a:ext cx="1177550" cy="365706"/>
+            </a:xfrm>
+            <a:prstGeom prst="roundRect">
+              <a:avLst/>
+            </a:prstGeom>
+            <a:noFill/>
+            <a:ln>
+              <a:noFill/>
+            </a:ln>
+          </p:spPr>
+          <p:style>
+            <a:lnRef idx="2">
+              <a:schemeClr val="accent1">
+                <a:shade val="50000"/>
+              </a:schemeClr>
+            </a:lnRef>
+            <a:fillRef idx="1">
+              <a:schemeClr val="accent1"/>
+            </a:fillRef>
+            <a:effectRef idx="0">
+              <a:schemeClr val="accent1"/>
+            </a:effectRef>
+            <a:fontRef idx="minor">
+              <a:schemeClr val="lt1"/>
+            </a:fontRef>
+          </p:style>
+          <p:txBody>
+            <a:bodyPr rtlCol="0" anchor="ctr"/>
+            <a:lstStyle/>
+            <a:p>
+              <a:pPr algn="ctr"/>
+              <a:r>
+                <a:rPr lang="en-US" altLang="ko-KR" sz="1000" dirty="0" smtClean="0">
+                  <a:solidFill>
+                    <a:schemeClr val="tx1"/>
+                  </a:solidFill>
+                </a:rPr>
+                <a:t>Failed Deploy</a:t>
+              </a:r>
+              <a:endParaRPr lang="ko-KR" altLang="en-US" sz="1000" dirty="0">
+                <a:solidFill>
+                  <a:schemeClr val="tx1"/>
+                </a:solidFill>
+              </a:endParaRPr>
+            </a:p>
+          </p:txBody>
+        </p:sp>
+      </p:grpSp>
+    </p:spTree>
+    <p:extLst>
+      <p:ext uri="{BB962C8B-B14F-4D97-AF65-F5344CB8AC3E}">
+        <p14:creationId xmlns:p14="http://schemas.microsoft.com/office/powerpoint/2010/main" val="1084899154"/>
+      </p:ext>
+    </p:extLst>
+  </p:cSld>
+  <p:clrMapOvr>
+    <a:masterClrMapping/>
+  </p:clrMapOvr>
+</p:sld>
+</file>
+
+<file path=ppt/slides/slide7.xml><?xml version="1.0" encoding="utf-8"?>
+<p:sld xmlns:a="http://schemas.openxmlformats.org/drawingml/2006/main" xmlns:r="http://schemas.openxmlformats.org/officeDocument/2006/relationships" xmlns:p="http://schemas.openxmlformats.org/presentationml/2006/main">
+  <p:cSld>
+    <p:spTree>
+      <p:nvGrpSpPr>
+        <p:cNvPr id="1" name=""/>
+        <p:cNvGrpSpPr/>
+        <p:nvPr/>
+      </p:nvGrpSpPr>
+      <p:grpSpPr>
+        <a:xfrm>
+          <a:off x="0" y="0"/>
+          <a:ext cx="0" cy="0"/>
+          <a:chOff x="0" y="0"/>
+          <a:chExt cx="0" cy="0"/>
+        </a:xfrm>
+      </p:grpSpPr>
+      <p:grpSp>
+        <p:nvGrpSpPr>
+          <p:cNvPr id="80" name="그룹 79"/>
+          <p:cNvGrpSpPr/>
+          <p:nvPr/>
+        </p:nvGrpSpPr>
+        <p:grpSpPr>
+          <a:xfrm>
+            <a:off x="897885" y="481612"/>
+            <a:ext cx="10119752" cy="3574814"/>
+            <a:chOff x="897885" y="481612"/>
+            <a:chExt cx="10119752" cy="3574814"/>
+          </a:xfrm>
+        </p:grpSpPr>
+        <p:sp>
+          <p:nvSpPr>
+            <p:cNvPr id="51" name="모서리가 둥근 직사각형 50"/>
+            <p:cNvSpPr/>
+            <p:nvPr/>
+          </p:nvSpPr>
+          <p:spPr>
+            <a:xfrm>
+              <a:off x="8976325" y="481612"/>
+              <a:ext cx="2041312" cy="676800"/>
+            </a:xfrm>
+            <a:prstGeom prst="roundRect">
+              <a:avLst/>
+            </a:prstGeom>
+            <a:solidFill>
+              <a:schemeClr val="accent1">
+                <a:lumMod val="60000"/>
+                <a:lumOff val="40000"/>
+              </a:schemeClr>
+            </a:solidFill>
+            <a:ln w="28575">
+              <a:solidFill>
+                <a:schemeClr val="accent1">
+                  <a:lumMod val="75000"/>
+                </a:schemeClr>
+              </a:solidFill>
+            </a:ln>
+          </p:spPr>
+          <p:style>
+            <a:lnRef idx="2">
+              <a:schemeClr val="accent1">
+                <a:shade val="50000"/>
+              </a:schemeClr>
+            </a:lnRef>
+            <a:fillRef idx="1">
+              <a:schemeClr val="accent1"/>
+            </a:fillRef>
+            <a:effectRef idx="0">
+              <a:schemeClr val="accent1"/>
+            </a:effectRef>
+            <a:fontRef idx="minor">
+              <a:schemeClr val="lt1"/>
+            </a:fontRef>
+          </p:style>
+          <p:txBody>
+            <a:bodyPr rtlCol="0" anchor="ctr"/>
+            <a:lstStyle/>
+            <a:p>
+              <a:pPr algn="ctr"/>
+              <a:r>
+                <a:rPr lang="en-US" altLang="ko-KR" sz="1100" dirty="0" smtClean="0">
+                  <a:solidFill>
+                    <a:schemeClr val="tx1"/>
+                  </a:solidFill>
+                </a:rPr>
+                <a:t>Kubernetes</a:t>
+              </a:r>
+            </a:p>
+            <a:p>
+              <a:pPr algn="ctr"/>
+              <a:r>
+                <a:rPr lang="en-US" altLang="ko-KR" sz="1100" dirty="0" smtClean="0">
+                  <a:solidFill>
+                    <a:schemeClr val="tx1"/>
+                  </a:solidFill>
+                </a:rPr>
+                <a:t>Environment</a:t>
+              </a:r>
+              <a:endParaRPr lang="ko-KR" altLang="en-US" sz="1100" dirty="0">
+                <a:solidFill>
+                  <a:schemeClr val="tx1"/>
+                </a:solidFill>
+              </a:endParaRPr>
+            </a:p>
+          </p:txBody>
+        </p:sp>
+        <p:sp>
+          <p:nvSpPr>
+            <p:cNvPr id="52" name="모서리가 둥근 직사각형 51"/>
+            <p:cNvSpPr/>
+            <p:nvPr/>
+          </p:nvSpPr>
+          <p:spPr>
+            <a:xfrm>
+              <a:off x="8780771" y="1882081"/>
+              <a:ext cx="2041200" cy="676800"/>
+            </a:xfrm>
+            <a:prstGeom prst="roundRect">
+              <a:avLst/>
+            </a:prstGeom>
+            <a:solidFill>
+              <a:schemeClr val="bg2">
+                <a:lumMod val="50000"/>
+              </a:schemeClr>
+            </a:solidFill>
+            <a:ln w="28575">
+              <a:solidFill>
+                <a:schemeClr val="bg2">
+                  <a:lumMod val="25000"/>
+                </a:schemeClr>
+              </a:solidFill>
+            </a:ln>
+          </p:spPr>
+          <p:style>
+            <a:lnRef idx="2">
+              <a:schemeClr val="accent1">
+                <a:shade val="50000"/>
+              </a:schemeClr>
+            </a:lnRef>
+            <a:fillRef idx="1">
+              <a:schemeClr val="accent1"/>
+            </a:fillRef>
+            <a:effectRef idx="0">
+              <a:schemeClr val="accent1"/>
+            </a:effectRef>
+            <a:fontRef idx="minor">
+              <a:schemeClr val="lt1"/>
+            </a:fontRef>
+          </p:style>
+          <p:txBody>
+            <a:bodyPr rtlCol="0" anchor="ctr"/>
+            <a:lstStyle/>
+            <a:p>
+              <a:pPr algn="ctr"/>
+              <a:r>
+                <a:rPr lang="en-US" altLang="ko-KR" sz="1100" dirty="0" smtClean="0">
+                  <a:solidFill>
+                    <a:schemeClr val="bg1"/>
+                  </a:solidFill>
+                </a:rPr>
+                <a:t>Local Working Directory</a:t>
+              </a:r>
+              <a:endParaRPr lang="ko-KR" altLang="en-US" sz="1100" dirty="0">
+                <a:solidFill>
+                  <a:schemeClr val="bg1"/>
+                </a:solidFill>
+              </a:endParaRPr>
+            </a:p>
+          </p:txBody>
+        </p:sp>
+        <p:sp>
+          <p:nvSpPr>
+            <p:cNvPr id="29" name="모서리가 둥근 직사각형 28"/>
+            <p:cNvSpPr/>
+            <p:nvPr/>
+          </p:nvSpPr>
+          <p:spPr>
+            <a:xfrm>
+              <a:off x="8976325" y="3379626"/>
+              <a:ext cx="2041312" cy="676800"/>
+            </a:xfrm>
+            <a:prstGeom prst="roundRect">
+              <a:avLst/>
+            </a:prstGeom>
+            <a:solidFill>
+              <a:schemeClr val="accent4">
+                <a:lumMod val="60000"/>
+                <a:lumOff val="40000"/>
+              </a:schemeClr>
+            </a:solidFill>
+            <a:ln w="28575">
+              <a:solidFill>
+                <a:schemeClr val="accent4">
+                  <a:lumMod val="75000"/>
+                </a:schemeClr>
+              </a:solidFill>
+            </a:ln>
+          </p:spPr>
+          <p:style>
+            <a:lnRef idx="2">
+              <a:schemeClr val="accent1">
+                <a:shade val="50000"/>
+              </a:schemeClr>
+            </a:lnRef>
+            <a:fillRef idx="1">
+              <a:schemeClr val="accent1"/>
+            </a:fillRef>
+            <a:effectRef idx="0">
+              <a:schemeClr val="accent1"/>
+            </a:effectRef>
+            <a:fontRef idx="minor">
+              <a:schemeClr val="lt1"/>
+            </a:fontRef>
+          </p:style>
+          <p:txBody>
+            <a:bodyPr rtlCol="0" anchor="ctr"/>
+            <a:lstStyle/>
+            <a:p>
+              <a:pPr algn="ctr"/>
+              <a:r>
+                <a:rPr lang="en-US" altLang="ko-KR" sz="1100" dirty="0" smtClean="0">
+                  <a:solidFill>
+                    <a:schemeClr val="tx1"/>
+                  </a:solidFill>
+                </a:rPr>
+                <a:t>Version Control Service</a:t>
+              </a:r>
+            </a:p>
+            <a:p>
+              <a:pPr algn="ctr"/>
+              <a:r>
+                <a:rPr lang="en-US" altLang="ko-KR" sz="1100" dirty="0" smtClean="0">
+                  <a:solidFill>
+                    <a:schemeClr val="tx1"/>
+                  </a:solidFill>
+                </a:rPr>
+                <a:t>(</a:t>
+              </a:r>
+              <a:r>
+                <a:rPr lang="en-US" altLang="ko-KR" sz="1100" dirty="0" err="1" smtClean="0">
+                  <a:solidFill>
+                    <a:schemeClr val="tx1"/>
+                  </a:solidFill>
+                </a:rPr>
+                <a:t>Git</a:t>
+              </a:r>
+              <a:r>
+                <a:rPr lang="en-US" altLang="ko-KR" sz="1100" dirty="0" smtClean="0">
+                  <a:solidFill>
+                    <a:schemeClr val="tx1"/>
+                  </a:solidFill>
+                </a:rPr>
+                <a:t>)</a:t>
+              </a:r>
+              <a:endParaRPr lang="ko-KR" altLang="en-US" sz="1100" dirty="0">
+                <a:solidFill>
+                  <a:schemeClr val="tx1"/>
+                </a:solidFill>
+              </a:endParaRPr>
+            </a:p>
+          </p:txBody>
+        </p:sp>
+        <p:sp>
+          <p:nvSpPr>
+            <p:cNvPr id="32" name="모서리가 둥근 직사각형 31"/>
+            <p:cNvSpPr/>
+            <p:nvPr/>
+          </p:nvSpPr>
+          <p:spPr>
+            <a:xfrm>
+              <a:off x="5144079" y="1843349"/>
+              <a:ext cx="482969" cy="770822"/>
+            </a:xfrm>
+            <a:prstGeom prst="roundRect">
+              <a:avLst/>
+            </a:prstGeom>
+            <a:solidFill>
+              <a:schemeClr val="accent3">
+                <a:lumMod val="40000"/>
+                <a:lumOff val="60000"/>
+                <a:alpha val="30000"/>
+              </a:schemeClr>
+            </a:solidFill>
+            <a:ln>
+              <a:noFill/>
+            </a:ln>
+          </p:spPr>
+          <p:style>
+            <a:lnRef idx="2">
+              <a:schemeClr val="accent1">
+                <a:shade val="50000"/>
+              </a:schemeClr>
+            </a:lnRef>
+            <a:fillRef idx="1">
+              <a:schemeClr val="accent1"/>
+            </a:fillRef>
+            <a:effectRef idx="0">
+              <a:schemeClr val="accent1"/>
+            </a:effectRef>
+            <a:fontRef idx="minor">
+              <a:schemeClr val="lt1"/>
+            </a:fontRef>
+          </p:style>
+          <p:txBody>
+            <a:bodyPr rtlCol="0" anchor="ctr"/>
+            <a:lstStyle/>
+            <a:p>
+              <a:pPr algn="ctr"/>
+              <a:r>
+                <a:rPr lang="en-US" altLang="ko-KR" sz="700" dirty="0" smtClean="0">
+                  <a:solidFill>
+                    <a:schemeClr val="tx1">
+                      <a:alpha val="20000"/>
+                    </a:schemeClr>
+                  </a:solidFill>
+                </a:rPr>
+                <a:t>VCS</a:t>
+              </a:r>
+              <a:endParaRPr lang="ko-KR" altLang="en-US" sz="700" dirty="0">
+                <a:solidFill>
+                  <a:schemeClr val="tx1">
+                    <a:alpha val="20000"/>
+                  </a:schemeClr>
+                </a:solidFill>
+              </a:endParaRPr>
+            </a:p>
+          </p:txBody>
+        </p:sp>
+        <p:sp>
+          <p:nvSpPr>
+            <p:cNvPr id="33" name="모서리가 둥근 직사각형 32"/>
+            <p:cNvSpPr/>
+            <p:nvPr/>
+          </p:nvSpPr>
+          <p:spPr>
+            <a:xfrm>
+              <a:off x="6216559" y="1835281"/>
+              <a:ext cx="482969" cy="770400"/>
+            </a:xfrm>
+            <a:prstGeom prst="roundRect">
+              <a:avLst/>
+            </a:prstGeom>
+            <a:solidFill>
+              <a:schemeClr val="accent3">
+                <a:lumMod val="40000"/>
+                <a:lumOff val="60000"/>
+                <a:alpha val="30000"/>
+              </a:schemeClr>
+            </a:solidFill>
+            <a:ln>
+              <a:noFill/>
+            </a:ln>
+          </p:spPr>
+          <p:style>
+            <a:lnRef idx="2">
+              <a:schemeClr val="accent1">
+                <a:shade val="50000"/>
+              </a:schemeClr>
+            </a:lnRef>
+            <a:fillRef idx="1">
+              <a:schemeClr val="accent1"/>
+            </a:fillRef>
+            <a:effectRef idx="0">
+              <a:schemeClr val="accent1"/>
+            </a:effectRef>
+            <a:fontRef idx="minor">
+              <a:schemeClr val="lt1"/>
+            </a:fontRef>
+          </p:style>
+          <p:txBody>
+            <a:bodyPr rtlCol="0" anchor="ctr"/>
+            <a:lstStyle/>
+            <a:p>
+              <a:pPr algn="ctr"/>
+              <a:r>
+                <a:rPr lang="en-US" altLang="ko-KR" sz="700" dirty="0" smtClean="0">
+                  <a:solidFill>
+                    <a:schemeClr val="tx1">
+                      <a:alpha val="20000"/>
+                    </a:schemeClr>
+                  </a:solidFill>
+                </a:rPr>
+                <a:t>KUBE</a:t>
+              </a:r>
+              <a:endParaRPr lang="ko-KR" altLang="en-US" sz="700" dirty="0">
+                <a:solidFill>
+                  <a:schemeClr val="tx1">
+                    <a:alpha val="20000"/>
+                  </a:schemeClr>
+                </a:solidFill>
+              </a:endParaRPr>
+            </a:p>
+          </p:txBody>
+        </p:sp>
+        <p:sp>
+          <p:nvSpPr>
+            <p:cNvPr id="34" name="모서리가 둥근 직사각형 33"/>
+            <p:cNvSpPr/>
+            <p:nvPr/>
+          </p:nvSpPr>
+          <p:spPr>
+            <a:xfrm>
+              <a:off x="5680319" y="1837298"/>
+              <a:ext cx="482969" cy="770400"/>
+            </a:xfrm>
+            <a:prstGeom prst="roundRect">
+              <a:avLst/>
+            </a:prstGeom>
+            <a:solidFill>
+              <a:schemeClr val="accent3">
+                <a:lumMod val="40000"/>
+                <a:lumOff val="60000"/>
+                <a:alpha val="30000"/>
+              </a:schemeClr>
+            </a:solidFill>
+            <a:ln>
+              <a:noFill/>
+            </a:ln>
+          </p:spPr>
+          <p:style>
+            <a:lnRef idx="2">
+              <a:schemeClr val="accent1">
+                <a:shade val="50000"/>
+              </a:schemeClr>
+            </a:lnRef>
+            <a:fillRef idx="1">
+              <a:schemeClr val="accent1"/>
+            </a:fillRef>
+            <a:effectRef idx="0">
+              <a:schemeClr val="accent1"/>
+            </a:effectRef>
+            <a:fontRef idx="minor">
+              <a:schemeClr val="lt1"/>
+            </a:fontRef>
+          </p:style>
+          <p:txBody>
+            <a:bodyPr rtlCol="0" anchor="ctr"/>
+            <a:lstStyle/>
+            <a:p>
+              <a:pPr algn="ctr"/>
+              <a:r>
+                <a:rPr lang="en-US" altLang="ko-KR" sz="700" dirty="0" smtClean="0">
+                  <a:solidFill>
+                    <a:schemeClr val="tx1">
+                      <a:alpha val="20000"/>
+                    </a:schemeClr>
+                  </a:solidFill>
+                </a:rPr>
+                <a:t>VCS</a:t>
+              </a:r>
+              <a:endParaRPr lang="ko-KR" altLang="en-US" sz="700" dirty="0">
+                <a:solidFill>
+                  <a:schemeClr val="tx1">
+                    <a:alpha val="20000"/>
+                  </a:schemeClr>
+                </a:solidFill>
+              </a:endParaRPr>
+            </a:p>
+          </p:txBody>
+        </p:sp>
+        <p:sp>
+          <p:nvSpPr>
+            <p:cNvPr id="35" name="모서리가 둥근 직사각형 34"/>
+            <p:cNvSpPr/>
+            <p:nvPr/>
+          </p:nvSpPr>
+          <p:spPr>
+            <a:xfrm>
+              <a:off x="4607839" y="1845789"/>
+              <a:ext cx="482969" cy="770400"/>
+            </a:xfrm>
+            <a:prstGeom prst="roundRect">
+              <a:avLst/>
+            </a:prstGeom>
+            <a:solidFill>
+              <a:schemeClr val="accent3">
+                <a:lumMod val="40000"/>
+                <a:lumOff val="60000"/>
+                <a:alpha val="30000"/>
+              </a:schemeClr>
+            </a:solidFill>
+            <a:ln>
+              <a:noFill/>
+            </a:ln>
+          </p:spPr>
+          <p:style>
+            <a:lnRef idx="2">
+              <a:schemeClr val="accent1">
+                <a:shade val="50000"/>
+              </a:schemeClr>
+            </a:lnRef>
+            <a:fillRef idx="1">
+              <a:schemeClr val="accent1"/>
+            </a:fillRef>
+            <a:effectRef idx="0">
+              <a:schemeClr val="accent1"/>
+            </a:effectRef>
+            <a:fontRef idx="minor">
+              <a:schemeClr val="lt1"/>
+            </a:fontRef>
+          </p:style>
+          <p:txBody>
+            <a:bodyPr rtlCol="0" anchor="ctr"/>
+            <a:lstStyle/>
+            <a:p>
+              <a:pPr algn="ctr"/>
+              <a:r>
+                <a:rPr lang="en-US" altLang="ko-KR" sz="700" dirty="0" smtClean="0">
+                  <a:solidFill>
+                    <a:schemeClr val="tx1">
+                      <a:alpha val="20000"/>
+                    </a:schemeClr>
+                  </a:solidFill>
+                </a:rPr>
+                <a:t>KUBE</a:t>
+              </a:r>
+              <a:endParaRPr lang="ko-KR" altLang="en-US" sz="700" dirty="0">
+                <a:solidFill>
+                  <a:schemeClr val="tx1">
+                    <a:alpha val="20000"/>
+                  </a:schemeClr>
+                </a:solidFill>
+              </a:endParaRPr>
+            </a:p>
+          </p:txBody>
+        </p:sp>
+        <p:sp>
+          <p:nvSpPr>
+            <p:cNvPr id="36" name="모서리가 둥근 직사각형 35"/>
+            <p:cNvSpPr/>
+            <p:nvPr/>
+          </p:nvSpPr>
+          <p:spPr>
+            <a:xfrm>
+              <a:off x="4071599" y="1839315"/>
+              <a:ext cx="482969" cy="770400"/>
+            </a:xfrm>
+            <a:prstGeom prst="roundRect">
+              <a:avLst/>
+            </a:prstGeom>
+            <a:solidFill>
+              <a:schemeClr val="accent3">
+                <a:lumMod val="40000"/>
+                <a:lumOff val="60000"/>
+                <a:alpha val="30000"/>
+              </a:schemeClr>
+            </a:solidFill>
+            <a:ln>
+              <a:noFill/>
+            </a:ln>
+          </p:spPr>
+          <p:style>
+            <a:lnRef idx="2">
+              <a:schemeClr val="accent1">
+                <a:shade val="50000"/>
+              </a:schemeClr>
+            </a:lnRef>
+            <a:fillRef idx="1">
+              <a:schemeClr val="accent1"/>
+            </a:fillRef>
+            <a:effectRef idx="0">
+              <a:schemeClr val="accent1"/>
+            </a:effectRef>
+            <a:fontRef idx="minor">
+              <a:schemeClr val="lt1"/>
+            </a:fontRef>
+          </p:style>
+          <p:txBody>
+            <a:bodyPr rtlCol="0" anchor="ctr"/>
+            <a:lstStyle/>
+            <a:p>
+              <a:pPr algn="ctr"/>
+              <a:r>
+                <a:rPr lang="en-US" altLang="ko-KR" sz="700" dirty="0" smtClean="0">
+                  <a:solidFill>
+                    <a:schemeClr val="tx1">
+                      <a:alpha val="20000"/>
+                    </a:schemeClr>
+                  </a:solidFill>
+                </a:rPr>
+                <a:t>ERR</a:t>
+              </a:r>
+              <a:endParaRPr lang="ko-KR" altLang="en-US" sz="700" dirty="0">
+                <a:solidFill>
+                  <a:schemeClr val="tx1">
+                    <a:alpha val="20000"/>
+                  </a:schemeClr>
+                </a:solidFill>
+              </a:endParaRPr>
+            </a:p>
+          </p:txBody>
+        </p:sp>
+        <p:sp>
+          <p:nvSpPr>
+            <p:cNvPr id="37" name="모서리가 둥근 직사각형 36"/>
+            <p:cNvSpPr/>
+            <p:nvPr/>
+          </p:nvSpPr>
+          <p:spPr>
+            <a:xfrm>
+              <a:off x="6752797" y="1841332"/>
+              <a:ext cx="482969" cy="770400"/>
+            </a:xfrm>
+            <a:prstGeom prst="roundRect">
+              <a:avLst/>
+            </a:prstGeom>
+            <a:solidFill>
+              <a:schemeClr val="accent3">
+                <a:lumMod val="40000"/>
+                <a:lumOff val="60000"/>
+                <a:alpha val="30000"/>
+              </a:schemeClr>
+            </a:solidFill>
+            <a:ln>
+              <a:noFill/>
+            </a:ln>
+          </p:spPr>
+          <p:style>
+            <a:lnRef idx="2">
+              <a:schemeClr val="accent1">
+                <a:shade val="50000"/>
+              </a:schemeClr>
+            </a:lnRef>
+            <a:fillRef idx="1">
+              <a:schemeClr val="accent1"/>
+            </a:fillRef>
+            <a:effectRef idx="0">
+              <a:schemeClr val="accent1"/>
+            </a:effectRef>
+            <a:fontRef idx="minor">
+              <a:schemeClr val="lt1"/>
+            </a:fontRef>
+          </p:style>
+          <p:txBody>
+            <a:bodyPr rtlCol="0" anchor="ctr"/>
+            <a:lstStyle/>
+            <a:p>
+              <a:pPr algn="ctr"/>
+              <a:r>
+                <a:rPr lang="en-US" altLang="ko-KR" sz="700" dirty="0" smtClean="0">
+                  <a:solidFill>
+                    <a:schemeClr val="tx1">
+                      <a:alpha val="20000"/>
+                    </a:schemeClr>
+                  </a:solidFill>
+                </a:rPr>
+                <a:t>ERR</a:t>
+              </a:r>
+              <a:endParaRPr lang="ko-KR" altLang="en-US" sz="700" dirty="0">
+                <a:solidFill>
+                  <a:schemeClr val="tx1">
+                    <a:alpha val="20000"/>
+                  </a:schemeClr>
+                </a:solidFill>
+              </a:endParaRPr>
+            </a:p>
+          </p:txBody>
+        </p:sp>
+        <p:sp>
+          <p:nvSpPr>
+            <p:cNvPr id="40" name="모서리가 둥근 직사각형 39"/>
+            <p:cNvSpPr/>
+            <p:nvPr/>
+          </p:nvSpPr>
+          <p:spPr>
+            <a:xfrm>
+              <a:off x="3444436" y="977227"/>
+              <a:ext cx="4404220" cy="2629382"/>
+            </a:xfrm>
+            <a:prstGeom prst="roundRect">
+              <a:avLst/>
+            </a:prstGeom>
+            <a:noFill/>
+            <a:ln w="28575">
+              <a:solidFill>
+                <a:srgbClr val="767171"/>
+              </a:solidFill>
+            </a:ln>
+          </p:spPr>
+          <p:style>
+            <a:lnRef idx="2">
+              <a:schemeClr val="accent1">
+                <a:shade val="50000"/>
+              </a:schemeClr>
+            </a:lnRef>
+            <a:fillRef idx="1">
+              <a:schemeClr val="accent1"/>
+            </a:fillRef>
+            <a:effectRef idx="0">
+              <a:schemeClr val="accent1"/>
+            </a:effectRef>
+            <a:fontRef idx="minor">
+              <a:schemeClr val="lt1"/>
+            </a:fontRef>
+          </p:style>
+          <p:txBody>
+            <a:bodyPr rtlCol="0" anchor="ctr"/>
+            <a:lstStyle/>
+            <a:p>
+              <a:pPr algn="ctr"/>
+              <a:endParaRPr lang="ko-KR" altLang="en-US"/>
+            </a:p>
+          </p:txBody>
+        </p:sp>
+        <p:cxnSp>
+          <p:nvCxnSpPr>
+            <p:cNvPr id="45" name="직선 화살표 연결선 44"/>
+            <p:cNvCxnSpPr>
+              <a:stCxn id="73" idx="3"/>
+              <a:endCxn id="47" idx="1"/>
+            </p:cNvCxnSpPr>
+            <p:nvPr/>
+          </p:nvCxnSpPr>
+          <p:spPr>
+            <a:xfrm flipV="1">
+              <a:off x="2028839" y="2220481"/>
+              <a:ext cx="664490" cy="8279"/>
+            </a:xfrm>
+            <a:prstGeom prst="straightConnector1">
+              <a:avLst/>
+            </a:prstGeom>
+            <a:ln w="28575">
+              <a:solidFill>
+                <a:srgbClr val="4886BF"/>
+              </a:solidFill>
+              <a:tailEnd type="triangle"/>
+            </a:ln>
+          </p:spPr>
+          <p:style>
+            <a:lnRef idx="1">
+              <a:schemeClr val="accent1"/>
+            </a:lnRef>
+            <a:fillRef idx="0">
+              <a:schemeClr val="accent1"/>
+            </a:fillRef>
+            <a:effectRef idx="0">
+              <a:schemeClr val="accent1"/>
+            </a:effectRef>
+            <a:fontRef idx="minor">
+              <a:schemeClr val="tx1"/>
+            </a:fontRef>
+          </p:style>
+        </p:cxnSp>
+        <p:sp>
+          <p:nvSpPr>
+            <p:cNvPr id="46" name="모서리가 둥근 직사각형 45"/>
+            <p:cNvSpPr/>
+            <p:nvPr/>
+          </p:nvSpPr>
+          <p:spPr>
+            <a:xfrm>
+              <a:off x="4747671" y="3483512"/>
+              <a:ext cx="1812022" cy="501505"/>
+            </a:xfrm>
+            <a:prstGeom prst="roundRect">
+              <a:avLst/>
+            </a:prstGeom>
+            <a:solidFill>
+              <a:schemeClr val="bg2">
+                <a:lumMod val="50000"/>
+              </a:schemeClr>
+            </a:solidFill>
+            <a:ln>
+              <a:solidFill>
+                <a:schemeClr val="bg2">
+                  <a:lumMod val="50000"/>
+                </a:schemeClr>
+              </a:solidFill>
+            </a:ln>
+          </p:spPr>
+          <p:style>
+            <a:lnRef idx="2">
+              <a:schemeClr val="accent1">
+                <a:shade val="50000"/>
+              </a:schemeClr>
+            </a:lnRef>
+            <a:fillRef idx="1">
+              <a:schemeClr val="accent1"/>
+            </a:fillRef>
+            <a:effectRef idx="0">
+              <a:schemeClr val="accent1"/>
+            </a:effectRef>
+            <a:fontRef idx="minor">
+              <a:schemeClr val="lt1"/>
+            </a:fontRef>
+          </p:style>
+          <p:txBody>
+            <a:bodyPr rtlCol="0" anchor="ctr"/>
+            <a:lstStyle/>
+            <a:p>
+              <a:pPr algn="ctr"/>
+              <a:r>
+                <a:rPr lang="en-US" altLang="ko-KR" sz="1200" dirty="0" smtClean="0">
+                  <a:latin typeface="Noto Sans KR" panose="020B0200000000000000" pitchFamily="50" charset="-127"/>
+                  <a:ea typeface="Noto Sans KR" panose="020B0200000000000000" pitchFamily="50" charset="-127"/>
+                </a:rPr>
+                <a:t>Testbed API</a:t>
+              </a:r>
+              <a:endParaRPr lang="ko-KR" altLang="en-US" sz="1200" dirty="0">
+                <a:latin typeface="Noto Sans KR" panose="020B0200000000000000" pitchFamily="50" charset="-127"/>
+                <a:ea typeface="Noto Sans KR" panose="020B0200000000000000" pitchFamily="50" charset="-127"/>
+              </a:endParaRPr>
+            </a:p>
+          </p:txBody>
+        </p:sp>
+        <p:sp>
+          <p:nvSpPr>
+            <p:cNvPr id="47" name="모서리가 둥근 직사각형 46"/>
+            <p:cNvSpPr/>
+            <p:nvPr/>
+          </p:nvSpPr>
+          <p:spPr>
+            <a:xfrm>
+              <a:off x="2693329" y="2037628"/>
+              <a:ext cx="901090" cy="365706"/>
+            </a:xfrm>
+            <a:prstGeom prst="roundRect">
+              <a:avLst/>
+            </a:prstGeom>
+            <a:solidFill>
+              <a:schemeClr val="accent3">
+                <a:lumMod val="40000"/>
+                <a:lumOff val="60000"/>
+              </a:schemeClr>
+            </a:solidFill>
+            <a:ln>
+              <a:noFill/>
+            </a:ln>
+          </p:spPr>
+          <p:style>
+            <a:lnRef idx="2">
+              <a:schemeClr val="accent1">
+                <a:shade val="50000"/>
+              </a:schemeClr>
+            </a:lnRef>
+            <a:fillRef idx="1">
+              <a:schemeClr val="accent1"/>
+            </a:fillRef>
+            <a:effectRef idx="0">
+              <a:schemeClr val="accent1"/>
+            </a:effectRef>
+            <a:fontRef idx="minor">
+              <a:schemeClr val="lt1"/>
+            </a:fontRef>
+          </p:style>
+          <p:txBody>
+            <a:bodyPr rtlCol="0" anchor="ctr"/>
+            <a:lstStyle/>
+            <a:p>
+              <a:pPr algn="ctr"/>
+              <a:r>
+                <a:rPr lang="en-US" altLang="ko-KR" sz="1100" dirty="0" smtClean="0">
+                  <a:solidFill>
+                    <a:schemeClr val="tx1"/>
+                  </a:solidFill>
+                </a:rPr>
+                <a:t>Gateway</a:t>
+              </a:r>
+              <a:endParaRPr lang="ko-KR" altLang="en-US" sz="1100" dirty="0">
+                <a:solidFill>
+                  <a:schemeClr val="tx1"/>
+                </a:solidFill>
+              </a:endParaRPr>
+            </a:p>
+          </p:txBody>
+        </p:sp>
+        <p:sp>
+          <p:nvSpPr>
+            <p:cNvPr id="56" name="모서리가 둥근 직사각형 55"/>
+            <p:cNvSpPr/>
+            <p:nvPr/>
+          </p:nvSpPr>
+          <p:spPr>
+            <a:xfrm>
+              <a:off x="6426196" y="1156744"/>
+              <a:ext cx="1263600" cy="365706"/>
+            </a:xfrm>
+            <a:prstGeom prst="roundRect">
+              <a:avLst/>
+            </a:prstGeom>
+            <a:solidFill>
+              <a:schemeClr val="accent3">
+                <a:lumMod val="40000"/>
+                <a:lumOff val="60000"/>
+              </a:schemeClr>
+            </a:solidFill>
+            <a:ln>
+              <a:noFill/>
+            </a:ln>
+          </p:spPr>
+          <p:style>
+            <a:lnRef idx="2">
+              <a:schemeClr val="accent1">
+                <a:shade val="50000"/>
+              </a:schemeClr>
+            </a:lnRef>
+            <a:fillRef idx="1">
+              <a:schemeClr val="accent1"/>
+            </a:fillRef>
+            <a:effectRef idx="0">
+              <a:schemeClr val="accent1"/>
+            </a:effectRef>
+            <a:fontRef idx="minor">
+              <a:schemeClr val="lt1"/>
+            </a:fontRef>
+          </p:style>
+          <p:txBody>
+            <a:bodyPr rtlCol="0" anchor="ctr"/>
+            <a:lstStyle/>
+            <a:p>
+              <a:pPr algn="ctr"/>
+              <a:r>
+                <a:rPr lang="en-US" altLang="ko-KR" sz="1050" dirty="0" smtClean="0">
+                  <a:solidFill>
+                    <a:schemeClr val="tx1"/>
+                  </a:solidFill>
+                </a:rPr>
+                <a:t>Kubernetes</a:t>
+              </a:r>
+            </a:p>
+            <a:p>
+              <a:pPr algn="ctr"/>
+              <a:r>
+                <a:rPr lang="en-US" altLang="ko-KR" sz="1050" dirty="0" smtClean="0">
+                  <a:solidFill>
+                    <a:schemeClr val="tx1"/>
+                  </a:solidFill>
+                </a:rPr>
+                <a:t>Service</a:t>
+              </a:r>
+              <a:endParaRPr lang="ko-KR" altLang="en-US" sz="1050" dirty="0">
+                <a:solidFill>
+                  <a:schemeClr val="tx1"/>
+                </a:solidFill>
+              </a:endParaRPr>
+            </a:p>
+          </p:txBody>
+        </p:sp>
+        <p:sp>
+          <p:nvSpPr>
+            <p:cNvPr id="57" name="모서리가 둥근 직사각형 56"/>
+            <p:cNvSpPr/>
+            <p:nvPr/>
+          </p:nvSpPr>
+          <p:spPr>
+            <a:xfrm>
+              <a:off x="6417807" y="2929770"/>
+              <a:ext cx="1263600" cy="365706"/>
+            </a:xfrm>
+            <a:prstGeom prst="roundRect">
+              <a:avLst/>
+            </a:prstGeom>
+            <a:solidFill>
+              <a:schemeClr val="accent3">
+                <a:lumMod val="40000"/>
+                <a:lumOff val="60000"/>
+              </a:schemeClr>
+            </a:solidFill>
+            <a:ln>
+              <a:noFill/>
+            </a:ln>
+          </p:spPr>
+          <p:style>
+            <a:lnRef idx="2">
+              <a:schemeClr val="accent1">
+                <a:shade val="50000"/>
+              </a:schemeClr>
+            </a:lnRef>
+            <a:fillRef idx="1">
+              <a:schemeClr val="accent1"/>
+            </a:fillRef>
+            <a:effectRef idx="0">
+              <a:schemeClr val="accent1"/>
+            </a:effectRef>
+            <a:fontRef idx="minor">
+              <a:schemeClr val="lt1"/>
+            </a:fontRef>
+          </p:style>
+          <p:txBody>
+            <a:bodyPr rtlCol="0" anchor="ctr"/>
+            <a:lstStyle/>
+            <a:p>
+              <a:pPr algn="ctr"/>
+              <a:r>
+                <a:rPr lang="en-US" altLang="ko-KR" sz="1050" dirty="0" smtClean="0">
+                  <a:solidFill>
+                    <a:schemeClr val="tx1"/>
+                  </a:solidFill>
+                </a:rPr>
+                <a:t>VCS</a:t>
+              </a:r>
+            </a:p>
+            <a:p>
+              <a:pPr algn="ctr"/>
+              <a:r>
+                <a:rPr lang="en-US" altLang="ko-KR" sz="1050" dirty="0" smtClean="0">
+                  <a:solidFill>
+                    <a:schemeClr val="tx1"/>
+                  </a:solidFill>
+                </a:rPr>
+                <a:t>Service</a:t>
+              </a:r>
+              <a:endParaRPr lang="ko-KR" altLang="en-US" sz="1050" dirty="0">
+                <a:solidFill>
+                  <a:schemeClr val="tx1"/>
+                </a:solidFill>
+              </a:endParaRPr>
+            </a:p>
+          </p:txBody>
+        </p:sp>
+        <p:sp>
+          <p:nvSpPr>
+            <p:cNvPr id="61" name="모서리가 둥근 직사각형 60"/>
+            <p:cNvSpPr/>
+            <p:nvPr/>
+          </p:nvSpPr>
+          <p:spPr>
+            <a:xfrm>
+              <a:off x="3980079" y="1773919"/>
+              <a:ext cx="3347207" cy="914141"/>
+            </a:xfrm>
+            <a:prstGeom prst="roundRect">
+              <a:avLst/>
+            </a:prstGeom>
+            <a:noFill/>
+            <a:ln w="38100">
+              <a:solidFill>
+                <a:schemeClr val="tx1"/>
+              </a:solidFill>
+              <a:prstDash val="sysDash"/>
+            </a:ln>
+          </p:spPr>
+          <p:style>
+            <a:lnRef idx="2">
+              <a:schemeClr val="accent1">
+                <a:shade val="50000"/>
+              </a:schemeClr>
+            </a:lnRef>
+            <a:fillRef idx="1">
+              <a:schemeClr val="accent1"/>
+            </a:fillRef>
+            <a:effectRef idx="0">
+              <a:schemeClr val="accent1"/>
+            </a:effectRef>
+            <a:fontRef idx="minor">
+              <a:schemeClr val="lt1"/>
+            </a:fontRef>
+          </p:style>
+          <p:txBody>
+            <a:bodyPr rtlCol="0" anchor="t"/>
+            <a:lstStyle/>
+            <a:p>
+              <a:pPr algn="ctr"/>
+              <a:r>
+                <a:rPr lang="en-US" altLang="ko-KR" sz="1050" dirty="0" smtClean="0">
+                  <a:solidFill>
+                    <a:sysClr val="windowText" lastClr="000000"/>
+                  </a:solidFill>
+                </a:rPr>
+                <a:t>Message Queue</a:t>
+              </a:r>
+              <a:endParaRPr lang="ko-KR" altLang="en-US" sz="1050" dirty="0">
+                <a:solidFill>
+                  <a:sysClr val="windowText" lastClr="000000"/>
+                </a:solidFill>
+              </a:endParaRPr>
+            </a:p>
+          </p:txBody>
+        </p:sp>
+        <p:sp>
+          <p:nvSpPr>
+            <p:cNvPr id="62" name="모서리가 둥근 직사각형 61"/>
+            <p:cNvSpPr/>
+            <p:nvPr/>
+          </p:nvSpPr>
+          <p:spPr>
+            <a:xfrm>
+              <a:off x="3612372" y="1156743"/>
+              <a:ext cx="1263600" cy="365706"/>
+            </a:xfrm>
+            <a:prstGeom prst="roundRect">
+              <a:avLst/>
+            </a:prstGeom>
+            <a:solidFill>
+              <a:schemeClr val="accent3">
+                <a:lumMod val="40000"/>
+                <a:lumOff val="60000"/>
+              </a:schemeClr>
+            </a:solidFill>
+            <a:ln>
+              <a:noFill/>
+            </a:ln>
+          </p:spPr>
+          <p:style>
+            <a:lnRef idx="2">
+              <a:schemeClr val="accent1">
+                <a:shade val="50000"/>
+              </a:schemeClr>
+            </a:lnRef>
+            <a:fillRef idx="1">
+              <a:schemeClr val="accent1"/>
+            </a:fillRef>
+            <a:effectRef idx="0">
+              <a:schemeClr val="accent1"/>
+            </a:effectRef>
+            <a:fontRef idx="minor">
+              <a:schemeClr val="lt1"/>
+            </a:fontRef>
+          </p:style>
+          <p:txBody>
+            <a:bodyPr rtlCol="0" anchor="ctr"/>
+            <a:lstStyle/>
+            <a:p>
+              <a:pPr algn="ctr"/>
+              <a:r>
+                <a:rPr lang="en-US" altLang="ko-KR" sz="1050" dirty="0" smtClean="0">
+                  <a:solidFill>
+                    <a:schemeClr val="tx1"/>
+                  </a:solidFill>
+                </a:rPr>
+                <a:t>Error</a:t>
+              </a:r>
+            </a:p>
+            <a:p>
+              <a:pPr algn="ctr"/>
+              <a:r>
+                <a:rPr lang="en-US" altLang="ko-KR" sz="1050" dirty="0" smtClean="0">
+                  <a:solidFill>
+                    <a:schemeClr val="tx1"/>
+                  </a:solidFill>
+                </a:rPr>
+                <a:t>Service</a:t>
+              </a:r>
+              <a:endParaRPr lang="ko-KR" altLang="en-US" sz="1050" dirty="0">
+                <a:solidFill>
+                  <a:schemeClr val="tx1"/>
+                </a:solidFill>
+              </a:endParaRPr>
+            </a:p>
+          </p:txBody>
+        </p:sp>
+        <p:cxnSp>
+          <p:nvCxnSpPr>
+            <p:cNvPr id="63" name="꺾인 연결선 62"/>
+            <p:cNvCxnSpPr>
+              <a:stCxn id="62" idx="3"/>
+              <a:endCxn id="61" idx="0"/>
+            </p:cNvCxnSpPr>
+            <p:nvPr/>
+          </p:nvCxnSpPr>
+          <p:spPr>
+            <a:xfrm>
+              <a:off x="4875972" y="1339596"/>
+              <a:ext cx="777711" cy="434323"/>
+            </a:xfrm>
+            <a:prstGeom prst="bentConnector2">
+              <a:avLst/>
+            </a:prstGeom>
+            <a:ln w="28575">
+              <a:solidFill>
+                <a:schemeClr val="tx1"/>
+              </a:solidFill>
+              <a:headEnd type="triangle"/>
+              <a:tailEnd type="triangle"/>
+            </a:ln>
+          </p:spPr>
+          <p:style>
+            <a:lnRef idx="1">
+              <a:schemeClr val="accent1"/>
+            </a:lnRef>
+            <a:fillRef idx="0">
+              <a:schemeClr val="accent1"/>
+            </a:fillRef>
+            <a:effectRef idx="0">
+              <a:schemeClr val="accent1"/>
+            </a:effectRef>
+            <a:fontRef idx="minor">
+              <a:schemeClr val="tx1"/>
+            </a:fontRef>
+          </p:style>
+        </p:cxnSp>
+        <p:cxnSp>
+          <p:nvCxnSpPr>
+            <p:cNvPr id="64" name="꺾인 연결선 63"/>
+            <p:cNvCxnSpPr>
+              <a:stCxn id="56" idx="1"/>
+              <a:endCxn id="61" idx="0"/>
+            </p:cNvCxnSpPr>
+            <p:nvPr/>
+          </p:nvCxnSpPr>
+          <p:spPr>
+            <a:xfrm rot="10800000" flipV="1">
+              <a:off x="5653684" y="1339597"/>
+              <a:ext cx="772513" cy="434322"/>
+            </a:xfrm>
+            <a:prstGeom prst="bentConnector2">
+              <a:avLst/>
+            </a:prstGeom>
+            <a:ln w="28575">
+              <a:solidFill>
+                <a:schemeClr val="tx1"/>
+              </a:solidFill>
+              <a:headEnd type="triangle"/>
+              <a:tailEnd type="triangle"/>
+            </a:ln>
+          </p:spPr>
+          <p:style>
+            <a:lnRef idx="1">
+              <a:schemeClr val="accent1"/>
+            </a:lnRef>
+            <a:fillRef idx="0">
+              <a:schemeClr val="accent1"/>
+            </a:fillRef>
+            <a:effectRef idx="0">
+              <a:schemeClr val="accent1"/>
+            </a:effectRef>
+            <a:fontRef idx="minor">
+              <a:schemeClr val="tx1"/>
+            </a:fontRef>
+          </p:style>
+        </p:cxnSp>
+        <p:cxnSp>
+          <p:nvCxnSpPr>
+            <p:cNvPr id="68" name="꺾인 연결선 67"/>
+            <p:cNvCxnSpPr>
+              <a:stCxn id="61" idx="2"/>
+              <a:endCxn id="57" idx="1"/>
+            </p:cNvCxnSpPr>
+            <p:nvPr/>
+          </p:nvCxnSpPr>
+          <p:spPr>
+            <a:xfrm rot="16200000" flipH="1">
+              <a:off x="5823464" y="2518279"/>
+              <a:ext cx="424563" cy="764124"/>
+            </a:xfrm>
+            <a:prstGeom prst="bentConnector2">
+              <a:avLst/>
+            </a:prstGeom>
+            <a:ln w="28575">
+              <a:solidFill>
+                <a:schemeClr val="tx1"/>
+              </a:solidFill>
+              <a:headEnd type="triangle"/>
+              <a:tailEnd type="triangle"/>
+            </a:ln>
+          </p:spPr>
+          <p:style>
+            <a:lnRef idx="1">
+              <a:schemeClr val="accent1"/>
+            </a:lnRef>
+            <a:fillRef idx="0">
+              <a:schemeClr val="accent1"/>
+            </a:fillRef>
+            <a:effectRef idx="0">
+              <a:schemeClr val="accent1"/>
+            </a:effectRef>
+            <a:fontRef idx="minor">
+              <a:schemeClr val="tx1"/>
+            </a:fontRef>
+          </p:style>
+        </p:cxnSp>
+        <p:cxnSp>
+          <p:nvCxnSpPr>
+            <p:cNvPr id="71" name="직선 화살표 연결선 70"/>
+            <p:cNvCxnSpPr>
+              <a:stCxn id="47" idx="3"/>
+              <a:endCxn id="61" idx="1"/>
+            </p:cNvCxnSpPr>
+            <p:nvPr/>
+          </p:nvCxnSpPr>
+          <p:spPr>
+            <a:xfrm>
+              <a:off x="3594419" y="2220481"/>
+              <a:ext cx="385660" cy="10509"/>
+            </a:xfrm>
+            <a:prstGeom prst="straightConnector1">
+              <a:avLst/>
+            </a:prstGeom>
+            <a:ln w="28575">
+              <a:solidFill>
+                <a:schemeClr val="tx1"/>
+              </a:solidFill>
+              <a:tailEnd type="triangle"/>
+            </a:ln>
+          </p:spPr>
+          <p:style>
+            <a:lnRef idx="1">
+              <a:schemeClr val="accent1"/>
+            </a:lnRef>
+            <a:fillRef idx="0">
+              <a:schemeClr val="accent1"/>
+            </a:fillRef>
+            <a:effectRef idx="0">
+              <a:schemeClr val="accent1"/>
+            </a:effectRef>
+            <a:fontRef idx="minor">
+              <a:schemeClr val="tx1"/>
+            </a:fontRef>
+          </p:style>
+        </p:cxnSp>
+        <p:sp>
+          <p:nvSpPr>
+            <p:cNvPr id="73" name="순서도: 처리 72"/>
+            <p:cNvSpPr/>
+            <p:nvPr/>
+          </p:nvSpPr>
+          <p:spPr>
+            <a:xfrm>
+              <a:off x="897885" y="2017681"/>
+              <a:ext cx="1130954" cy="422158"/>
+            </a:xfrm>
+            <a:prstGeom prst="flowChartProcess">
+              <a:avLst/>
+            </a:prstGeom>
+            <a:solidFill>
+              <a:srgbClr val="4886BF"/>
+            </a:solidFill>
+            <a:ln>
+              <a:noFill/>
+            </a:ln>
+          </p:spPr>
+          <p:style>
+            <a:lnRef idx="2">
+              <a:schemeClr val="accent1">
+                <a:shade val="50000"/>
+              </a:schemeClr>
+            </a:lnRef>
+            <a:fillRef idx="1">
+              <a:schemeClr val="accent1"/>
+            </a:fillRef>
+            <a:effectRef idx="0">
+              <a:schemeClr val="accent1"/>
+            </a:effectRef>
+            <a:fontRef idx="minor">
+              <a:schemeClr val="lt1"/>
+            </a:fontRef>
+          </p:style>
+          <p:txBody>
+            <a:bodyPr rtlCol="0" anchor="ctr"/>
+            <a:lstStyle/>
+            <a:p>
+              <a:pPr algn="ctr"/>
+              <a:r>
+                <a:rPr lang="en-US" altLang="ko-KR" sz="1100" dirty="0" smtClean="0">
+                  <a:latin typeface="Noto Sans KR" panose="020B0200000000000000" pitchFamily="50" charset="-127"/>
+                  <a:ea typeface="Noto Sans KR" panose="020B0200000000000000" pitchFamily="50" charset="-127"/>
+                </a:rPr>
+                <a:t>Request</a:t>
+              </a:r>
+              <a:endParaRPr lang="ko-KR" altLang="en-US" sz="1100" dirty="0">
+                <a:latin typeface="Noto Sans KR" panose="020B0200000000000000" pitchFamily="50" charset="-127"/>
+                <a:ea typeface="Noto Sans KR" panose="020B0200000000000000" pitchFamily="50" charset="-127"/>
+              </a:endParaRPr>
+            </a:p>
+          </p:txBody>
+        </p:sp>
+        <p:cxnSp>
+          <p:nvCxnSpPr>
+            <p:cNvPr id="9" name="꺾인 연결선 8"/>
+            <p:cNvCxnSpPr>
+              <a:stCxn id="57" idx="3"/>
+              <a:endCxn id="52" idx="2"/>
+            </p:cNvCxnSpPr>
+            <p:nvPr/>
+          </p:nvCxnSpPr>
+          <p:spPr>
+            <a:xfrm flipV="1">
+              <a:off x="7681407" y="2558881"/>
+              <a:ext cx="2119964" cy="553742"/>
+            </a:xfrm>
+            <a:prstGeom prst="bentConnector2">
+              <a:avLst/>
+            </a:prstGeom>
+            <a:ln w="28575">
+              <a:solidFill>
+                <a:schemeClr val="tx1"/>
+              </a:solidFill>
+              <a:tailEnd type="triangle"/>
+            </a:ln>
+          </p:spPr>
+          <p:style>
+            <a:lnRef idx="1">
+              <a:schemeClr val="accent1"/>
+            </a:lnRef>
+            <a:fillRef idx="0">
+              <a:schemeClr val="accent1"/>
+            </a:fillRef>
+            <a:effectRef idx="0">
+              <a:schemeClr val="accent1"/>
+            </a:effectRef>
+            <a:fontRef idx="minor">
+              <a:schemeClr val="tx1"/>
+            </a:fontRef>
+          </p:style>
+        </p:cxnSp>
+        <p:cxnSp>
+          <p:nvCxnSpPr>
+            <p:cNvPr id="12" name="꺾인 연결선 11"/>
+            <p:cNvCxnSpPr>
+              <a:stCxn id="56" idx="3"/>
+              <a:endCxn id="51" idx="1"/>
+            </p:cNvCxnSpPr>
+            <p:nvPr/>
+          </p:nvCxnSpPr>
+          <p:spPr>
+            <a:xfrm flipV="1">
+              <a:off x="7689796" y="820012"/>
+              <a:ext cx="1286529" cy="519585"/>
+            </a:xfrm>
+            <a:prstGeom prst="bentConnector3">
+              <a:avLst/>
+            </a:prstGeom>
+            <a:ln w="28575">
+              <a:solidFill>
+                <a:schemeClr val="tx1"/>
+              </a:solidFill>
+              <a:tailEnd type="triangle"/>
+            </a:ln>
+          </p:spPr>
+          <p:style>
+            <a:lnRef idx="1">
+              <a:schemeClr val="accent1"/>
+            </a:lnRef>
+            <a:fillRef idx="0">
+              <a:schemeClr val="accent1"/>
+            </a:fillRef>
+            <a:effectRef idx="0">
+              <a:schemeClr val="accent1"/>
+            </a:effectRef>
+            <a:fontRef idx="minor">
+              <a:schemeClr val="tx1"/>
+            </a:fontRef>
+          </p:style>
+        </p:cxnSp>
+        <p:cxnSp>
+          <p:nvCxnSpPr>
+            <p:cNvPr id="17" name="꺾인 연결선 16"/>
+            <p:cNvCxnSpPr>
+              <a:stCxn id="56" idx="3"/>
+              <a:endCxn id="52" idx="0"/>
+            </p:cNvCxnSpPr>
+            <p:nvPr/>
+          </p:nvCxnSpPr>
+          <p:spPr>
+            <a:xfrm>
+              <a:off x="7689796" y="1339597"/>
+              <a:ext cx="2111575" cy="542484"/>
+            </a:xfrm>
+            <a:prstGeom prst="bentConnector2">
+              <a:avLst/>
+            </a:prstGeom>
+            <a:ln w="28575">
+              <a:solidFill>
+                <a:schemeClr val="tx1"/>
+              </a:solidFill>
+              <a:tailEnd type="triangle"/>
+            </a:ln>
+          </p:spPr>
+          <p:style>
+            <a:lnRef idx="1">
+              <a:schemeClr val="accent1"/>
+            </a:lnRef>
+            <a:fillRef idx="0">
+              <a:schemeClr val="accent1"/>
+            </a:fillRef>
+            <a:effectRef idx="0">
+              <a:schemeClr val="accent1"/>
+            </a:effectRef>
+            <a:fontRef idx="minor">
+              <a:schemeClr val="tx1"/>
+            </a:fontRef>
+          </p:style>
+        </p:cxnSp>
+        <p:cxnSp>
+          <p:nvCxnSpPr>
+            <p:cNvPr id="78" name="꺾인 연결선 77"/>
+            <p:cNvCxnSpPr>
+              <a:stCxn id="57" idx="3"/>
+              <a:endCxn id="29" idx="1"/>
+            </p:cNvCxnSpPr>
+            <p:nvPr/>
+          </p:nvCxnSpPr>
+          <p:spPr>
+            <a:xfrm>
+              <a:off x="7681407" y="3112623"/>
+              <a:ext cx="1294918" cy="605403"/>
+            </a:xfrm>
+            <a:prstGeom prst="bentConnector3">
+              <a:avLst/>
+            </a:prstGeom>
+            <a:ln w="28575">
+              <a:solidFill>
+                <a:schemeClr val="tx1"/>
+              </a:solidFill>
+              <a:tailEnd type="triangle"/>
+            </a:ln>
+          </p:spPr>
+          <p:style>
+            <a:lnRef idx="1">
+              <a:schemeClr val="accent1"/>
+            </a:lnRef>
+            <a:fillRef idx="0">
+              <a:schemeClr val="accent1"/>
+            </a:fillRef>
+            <a:effectRef idx="0">
+              <a:schemeClr val="accent1"/>
+            </a:effectRef>
+            <a:fontRef idx="minor">
+              <a:schemeClr val="tx1"/>
+            </a:fontRef>
+          </p:style>
+        </p:cxnSp>
+      </p:grpSp>
+    </p:spTree>
+    <p:extLst>
+      <p:ext uri="{BB962C8B-B14F-4D97-AF65-F5344CB8AC3E}">
+        <p14:creationId xmlns:p14="http://schemas.microsoft.com/office/powerpoint/2010/main" val="691940702"/>
+      </p:ext>
+    </p:extLst>
+  </p:cSld>
+  <p:clrMapOvr>
+    <a:masterClrMapping/>
+  </p:clrMapOvr>
+</p:sld>
+</file>
+
 <file path=ppt/theme/theme1.xml><?xml version="1.0" encoding="utf-8"?>
 <a:theme xmlns:a="http://schemas.openxmlformats.org/drawingml/2006/main" name="Office 테마">
   <a:themeElements>

--- a/경력기술서_사진.pptx
+++ b/경력기술서_사진.pptx
@@ -12,6 +12,7 @@
     <p:sldId id="260" r:id="rId6"/>
     <p:sldId id="261" r:id="rId7"/>
     <p:sldId id="263" r:id="rId8"/>
+    <p:sldId id="264" r:id="rId9"/>
   </p:sldIdLst>
   <p:sldSz cx="12192000" cy="6858000"/>
   <p:notesSz cx="6858000" cy="9144000"/>
@@ -12444,6 +12445,1533 @@
 </p:sld>
 </file>
 
+<file path=ppt/slides/slide8.xml><?xml version="1.0" encoding="utf-8"?>
+<p:sld xmlns:a="http://schemas.openxmlformats.org/drawingml/2006/main" xmlns:r="http://schemas.openxmlformats.org/officeDocument/2006/relationships" xmlns:p="http://schemas.openxmlformats.org/presentationml/2006/main">
+  <p:cSld>
+    <p:spTree>
+      <p:nvGrpSpPr>
+        <p:cNvPr id="1" name=""/>
+        <p:cNvGrpSpPr/>
+        <p:nvPr/>
+      </p:nvGrpSpPr>
+      <p:grpSpPr>
+        <a:xfrm>
+          <a:off x="0" y="0"/>
+          <a:ext cx="0" cy="0"/>
+          <a:chOff x="0" y="0"/>
+          <a:chExt cx="0" cy="0"/>
+        </a:xfrm>
+      </p:grpSpPr>
+      <p:grpSp>
+        <p:nvGrpSpPr>
+          <p:cNvPr id="80" name="그룹 79"/>
+          <p:cNvGrpSpPr/>
+          <p:nvPr/>
+        </p:nvGrpSpPr>
+        <p:grpSpPr>
+          <a:xfrm>
+            <a:off x="897885" y="481612"/>
+            <a:ext cx="10119752" cy="3574814"/>
+            <a:chOff x="897885" y="481612"/>
+            <a:chExt cx="10119752" cy="3574814"/>
+          </a:xfrm>
+        </p:grpSpPr>
+        <p:sp>
+          <p:nvSpPr>
+            <p:cNvPr id="51" name="모서리가 둥근 직사각형 50"/>
+            <p:cNvSpPr/>
+            <p:nvPr/>
+          </p:nvSpPr>
+          <p:spPr>
+            <a:xfrm>
+              <a:off x="8976325" y="481612"/>
+              <a:ext cx="2041312" cy="676800"/>
+            </a:xfrm>
+            <a:prstGeom prst="roundRect">
+              <a:avLst/>
+            </a:prstGeom>
+            <a:solidFill>
+              <a:schemeClr val="accent1">
+                <a:lumMod val="60000"/>
+                <a:lumOff val="40000"/>
+              </a:schemeClr>
+            </a:solidFill>
+            <a:ln w="28575">
+              <a:solidFill>
+                <a:schemeClr val="accent1">
+                  <a:lumMod val="75000"/>
+                </a:schemeClr>
+              </a:solidFill>
+            </a:ln>
+          </p:spPr>
+          <p:style>
+            <a:lnRef idx="2">
+              <a:schemeClr val="accent1">
+                <a:shade val="50000"/>
+              </a:schemeClr>
+            </a:lnRef>
+            <a:fillRef idx="1">
+              <a:schemeClr val="accent1"/>
+            </a:fillRef>
+            <a:effectRef idx="0">
+              <a:schemeClr val="accent1"/>
+            </a:effectRef>
+            <a:fontRef idx="minor">
+              <a:schemeClr val="lt1"/>
+            </a:fontRef>
+          </p:style>
+          <p:txBody>
+            <a:bodyPr rtlCol="0" anchor="ctr"/>
+            <a:lstStyle/>
+            <a:p>
+              <a:pPr algn="ctr"/>
+              <a:r>
+                <a:rPr lang="en-US" altLang="ko-KR" sz="1100" dirty="0" smtClean="0">
+                  <a:solidFill>
+                    <a:schemeClr val="tx1"/>
+                  </a:solidFill>
+                </a:rPr>
+                <a:t>Kubernetes</a:t>
+              </a:r>
+            </a:p>
+            <a:p>
+              <a:pPr algn="ctr"/>
+              <a:r>
+                <a:rPr lang="en-US" altLang="ko-KR" sz="1100" dirty="0" smtClean="0">
+                  <a:solidFill>
+                    <a:schemeClr val="tx1"/>
+                  </a:solidFill>
+                </a:rPr>
+                <a:t>Environment</a:t>
+              </a:r>
+              <a:endParaRPr lang="ko-KR" altLang="en-US" sz="1100" dirty="0">
+                <a:solidFill>
+                  <a:schemeClr val="tx1"/>
+                </a:solidFill>
+              </a:endParaRPr>
+            </a:p>
+          </p:txBody>
+        </p:sp>
+        <p:sp>
+          <p:nvSpPr>
+            <p:cNvPr id="52" name="모서리가 둥근 직사각형 51"/>
+            <p:cNvSpPr/>
+            <p:nvPr/>
+          </p:nvSpPr>
+          <p:spPr>
+            <a:xfrm>
+              <a:off x="8780771" y="1882081"/>
+              <a:ext cx="2041200" cy="676800"/>
+            </a:xfrm>
+            <a:prstGeom prst="roundRect">
+              <a:avLst/>
+            </a:prstGeom>
+            <a:solidFill>
+              <a:schemeClr val="bg2">
+                <a:lumMod val="50000"/>
+              </a:schemeClr>
+            </a:solidFill>
+            <a:ln w="28575">
+              <a:solidFill>
+                <a:schemeClr val="bg2">
+                  <a:lumMod val="25000"/>
+                </a:schemeClr>
+              </a:solidFill>
+            </a:ln>
+          </p:spPr>
+          <p:style>
+            <a:lnRef idx="2">
+              <a:schemeClr val="accent1">
+                <a:shade val="50000"/>
+              </a:schemeClr>
+            </a:lnRef>
+            <a:fillRef idx="1">
+              <a:schemeClr val="accent1"/>
+            </a:fillRef>
+            <a:effectRef idx="0">
+              <a:schemeClr val="accent1"/>
+            </a:effectRef>
+            <a:fontRef idx="minor">
+              <a:schemeClr val="lt1"/>
+            </a:fontRef>
+          </p:style>
+          <p:txBody>
+            <a:bodyPr rtlCol="0" anchor="ctr"/>
+            <a:lstStyle/>
+            <a:p>
+              <a:pPr algn="ctr"/>
+              <a:r>
+                <a:rPr lang="en-US" altLang="ko-KR" sz="1100" dirty="0" smtClean="0">
+                  <a:solidFill>
+                    <a:schemeClr val="bg1"/>
+                  </a:solidFill>
+                </a:rPr>
+                <a:t>Local Working Directory</a:t>
+              </a:r>
+              <a:endParaRPr lang="ko-KR" altLang="en-US" sz="1100" dirty="0">
+                <a:solidFill>
+                  <a:schemeClr val="bg1"/>
+                </a:solidFill>
+              </a:endParaRPr>
+            </a:p>
+          </p:txBody>
+        </p:sp>
+        <p:sp>
+          <p:nvSpPr>
+            <p:cNvPr id="29" name="모서리가 둥근 직사각형 28"/>
+            <p:cNvSpPr/>
+            <p:nvPr/>
+          </p:nvSpPr>
+          <p:spPr>
+            <a:xfrm>
+              <a:off x="8976325" y="3379626"/>
+              <a:ext cx="2041312" cy="676800"/>
+            </a:xfrm>
+            <a:prstGeom prst="roundRect">
+              <a:avLst/>
+            </a:prstGeom>
+            <a:solidFill>
+              <a:schemeClr val="accent4">
+                <a:lumMod val="60000"/>
+                <a:lumOff val="40000"/>
+              </a:schemeClr>
+            </a:solidFill>
+            <a:ln w="28575">
+              <a:solidFill>
+                <a:schemeClr val="accent4">
+                  <a:lumMod val="75000"/>
+                </a:schemeClr>
+              </a:solidFill>
+            </a:ln>
+          </p:spPr>
+          <p:style>
+            <a:lnRef idx="2">
+              <a:schemeClr val="accent1">
+                <a:shade val="50000"/>
+              </a:schemeClr>
+            </a:lnRef>
+            <a:fillRef idx="1">
+              <a:schemeClr val="accent1"/>
+            </a:fillRef>
+            <a:effectRef idx="0">
+              <a:schemeClr val="accent1"/>
+            </a:effectRef>
+            <a:fontRef idx="minor">
+              <a:schemeClr val="lt1"/>
+            </a:fontRef>
+          </p:style>
+          <p:txBody>
+            <a:bodyPr rtlCol="0" anchor="ctr"/>
+            <a:lstStyle/>
+            <a:p>
+              <a:pPr algn="ctr"/>
+              <a:r>
+                <a:rPr lang="en-US" altLang="ko-KR" sz="1100" dirty="0" smtClean="0">
+                  <a:solidFill>
+                    <a:schemeClr val="tx1"/>
+                  </a:solidFill>
+                </a:rPr>
+                <a:t>Version Control Service</a:t>
+              </a:r>
+            </a:p>
+            <a:p>
+              <a:pPr algn="ctr"/>
+              <a:r>
+                <a:rPr lang="en-US" altLang="ko-KR" sz="1100" dirty="0" smtClean="0">
+                  <a:solidFill>
+                    <a:schemeClr val="tx1"/>
+                  </a:solidFill>
+                </a:rPr>
+                <a:t>(</a:t>
+              </a:r>
+              <a:r>
+                <a:rPr lang="en-US" altLang="ko-KR" sz="1100" dirty="0" err="1" smtClean="0">
+                  <a:solidFill>
+                    <a:schemeClr val="tx1"/>
+                  </a:solidFill>
+                </a:rPr>
+                <a:t>Git</a:t>
+              </a:r>
+              <a:r>
+                <a:rPr lang="en-US" altLang="ko-KR" sz="1100" dirty="0" smtClean="0">
+                  <a:solidFill>
+                    <a:schemeClr val="tx1"/>
+                  </a:solidFill>
+                </a:rPr>
+                <a:t>)</a:t>
+              </a:r>
+              <a:endParaRPr lang="ko-KR" altLang="en-US" sz="1100" dirty="0">
+                <a:solidFill>
+                  <a:schemeClr val="tx1"/>
+                </a:solidFill>
+              </a:endParaRPr>
+            </a:p>
+          </p:txBody>
+        </p:sp>
+        <p:sp>
+          <p:nvSpPr>
+            <p:cNvPr id="32" name="모서리가 둥근 직사각형 31"/>
+            <p:cNvSpPr/>
+            <p:nvPr/>
+          </p:nvSpPr>
+          <p:spPr>
+            <a:xfrm>
+              <a:off x="5144079" y="1843349"/>
+              <a:ext cx="482969" cy="770822"/>
+            </a:xfrm>
+            <a:prstGeom prst="roundRect">
+              <a:avLst/>
+            </a:prstGeom>
+            <a:solidFill>
+              <a:schemeClr val="accent3">
+                <a:lumMod val="40000"/>
+                <a:lumOff val="60000"/>
+                <a:alpha val="30000"/>
+              </a:schemeClr>
+            </a:solidFill>
+            <a:ln>
+              <a:noFill/>
+            </a:ln>
+          </p:spPr>
+          <p:style>
+            <a:lnRef idx="2">
+              <a:schemeClr val="accent1">
+                <a:shade val="50000"/>
+              </a:schemeClr>
+            </a:lnRef>
+            <a:fillRef idx="1">
+              <a:schemeClr val="accent1"/>
+            </a:fillRef>
+            <a:effectRef idx="0">
+              <a:schemeClr val="accent1"/>
+            </a:effectRef>
+            <a:fontRef idx="minor">
+              <a:schemeClr val="lt1"/>
+            </a:fontRef>
+          </p:style>
+          <p:txBody>
+            <a:bodyPr rtlCol="0" anchor="ctr"/>
+            <a:lstStyle/>
+            <a:p>
+              <a:pPr algn="ctr"/>
+              <a:r>
+                <a:rPr lang="en-US" altLang="ko-KR" sz="700" dirty="0" smtClean="0">
+                  <a:solidFill>
+                    <a:schemeClr val="tx1">
+                      <a:alpha val="20000"/>
+                    </a:schemeClr>
+                  </a:solidFill>
+                </a:rPr>
+                <a:t>VCS</a:t>
+              </a:r>
+              <a:endParaRPr lang="ko-KR" altLang="en-US" sz="700" dirty="0">
+                <a:solidFill>
+                  <a:schemeClr val="tx1">
+                    <a:alpha val="20000"/>
+                  </a:schemeClr>
+                </a:solidFill>
+              </a:endParaRPr>
+            </a:p>
+          </p:txBody>
+        </p:sp>
+        <p:sp>
+          <p:nvSpPr>
+            <p:cNvPr id="33" name="모서리가 둥근 직사각형 32"/>
+            <p:cNvSpPr/>
+            <p:nvPr/>
+          </p:nvSpPr>
+          <p:spPr>
+            <a:xfrm>
+              <a:off x="6216559" y="1835281"/>
+              <a:ext cx="482969" cy="770400"/>
+            </a:xfrm>
+            <a:prstGeom prst="roundRect">
+              <a:avLst/>
+            </a:prstGeom>
+            <a:solidFill>
+              <a:schemeClr val="accent3">
+                <a:lumMod val="40000"/>
+                <a:lumOff val="60000"/>
+                <a:alpha val="30000"/>
+              </a:schemeClr>
+            </a:solidFill>
+            <a:ln>
+              <a:noFill/>
+            </a:ln>
+          </p:spPr>
+          <p:style>
+            <a:lnRef idx="2">
+              <a:schemeClr val="accent1">
+                <a:shade val="50000"/>
+              </a:schemeClr>
+            </a:lnRef>
+            <a:fillRef idx="1">
+              <a:schemeClr val="accent1"/>
+            </a:fillRef>
+            <a:effectRef idx="0">
+              <a:schemeClr val="accent1"/>
+            </a:effectRef>
+            <a:fontRef idx="minor">
+              <a:schemeClr val="lt1"/>
+            </a:fontRef>
+          </p:style>
+          <p:txBody>
+            <a:bodyPr rtlCol="0" anchor="ctr"/>
+            <a:lstStyle/>
+            <a:p>
+              <a:pPr algn="ctr"/>
+              <a:r>
+                <a:rPr lang="en-US" altLang="ko-KR" sz="700" dirty="0" smtClean="0">
+                  <a:solidFill>
+                    <a:schemeClr val="tx1">
+                      <a:alpha val="20000"/>
+                    </a:schemeClr>
+                  </a:solidFill>
+                </a:rPr>
+                <a:t>KUBE</a:t>
+              </a:r>
+              <a:endParaRPr lang="ko-KR" altLang="en-US" sz="700" dirty="0">
+                <a:solidFill>
+                  <a:schemeClr val="tx1">
+                    <a:alpha val="20000"/>
+                  </a:schemeClr>
+                </a:solidFill>
+              </a:endParaRPr>
+            </a:p>
+          </p:txBody>
+        </p:sp>
+        <p:sp>
+          <p:nvSpPr>
+            <p:cNvPr id="34" name="모서리가 둥근 직사각형 33"/>
+            <p:cNvSpPr/>
+            <p:nvPr/>
+          </p:nvSpPr>
+          <p:spPr>
+            <a:xfrm>
+              <a:off x="5680319" y="1837298"/>
+              <a:ext cx="482969" cy="770400"/>
+            </a:xfrm>
+            <a:prstGeom prst="roundRect">
+              <a:avLst/>
+            </a:prstGeom>
+            <a:solidFill>
+              <a:schemeClr val="accent3">
+                <a:lumMod val="40000"/>
+                <a:lumOff val="60000"/>
+                <a:alpha val="30000"/>
+              </a:schemeClr>
+            </a:solidFill>
+            <a:ln>
+              <a:noFill/>
+            </a:ln>
+          </p:spPr>
+          <p:style>
+            <a:lnRef idx="2">
+              <a:schemeClr val="accent1">
+                <a:shade val="50000"/>
+              </a:schemeClr>
+            </a:lnRef>
+            <a:fillRef idx="1">
+              <a:schemeClr val="accent1"/>
+            </a:fillRef>
+            <a:effectRef idx="0">
+              <a:schemeClr val="accent1"/>
+            </a:effectRef>
+            <a:fontRef idx="minor">
+              <a:schemeClr val="lt1"/>
+            </a:fontRef>
+          </p:style>
+          <p:txBody>
+            <a:bodyPr rtlCol="0" anchor="ctr"/>
+            <a:lstStyle/>
+            <a:p>
+              <a:pPr algn="ctr"/>
+              <a:r>
+                <a:rPr lang="en-US" altLang="ko-KR" sz="700" dirty="0" smtClean="0">
+                  <a:solidFill>
+                    <a:schemeClr val="tx1">
+                      <a:alpha val="20000"/>
+                    </a:schemeClr>
+                  </a:solidFill>
+                </a:rPr>
+                <a:t>VCS</a:t>
+              </a:r>
+              <a:endParaRPr lang="ko-KR" altLang="en-US" sz="700" dirty="0">
+                <a:solidFill>
+                  <a:schemeClr val="tx1">
+                    <a:alpha val="20000"/>
+                  </a:schemeClr>
+                </a:solidFill>
+              </a:endParaRPr>
+            </a:p>
+          </p:txBody>
+        </p:sp>
+        <p:sp>
+          <p:nvSpPr>
+            <p:cNvPr id="35" name="모서리가 둥근 직사각형 34"/>
+            <p:cNvSpPr/>
+            <p:nvPr/>
+          </p:nvSpPr>
+          <p:spPr>
+            <a:xfrm>
+              <a:off x="4607839" y="1845789"/>
+              <a:ext cx="482969" cy="770400"/>
+            </a:xfrm>
+            <a:prstGeom prst="roundRect">
+              <a:avLst/>
+            </a:prstGeom>
+            <a:solidFill>
+              <a:schemeClr val="accent3">
+                <a:lumMod val="40000"/>
+                <a:lumOff val="60000"/>
+                <a:alpha val="30000"/>
+              </a:schemeClr>
+            </a:solidFill>
+            <a:ln>
+              <a:noFill/>
+            </a:ln>
+          </p:spPr>
+          <p:style>
+            <a:lnRef idx="2">
+              <a:schemeClr val="accent1">
+                <a:shade val="50000"/>
+              </a:schemeClr>
+            </a:lnRef>
+            <a:fillRef idx="1">
+              <a:schemeClr val="accent1"/>
+            </a:fillRef>
+            <a:effectRef idx="0">
+              <a:schemeClr val="accent1"/>
+            </a:effectRef>
+            <a:fontRef idx="minor">
+              <a:schemeClr val="lt1"/>
+            </a:fontRef>
+          </p:style>
+          <p:txBody>
+            <a:bodyPr rtlCol="0" anchor="ctr"/>
+            <a:lstStyle/>
+            <a:p>
+              <a:pPr algn="ctr"/>
+              <a:r>
+                <a:rPr lang="en-US" altLang="ko-KR" sz="700" dirty="0" smtClean="0">
+                  <a:solidFill>
+                    <a:schemeClr val="tx1">
+                      <a:alpha val="20000"/>
+                    </a:schemeClr>
+                  </a:solidFill>
+                </a:rPr>
+                <a:t>KUBE</a:t>
+              </a:r>
+              <a:endParaRPr lang="ko-KR" altLang="en-US" sz="700" dirty="0">
+                <a:solidFill>
+                  <a:schemeClr val="tx1">
+                    <a:alpha val="20000"/>
+                  </a:schemeClr>
+                </a:solidFill>
+              </a:endParaRPr>
+            </a:p>
+          </p:txBody>
+        </p:sp>
+        <p:sp>
+          <p:nvSpPr>
+            <p:cNvPr id="36" name="모서리가 둥근 직사각형 35"/>
+            <p:cNvSpPr/>
+            <p:nvPr/>
+          </p:nvSpPr>
+          <p:spPr>
+            <a:xfrm>
+              <a:off x="4071599" y="1839315"/>
+              <a:ext cx="482969" cy="770400"/>
+            </a:xfrm>
+            <a:prstGeom prst="roundRect">
+              <a:avLst/>
+            </a:prstGeom>
+            <a:solidFill>
+              <a:schemeClr val="accent3">
+                <a:lumMod val="40000"/>
+                <a:lumOff val="60000"/>
+                <a:alpha val="30000"/>
+              </a:schemeClr>
+            </a:solidFill>
+            <a:ln>
+              <a:noFill/>
+            </a:ln>
+          </p:spPr>
+          <p:style>
+            <a:lnRef idx="2">
+              <a:schemeClr val="accent1">
+                <a:shade val="50000"/>
+              </a:schemeClr>
+            </a:lnRef>
+            <a:fillRef idx="1">
+              <a:schemeClr val="accent1"/>
+            </a:fillRef>
+            <a:effectRef idx="0">
+              <a:schemeClr val="accent1"/>
+            </a:effectRef>
+            <a:fontRef idx="minor">
+              <a:schemeClr val="lt1"/>
+            </a:fontRef>
+          </p:style>
+          <p:txBody>
+            <a:bodyPr rtlCol="0" anchor="ctr"/>
+            <a:lstStyle/>
+            <a:p>
+              <a:pPr algn="ctr"/>
+              <a:r>
+                <a:rPr lang="en-US" altLang="ko-KR" sz="700" dirty="0" smtClean="0">
+                  <a:solidFill>
+                    <a:schemeClr val="tx1">
+                      <a:alpha val="20000"/>
+                    </a:schemeClr>
+                  </a:solidFill>
+                </a:rPr>
+                <a:t>ERR</a:t>
+              </a:r>
+              <a:endParaRPr lang="ko-KR" altLang="en-US" sz="700" dirty="0">
+                <a:solidFill>
+                  <a:schemeClr val="tx1">
+                    <a:alpha val="20000"/>
+                  </a:schemeClr>
+                </a:solidFill>
+              </a:endParaRPr>
+            </a:p>
+          </p:txBody>
+        </p:sp>
+        <p:sp>
+          <p:nvSpPr>
+            <p:cNvPr id="37" name="모서리가 둥근 직사각형 36"/>
+            <p:cNvSpPr/>
+            <p:nvPr/>
+          </p:nvSpPr>
+          <p:spPr>
+            <a:xfrm>
+              <a:off x="6752797" y="1841332"/>
+              <a:ext cx="482969" cy="770400"/>
+            </a:xfrm>
+            <a:prstGeom prst="roundRect">
+              <a:avLst/>
+            </a:prstGeom>
+            <a:solidFill>
+              <a:schemeClr val="accent3">
+                <a:lumMod val="40000"/>
+                <a:lumOff val="60000"/>
+                <a:alpha val="30000"/>
+              </a:schemeClr>
+            </a:solidFill>
+            <a:ln>
+              <a:noFill/>
+            </a:ln>
+          </p:spPr>
+          <p:style>
+            <a:lnRef idx="2">
+              <a:schemeClr val="accent1">
+                <a:shade val="50000"/>
+              </a:schemeClr>
+            </a:lnRef>
+            <a:fillRef idx="1">
+              <a:schemeClr val="accent1"/>
+            </a:fillRef>
+            <a:effectRef idx="0">
+              <a:schemeClr val="accent1"/>
+            </a:effectRef>
+            <a:fontRef idx="minor">
+              <a:schemeClr val="lt1"/>
+            </a:fontRef>
+          </p:style>
+          <p:txBody>
+            <a:bodyPr rtlCol="0" anchor="ctr"/>
+            <a:lstStyle/>
+            <a:p>
+              <a:pPr algn="ctr"/>
+              <a:r>
+                <a:rPr lang="en-US" altLang="ko-KR" sz="700" dirty="0" smtClean="0">
+                  <a:solidFill>
+                    <a:schemeClr val="tx1">
+                      <a:alpha val="20000"/>
+                    </a:schemeClr>
+                  </a:solidFill>
+                </a:rPr>
+                <a:t>ERR</a:t>
+              </a:r>
+              <a:endParaRPr lang="ko-KR" altLang="en-US" sz="700" dirty="0">
+                <a:solidFill>
+                  <a:schemeClr val="tx1">
+                    <a:alpha val="20000"/>
+                  </a:schemeClr>
+                </a:solidFill>
+              </a:endParaRPr>
+            </a:p>
+          </p:txBody>
+        </p:sp>
+        <p:sp>
+          <p:nvSpPr>
+            <p:cNvPr id="40" name="모서리가 둥근 직사각형 39"/>
+            <p:cNvSpPr/>
+            <p:nvPr/>
+          </p:nvSpPr>
+          <p:spPr>
+            <a:xfrm>
+              <a:off x="3444436" y="977227"/>
+              <a:ext cx="4404220" cy="2629382"/>
+            </a:xfrm>
+            <a:prstGeom prst="roundRect">
+              <a:avLst/>
+            </a:prstGeom>
+            <a:noFill/>
+            <a:ln w="28575">
+              <a:solidFill>
+                <a:srgbClr val="767171"/>
+              </a:solidFill>
+            </a:ln>
+          </p:spPr>
+          <p:style>
+            <a:lnRef idx="2">
+              <a:schemeClr val="accent1">
+                <a:shade val="50000"/>
+              </a:schemeClr>
+            </a:lnRef>
+            <a:fillRef idx="1">
+              <a:schemeClr val="accent1"/>
+            </a:fillRef>
+            <a:effectRef idx="0">
+              <a:schemeClr val="accent1"/>
+            </a:effectRef>
+            <a:fontRef idx="minor">
+              <a:schemeClr val="lt1"/>
+            </a:fontRef>
+          </p:style>
+          <p:txBody>
+            <a:bodyPr rtlCol="0" anchor="ctr"/>
+            <a:lstStyle/>
+            <a:p>
+              <a:pPr algn="ctr"/>
+              <a:endParaRPr lang="ko-KR" altLang="en-US"/>
+            </a:p>
+          </p:txBody>
+        </p:sp>
+        <p:cxnSp>
+          <p:nvCxnSpPr>
+            <p:cNvPr id="45" name="직선 화살표 연결선 44"/>
+            <p:cNvCxnSpPr>
+              <a:stCxn id="73" idx="3"/>
+              <a:endCxn id="47" idx="1"/>
+            </p:cNvCxnSpPr>
+            <p:nvPr/>
+          </p:nvCxnSpPr>
+          <p:spPr>
+            <a:xfrm flipV="1">
+              <a:off x="2028839" y="2220481"/>
+              <a:ext cx="664490" cy="8279"/>
+            </a:xfrm>
+            <a:prstGeom prst="straightConnector1">
+              <a:avLst/>
+            </a:prstGeom>
+            <a:ln w="28575">
+              <a:solidFill>
+                <a:srgbClr val="4886BF"/>
+              </a:solidFill>
+              <a:tailEnd type="triangle"/>
+            </a:ln>
+          </p:spPr>
+          <p:style>
+            <a:lnRef idx="1">
+              <a:schemeClr val="accent1"/>
+            </a:lnRef>
+            <a:fillRef idx="0">
+              <a:schemeClr val="accent1"/>
+            </a:fillRef>
+            <a:effectRef idx="0">
+              <a:schemeClr val="accent1"/>
+            </a:effectRef>
+            <a:fontRef idx="minor">
+              <a:schemeClr val="tx1"/>
+            </a:fontRef>
+          </p:style>
+        </p:cxnSp>
+        <p:sp>
+          <p:nvSpPr>
+            <p:cNvPr id="46" name="모서리가 둥근 직사각형 45"/>
+            <p:cNvSpPr/>
+            <p:nvPr/>
+          </p:nvSpPr>
+          <p:spPr>
+            <a:xfrm>
+              <a:off x="4747671" y="3483512"/>
+              <a:ext cx="1812022" cy="501505"/>
+            </a:xfrm>
+            <a:prstGeom prst="roundRect">
+              <a:avLst/>
+            </a:prstGeom>
+            <a:solidFill>
+              <a:schemeClr val="bg2">
+                <a:lumMod val="50000"/>
+              </a:schemeClr>
+            </a:solidFill>
+            <a:ln>
+              <a:solidFill>
+                <a:schemeClr val="bg2">
+                  <a:lumMod val="50000"/>
+                </a:schemeClr>
+              </a:solidFill>
+            </a:ln>
+          </p:spPr>
+          <p:style>
+            <a:lnRef idx="2">
+              <a:schemeClr val="accent1">
+                <a:shade val="50000"/>
+              </a:schemeClr>
+            </a:lnRef>
+            <a:fillRef idx="1">
+              <a:schemeClr val="accent1"/>
+            </a:fillRef>
+            <a:effectRef idx="0">
+              <a:schemeClr val="accent1"/>
+            </a:effectRef>
+            <a:fontRef idx="minor">
+              <a:schemeClr val="lt1"/>
+            </a:fontRef>
+          </p:style>
+          <p:txBody>
+            <a:bodyPr rtlCol="0" anchor="ctr"/>
+            <a:lstStyle/>
+            <a:p>
+              <a:pPr algn="ctr"/>
+              <a:r>
+                <a:rPr lang="en-US" altLang="ko-KR" sz="1200" dirty="0" smtClean="0">
+                  <a:latin typeface="Noto Sans KR" panose="020B0200000000000000" pitchFamily="50" charset="-127"/>
+                  <a:ea typeface="Noto Sans KR" panose="020B0200000000000000" pitchFamily="50" charset="-127"/>
+                </a:rPr>
+                <a:t>Testbed API</a:t>
+              </a:r>
+              <a:endParaRPr lang="ko-KR" altLang="en-US" sz="1200" dirty="0">
+                <a:latin typeface="Noto Sans KR" panose="020B0200000000000000" pitchFamily="50" charset="-127"/>
+                <a:ea typeface="Noto Sans KR" panose="020B0200000000000000" pitchFamily="50" charset="-127"/>
+              </a:endParaRPr>
+            </a:p>
+          </p:txBody>
+        </p:sp>
+        <p:sp>
+          <p:nvSpPr>
+            <p:cNvPr id="47" name="모서리가 둥근 직사각형 46"/>
+            <p:cNvSpPr/>
+            <p:nvPr/>
+          </p:nvSpPr>
+          <p:spPr>
+            <a:xfrm>
+              <a:off x="2693329" y="2037628"/>
+              <a:ext cx="901090" cy="365706"/>
+            </a:xfrm>
+            <a:prstGeom prst="roundRect">
+              <a:avLst/>
+            </a:prstGeom>
+            <a:solidFill>
+              <a:schemeClr val="accent3">
+                <a:lumMod val="40000"/>
+                <a:lumOff val="60000"/>
+              </a:schemeClr>
+            </a:solidFill>
+            <a:ln>
+              <a:noFill/>
+            </a:ln>
+          </p:spPr>
+          <p:style>
+            <a:lnRef idx="2">
+              <a:schemeClr val="accent1">
+                <a:shade val="50000"/>
+              </a:schemeClr>
+            </a:lnRef>
+            <a:fillRef idx="1">
+              <a:schemeClr val="accent1"/>
+            </a:fillRef>
+            <a:effectRef idx="0">
+              <a:schemeClr val="accent1"/>
+            </a:effectRef>
+            <a:fontRef idx="minor">
+              <a:schemeClr val="lt1"/>
+            </a:fontRef>
+          </p:style>
+          <p:txBody>
+            <a:bodyPr rtlCol="0" anchor="ctr"/>
+            <a:lstStyle/>
+            <a:p>
+              <a:pPr algn="ctr"/>
+              <a:r>
+                <a:rPr lang="en-US" altLang="ko-KR" sz="1100" dirty="0" smtClean="0">
+                  <a:solidFill>
+                    <a:schemeClr val="tx1"/>
+                  </a:solidFill>
+                </a:rPr>
+                <a:t>Gateway</a:t>
+              </a:r>
+              <a:endParaRPr lang="ko-KR" altLang="en-US" sz="1100" dirty="0">
+                <a:solidFill>
+                  <a:schemeClr val="tx1"/>
+                </a:solidFill>
+              </a:endParaRPr>
+            </a:p>
+          </p:txBody>
+        </p:sp>
+        <p:sp>
+          <p:nvSpPr>
+            <p:cNvPr id="56" name="모서리가 둥근 직사각형 55"/>
+            <p:cNvSpPr/>
+            <p:nvPr/>
+          </p:nvSpPr>
+          <p:spPr>
+            <a:xfrm>
+              <a:off x="6426196" y="1156744"/>
+              <a:ext cx="1263600" cy="365706"/>
+            </a:xfrm>
+            <a:prstGeom prst="roundRect">
+              <a:avLst/>
+            </a:prstGeom>
+            <a:solidFill>
+              <a:schemeClr val="accent3">
+                <a:lumMod val="40000"/>
+                <a:lumOff val="60000"/>
+              </a:schemeClr>
+            </a:solidFill>
+            <a:ln>
+              <a:noFill/>
+            </a:ln>
+          </p:spPr>
+          <p:style>
+            <a:lnRef idx="2">
+              <a:schemeClr val="accent1">
+                <a:shade val="50000"/>
+              </a:schemeClr>
+            </a:lnRef>
+            <a:fillRef idx="1">
+              <a:schemeClr val="accent1"/>
+            </a:fillRef>
+            <a:effectRef idx="0">
+              <a:schemeClr val="accent1"/>
+            </a:effectRef>
+            <a:fontRef idx="minor">
+              <a:schemeClr val="lt1"/>
+            </a:fontRef>
+          </p:style>
+          <p:txBody>
+            <a:bodyPr rtlCol="0" anchor="ctr"/>
+            <a:lstStyle/>
+            <a:p>
+              <a:pPr algn="ctr"/>
+              <a:r>
+                <a:rPr lang="en-US" altLang="ko-KR" sz="1050" dirty="0" smtClean="0">
+                  <a:solidFill>
+                    <a:schemeClr val="tx1"/>
+                  </a:solidFill>
+                </a:rPr>
+                <a:t>Kubernetes</a:t>
+              </a:r>
+            </a:p>
+            <a:p>
+              <a:pPr algn="ctr"/>
+              <a:r>
+                <a:rPr lang="en-US" altLang="ko-KR" sz="1050" dirty="0" smtClean="0">
+                  <a:solidFill>
+                    <a:schemeClr val="tx1"/>
+                  </a:solidFill>
+                </a:rPr>
+                <a:t>Service</a:t>
+              </a:r>
+              <a:endParaRPr lang="ko-KR" altLang="en-US" sz="1050" dirty="0">
+                <a:solidFill>
+                  <a:schemeClr val="tx1"/>
+                </a:solidFill>
+              </a:endParaRPr>
+            </a:p>
+          </p:txBody>
+        </p:sp>
+        <p:sp>
+          <p:nvSpPr>
+            <p:cNvPr id="57" name="모서리가 둥근 직사각형 56"/>
+            <p:cNvSpPr/>
+            <p:nvPr/>
+          </p:nvSpPr>
+          <p:spPr>
+            <a:xfrm>
+              <a:off x="6417807" y="2929770"/>
+              <a:ext cx="1263600" cy="365706"/>
+            </a:xfrm>
+            <a:prstGeom prst="roundRect">
+              <a:avLst/>
+            </a:prstGeom>
+            <a:solidFill>
+              <a:schemeClr val="accent3">
+                <a:lumMod val="40000"/>
+                <a:lumOff val="60000"/>
+              </a:schemeClr>
+            </a:solidFill>
+            <a:ln>
+              <a:noFill/>
+            </a:ln>
+          </p:spPr>
+          <p:style>
+            <a:lnRef idx="2">
+              <a:schemeClr val="accent1">
+                <a:shade val="50000"/>
+              </a:schemeClr>
+            </a:lnRef>
+            <a:fillRef idx="1">
+              <a:schemeClr val="accent1"/>
+            </a:fillRef>
+            <a:effectRef idx="0">
+              <a:schemeClr val="accent1"/>
+            </a:effectRef>
+            <a:fontRef idx="minor">
+              <a:schemeClr val="lt1"/>
+            </a:fontRef>
+          </p:style>
+          <p:txBody>
+            <a:bodyPr rtlCol="0" anchor="ctr"/>
+            <a:lstStyle/>
+            <a:p>
+              <a:pPr algn="ctr"/>
+              <a:r>
+                <a:rPr lang="en-US" altLang="ko-KR" sz="1050" dirty="0" smtClean="0">
+                  <a:solidFill>
+                    <a:schemeClr val="tx1"/>
+                  </a:solidFill>
+                </a:rPr>
+                <a:t>VCS</a:t>
+              </a:r>
+            </a:p>
+            <a:p>
+              <a:pPr algn="ctr"/>
+              <a:r>
+                <a:rPr lang="en-US" altLang="ko-KR" sz="1050" dirty="0" smtClean="0">
+                  <a:solidFill>
+                    <a:schemeClr val="tx1"/>
+                  </a:solidFill>
+                </a:rPr>
+                <a:t>Service</a:t>
+              </a:r>
+              <a:endParaRPr lang="ko-KR" altLang="en-US" sz="1050" dirty="0">
+                <a:solidFill>
+                  <a:schemeClr val="tx1"/>
+                </a:solidFill>
+              </a:endParaRPr>
+            </a:p>
+          </p:txBody>
+        </p:sp>
+        <p:sp>
+          <p:nvSpPr>
+            <p:cNvPr id="61" name="모서리가 둥근 직사각형 60"/>
+            <p:cNvSpPr/>
+            <p:nvPr/>
+          </p:nvSpPr>
+          <p:spPr>
+            <a:xfrm>
+              <a:off x="3980079" y="1773919"/>
+              <a:ext cx="3347207" cy="914141"/>
+            </a:xfrm>
+            <a:prstGeom prst="roundRect">
+              <a:avLst/>
+            </a:prstGeom>
+            <a:noFill/>
+            <a:ln w="38100">
+              <a:solidFill>
+                <a:schemeClr val="tx1"/>
+              </a:solidFill>
+              <a:prstDash val="sysDash"/>
+            </a:ln>
+          </p:spPr>
+          <p:style>
+            <a:lnRef idx="2">
+              <a:schemeClr val="accent1">
+                <a:shade val="50000"/>
+              </a:schemeClr>
+            </a:lnRef>
+            <a:fillRef idx="1">
+              <a:schemeClr val="accent1"/>
+            </a:fillRef>
+            <a:effectRef idx="0">
+              <a:schemeClr val="accent1"/>
+            </a:effectRef>
+            <a:fontRef idx="minor">
+              <a:schemeClr val="lt1"/>
+            </a:fontRef>
+          </p:style>
+          <p:txBody>
+            <a:bodyPr rtlCol="0" anchor="t"/>
+            <a:lstStyle/>
+            <a:p>
+              <a:pPr algn="ctr"/>
+              <a:r>
+                <a:rPr lang="en-US" altLang="ko-KR" sz="1050" dirty="0" smtClean="0">
+                  <a:solidFill>
+                    <a:sysClr val="windowText" lastClr="000000"/>
+                  </a:solidFill>
+                </a:rPr>
+                <a:t>Message Queue</a:t>
+              </a:r>
+              <a:endParaRPr lang="ko-KR" altLang="en-US" sz="1050" dirty="0">
+                <a:solidFill>
+                  <a:sysClr val="windowText" lastClr="000000"/>
+                </a:solidFill>
+              </a:endParaRPr>
+            </a:p>
+          </p:txBody>
+        </p:sp>
+        <p:sp>
+          <p:nvSpPr>
+            <p:cNvPr id="62" name="모서리가 둥근 직사각형 61"/>
+            <p:cNvSpPr/>
+            <p:nvPr/>
+          </p:nvSpPr>
+          <p:spPr>
+            <a:xfrm>
+              <a:off x="3612372" y="1156743"/>
+              <a:ext cx="1263600" cy="365706"/>
+            </a:xfrm>
+            <a:prstGeom prst="roundRect">
+              <a:avLst/>
+            </a:prstGeom>
+            <a:solidFill>
+              <a:schemeClr val="accent3">
+                <a:lumMod val="40000"/>
+                <a:lumOff val="60000"/>
+              </a:schemeClr>
+            </a:solidFill>
+            <a:ln>
+              <a:noFill/>
+            </a:ln>
+          </p:spPr>
+          <p:style>
+            <a:lnRef idx="2">
+              <a:schemeClr val="accent1">
+                <a:shade val="50000"/>
+              </a:schemeClr>
+            </a:lnRef>
+            <a:fillRef idx="1">
+              <a:schemeClr val="accent1"/>
+            </a:fillRef>
+            <a:effectRef idx="0">
+              <a:schemeClr val="accent1"/>
+            </a:effectRef>
+            <a:fontRef idx="minor">
+              <a:schemeClr val="lt1"/>
+            </a:fontRef>
+          </p:style>
+          <p:txBody>
+            <a:bodyPr rtlCol="0" anchor="ctr"/>
+            <a:lstStyle/>
+            <a:p>
+              <a:pPr algn="ctr"/>
+              <a:r>
+                <a:rPr lang="en-US" altLang="ko-KR" sz="1050" dirty="0" smtClean="0">
+                  <a:solidFill>
+                    <a:schemeClr val="tx1"/>
+                  </a:solidFill>
+                </a:rPr>
+                <a:t>Error</a:t>
+              </a:r>
+            </a:p>
+            <a:p>
+              <a:pPr algn="ctr"/>
+              <a:r>
+                <a:rPr lang="en-US" altLang="ko-KR" sz="1050" dirty="0" smtClean="0">
+                  <a:solidFill>
+                    <a:schemeClr val="tx1"/>
+                  </a:solidFill>
+                </a:rPr>
+                <a:t>Service</a:t>
+              </a:r>
+              <a:endParaRPr lang="ko-KR" altLang="en-US" sz="1050" dirty="0">
+                <a:solidFill>
+                  <a:schemeClr val="tx1"/>
+                </a:solidFill>
+              </a:endParaRPr>
+            </a:p>
+          </p:txBody>
+        </p:sp>
+        <p:cxnSp>
+          <p:nvCxnSpPr>
+            <p:cNvPr id="63" name="꺾인 연결선 62"/>
+            <p:cNvCxnSpPr>
+              <a:stCxn id="62" idx="3"/>
+              <a:endCxn id="61" idx="0"/>
+            </p:cNvCxnSpPr>
+            <p:nvPr/>
+          </p:nvCxnSpPr>
+          <p:spPr>
+            <a:xfrm>
+              <a:off x="4875972" y="1339596"/>
+              <a:ext cx="777711" cy="434323"/>
+            </a:xfrm>
+            <a:prstGeom prst="bentConnector2">
+              <a:avLst/>
+            </a:prstGeom>
+            <a:ln w="28575">
+              <a:solidFill>
+                <a:schemeClr val="tx1"/>
+              </a:solidFill>
+              <a:headEnd type="triangle"/>
+              <a:tailEnd type="triangle"/>
+            </a:ln>
+          </p:spPr>
+          <p:style>
+            <a:lnRef idx="1">
+              <a:schemeClr val="accent1"/>
+            </a:lnRef>
+            <a:fillRef idx="0">
+              <a:schemeClr val="accent1"/>
+            </a:fillRef>
+            <a:effectRef idx="0">
+              <a:schemeClr val="accent1"/>
+            </a:effectRef>
+            <a:fontRef idx="minor">
+              <a:schemeClr val="tx1"/>
+            </a:fontRef>
+          </p:style>
+        </p:cxnSp>
+        <p:cxnSp>
+          <p:nvCxnSpPr>
+            <p:cNvPr id="64" name="꺾인 연결선 63"/>
+            <p:cNvCxnSpPr>
+              <a:stCxn id="56" idx="1"/>
+              <a:endCxn id="61" idx="0"/>
+            </p:cNvCxnSpPr>
+            <p:nvPr/>
+          </p:nvCxnSpPr>
+          <p:spPr>
+            <a:xfrm rot="10800000" flipV="1">
+              <a:off x="5653684" y="1339597"/>
+              <a:ext cx="772513" cy="434322"/>
+            </a:xfrm>
+            <a:prstGeom prst="bentConnector2">
+              <a:avLst/>
+            </a:prstGeom>
+            <a:ln w="28575">
+              <a:solidFill>
+                <a:schemeClr val="tx1"/>
+              </a:solidFill>
+              <a:headEnd type="triangle"/>
+              <a:tailEnd type="triangle"/>
+            </a:ln>
+          </p:spPr>
+          <p:style>
+            <a:lnRef idx="1">
+              <a:schemeClr val="accent1"/>
+            </a:lnRef>
+            <a:fillRef idx="0">
+              <a:schemeClr val="accent1"/>
+            </a:fillRef>
+            <a:effectRef idx="0">
+              <a:schemeClr val="accent1"/>
+            </a:effectRef>
+            <a:fontRef idx="minor">
+              <a:schemeClr val="tx1"/>
+            </a:fontRef>
+          </p:style>
+        </p:cxnSp>
+        <p:cxnSp>
+          <p:nvCxnSpPr>
+            <p:cNvPr id="68" name="꺾인 연결선 67"/>
+            <p:cNvCxnSpPr>
+              <a:stCxn id="61" idx="2"/>
+              <a:endCxn id="57" idx="1"/>
+            </p:cNvCxnSpPr>
+            <p:nvPr/>
+          </p:nvCxnSpPr>
+          <p:spPr>
+            <a:xfrm rot="16200000" flipH="1">
+              <a:off x="5823464" y="2518279"/>
+              <a:ext cx="424563" cy="764124"/>
+            </a:xfrm>
+            <a:prstGeom prst="bentConnector2">
+              <a:avLst/>
+            </a:prstGeom>
+            <a:ln w="28575">
+              <a:solidFill>
+                <a:schemeClr val="tx1"/>
+              </a:solidFill>
+              <a:headEnd type="triangle"/>
+              <a:tailEnd type="triangle"/>
+            </a:ln>
+          </p:spPr>
+          <p:style>
+            <a:lnRef idx="1">
+              <a:schemeClr val="accent1"/>
+            </a:lnRef>
+            <a:fillRef idx="0">
+              <a:schemeClr val="accent1"/>
+            </a:fillRef>
+            <a:effectRef idx="0">
+              <a:schemeClr val="accent1"/>
+            </a:effectRef>
+            <a:fontRef idx="minor">
+              <a:schemeClr val="tx1"/>
+            </a:fontRef>
+          </p:style>
+        </p:cxnSp>
+        <p:cxnSp>
+          <p:nvCxnSpPr>
+            <p:cNvPr id="71" name="직선 화살표 연결선 70"/>
+            <p:cNvCxnSpPr>
+              <a:stCxn id="47" idx="3"/>
+              <a:endCxn id="61" idx="1"/>
+            </p:cNvCxnSpPr>
+            <p:nvPr/>
+          </p:nvCxnSpPr>
+          <p:spPr>
+            <a:xfrm>
+              <a:off x="3594419" y="2220481"/>
+              <a:ext cx="385660" cy="10509"/>
+            </a:xfrm>
+            <a:prstGeom prst="straightConnector1">
+              <a:avLst/>
+            </a:prstGeom>
+            <a:ln w="28575">
+              <a:solidFill>
+                <a:schemeClr val="tx1"/>
+              </a:solidFill>
+              <a:tailEnd type="triangle"/>
+            </a:ln>
+          </p:spPr>
+          <p:style>
+            <a:lnRef idx="1">
+              <a:schemeClr val="accent1"/>
+            </a:lnRef>
+            <a:fillRef idx="0">
+              <a:schemeClr val="accent1"/>
+            </a:fillRef>
+            <a:effectRef idx="0">
+              <a:schemeClr val="accent1"/>
+            </a:effectRef>
+            <a:fontRef idx="minor">
+              <a:schemeClr val="tx1"/>
+            </a:fontRef>
+          </p:style>
+        </p:cxnSp>
+        <p:sp>
+          <p:nvSpPr>
+            <p:cNvPr id="73" name="순서도: 처리 72"/>
+            <p:cNvSpPr/>
+            <p:nvPr/>
+          </p:nvSpPr>
+          <p:spPr>
+            <a:xfrm>
+              <a:off x="897885" y="2017681"/>
+              <a:ext cx="1130954" cy="422158"/>
+            </a:xfrm>
+            <a:prstGeom prst="flowChartProcess">
+              <a:avLst/>
+            </a:prstGeom>
+            <a:solidFill>
+              <a:srgbClr val="4886BF"/>
+            </a:solidFill>
+            <a:ln>
+              <a:noFill/>
+            </a:ln>
+          </p:spPr>
+          <p:style>
+            <a:lnRef idx="2">
+              <a:schemeClr val="accent1">
+                <a:shade val="50000"/>
+              </a:schemeClr>
+            </a:lnRef>
+            <a:fillRef idx="1">
+              <a:schemeClr val="accent1"/>
+            </a:fillRef>
+            <a:effectRef idx="0">
+              <a:schemeClr val="accent1"/>
+            </a:effectRef>
+            <a:fontRef idx="minor">
+              <a:schemeClr val="lt1"/>
+            </a:fontRef>
+          </p:style>
+          <p:txBody>
+            <a:bodyPr rtlCol="0" anchor="ctr"/>
+            <a:lstStyle/>
+            <a:p>
+              <a:pPr algn="ctr"/>
+              <a:r>
+                <a:rPr lang="en-US" altLang="ko-KR" sz="1100" dirty="0" smtClean="0">
+                  <a:latin typeface="Noto Sans KR" panose="020B0200000000000000" pitchFamily="50" charset="-127"/>
+                  <a:ea typeface="Noto Sans KR" panose="020B0200000000000000" pitchFamily="50" charset="-127"/>
+                </a:rPr>
+                <a:t>Request</a:t>
+              </a:r>
+              <a:endParaRPr lang="ko-KR" altLang="en-US" sz="1100" dirty="0">
+                <a:latin typeface="Noto Sans KR" panose="020B0200000000000000" pitchFamily="50" charset="-127"/>
+                <a:ea typeface="Noto Sans KR" panose="020B0200000000000000" pitchFamily="50" charset="-127"/>
+              </a:endParaRPr>
+            </a:p>
+          </p:txBody>
+        </p:sp>
+        <p:cxnSp>
+          <p:nvCxnSpPr>
+            <p:cNvPr id="9" name="꺾인 연결선 8"/>
+            <p:cNvCxnSpPr>
+              <a:stCxn id="57" idx="3"/>
+              <a:endCxn id="52" idx="2"/>
+            </p:cNvCxnSpPr>
+            <p:nvPr/>
+          </p:nvCxnSpPr>
+          <p:spPr>
+            <a:xfrm flipV="1">
+              <a:off x="7681407" y="2558881"/>
+              <a:ext cx="2119964" cy="553742"/>
+            </a:xfrm>
+            <a:prstGeom prst="bentConnector2">
+              <a:avLst/>
+            </a:prstGeom>
+            <a:ln w="28575">
+              <a:solidFill>
+                <a:schemeClr val="tx1"/>
+              </a:solidFill>
+              <a:tailEnd type="triangle"/>
+            </a:ln>
+          </p:spPr>
+          <p:style>
+            <a:lnRef idx="1">
+              <a:schemeClr val="accent1"/>
+            </a:lnRef>
+            <a:fillRef idx="0">
+              <a:schemeClr val="accent1"/>
+            </a:fillRef>
+            <a:effectRef idx="0">
+              <a:schemeClr val="accent1"/>
+            </a:effectRef>
+            <a:fontRef idx="minor">
+              <a:schemeClr val="tx1"/>
+            </a:fontRef>
+          </p:style>
+        </p:cxnSp>
+        <p:cxnSp>
+          <p:nvCxnSpPr>
+            <p:cNvPr id="12" name="꺾인 연결선 11"/>
+            <p:cNvCxnSpPr>
+              <a:stCxn id="56" idx="3"/>
+              <a:endCxn id="51" idx="1"/>
+            </p:cNvCxnSpPr>
+            <p:nvPr/>
+          </p:nvCxnSpPr>
+          <p:spPr>
+            <a:xfrm flipV="1">
+              <a:off x="7689796" y="820012"/>
+              <a:ext cx="1286529" cy="519585"/>
+            </a:xfrm>
+            <a:prstGeom prst="bentConnector3">
+              <a:avLst/>
+            </a:prstGeom>
+            <a:ln w="28575">
+              <a:solidFill>
+                <a:schemeClr val="tx1"/>
+              </a:solidFill>
+              <a:tailEnd type="triangle"/>
+            </a:ln>
+          </p:spPr>
+          <p:style>
+            <a:lnRef idx="1">
+              <a:schemeClr val="accent1"/>
+            </a:lnRef>
+            <a:fillRef idx="0">
+              <a:schemeClr val="accent1"/>
+            </a:fillRef>
+            <a:effectRef idx="0">
+              <a:schemeClr val="accent1"/>
+            </a:effectRef>
+            <a:fontRef idx="minor">
+              <a:schemeClr val="tx1"/>
+            </a:fontRef>
+          </p:style>
+        </p:cxnSp>
+        <p:cxnSp>
+          <p:nvCxnSpPr>
+            <p:cNvPr id="17" name="꺾인 연결선 16"/>
+            <p:cNvCxnSpPr>
+              <a:stCxn id="56" idx="3"/>
+              <a:endCxn id="52" idx="0"/>
+            </p:cNvCxnSpPr>
+            <p:nvPr/>
+          </p:nvCxnSpPr>
+          <p:spPr>
+            <a:xfrm>
+              <a:off x="7689796" y="1339597"/>
+              <a:ext cx="2111575" cy="542484"/>
+            </a:xfrm>
+            <a:prstGeom prst="bentConnector2">
+              <a:avLst/>
+            </a:prstGeom>
+            <a:ln w="28575">
+              <a:solidFill>
+                <a:schemeClr val="tx1"/>
+              </a:solidFill>
+              <a:tailEnd type="triangle"/>
+            </a:ln>
+          </p:spPr>
+          <p:style>
+            <a:lnRef idx="1">
+              <a:schemeClr val="accent1"/>
+            </a:lnRef>
+            <a:fillRef idx="0">
+              <a:schemeClr val="accent1"/>
+            </a:fillRef>
+            <a:effectRef idx="0">
+              <a:schemeClr val="accent1"/>
+            </a:effectRef>
+            <a:fontRef idx="minor">
+              <a:schemeClr val="tx1"/>
+            </a:fontRef>
+          </p:style>
+        </p:cxnSp>
+        <p:cxnSp>
+          <p:nvCxnSpPr>
+            <p:cNvPr id="78" name="꺾인 연결선 77"/>
+            <p:cNvCxnSpPr>
+              <a:stCxn id="57" idx="3"/>
+              <a:endCxn id="29" idx="1"/>
+            </p:cNvCxnSpPr>
+            <p:nvPr/>
+          </p:nvCxnSpPr>
+          <p:spPr>
+            <a:xfrm>
+              <a:off x="7681407" y="3112623"/>
+              <a:ext cx="1294918" cy="605403"/>
+            </a:xfrm>
+            <a:prstGeom prst="bentConnector3">
+              <a:avLst/>
+            </a:prstGeom>
+            <a:ln w="28575">
+              <a:solidFill>
+                <a:schemeClr val="tx1"/>
+              </a:solidFill>
+              <a:tailEnd type="triangle"/>
+            </a:ln>
+          </p:spPr>
+          <p:style>
+            <a:lnRef idx="1">
+              <a:schemeClr val="accent1"/>
+            </a:lnRef>
+            <a:fillRef idx="0">
+              <a:schemeClr val="accent1"/>
+            </a:fillRef>
+            <a:effectRef idx="0">
+              <a:schemeClr val="accent1"/>
+            </a:effectRef>
+            <a:fontRef idx="minor">
+              <a:schemeClr val="tx1"/>
+            </a:fontRef>
+          </p:style>
+        </p:cxnSp>
+      </p:grpSp>
+    </p:spTree>
+    <p:extLst>
+      <p:ext uri="{BB962C8B-B14F-4D97-AF65-F5344CB8AC3E}">
+        <p14:creationId xmlns:p14="http://schemas.microsoft.com/office/powerpoint/2010/main" val="479455595"/>
+      </p:ext>
+    </p:extLst>
+  </p:cSld>
+  <p:clrMapOvr>
+    <a:masterClrMapping/>
+  </p:clrMapOvr>
+</p:sld>
+</file>
+
 <file path=ppt/theme/theme1.xml><?xml version="1.0" encoding="utf-8"?>
 <a:theme xmlns:a="http://schemas.openxmlformats.org/drawingml/2006/main" name="Office 테마">
   <a:themeElements>

--- a/경력기술서_사진.pptx
+++ b/경력기술서_사진.pptx
@@ -8,11 +8,11 @@
     <p:sldId id="256" r:id="rId2"/>
     <p:sldId id="257" r:id="rId3"/>
     <p:sldId id="258" r:id="rId4"/>
-    <p:sldId id="259" r:id="rId5"/>
-    <p:sldId id="260" r:id="rId6"/>
-    <p:sldId id="261" r:id="rId7"/>
-    <p:sldId id="263" r:id="rId8"/>
-    <p:sldId id="264" r:id="rId9"/>
+    <p:sldId id="264" r:id="rId5"/>
+    <p:sldId id="259" r:id="rId6"/>
+    <p:sldId id="260" r:id="rId7"/>
+    <p:sldId id="261" r:id="rId8"/>
+    <p:sldId id="263" r:id="rId9"/>
   </p:sldIdLst>
   <p:sldSz cx="12192000" cy="6858000"/>
   <p:notesSz cx="6858000" cy="9144000"/>
@@ -250,7 +250,7 @@
           <a:p>
             <a:fld id="{D6334DD8-7EAD-4415-B7E0-C5E979A3366E}" type="datetimeFigureOut">
               <a:rPr lang="ko-KR" altLang="en-US" smtClean="0"/>
-              <a:t>2024-09-09</a:t>
+              <a:t>2024-09-10</a:t>
             </a:fld>
             <a:endParaRPr lang="ko-KR" altLang="en-US"/>
           </a:p>
@@ -420,7 +420,7 @@
           <a:p>
             <a:fld id="{D6334DD8-7EAD-4415-B7E0-C5E979A3366E}" type="datetimeFigureOut">
               <a:rPr lang="ko-KR" altLang="en-US" smtClean="0"/>
-              <a:t>2024-09-09</a:t>
+              <a:t>2024-09-10</a:t>
             </a:fld>
             <a:endParaRPr lang="ko-KR" altLang="en-US"/>
           </a:p>
@@ -600,7 +600,7 @@
           <a:p>
             <a:fld id="{D6334DD8-7EAD-4415-B7E0-C5E979A3366E}" type="datetimeFigureOut">
               <a:rPr lang="ko-KR" altLang="en-US" smtClean="0"/>
-              <a:t>2024-09-09</a:t>
+              <a:t>2024-09-10</a:t>
             </a:fld>
             <a:endParaRPr lang="ko-KR" altLang="en-US"/>
           </a:p>
@@ -770,7 +770,7 @@
           <a:p>
             <a:fld id="{D6334DD8-7EAD-4415-B7E0-C5E979A3366E}" type="datetimeFigureOut">
               <a:rPr lang="ko-KR" altLang="en-US" smtClean="0"/>
-              <a:t>2024-09-09</a:t>
+              <a:t>2024-09-10</a:t>
             </a:fld>
             <a:endParaRPr lang="ko-KR" altLang="en-US"/>
           </a:p>
@@ -1016,7 +1016,7 @@
           <a:p>
             <a:fld id="{D6334DD8-7EAD-4415-B7E0-C5E979A3366E}" type="datetimeFigureOut">
               <a:rPr lang="ko-KR" altLang="en-US" smtClean="0"/>
-              <a:t>2024-09-09</a:t>
+              <a:t>2024-09-10</a:t>
             </a:fld>
             <a:endParaRPr lang="ko-KR" altLang="en-US"/>
           </a:p>
@@ -1248,7 +1248,7 @@
           <a:p>
             <a:fld id="{D6334DD8-7EAD-4415-B7E0-C5E979A3366E}" type="datetimeFigureOut">
               <a:rPr lang="ko-KR" altLang="en-US" smtClean="0"/>
-              <a:t>2024-09-09</a:t>
+              <a:t>2024-09-10</a:t>
             </a:fld>
             <a:endParaRPr lang="ko-KR" altLang="en-US"/>
           </a:p>
@@ -1615,7 +1615,7 @@
           <a:p>
             <a:fld id="{D6334DD8-7EAD-4415-B7E0-C5E979A3366E}" type="datetimeFigureOut">
               <a:rPr lang="ko-KR" altLang="en-US" smtClean="0"/>
-              <a:t>2024-09-09</a:t>
+              <a:t>2024-09-10</a:t>
             </a:fld>
             <a:endParaRPr lang="ko-KR" altLang="en-US"/>
           </a:p>
@@ -1733,7 +1733,7 @@
           <a:p>
             <a:fld id="{D6334DD8-7EAD-4415-B7E0-C5E979A3366E}" type="datetimeFigureOut">
               <a:rPr lang="ko-KR" altLang="en-US" smtClean="0"/>
-              <a:t>2024-09-09</a:t>
+              <a:t>2024-09-10</a:t>
             </a:fld>
             <a:endParaRPr lang="ko-KR" altLang="en-US"/>
           </a:p>
@@ -1828,7 +1828,7 @@
           <a:p>
             <a:fld id="{D6334DD8-7EAD-4415-B7E0-C5E979A3366E}" type="datetimeFigureOut">
               <a:rPr lang="ko-KR" altLang="en-US" smtClean="0"/>
-              <a:t>2024-09-09</a:t>
+              <a:t>2024-09-10</a:t>
             </a:fld>
             <a:endParaRPr lang="ko-KR" altLang="en-US"/>
           </a:p>
@@ -2105,7 +2105,7 @@
           <a:p>
             <a:fld id="{D6334DD8-7EAD-4415-B7E0-C5E979A3366E}" type="datetimeFigureOut">
               <a:rPr lang="ko-KR" altLang="en-US" smtClean="0"/>
-              <a:t>2024-09-09</a:t>
+              <a:t>2024-09-10</a:t>
             </a:fld>
             <a:endParaRPr lang="ko-KR" altLang="en-US"/>
           </a:p>
@@ -2358,7 +2358,7 @@
           <a:p>
             <a:fld id="{D6334DD8-7EAD-4415-B7E0-C5E979A3366E}" type="datetimeFigureOut">
               <a:rPr lang="ko-KR" altLang="en-US" smtClean="0"/>
-              <a:t>2024-09-09</a:t>
+              <a:t>2024-09-10</a:t>
             </a:fld>
             <a:endParaRPr lang="ko-KR" altLang="en-US"/>
           </a:p>
@@ -2571,7 +2571,7 @@
           <a:p>
             <a:fld id="{D6334DD8-7EAD-4415-B7E0-C5E979A3366E}" type="datetimeFigureOut">
               <a:rPr lang="ko-KR" altLang="en-US" smtClean="0"/>
-              <a:t>2024-09-09</a:t>
+              <a:t>2024-09-10</a:t>
             </a:fld>
             <a:endParaRPr lang="ko-KR" altLang="en-US"/>
           </a:p>
@@ -6476,416 +6476,582 @@
           <a:chExt cx="0" cy="0"/>
         </a:xfrm>
       </p:grpSpPr>
+      <p:sp>
+        <p:nvSpPr>
+          <p:cNvPr id="40" name="모서리가 둥근 직사각형 39"/>
+          <p:cNvSpPr/>
+          <p:nvPr/>
+        </p:nvSpPr>
+        <p:spPr>
+          <a:xfrm>
+            <a:off x="632375" y="1658854"/>
+            <a:ext cx="8327068" cy="1831316"/>
+          </a:xfrm>
+          <a:prstGeom prst="roundRect">
+            <a:avLst>
+              <a:gd name="adj" fmla="val 9967"/>
+            </a:avLst>
+          </a:prstGeom>
+          <a:noFill/>
+          <a:ln w="28575">
+            <a:solidFill>
+              <a:srgbClr val="767171"/>
+            </a:solidFill>
+          </a:ln>
+        </p:spPr>
+        <p:style>
+          <a:lnRef idx="2">
+            <a:schemeClr val="accent1">
+              <a:shade val="50000"/>
+            </a:schemeClr>
+          </a:lnRef>
+          <a:fillRef idx="1">
+            <a:schemeClr val="accent1"/>
+          </a:fillRef>
+          <a:effectRef idx="0">
+            <a:schemeClr val="accent1"/>
+          </a:effectRef>
+          <a:fontRef idx="minor">
+            <a:schemeClr val="lt1"/>
+          </a:fontRef>
+        </p:style>
+        <p:txBody>
+          <a:bodyPr rtlCol="0" anchor="ctr"/>
+          <a:lstStyle/>
+          <a:p>
+            <a:pPr algn="ctr"/>
+            <a:endParaRPr lang="ko-KR" altLang="en-US"/>
+          </a:p>
+        </p:txBody>
+      </p:sp>
+      <p:sp>
+        <p:nvSpPr>
+          <p:cNvPr id="62" name="모서리가 둥근 직사각형 61"/>
+          <p:cNvSpPr/>
+          <p:nvPr/>
+        </p:nvSpPr>
+        <p:spPr>
+          <a:xfrm>
+            <a:off x="2350514" y="2516754"/>
+            <a:ext cx="1263600" cy="365706"/>
+          </a:xfrm>
+          <a:prstGeom prst="roundRect">
+            <a:avLst/>
+          </a:prstGeom>
+          <a:solidFill>
+            <a:schemeClr val="accent3">
+              <a:lumMod val="40000"/>
+              <a:lumOff val="60000"/>
+            </a:schemeClr>
+          </a:solidFill>
+          <a:ln>
+            <a:noFill/>
+          </a:ln>
+        </p:spPr>
+        <p:style>
+          <a:lnRef idx="2">
+            <a:schemeClr val="accent1">
+              <a:shade val="50000"/>
+            </a:schemeClr>
+          </a:lnRef>
+          <a:fillRef idx="1">
+            <a:schemeClr val="accent1"/>
+          </a:fillRef>
+          <a:effectRef idx="0">
+            <a:schemeClr val="accent1"/>
+          </a:effectRef>
+          <a:fontRef idx="minor">
+            <a:schemeClr val="lt1"/>
+          </a:fontRef>
+        </p:style>
+        <p:txBody>
+          <a:bodyPr rtlCol="0" anchor="ctr"/>
+          <a:lstStyle/>
+          <a:p>
+            <a:pPr algn="ctr"/>
+            <a:r>
+              <a:rPr lang="en-US" altLang="ko-KR" sz="1050" dirty="0" smtClean="0">
+                <a:solidFill>
+                  <a:schemeClr val="tx1"/>
+                </a:solidFill>
+              </a:rPr>
+              <a:t>Code generation</a:t>
+            </a:r>
+            <a:endParaRPr lang="en-US" altLang="ko-KR" sz="1050" dirty="0" smtClean="0">
+              <a:solidFill>
+                <a:schemeClr val="tx1"/>
+              </a:solidFill>
+            </a:endParaRPr>
+          </a:p>
+        </p:txBody>
+      </p:sp>
+      <p:sp>
+        <p:nvSpPr>
+          <p:cNvPr id="46" name="모서리가 둥근 직사각형 45"/>
+          <p:cNvSpPr/>
+          <p:nvPr/>
+        </p:nvSpPr>
+        <p:spPr>
+          <a:xfrm>
+            <a:off x="511002" y="1250315"/>
+            <a:ext cx="2117897" cy="501505"/>
+          </a:xfrm>
+          <a:prstGeom prst="roundRect">
+            <a:avLst/>
+          </a:prstGeom>
+          <a:solidFill>
+            <a:schemeClr val="bg2">
+              <a:lumMod val="50000"/>
+            </a:schemeClr>
+          </a:solidFill>
+          <a:ln>
+            <a:solidFill>
+              <a:schemeClr val="bg2">
+                <a:lumMod val="50000"/>
+              </a:schemeClr>
+            </a:solidFill>
+          </a:ln>
+        </p:spPr>
+        <p:style>
+          <a:lnRef idx="2">
+            <a:schemeClr val="accent1">
+              <a:shade val="50000"/>
+            </a:schemeClr>
+          </a:lnRef>
+          <a:fillRef idx="1">
+            <a:schemeClr val="accent1"/>
+          </a:fillRef>
+          <a:effectRef idx="0">
+            <a:schemeClr val="accent1"/>
+          </a:effectRef>
+          <a:fontRef idx="minor">
+            <a:schemeClr val="lt1"/>
+          </a:fontRef>
+        </p:style>
+        <p:txBody>
+          <a:bodyPr rtlCol="0" anchor="ctr"/>
+          <a:lstStyle/>
+          <a:p>
+            <a:pPr algn="ctr"/>
+            <a:r>
+              <a:rPr lang="en-US" altLang="ko-KR" sz="1200" dirty="0" smtClean="0">
+                <a:latin typeface="Noto Sans KR" panose="020B0200000000000000" pitchFamily="50" charset="-127"/>
+                <a:ea typeface="Noto Sans KR" panose="020B0200000000000000" pitchFamily="50" charset="-127"/>
+              </a:rPr>
+              <a:t>Eclipse IDE Application</a:t>
+            </a:r>
+          </a:p>
+          <a:p>
+            <a:pPr algn="ctr"/>
+            <a:r>
+              <a:rPr lang="en-US" altLang="ko-KR" sz="1200" dirty="0">
+                <a:latin typeface="Noto Sans KR" panose="020B0200000000000000" pitchFamily="50" charset="-127"/>
+                <a:ea typeface="Noto Sans KR" panose="020B0200000000000000" pitchFamily="50" charset="-127"/>
+              </a:rPr>
+              <a:t>-</a:t>
+            </a:r>
+            <a:r>
+              <a:rPr lang="en-US" altLang="ko-KR" sz="1200" dirty="0" smtClean="0">
+                <a:latin typeface="Noto Sans KR" panose="020B0200000000000000" pitchFamily="50" charset="-127"/>
+                <a:ea typeface="Noto Sans KR" panose="020B0200000000000000" pitchFamily="50" charset="-127"/>
+              </a:rPr>
+              <a:t>Deploy process-</a:t>
+            </a:r>
+            <a:endParaRPr lang="ko-KR" altLang="en-US" sz="1200" dirty="0">
+              <a:latin typeface="Noto Sans KR" panose="020B0200000000000000" pitchFamily="50" charset="-127"/>
+              <a:ea typeface="Noto Sans KR" panose="020B0200000000000000" pitchFamily="50" charset="-127"/>
+            </a:endParaRPr>
+          </a:p>
+        </p:txBody>
+      </p:sp>
+      <p:sp>
+        <p:nvSpPr>
+          <p:cNvPr id="39" name="모서리가 둥근 직사각형 38"/>
+          <p:cNvSpPr/>
+          <p:nvPr/>
+        </p:nvSpPr>
+        <p:spPr>
+          <a:xfrm>
+            <a:off x="9917284" y="2451020"/>
+            <a:ext cx="1812022" cy="501505"/>
+          </a:xfrm>
+          <a:prstGeom prst="roundRect">
+            <a:avLst/>
+          </a:prstGeom>
+          <a:solidFill>
+            <a:schemeClr val="bg2">
+              <a:lumMod val="50000"/>
+            </a:schemeClr>
+          </a:solidFill>
+          <a:ln>
+            <a:solidFill>
+              <a:schemeClr val="bg2">
+                <a:lumMod val="50000"/>
+              </a:schemeClr>
+            </a:solidFill>
+          </a:ln>
+        </p:spPr>
+        <p:style>
+          <a:lnRef idx="2">
+            <a:schemeClr val="accent1">
+              <a:shade val="50000"/>
+            </a:schemeClr>
+          </a:lnRef>
+          <a:fillRef idx="1">
+            <a:schemeClr val="accent1"/>
+          </a:fillRef>
+          <a:effectRef idx="0">
+            <a:schemeClr val="accent1"/>
+          </a:effectRef>
+          <a:fontRef idx="minor">
+            <a:schemeClr val="lt1"/>
+          </a:fontRef>
+        </p:style>
+        <p:txBody>
+          <a:bodyPr rtlCol="0" anchor="ctr"/>
+          <a:lstStyle/>
+          <a:p>
+            <a:pPr algn="ctr"/>
+            <a:r>
+              <a:rPr lang="en-US" altLang="ko-KR" sz="1200" dirty="0" smtClean="0">
+                <a:latin typeface="Noto Sans KR" panose="020B0200000000000000" pitchFamily="50" charset="-127"/>
+                <a:ea typeface="Noto Sans KR" panose="020B0200000000000000" pitchFamily="50" charset="-127"/>
+              </a:rPr>
+              <a:t>Interface</a:t>
+            </a:r>
+          </a:p>
+          <a:p>
+            <a:pPr algn="ctr"/>
+            <a:r>
+              <a:rPr lang="en-US" altLang="ko-KR" sz="1200" dirty="0" smtClean="0">
+                <a:latin typeface="Noto Sans KR" panose="020B0200000000000000" pitchFamily="50" charset="-127"/>
+                <a:ea typeface="Noto Sans KR" panose="020B0200000000000000" pitchFamily="50" charset="-127"/>
+              </a:rPr>
+              <a:t>Execute Engine</a:t>
+            </a:r>
+            <a:endParaRPr lang="ko-KR" altLang="en-US" sz="1200" dirty="0">
+              <a:latin typeface="Noto Sans KR" panose="020B0200000000000000" pitchFamily="50" charset="-127"/>
+              <a:ea typeface="Noto Sans KR" panose="020B0200000000000000" pitchFamily="50" charset="-127"/>
+            </a:endParaRPr>
+          </a:p>
+        </p:txBody>
+      </p:sp>
+      <p:sp>
+        <p:nvSpPr>
+          <p:cNvPr id="53" name="모서리가 둥근 직사각형 52"/>
+          <p:cNvSpPr/>
+          <p:nvPr/>
+        </p:nvSpPr>
+        <p:spPr>
+          <a:xfrm>
+            <a:off x="5472156" y="2516754"/>
+            <a:ext cx="1263600" cy="365706"/>
+          </a:xfrm>
+          <a:prstGeom prst="roundRect">
+            <a:avLst/>
+          </a:prstGeom>
+          <a:solidFill>
+            <a:schemeClr val="accent3">
+              <a:lumMod val="40000"/>
+              <a:lumOff val="60000"/>
+            </a:schemeClr>
+          </a:solidFill>
+          <a:ln>
+            <a:noFill/>
+          </a:ln>
+        </p:spPr>
+        <p:style>
+          <a:lnRef idx="2">
+            <a:schemeClr val="accent1">
+              <a:shade val="50000"/>
+            </a:schemeClr>
+          </a:lnRef>
+          <a:fillRef idx="1">
+            <a:schemeClr val="accent1"/>
+          </a:fillRef>
+          <a:effectRef idx="0">
+            <a:schemeClr val="accent1"/>
+          </a:effectRef>
+          <a:fontRef idx="minor">
+            <a:schemeClr val="lt1"/>
+          </a:fontRef>
+        </p:style>
+        <p:txBody>
+          <a:bodyPr rtlCol="0" anchor="ctr"/>
+          <a:lstStyle/>
+          <a:p>
+            <a:pPr algn="ctr"/>
+            <a:r>
+              <a:rPr lang="en-US" altLang="ko-KR" sz="1050" dirty="0" smtClean="0">
+                <a:solidFill>
+                  <a:schemeClr val="tx1"/>
+                </a:solidFill>
+              </a:rPr>
+              <a:t>Java Compile</a:t>
+            </a:r>
+            <a:endParaRPr lang="en-US" altLang="ko-KR" sz="1050" dirty="0" smtClean="0">
+              <a:solidFill>
+                <a:schemeClr val="tx1"/>
+              </a:solidFill>
+            </a:endParaRPr>
+          </a:p>
+        </p:txBody>
+      </p:sp>
+      <p:cxnSp>
+        <p:nvCxnSpPr>
+          <p:cNvPr id="49" name="직선 화살표 연결선 48"/>
+          <p:cNvCxnSpPr>
+            <a:stCxn id="114" idx="3"/>
+            <a:endCxn id="62" idx="1"/>
+          </p:cNvCxnSpPr>
+          <p:nvPr/>
+        </p:nvCxnSpPr>
+        <p:spPr>
+          <a:xfrm flipV="1">
+            <a:off x="2045909" y="2699607"/>
+            <a:ext cx="304605" cy="1"/>
+          </a:xfrm>
+          <a:prstGeom prst="straightConnector1">
+            <a:avLst/>
+          </a:prstGeom>
+          <a:ln w="28575">
+            <a:tailEnd type="triangle"/>
+          </a:ln>
+        </p:spPr>
+        <p:style>
+          <a:lnRef idx="1">
+            <a:schemeClr val="accent1"/>
+          </a:lnRef>
+          <a:fillRef idx="0">
+            <a:schemeClr val="accent1"/>
+          </a:fillRef>
+          <a:effectRef idx="0">
+            <a:schemeClr val="accent1"/>
+          </a:effectRef>
+          <a:fontRef idx="minor">
+            <a:schemeClr val="tx1"/>
+          </a:fontRef>
+        </p:style>
+      </p:cxnSp>
+      <p:cxnSp>
+        <p:nvCxnSpPr>
+          <p:cNvPr id="76" name="직선 화살표 연결선 75"/>
+          <p:cNvCxnSpPr>
+            <a:stCxn id="62" idx="3"/>
+            <a:endCxn id="58" idx="1"/>
+          </p:cNvCxnSpPr>
+          <p:nvPr/>
+        </p:nvCxnSpPr>
+        <p:spPr>
+          <a:xfrm>
+            <a:off x="3614114" y="2699607"/>
+            <a:ext cx="300126" cy="1"/>
+          </a:xfrm>
+          <a:prstGeom prst="straightConnector1">
+            <a:avLst/>
+          </a:prstGeom>
+          <a:ln w="28575">
+            <a:tailEnd type="triangle"/>
+          </a:ln>
+        </p:spPr>
+        <p:style>
+          <a:lnRef idx="1">
+            <a:schemeClr val="accent1"/>
+          </a:lnRef>
+          <a:fillRef idx="0">
+            <a:schemeClr val="accent1"/>
+          </a:fillRef>
+          <a:effectRef idx="0">
+            <a:schemeClr val="accent1"/>
+          </a:effectRef>
+          <a:fontRef idx="minor">
+            <a:schemeClr val="tx1"/>
+          </a:fontRef>
+        </p:style>
+      </p:cxnSp>
+      <p:cxnSp>
+        <p:nvCxnSpPr>
+          <p:cNvPr id="79" name="직선 화살표 연결선 78"/>
+          <p:cNvCxnSpPr>
+            <a:stCxn id="58" idx="3"/>
+            <a:endCxn id="53" idx="1"/>
+          </p:cNvCxnSpPr>
+          <p:nvPr/>
+        </p:nvCxnSpPr>
+        <p:spPr>
+          <a:xfrm flipV="1">
+            <a:off x="5172030" y="2699607"/>
+            <a:ext cx="300126" cy="1"/>
+          </a:xfrm>
+          <a:prstGeom prst="straightConnector1">
+            <a:avLst/>
+          </a:prstGeom>
+          <a:ln w="28575">
+            <a:tailEnd type="triangle"/>
+          </a:ln>
+        </p:spPr>
+        <p:style>
+          <a:lnRef idx="1">
+            <a:schemeClr val="accent1"/>
+          </a:lnRef>
+          <a:fillRef idx="0">
+            <a:schemeClr val="accent1"/>
+          </a:fillRef>
+          <a:effectRef idx="0">
+            <a:schemeClr val="accent1"/>
+          </a:effectRef>
+          <a:fontRef idx="minor">
+            <a:schemeClr val="tx1"/>
+          </a:fontRef>
+        </p:style>
+      </p:cxnSp>
+      <p:cxnSp>
+        <p:nvCxnSpPr>
+          <p:cNvPr id="84" name="직선 화살표 연결선 83"/>
+          <p:cNvCxnSpPr>
+            <a:stCxn id="53" idx="3"/>
+            <a:endCxn id="126" idx="1"/>
+          </p:cNvCxnSpPr>
+          <p:nvPr/>
+        </p:nvCxnSpPr>
+        <p:spPr>
+          <a:xfrm>
+            <a:off x="6735756" y="2699607"/>
+            <a:ext cx="300126" cy="1"/>
+          </a:xfrm>
+          <a:prstGeom prst="straightConnector1">
+            <a:avLst/>
+          </a:prstGeom>
+          <a:ln w="28575">
+            <a:tailEnd type="triangle"/>
+          </a:ln>
+        </p:spPr>
+        <p:style>
+          <a:lnRef idx="1">
+            <a:schemeClr val="accent1"/>
+          </a:lnRef>
+          <a:fillRef idx="0">
+            <a:schemeClr val="accent1"/>
+          </a:fillRef>
+          <a:effectRef idx="0">
+            <a:schemeClr val="accent1"/>
+          </a:effectRef>
+          <a:fontRef idx="minor">
+            <a:schemeClr val="tx1"/>
+          </a:fontRef>
+        </p:style>
+      </p:cxnSp>
+      <p:sp>
+        <p:nvSpPr>
+          <p:cNvPr id="87" name="모서리가 둥근 직사각형 86"/>
+          <p:cNvSpPr/>
+          <p:nvPr/>
+        </p:nvSpPr>
+        <p:spPr>
+          <a:xfrm>
+            <a:off x="8593798" y="2516754"/>
+            <a:ext cx="961263" cy="365706"/>
+          </a:xfrm>
+          <a:prstGeom prst="roundRect">
+            <a:avLst/>
+          </a:prstGeom>
+          <a:solidFill>
+            <a:schemeClr val="accent3">
+              <a:lumMod val="40000"/>
+              <a:lumOff val="60000"/>
+            </a:schemeClr>
+          </a:solidFill>
+          <a:ln>
+            <a:noFill/>
+          </a:ln>
+        </p:spPr>
+        <p:style>
+          <a:lnRef idx="2">
+            <a:schemeClr val="accent1">
+              <a:shade val="50000"/>
+            </a:schemeClr>
+          </a:lnRef>
+          <a:fillRef idx="1">
+            <a:schemeClr val="accent1"/>
+          </a:fillRef>
+          <a:effectRef idx="0">
+            <a:schemeClr val="accent1"/>
+          </a:effectRef>
+          <a:fontRef idx="minor">
+            <a:schemeClr val="lt1"/>
+          </a:fontRef>
+        </p:style>
+        <p:txBody>
+          <a:bodyPr rtlCol="0" anchor="ctr"/>
+          <a:lstStyle/>
+          <a:p>
+            <a:pPr algn="ctr"/>
+            <a:r>
+              <a:rPr lang="en-US" altLang="ko-KR" sz="1050" dirty="0" smtClean="0">
+                <a:solidFill>
+                  <a:schemeClr val="tx1"/>
+                </a:solidFill>
+              </a:rPr>
+              <a:t>Transfer</a:t>
+            </a:r>
+            <a:endParaRPr lang="en-US" altLang="ko-KR" sz="1050" dirty="0" smtClean="0">
+              <a:solidFill>
+                <a:schemeClr val="tx1"/>
+              </a:solidFill>
+            </a:endParaRPr>
+          </a:p>
+        </p:txBody>
+      </p:sp>
+      <p:cxnSp>
+        <p:nvCxnSpPr>
+          <p:cNvPr id="93" name="직선 화살표 연결선 92"/>
+          <p:cNvCxnSpPr>
+            <a:stCxn id="126" idx="3"/>
+            <a:endCxn id="87" idx="1"/>
+          </p:cNvCxnSpPr>
+          <p:nvPr/>
+        </p:nvCxnSpPr>
+        <p:spPr>
+          <a:xfrm flipV="1">
+            <a:off x="8293672" y="2699607"/>
+            <a:ext cx="300126" cy="1"/>
+          </a:xfrm>
+          <a:prstGeom prst="straightConnector1">
+            <a:avLst/>
+          </a:prstGeom>
+          <a:ln w="28575">
+            <a:tailEnd type="triangle"/>
+          </a:ln>
+        </p:spPr>
+        <p:style>
+          <a:lnRef idx="1">
+            <a:schemeClr val="accent1"/>
+          </a:lnRef>
+          <a:fillRef idx="0">
+            <a:schemeClr val="accent1"/>
+          </a:fillRef>
+          <a:effectRef idx="0">
+            <a:schemeClr val="accent1"/>
+          </a:effectRef>
+          <a:fontRef idx="minor">
+            <a:schemeClr val="tx1"/>
+          </a:fontRef>
+        </p:style>
+      </p:cxnSp>
       <p:grpSp>
         <p:nvGrpSpPr>
-          <p:cNvPr id="134" name="그룹 133"/>
+          <p:cNvPr id="112" name="그룹 111"/>
           <p:cNvGrpSpPr/>
           <p:nvPr/>
         </p:nvGrpSpPr>
         <p:grpSpPr>
           <a:xfrm>
-            <a:off x="181919" y="498666"/>
-            <a:ext cx="10883068" cy="3470113"/>
-            <a:chOff x="181919" y="498666"/>
-            <a:chExt cx="10883068" cy="3470113"/>
+            <a:off x="3914240" y="1830882"/>
+            <a:ext cx="1257790" cy="1487261"/>
+            <a:chOff x="4344866" y="638719"/>
+            <a:chExt cx="1257790" cy="1487261"/>
           </a:xfrm>
         </p:grpSpPr>
-        <p:sp>
-          <p:nvSpPr>
-            <p:cNvPr id="127" name="모서리가 둥근 직사각형 126"/>
-            <p:cNvSpPr/>
-            <p:nvPr/>
-          </p:nvSpPr>
-          <p:spPr>
-            <a:xfrm>
-              <a:off x="5144079" y="1843349"/>
-              <a:ext cx="482969" cy="770822"/>
-            </a:xfrm>
-            <a:prstGeom prst="roundRect">
-              <a:avLst/>
-            </a:prstGeom>
-            <a:solidFill>
-              <a:schemeClr val="accent3">
-                <a:lumMod val="40000"/>
-                <a:lumOff val="60000"/>
-                <a:alpha val="30000"/>
-              </a:schemeClr>
-            </a:solidFill>
-            <a:ln>
-              <a:noFill/>
-            </a:ln>
-          </p:spPr>
-          <p:style>
-            <a:lnRef idx="2">
-              <a:schemeClr val="accent1">
-                <a:shade val="50000"/>
-              </a:schemeClr>
-            </a:lnRef>
-            <a:fillRef idx="1">
-              <a:schemeClr val="accent1"/>
-            </a:fillRef>
-            <a:effectRef idx="0">
-              <a:schemeClr val="accent1"/>
-            </a:effectRef>
-            <a:fontRef idx="minor">
-              <a:schemeClr val="lt1"/>
-            </a:fontRef>
-          </p:style>
-          <p:txBody>
-            <a:bodyPr rtlCol="0" anchor="ctr"/>
-            <a:lstStyle/>
-            <a:p>
-              <a:pPr algn="ctr"/>
-              <a:r>
-                <a:rPr lang="en-US" altLang="ko-KR" sz="700" dirty="0" smtClean="0">
-                  <a:solidFill>
-                    <a:schemeClr val="tx1">
-                      <a:alpha val="20000"/>
-                    </a:schemeClr>
-                  </a:solidFill>
-                </a:rPr>
-                <a:t>ERROR</a:t>
-              </a:r>
-              <a:endParaRPr lang="ko-KR" altLang="en-US" sz="700" dirty="0">
-                <a:solidFill>
-                  <a:schemeClr val="tx1">
-                    <a:alpha val="20000"/>
-                  </a:schemeClr>
-                </a:solidFill>
-              </a:endParaRPr>
-            </a:p>
-          </p:txBody>
-        </p:sp>
-        <p:sp>
-          <p:nvSpPr>
-            <p:cNvPr id="128" name="모서리가 둥근 직사각형 127"/>
-            <p:cNvSpPr/>
-            <p:nvPr/>
-          </p:nvSpPr>
-          <p:spPr>
-            <a:xfrm>
-              <a:off x="6216559" y="1835281"/>
-              <a:ext cx="482969" cy="770400"/>
-            </a:xfrm>
-            <a:prstGeom prst="roundRect">
-              <a:avLst/>
-            </a:prstGeom>
-            <a:solidFill>
-              <a:schemeClr val="accent3">
-                <a:lumMod val="40000"/>
-                <a:lumOff val="60000"/>
-                <a:alpha val="30000"/>
-              </a:schemeClr>
-            </a:solidFill>
-            <a:ln>
-              <a:noFill/>
-            </a:ln>
-          </p:spPr>
-          <p:style>
-            <a:lnRef idx="2">
-              <a:schemeClr val="accent1">
-                <a:shade val="50000"/>
-              </a:schemeClr>
-            </a:lnRef>
-            <a:fillRef idx="1">
-              <a:schemeClr val="accent1"/>
-            </a:fillRef>
-            <a:effectRef idx="0">
-              <a:schemeClr val="accent1"/>
-            </a:effectRef>
-            <a:fontRef idx="minor">
-              <a:schemeClr val="lt1"/>
-            </a:fontRef>
-          </p:style>
-          <p:txBody>
-            <a:bodyPr rtlCol="0" anchor="ctr"/>
-            <a:lstStyle/>
-            <a:p>
-              <a:pPr algn="ctr"/>
-              <a:r>
-                <a:rPr lang="en-US" altLang="ko-KR" sz="700" dirty="0" smtClean="0">
-                  <a:solidFill>
-                    <a:schemeClr val="tx1">
-                      <a:alpha val="20000"/>
-                    </a:schemeClr>
-                  </a:solidFill>
-                </a:rPr>
-                <a:t>COMPILE</a:t>
-              </a:r>
-              <a:endParaRPr lang="ko-KR" altLang="en-US" sz="700" dirty="0">
-                <a:solidFill>
-                  <a:schemeClr val="tx1">
-                    <a:alpha val="20000"/>
-                  </a:schemeClr>
-                </a:solidFill>
-              </a:endParaRPr>
-            </a:p>
-          </p:txBody>
-        </p:sp>
-        <p:sp>
-          <p:nvSpPr>
-            <p:cNvPr id="129" name="모서리가 둥근 직사각형 128"/>
-            <p:cNvSpPr/>
-            <p:nvPr/>
-          </p:nvSpPr>
-          <p:spPr>
-            <a:xfrm>
-              <a:off x="5680319" y="1837298"/>
-              <a:ext cx="482969" cy="770400"/>
-            </a:xfrm>
-            <a:prstGeom prst="roundRect">
-              <a:avLst/>
-            </a:prstGeom>
-            <a:solidFill>
-              <a:schemeClr val="accent3">
-                <a:lumMod val="40000"/>
-                <a:lumOff val="60000"/>
-                <a:alpha val="30000"/>
-              </a:schemeClr>
-            </a:solidFill>
-            <a:ln>
-              <a:noFill/>
-            </a:ln>
-          </p:spPr>
-          <p:style>
-            <a:lnRef idx="2">
-              <a:schemeClr val="accent1">
-                <a:shade val="50000"/>
-              </a:schemeClr>
-            </a:lnRef>
-            <a:fillRef idx="1">
-              <a:schemeClr val="accent1"/>
-            </a:fillRef>
-            <a:effectRef idx="0">
-              <a:schemeClr val="accent1"/>
-            </a:effectRef>
-            <a:fontRef idx="minor">
-              <a:schemeClr val="lt1"/>
-            </a:fontRef>
-          </p:style>
-          <p:txBody>
-            <a:bodyPr rtlCol="0" anchor="ctr"/>
-            <a:lstStyle/>
-            <a:p>
-              <a:pPr algn="ctr"/>
-              <a:r>
-                <a:rPr lang="en-US" altLang="ko-KR" sz="700" dirty="0" smtClean="0">
-                  <a:solidFill>
-                    <a:schemeClr val="tx1">
-                      <a:alpha val="20000"/>
-                    </a:schemeClr>
-                  </a:solidFill>
-                </a:rPr>
-                <a:t>ERROR</a:t>
-              </a:r>
-              <a:endParaRPr lang="ko-KR" altLang="en-US" sz="700" dirty="0">
-                <a:solidFill>
-                  <a:schemeClr val="tx1">
-                    <a:alpha val="20000"/>
-                  </a:schemeClr>
-                </a:solidFill>
-              </a:endParaRPr>
-            </a:p>
-          </p:txBody>
-        </p:sp>
-        <p:sp>
-          <p:nvSpPr>
-            <p:cNvPr id="130" name="모서리가 둥근 직사각형 129"/>
-            <p:cNvSpPr/>
-            <p:nvPr/>
-          </p:nvSpPr>
-          <p:spPr>
-            <a:xfrm>
-              <a:off x="4607839" y="1845789"/>
-              <a:ext cx="482969" cy="770400"/>
-            </a:xfrm>
-            <a:prstGeom prst="roundRect">
-              <a:avLst/>
-            </a:prstGeom>
-            <a:solidFill>
-              <a:schemeClr val="accent3">
-                <a:lumMod val="40000"/>
-                <a:lumOff val="60000"/>
-                <a:alpha val="30000"/>
-              </a:schemeClr>
-            </a:solidFill>
-            <a:ln>
-              <a:noFill/>
-            </a:ln>
-          </p:spPr>
-          <p:style>
-            <a:lnRef idx="2">
-              <a:schemeClr val="accent1">
-                <a:shade val="50000"/>
-              </a:schemeClr>
-            </a:lnRef>
-            <a:fillRef idx="1">
-              <a:schemeClr val="accent1"/>
-            </a:fillRef>
-            <a:effectRef idx="0">
-              <a:schemeClr val="accent1"/>
-            </a:effectRef>
-            <a:fontRef idx="minor">
-              <a:schemeClr val="lt1"/>
-            </a:fontRef>
-          </p:style>
-          <p:txBody>
-            <a:bodyPr rtlCol="0" anchor="ctr"/>
-            <a:lstStyle/>
-            <a:p>
-              <a:pPr algn="ctr"/>
-              <a:r>
-                <a:rPr lang="en-US" altLang="ko-KR" sz="700" dirty="0" smtClean="0">
-                  <a:solidFill>
-                    <a:schemeClr val="tx1">
-                      <a:alpha val="20000"/>
-                    </a:schemeClr>
-                  </a:solidFill>
-                </a:rPr>
-                <a:t>DEPLOY</a:t>
-              </a:r>
-              <a:endParaRPr lang="ko-KR" altLang="en-US" sz="700" dirty="0">
-                <a:solidFill>
-                  <a:schemeClr val="tx1">
-                    <a:alpha val="20000"/>
-                  </a:schemeClr>
-                </a:solidFill>
-              </a:endParaRPr>
-            </a:p>
-          </p:txBody>
-        </p:sp>
-        <p:sp>
-          <p:nvSpPr>
-            <p:cNvPr id="131" name="모서리가 둥근 직사각형 130"/>
-            <p:cNvSpPr/>
-            <p:nvPr/>
-          </p:nvSpPr>
-          <p:spPr>
-            <a:xfrm>
-              <a:off x="4071599" y="1839315"/>
-              <a:ext cx="482969" cy="770400"/>
-            </a:xfrm>
-            <a:prstGeom prst="roundRect">
-              <a:avLst/>
-            </a:prstGeom>
-            <a:solidFill>
-              <a:schemeClr val="accent3">
-                <a:lumMod val="40000"/>
-                <a:lumOff val="60000"/>
-                <a:alpha val="30000"/>
-              </a:schemeClr>
-            </a:solidFill>
-            <a:ln>
-              <a:noFill/>
-            </a:ln>
-          </p:spPr>
-          <p:style>
-            <a:lnRef idx="2">
-              <a:schemeClr val="accent1">
-                <a:shade val="50000"/>
-              </a:schemeClr>
-            </a:lnRef>
-            <a:fillRef idx="1">
-              <a:schemeClr val="accent1"/>
-            </a:fillRef>
-            <a:effectRef idx="0">
-              <a:schemeClr val="accent1"/>
-            </a:effectRef>
-            <a:fontRef idx="minor">
-              <a:schemeClr val="lt1"/>
-            </a:fontRef>
-          </p:style>
-          <p:txBody>
-            <a:bodyPr rtlCol="0" anchor="ctr"/>
-            <a:lstStyle/>
-            <a:p>
-              <a:pPr algn="ctr"/>
-              <a:r>
-                <a:rPr lang="en-US" altLang="ko-KR" sz="700" dirty="0" smtClean="0">
-                  <a:solidFill>
-                    <a:schemeClr val="tx1">
-                      <a:alpha val="20000"/>
-                    </a:schemeClr>
-                  </a:solidFill>
-                </a:rPr>
-                <a:t>CODE-GEN</a:t>
-              </a:r>
-              <a:endParaRPr lang="ko-KR" altLang="en-US" sz="700" dirty="0">
-                <a:solidFill>
-                  <a:schemeClr val="tx1">
-                    <a:alpha val="20000"/>
-                  </a:schemeClr>
-                </a:solidFill>
-              </a:endParaRPr>
-            </a:p>
-          </p:txBody>
-        </p:sp>
-        <p:sp>
-          <p:nvSpPr>
-            <p:cNvPr id="132" name="모서리가 둥근 직사각형 131"/>
-            <p:cNvSpPr/>
-            <p:nvPr/>
-          </p:nvSpPr>
-          <p:spPr>
-            <a:xfrm>
-              <a:off x="6752797" y="1841332"/>
-              <a:ext cx="482969" cy="770400"/>
-            </a:xfrm>
-            <a:prstGeom prst="roundRect">
-              <a:avLst/>
-            </a:prstGeom>
-            <a:solidFill>
-              <a:schemeClr val="accent3">
-                <a:lumMod val="40000"/>
-                <a:lumOff val="60000"/>
-                <a:alpha val="30000"/>
-              </a:schemeClr>
-            </a:solidFill>
-            <a:ln>
-              <a:noFill/>
-            </a:ln>
-          </p:spPr>
-          <p:style>
-            <a:lnRef idx="2">
-              <a:schemeClr val="accent1">
-                <a:shade val="50000"/>
-              </a:schemeClr>
-            </a:lnRef>
-            <a:fillRef idx="1">
-              <a:schemeClr val="accent1"/>
-            </a:fillRef>
-            <a:effectRef idx="0">
-              <a:schemeClr val="accent1"/>
-            </a:effectRef>
-            <a:fontRef idx="minor">
-              <a:schemeClr val="lt1"/>
-            </a:fontRef>
-          </p:style>
-          <p:txBody>
-            <a:bodyPr rtlCol="0" anchor="ctr"/>
-            <a:lstStyle/>
-            <a:p>
-              <a:pPr algn="ctr"/>
-              <a:r>
-                <a:rPr lang="en-US" altLang="ko-KR" sz="700" dirty="0" smtClean="0">
-                  <a:solidFill>
-                    <a:schemeClr val="tx1">
-                      <a:alpha val="20000"/>
-                    </a:schemeClr>
-                  </a:solidFill>
-                </a:rPr>
-                <a:t>CODE-GEN</a:t>
-              </a:r>
-              <a:endParaRPr lang="ko-KR" altLang="en-US" sz="700" dirty="0">
-                <a:solidFill>
-                  <a:schemeClr val="tx1">
-                    <a:alpha val="20000"/>
-                  </a:schemeClr>
-                </a:solidFill>
-              </a:endParaRPr>
-            </a:p>
-          </p:txBody>
-        </p:sp>
         <p:sp>
           <p:nvSpPr>
             <p:cNvPr id="58" name="모서리가 둥근 직사각형 57"/>
@@ -6894,145 +7060,13 @@
           </p:nvSpPr>
           <p:spPr>
             <a:xfrm>
-              <a:off x="181919" y="1980239"/>
-              <a:ext cx="1812022" cy="501505"/>
+              <a:off x="4344866" y="888909"/>
+              <a:ext cx="1257790" cy="1237071"/>
             </a:xfrm>
             <a:prstGeom prst="roundRect">
-              <a:avLst/>
-            </a:prstGeom>
-            <a:solidFill>
-              <a:schemeClr val="bg2">
-                <a:lumMod val="50000"/>
-              </a:schemeClr>
-            </a:solidFill>
-            <a:ln>
-              <a:solidFill>
-                <a:schemeClr val="bg2">
-                  <a:lumMod val="50000"/>
-                </a:schemeClr>
-              </a:solidFill>
-            </a:ln>
-          </p:spPr>
-          <p:style>
-            <a:lnRef idx="2">
-              <a:schemeClr val="accent1">
-                <a:shade val="50000"/>
-              </a:schemeClr>
-            </a:lnRef>
-            <a:fillRef idx="1">
-              <a:schemeClr val="accent1"/>
-            </a:fillRef>
-            <a:effectRef idx="0">
-              <a:schemeClr val="accent1"/>
-            </a:effectRef>
-            <a:fontRef idx="minor">
-              <a:schemeClr val="lt1"/>
-            </a:fontRef>
-          </p:style>
-          <p:txBody>
-            <a:bodyPr rtlCol="0" anchor="ctr"/>
-            <a:lstStyle/>
-            <a:p>
-              <a:pPr algn="ctr"/>
-              <a:r>
-                <a:rPr lang="en-US" altLang="ko-KR" sz="1200" dirty="0" smtClean="0">
-                  <a:latin typeface="Noto Sans KR" panose="020B0200000000000000" pitchFamily="50" charset="-127"/>
-                  <a:ea typeface="Noto Sans KR" panose="020B0200000000000000" pitchFamily="50" charset="-127"/>
-                </a:rPr>
-                <a:t>Web Application</a:t>
-              </a:r>
-              <a:endParaRPr lang="ko-KR" altLang="en-US" sz="1200" dirty="0">
-                <a:latin typeface="Noto Sans KR" panose="020B0200000000000000" pitchFamily="50" charset="-127"/>
-                <a:ea typeface="Noto Sans KR" panose="020B0200000000000000" pitchFamily="50" charset="-127"/>
-              </a:endParaRPr>
-            </a:p>
-          </p:txBody>
-        </p:sp>
-        <p:sp>
-          <p:nvSpPr>
-            <p:cNvPr id="60" name="모서리가 둥근 직사각형 59"/>
-            <p:cNvSpPr/>
-            <p:nvPr/>
-          </p:nvSpPr>
-          <p:spPr>
-            <a:xfrm>
-              <a:off x="9252965" y="905791"/>
-              <a:ext cx="1812022" cy="501505"/>
-            </a:xfrm>
-            <a:prstGeom prst="roundRect">
-              <a:avLst/>
-            </a:prstGeom>
-            <a:solidFill>
-              <a:schemeClr val="bg2">
-                <a:lumMod val="50000"/>
-              </a:schemeClr>
-            </a:solidFill>
-            <a:ln>
-              <a:solidFill>
-                <a:schemeClr val="bg2">
-                  <a:lumMod val="50000"/>
-                </a:schemeClr>
-              </a:solidFill>
-            </a:ln>
-          </p:spPr>
-          <p:style>
-            <a:lnRef idx="2">
-              <a:schemeClr val="accent1">
-                <a:shade val="50000"/>
-              </a:schemeClr>
-            </a:lnRef>
-            <a:fillRef idx="1">
-              <a:schemeClr val="accent1"/>
-            </a:fillRef>
-            <a:effectRef idx="0">
-              <a:schemeClr val="accent1"/>
-            </a:effectRef>
-            <a:fontRef idx="minor">
-              <a:schemeClr val="lt1"/>
-            </a:fontRef>
-          </p:style>
-          <p:txBody>
-            <a:bodyPr rtlCol="0" anchor="ctr"/>
-            <a:lstStyle/>
-            <a:p>
-              <a:pPr algn="ctr"/>
-              <a:r>
-                <a:rPr lang="en-US" altLang="ko-KR" sz="1200" dirty="0" smtClean="0">
-                  <a:latin typeface="Noto Sans KR" panose="020B0200000000000000" pitchFamily="50" charset="-127"/>
-                  <a:ea typeface="Noto Sans KR" panose="020B0200000000000000" pitchFamily="50" charset="-127"/>
-                </a:rPr>
-                <a:t>Interface</a:t>
-              </a:r>
-            </a:p>
-            <a:p>
-              <a:pPr algn="ctr"/>
-              <a:r>
-                <a:rPr lang="en-US" altLang="ko-KR" sz="1200" dirty="0" smtClean="0">
-                  <a:latin typeface="Noto Sans KR" panose="020B0200000000000000" pitchFamily="50" charset="-127"/>
-                  <a:ea typeface="Noto Sans KR" panose="020B0200000000000000" pitchFamily="50" charset="-127"/>
-                </a:rPr>
-                <a:t>Execute Engine</a:t>
-              </a:r>
-              <a:endParaRPr lang="ko-KR" altLang="en-US" sz="1200" dirty="0">
-                <a:latin typeface="Noto Sans KR" panose="020B0200000000000000" pitchFamily="50" charset="-127"/>
-                <a:ea typeface="Noto Sans KR" panose="020B0200000000000000" pitchFamily="50" charset="-127"/>
-              </a:endParaRPr>
-            </a:p>
-          </p:txBody>
-        </p:sp>
-        <p:sp>
-          <p:nvSpPr>
-            <p:cNvPr id="4" name="모서리가 둥근 직사각형 3"/>
-            <p:cNvSpPr/>
-            <p:nvPr/>
-          </p:nvSpPr>
-          <p:spPr>
-            <a:xfrm>
-              <a:off x="3394102" y="977227"/>
-              <a:ext cx="4404220" cy="2629382"/>
-            </a:xfrm>
-            <a:prstGeom prst="roundRect">
-              <a:avLst/>
+              <a:avLst>
+                <a:gd name="adj" fmla="val 9967"/>
+              </a:avLst>
             </a:prstGeom>
             <a:noFill/>
             <a:ln w="28575">
@@ -7068,28 +7102,341 @@
         </p:sp>
         <p:sp>
           <p:nvSpPr>
-            <p:cNvPr id="61" name="모서리가 둥근 직사각형 60"/>
+            <p:cNvPr id="100" name="순서도: 수행의 시작/종료 99"/>
             <p:cNvSpPr/>
             <p:nvPr/>
           </p:nvSpPr>
           <p:spPr>
             <a:xfrm>
-              <a:off x="9252965" y="1969729"/>
-              <a:ext cx="1812022" cy="501505"/>
+              <a:off x="4433761" y="972126"/>
+              <a:ext cx="1080000" cy="216000"/>
             </a:xfrm>
-            <a:prstGeom prst="roundRect">
+            <a:prstGeom prst="flowChartTerminator">
               <a:avLst/>
             </a:prstGeom>
             <a:solidFill>
-              <a:schemeClr val="bg2">
-                <a:lumMod val="50000"/>
+              <a:schemeClr val="accent4">
+                <a:lumMod val="60000"/>
+                <a:lumOff val="40000"/>
               </a:schemeClr>
             </a:solidFill>
             <a:ln>
               <a:solidFill>
-                <a:schemeClr val="bg2">
-                  <a:lumMod val="50000"/>
+                <a:schemeClr val="accent4">
+                  <a:lumMod val="75000"/>
                 </a:schemeClr>
+              </a:solidFill>
+            </a:ln>
+          </p:spPr>
+          <p:style>
+            <a:lnRef idx="2">
+              <a:schemeClr val="accent1">
+                <a:shade val="50000"/>
+              </a:schemeClr>
+            </a:lnRef>
+            <a:fillRef idx="1">
+              <a:schemeClr val="accent1"/>
+            </a:fillRef>
+            <a:effectRef idx="0">
+              <a:schemeClr val="accent1"/>
+            </a:effectRef>
+            <a:fontRef idx="minor">
+              <a:schemeClr val="lt1"/>
+            </a:fontRef>
+          </p:style>
+          <p:txBody>
+            <a:bodyPr rtlCol="0" anchor="ctr"/>
+            <a:lstStyle/>
+            <a:p>
+              <a:r>
+                <a:rPr lang="en-US" altLang="ko-KR" sz="700" dirty="0" smtClean="0">
+                  <a:solidFill>
+                    <a:schemeClr val="tx1"/>
+                  </a:solidFill>
+                  <a:latin typeface="Noto Sans KR" panose="020B0200000000000000" pitchFamily="50" charset="-127"/>
+                  <a:ea typeface="Noto Sans KR" panose="020B0200000000000000" pitchFamily="50" charset="-127"/>
+                </a:rPr>
+                <a:t>Transaction.java</a:t>
+              </a:r>
+              <a:endParaRPr lang="ko-KR" altLang="en-US" sz="700" dirty="0">
+                <a:solidFill>
+                  <a:schemeClr val="tx1"/>
+                </a:solidFill>
+                <a:latin typeface="Noto Sans KR" panose="020B0200000000000000" pitchFamily="50" charset="-127"/>
+                <a:ea typeface="Noto Sans KR" panose="020B0200000000000000" pitchFamily="50" charset="-127"/>
+              </a:endParaRPr>
+            </a:p>
+          </p:txBody>
+        </p:sp>
+        <p:sp>
+          <p:nvSpPr>
+            <p:cNvPr id="101" name="순서도: 수행의 시작/종료 100"/>
+            <p:cNvSpPr/>
+            <p:nvPr/>
+          </p:nvSpPr>
+          <p:spPr>
+            <a:xfrm>
+              <a:off x="4433761" y="1258244"/>
+              <a:ext cx="1080000" cy="216000"/>
+            </a:xfrm>
+            <a:prstGeom prst="flowChartTerminator">
+              <a:avLst/>
+            </a:prstGeom>
+            <a:solidFill>
+              <a:schemeClr val="accent4">
+                <a:lumMod val="60000"/>
+                <a:lumOff val="40000"/>
+              </a:schemeClr>
+            </a:solidFill>
+            <a:ln>
+              <a:solidFill>
+                <a:schemeClr val="accent4">
+                  <a:lumMod val="75000"/>
+                </a:schemeClr>
+              </a:solidFill>
+            </a:ln>
+          </p:spPr>
+          <p:style>
+            <a:lnRef idx="2">
+              <a:schemeClr val="accent1">
+                <a:shade val="50000"/>
+              </a:schemeClr>
+            </a:lnRef>
+            <a:fillRef idx="1">
+              <a:schemeClr val="accent1"/>
+            </a:fillRef>
+            <a:effectRef idx="0">
+              <a:schemeClr val="accent1"/>
+            </a:effectRef>
+            <a:fontRef idx="minor">
+              <a:schemeClr val="lt1"/>
+            </a:fontRef>
+          </p:style>
+          <p:txBody>
+            <a:bodyPr rtlCol="0" anchor="ctr"/>
+            <a:lstStyle/>
+            <a:p>
+              <a:r>
+                <a:rPr lang="en-US" altLang="ko-KR" sz="700" dirty="0" smtClean="0">
+                  <a:solidFill>
+                    <a:schemeClr val="tx1"/>
+                  </a:solidFill>
+                  <a:latin typeface="Noto Sans KR" panose="020B0200000000000000" pitchFamily="50" charset="-127"/>
+                  <a:ea typeface="Noto Sans KR" panose="020B0200000000000000" pitchFamily="50" charset="-127"/>
+                </a:rPr>
+                <a:t>Message.java</a:t>
+              </a:r>
+              <a:endParaRPr lang="ko-KR" altLang="en-US" sz="700" dirty="0">
+                <a:solidFill>
+                  <a:schemeClr val="tx1"/>
+                </a:solidFill>
+                <a:latin typeface="Noto Sans KR" panose="020B0200000000000000" pitchFamily="50" charset="-127"/>
+                <a:ea typeface="Noto Sans KR" panose="020B0200000000000000" pitchFamily="50" charset="-127"/>
+              </a:endParaRPr>
+            </a:p>
+          </p:txBody>
+        </p:sp>
+        <p:sp>
+          <p:nvSpPr>
+            <p:cNvPr id="103" name="순서도: 수행의 시작/종료 102"/>
+            <p:cNvSpPr/>
+            <p:nvPr/>
+          </p:nvSpPr>
+          <p:spPr>
+            <a:xfrm>
+              <a:off x="4433761" y="1544362"/>
+              <a:ext cx="1080000" cy="216000"/>
+            </a:xfrm>
+            <a:prstGeom prst="flowChartTerminator">
+              <a:avLst/>
+            </a:prstGeom>
+            <a:solidFill>
+              <a:schemeClr val="accent4">
+                <a:lumMod val="60000"/>
+                <a:lumOff val="40000"/>
+              </a:schemeClr>
+            </a:solidFill>
+            <a:ln>
+              <a:solidFill>
+                <a:schemeClr val="accent4">
+                  <a:lumMod val="75000"/>
+                </a:schemeClr>
+              </a:solidFill>
+            </a:ln>
+          </p:spPr>
+          <p:style>
+            <a:lnRef idx="2">
+              <a:schemeClr val="accent1">
+                <a:shade val="50000"/>
+              </a:schemeClr>
+            </a:lnRef>
+            <a:fillRef idx="1">
+              <a:schemeClr val="accent1"/>
+            </a:fillRef>
+            <a:effectRef idx="0">
+              <a:schemeClr val="accent1"/>
+            </a:effectRef>
+            <a:fontRef idx="minor">
+              <a:schemeClr val="lt1"/>
+            </a:fontRef>
+          </p:style>
+          <p:txBody>
+            <a:bodyPr rtlCol="0" anchor="ctr"/>
+            <a:lstStyle/>
+            <a:p>
+              <a:r>
+                <a:rPr lang="en-US" altLang="ko-KR" sz="700" dirty="0" smtClean="0">
+                  <a:solidFill>
+                    <a:schemeClr val="tx1"/>
+                  </a:solidFill>
+                  <a:latin typeface="Noto Sans KR" panose="020B0200000000000000" pitchFamily="50" charset="-127"/>
+                  <a:ea typeface="Noto Sans KR" panose="020B0200000000000000" pitchFamily="50" charset="-127"/>
+                </a:rPr>
+                <a:t>BPMNFlow.java</a:t>
+              </a:r>
+              <a:endParaRPr lang="ko-KR" altLang="en-US" sz="700" dirty="0">
+                <a:solidFill>
+                  <a:schemeClr val="tx1"/>
+                </a:solidFill>
+                <a:latin typeface="Noto Sans KR" panose="020B0200000000000000" pitchFamily="50" charset="-127"/>
+                <a:ea typeface="Noto Sans KR" panose="020B0200000000000000" pitchFamily="50" charset="-127"/>
+              </a:endParaRPr>
+            </a:p>
+          </p:txBody>
+        </p:sp>
+        <p:sp>
+          <p:nvSpPr>
+            <p:cNvPr id="104" name="순서도: 수행의 시작/종료 103"/>
+            <p:cNvSpPr/>
+            <p:nvPr/>
+          </p:nvSpPr>
+          <p:spPr>
+            <a:xfrm>
+              <a:off x="4433761" y="1830480"/>
+              <a:ext cx="1080000" cy="216000"/>
+            </a:xfrm>
+            <a:prstGeom prst="flowChartTerminator">
+              <a:avLst/>
+            </a:prstGeom>
+            <a:solidFill>
+              <a:schemeClr val="accent4">
+                <a:lumMod val="60000"/>
+                <a:lumOff val="40000"/>
+              </a:schemeClr>
+            </a:solidFill>
+            <a:ln>
+              <a:solidFill>
+                <a:schemeClr val="accent4">
+                  <a:lumMod val="75000"/>
+                </a:schemeClr>
+              </a:solidFill>
+            </a:ln>
+          </p:spPr>
+          <p:style>
+            <a:lnRef idx="2">
+              <a:schemeClr val="accent1">
+                <a:shade val="50000"/>
+              </a:schemeClr>
+            </a:lnRef>
+            <a:fillRef idx="1">
+              <a:schemeClr val="accent1"/>
+            </a:fillRef>
+            <a:effectRef idx="0">
+              <a:schemeClr val="accent1"/>
+            </a:effectRef>
+            <a:fontRef idx="minor">
+              <a:schemeClr val="lt1"/>
+            </a:fontRef>
+          </p:style>
+          <p:txBody>
+            <a:bodyPr rtlCol="0" anchor="ctr"/>
+            <a:lstStyle/>
+            <a:p>
+              <a:r>
+                <a:rPr lang="en-US" altLang="ko-KR" sz="700" dirty="0" smtClean="0">
+                  <a:solidFill>
+                    <a:schemeClr val="tx1"/>
+                  </a:solidFill>
+                  <a:latin typeface="Noto Sans KR" panose="020B0200000000000000" pitchFamily="50" charset="-127"/>
+                  <a:ea typeface="Noto Sans KR" panose="020B0200000000000000" pitchFamily="50" charset="-127"/>
+                </a:rPr>
+                <a:t>Outbound.java</a:t>
+              </a:r>
+              <a:endParaRPr lang="ko-KR" altLang="en-US" sz="700" dirty="0">
+                <a:solidFill>
+                  <a:schemeClr val="tx1"/>
+                </a:solidFill>
+                <a:latin typeface="Noto Sans KR" panose="020B0200000000000000" pitchFamily="50" charset="-127"/>
+                <a:ea typeface="Noto Sans KR" panose="020B0200000000000000" pitchFamily="50" charset="-127"/>
+              </a:endParaRPr>
+            </a:p>
+          </p:txBody>
+        </p:sp>
+        <p:sp>
+          <p:nvSpPr>
+            <p:cNvPr id="107" name="TextBox 106"/>
+            <p:cNvSpPr txBox="1"/>
+            <p:nvPr/>
+          </p:nvSpPr>
+          <p:spPr>
+            <a:xfrm>
+              <a:off x="4344866" y="638719"/>
+              <a:ext cx="737702" cy="246221"/>
+            </a:xfrm>
+            <a:prstGeom prst="rect">
+              <a:avLst/>
+            </a:prstGeom>
+            <a:noFill/>
+          </p:spPr>
+          <p:txBody>
+            <a:bodyPr wrap="none" rtlCol="0">
+              <a:spAutoFit/>
+            </a:bodyPr>
+            <a:lstStyle/>
+            <a:p>
+              <a:r>
+                <a:rPr lang="en-US" altLang="ko-KR" sz="1000" dirty="0" smtClean="0"/>
+                <a:t>Resource</a:t>
+              </a:r>
+              <a:endParaRPr lang="ko-KR" altLang="en-US" sz="1000" dirty="0"/>
+            </a:p>
+          </p:txBody>
+        </p:sp>
+      </p:grpSp>
+      <p:grpSp>
+        <p:nvGrpSpPr>
+          <p:cNvPr id="113" name="그룹 112"/>
+          <p:cNvGrpSpPr/>
+          <p:nvPr/>
+        </p:nvGrpSpPr>
+        <p:grpSpPr>
+          <a:xfrm>
+            <a:off x="788119" y="1830882"/>
+            <a:ext cx="1257790" cy="1487261"/>
+            <a:chOff x="4344866" y="638719"/>
+            <a:chExt cx="1257790" cy="1487261"/>
+          </a:xfrm>
+        </p:grpSpPr>
+        <p:sp>
+          <p:nvSpPr>
+            <p:cNvPr id="114" name="모서리가 둥근 직사각형 113"/>
+            <p:cNvSpPr/>
+            <p:nvPr/>
+          </p:nvSpPr>
+          <p:spPr>
+            <a:xfrm>
+              <a:off x="4344866" y="888909"/>
+              <a:ext cx="1257790" cy="1237071"/>
+            </a:xfrm>
+            <a:prstGeom prst="roundRect">
+              <a:avLst>
+                <a:gd name="adj" fmla="val 9967"/>
+              </a:avLst>
+            </a:prstGeom>
+            <a:noFill/>
+            <a:ln w="28575">
+              <a:solidFill>
+                <a:srgbClr val="767171"/>
               </a:solidFill>
             </a:ln>
           </p:spPr>
@@ -7114,24 +7461,72 @@
             <a:lstStyle/>
             <a:p>
               <a:pPr algn="ctr"/>
+              <a:endParaRPr lang="ko-KR" altLang="en-US"/>
+            </a:p>
+          </p:txBody>
+        </p:sp>
+        <p:sp>
+          <p:nvSpPr>
+            <p:cNvPr id="115" name="순서도: 수행의 시작/종료 114"/>
+            <p:cNvSpPr/>
+            <p:nvPr/>
+          </p:nvSpPr>
+          <p:spPr>
+            <a:xfrm>
+              <a:off x="4433761" y="972126"/>
+              <a:ext cx="1080000" cy="216000"/>
+            </a:xfrm>
+            <a:prstGeom prst="flowChartTerminator">
+              <a:avLst/>
+            </a:prstGeom>
+            <a:solidFill>
+              <a:schemeClr val="accent4">
+                <a:lumMod val="60000"/>
+                <a:lumOff val="40000"/>
+              </a:schemeClr>
+            </a:solidFill>
+            <a:ln>
+              <a:solidFill>
+                <a:schemeClr val="accent4">
+                  <a:lumMod val="75000"/>
+                </a:schemeClr>
+              </a:solidFill>
+            </a:ln>
+          </p:spPr>
+          <p:style>
+            <a:lnRef idx="2">
+              <a:schemeClr val="accent1">
+                <a:shade val="50000"/>
+              </a:schemeClr>
+            </a:lnRef>
+            <a:fillRef idx="1">
+              <a:schemeClr val="accent1"/>
+            </a:fillRef>
+            <a:effectRef idx="0">
+              <a:schemeClr val="accent1"/>
+            </a:effectRef>
+            <a:fontRef idx="minor">
+              <a:schemeClr val="lt1"/>
+            </a:fontRef>
+          </p:style>
+          <p:txBody>
+            <a:bodyPr rtlCol="0" anchor="ctr"/>
+            <a:lstStyle/>
+            <a:p>
               <a:r>
-                <a:rPr lang="en-US" altLang="ko-KR" sz="1200" dirty="0" smtClean="0">
+                <a:rPr lang="en-US" altLang="ko-KR" sz="700" dirty="0" smtClean="0">
+                  <a:solidFill>
+                    <a:schemeClr val="tx1"/>
+                  </a:solidFill>
                   <a:latin typeface="Noto Sans KR" panose="020B0200000000000000" pitchFamily="50" charset="-127"/>
                   <a:ea typeface="Noto Sans KR" panose="020B0200000000000000" pitchFamily="50" charset="-127"/>
                 </a:rPr>
-                <a:t>Interface</a:t>
+                <a:t>Transaction</a:t>
               </a:r>
-            </a:p>
-            <a:p>
-              <a:pPr algn="ctr"/>
-              <a:r>
-                <a:rPr lang="en-US" altLang="ko-KR" sz="1200" dirty="0" smtClean="0">
-                  <a:latin typeface="Noto Sans KR" panose="020B0200000000000000" pitchFamily="50" charset="-127"/>
-                  <a:ea typeface="Noto Sans KR" panose="020B0200000000000000" pitchFamily="50" charset="-127"/>
-                </a:rPr>
-                <a:t>Execute Engine</a:t>
-              </a:r>
-              <a:endParaRPr lang="ko-KR" altLang="en-US" sz="1200" dirty="0">
+              <a:endParaRPr lang="ko-KR" altLang="en-US" sz="700" dirty="0">
+                <a:solidFill>
+                  <a:schemeClr val="tx1"/>
+                </a:solidFill>
                 <a:latin typeface="Noto Sans KR" panose="020B0200000000000000" pitchFamily="50" charset="-127"/>
                 <a:ea typeface="Noto Sans KR" panose="020B0200000000000000" pitchFamily="50" charset="-127"/>
               </a:endParaRPr>
@@ -7140,28 +7535,273 @@
         </p:sp>
         <p:sp>
           <p:nvSpPr>
-            <p:cNvPr id="62" name="모서리가 둥근 직사각형 61"/>
+            <p:cNvPr id="116" name="순서도: 수행의 시작/종료 115"/>
             <p:cNvSpPr/>
             <p:nvPr/>
           </p:nvSpPr>
           <p:spPr>
             <a:xfrm>
-              <a:off x="9252965" y="3033667"/>
-              <a:ext cx="1812022" cy="501505"/>
+              <a:off x="4433761" y="1258244"/>
+              <a:ext cx="1080000" cy="216000"/>
             </a:xfrm>
-            <a:prstGeom prst="roundRect">
+            <a:prstGeom prst="flowChartTerminator">
               <a:avLst/>
             </a:prstGeom>
             <a:solidFill>
-              <a:schemeClr val="bg2">
-                <a:lumMod val="50000"/>
+              <a:schemeClr val="accent4">
+                <a:lumMod val="60000"/>
+                <a:lumOff val="40000"/>
               </a:schemeClr>
             </a:solidFill>
             <a:ln>
               <a:solidFill>
-                <a:schemeClr val="bg2">
-                  <a:lumMod val="50000"/>
+                <a:schemeClr val="accent4">
+                  <a:lumMod val="75000"/>
                 </a:schemeClr>
+              </a:solidFill>
+            </a:ln>
+          </p:spPr>
+          <p:style>
+            <a:lnRef idx="2">
+              <a:schemeClr val="accent1">
+                <a:shade val="50000"/>
+              </a:schemeClr>
+            </a:lnRef>
+            <a:fillRef idx="1">
+              <a:schemeClr val="accent1"/>
+            </a:fillRef>
+            <a:effectRef idx="0">
+              <a:schemeClr val="accent1"/>
+            </a:effectRef>
+            <a:fontRef idx="minor">
+              <a:schemeClr val="lt1"/>
+            </a:fontRef>
+          </p:style>
+          <p:txBody>
+            <a:bodyPr rtlCol="0" anchor="ctr"/>
+            <a:lstStyle/>
+            <a:p>
+              <a:r>
+                <a:rPr lang="en-US" altLang="ko-KR" sz="700" dirty="0" smtClean="0">
+                  <a:solidFill>
+                    <a:schemeClr val="tx1"/>
+                  </a:solidFill>
+                  <a:latin typeface="Noto Sans KR" panose="020B0200000000000000" pitchFamily="50" charset="-127"/>
+                  <a:ea typeface="Noto Sans KR" panose="020B0200000000000000" pitchFamily="50" charset="-127"/>
+                </a:rPr>
+                <a:t>Message</a:t>
+              </a:r>
+              <a:endParaRPr lang="ko-KR" altLang="en-US" sz="700" dirty="0">
+                <a:solidFill>
+                  <a:schemeClr val="tx1"/>
+                </a:solidFill>
+                <a:latin typeface="Noto Sans KR" panose="020B0200000000000000" pitchFamily="50" charset="-127"/>
+                <a:ea typeface="Noto Sans KR" panose="020B0200000000000000" pitchFamily="50" charset="-127"/>
+              </a:endParaRPr>
+            </a:p>
+          </p:txBody>
+        </p:sp>
+        <p:sp>
+          <p:nvSpPr>
+            <p:cNvPr id="117" name="순서도: 수행의 시작/종료 116"/>
+            <p:cNvSpPr/>
+            <p:nvPr/>
+          </p:nvSpPr>
+          <p:spPr>
+            <a:xfrm>
+              <a:off x="4433761" y="1544362"/>
+              <a:ext cx="1080000" cy="216000"/>
+            </a:xfrm>
+            <a:prstGeom prst="flowChartTerminator">
+              <a:avLst/>
+            </a:prstGeom>
+            <a:solidFill>
+              <a:schemeClr val="accent4">
+                <a:lumMod val="60000"/>
+                <a:lumOff val="40000"/>
+              </a:schemeClr>
+            </a:solidFill>
+            <a:ln>
+              <a:solidFill>
+                <a:schemeClr val="accent4">
+                  <a:lumMod val="75000"/>
+                </a:schemeClr>
+              </a:solidFill>
+            </a:ln>
+          </p:spPr>
+          <p:style>
+            <a:lnRef idx="2">
+              <a:schemeClr val="accent1">
+                <a:shade val="50000"/>
+              </a:schemeClr>
+            </a:lnRef>
+            <a:fillRef idx="1">
+              <a:schemeClr val="accent1"/>
+            </a:fillRef>
+            <a:effectRef idx="0">
+              <a:schemeClr val="accent1"/>
+            </a:effectRef>
+            <a:fontRef idx="minor">
+              <a:schemeClr val="lt1"/>
+            </a:fontRef>
+          </p:style>
+          <p:txBody>
+            <a:bodyPr rtlCol="0" anchor="ctr"/>
+            <a:lstStyle/>
+            <a:p>
+              <a:r>
+                <a:rPr lang="en-US" altLang="ko-KR" sz="700" dirty="0" smtClean="0">
+                  <a:solidFill>
+                    <a:schemeClr val="tx1"/>
+                  </a:solidFill>
+                  <a:latin typeface="Noto Sans KR" panose="020B0200000000000000" pitchFamily="50" charset="-127"/>
+                  <a:ea typeface="Noto Sans KR" panose="020B0200000000000000" pitchFamily="50" charset="-127"/>
+                </a:rPr>
+                <a:t>BPMN Flow</a:t>
+              </a:r>
+              <a:endParaRPr lang="ko-KR" altLang="en-US" sz="700" dirty="0">
+                <a:solidFill>
+                  <a:schemeClr val="tx1"/>
+                </a:solidFill>
+                <a:latin typeface="Noto Sans KR" panose="020B0200000000000000" pitchFamily="50" charset="-127"/>
+                <a:ea typeface="Noto Sans KR" panose="020B0200000000000000" pitchFamily="50" charset="-127"/>
+              </a:endParaRPr>
+            </a:p>
+          </p:txBody>
+        </p:sp>
+        <p:sp>
+          <p:nvSpPr>
+            <p:cNvPr id="118" name="순서도: 수행의 시작/종료 117"/>
+            <p:cNvSpPr/>
+            <p:nvPr/>
+          </p:nvSpPr>
+          <p:spPr>
+            <a:xfrm>
+              <a:off x="4433761" y="1830480"/>
+              <a:ext cx="1080000" cy="216000"/>
+            </a:xfrm>
+            <a:prstGeom prst="flowChartTerminator">
+              <a:avLst/>
+            </a:prstGeom>
+            <a:solidFill>
+              <a:schemeClr val="accent4">
+                <a:lumMod val="60000"/>
+                <a:lumOff val="40000"/>
+              </a:schemeClr>
+            </a:solidFill>
+            <a:ln>
+              <a:solidFill>
+                <a:schemeClr val="accent4">
+                  <a:lumMod val="75000"/>
+                </a:schemeClr>
+              </a:solidFill>
+            </a:ln>
+          </p:spPr>
+          <p:style>
+            <a:lnRef idx="2">
+              <a:schemeClr val="accent1">
+                <a:shade val="50000"/>
+              </a:schemeClr>
+            </a:lnRef>
+            <a:fillRef idx="1">
+              <a:schemeClr val="accent1"/>
+            </a:fillRef>
+            <a:effectRef idx="0">
+              <a:schemeClr val="accent1"/>
+            </a:effectRef>
+            <a:fontRef idx="minor">
+              <a:schemeClr val="lt1"/>
+            </a:fontRef>
+          </p:style>
+          <p:txBody>
+            <a:bodyPr rtlCol="0" anchor="ctr"/>
+            <a:lstStyle/>
+            <a:p>
+              <a:r>
+                <a:rPr lang="en-US" altLang="ko-KR" sz="700" dirty="0" smtClean="0">
+                  <a:solidFill>
+                    <a:schemeClr val="tx1"/>
+                  </a:solidFill>
+                  <a:latin typeface="Noto Sans KR" panose="020B0200000000000000" pitchFamily="50" charset="-127"/>
+                  <a:ea typeface="Noto Sans KR" panose="020B0200000000000000" pitchFamily="50" charset="-127"/>
+                </a:rPr>
+                <a:t>Outbound Rule</a:t>
+              </a:r>
+              <a:endParaRPr lang="ko-KR" altLang="en-US" sz="700" dirty="0">
+                <a:solidFill>
+                  <a:schemeClr val="tx1"/>
+                </a:solidFill>
+                <a:latin typeface="Noto Sans KR" panose="020B0200000000000000" pitchFamily="50" charset="-127"/>
+                <a:ea typeface="Noto Sans KR" panose="020B0200000000000000" pitchFamily="50" charset="-127"/>
+              </a:endParaRPr>
+            </a:p>
+          </p:txBody>
+        </p:sp>
+        <p:sp>
+          <p:nvSpPr>
+            <p:cNvPr id="119" name="TextBox 118"/>
+            <p:cNvSpPr txBox="1"/>
+            <p:nvPr/>
+          </p:nvSpPr>
+          <p:spPr>
+            <a:xfrm>
+              <a:off x="4344866" y="638719"/>
+              <a:ext cx="737702" cy="246221"/>
+            </a:xfrm>
+            <a:prstGeom prst="rect">
+              <a:avLst/>
+            </a:prstGeom>
+            <a:noFill/>
+          </p:spPr>
+          <p:txBody>
+            <a:bodyPr wrap="none" rtlCol="0">
+              <a:spAutoFit/>
+            </a:bodyPr>
+            <a:lstStyle/>
+            <a:p>
+              <a:r>
+                <a:rPr lang="en-US" altLang="ko-KR" sz="1000" dirty="0" smtClean="0"/>
+                <a:t>Resource</a:t>
+              </a:r>
+              <a:endParaRPr lang="ko-KR" altLang="en-US" sz="1000" dirty="0"/>
+            </a:p>
+          </p:txBody>
+        </p:sp>
+      </p:grpSp>
+      <p:grpSp>
+        <p:nvGrpSpPr>
+          <p:cNvPr id="125" name="그룹 124"/>
+          <p:cNvGrpSpPr/>
+          <p:nvPr/>
+        </p:nvGrpSpPr>
+        <p:grpSpPr>
+          <a:xfrm>
+            <a:off x="7035882" y="1830882"/>
+            <a:ext cx="1257790" cy="1487261"/>
+            <a:chOff x="4344866" y="638719"/>
+            <a:chExt cx="1257790" cy="1487261"/>
+          </a:xfrm>
+        </p:grpSpPr>
+        <p:sp>
+          <p:nvSpPr>
+            <p:cNvPr id="126" name="모서리가 둥근 직사각형 125"/>
+            <p:cNvSpPr/>
+            <p:nvPr/>
+          </p:nvSpPr>
+          <p:spPr>
+            <a:xfrm>
+              <a:off x="4344866" y="888909"/>
+              <a:ext cx="1257790" cy="1237071"/>
+            </a:xfrm>
+            <a:prstGeom prst="roundRect">
+              <a:avLst>
+                <a:gd name="adj" fmla="val 9967"/>
+              </a:avLst>
+            </a:prstGeom>
+            <a:noFill/>
+            <a:ln w="28575">
+              <a:solidFill>
+                <a:srgbClr val="767171"/>
               </a:solidFill>
             </a:ln>
           </p:spPr>
@@ -7186,85 +7826,1918 @@
             <a:lstStyle/>
             <a:p>
               <a:pPr algn="ctr"/>
+              <a:endParaRPr lang="ko-KR" altLang="en-US"/>
+            </a:p>
+          </p:txBody>
+        </p:sp>
+        <p:sp>
+          <p:nvSpPr>
+            <p:cNvPr id="127" name="순서도: 수행의 시작/종료 126"/>
+            <p:cNvSpPr/>
+            <p:nvPr/>
+          </p:nvSpPr>
+          <p:spPr>
+            <a:xfrm>
+              <a:off x="4433761" y="972126"/>
+              <a:ext cx="1080000" cy="216000"/>
+            </a:xfrm>
+            <a:prstGeom prst="flowChartTerminator">
+              <a:avLst/>
+            </a:prstGeom>
+            <a:solidFill>
+              <a:schemeClr val="accent4">
+                <a:lumMod val="60000"/>
+                <a:lumOff val="40000"/>
+              </a:schemeClr>
+            </a:solidFill>
+            <a:ln>
+              <a:solidFill>
+                <a:schemeClr val="accent4">
+                  <a:lumMod val="75000"/>
+                </a:schemeClr>
+              </a:solidFill>
+            </a:ln>
+          </p:spPr>
+          <p:style>
+            <a:lnRef idx="2">
+              <a:schemeClr val="accent1">
+                <a:shade val="50000"/>
+              </a:schemeClr>
+            </a:lnRef>
+            <a:fillRef idx="1">
+              <a:schemeClr val="accent1"/>
+            </a:fillRef>
+            <a:effectRef idx="0">
+              <a:schemeClr val="accent1"/>
+            </a:effectRef>
+            <a:fontRef idx="minor">
+              <a:schemeClr val="lt1"/>
+            </a:fontRef>
+          </p:style>
+          <p:txBody>
+            <a:bodyPr rtlCol="0" anchor="ctr"/>
+            <a:lstStyle/>
+            <a:p>
               <a:r>
-                <a:rPr lang="en-US" altLang="ko-KR" sz="1200" dirty="0" smtClean="0">
+                <a:rPr lang="en-US" altLang="ko-KR" sz="700" dirty="0" err="1" smtClean="0">
+                  <a:solidFill>
+                    <a:schemeClr val="tx1"/>
+                  </a:solidFill>
                   <a:latin typeface="Noto Sans KR" panose="020B0200000000000000" pitchFamily="50" charset="-127"/>
                   <a:ea typeface="Noto Sans KR" panose="020B0200000000000000" pitchFamily="50" charset="-127"/>
                 </a:rPr>
-                <a:t>Interface</a:t>
+                <a:t>Transaction.class</a:t>
               </a:r>
-            </a:p>
-            <a:p>
-              <a:pPr algn="ctr"/>
-              <a:r>
-                <a:rPr lang="en-US" altLang="ko-KR" sz="1200" dirty="0" smtClean="0">
-                  <a:latin typeface="Noto Sans KR" panose="020B0200000000000000" pitchFamily="50" charset="-127"/>
-                  <a:ea typeface="Noto Sans KR" panose="020B0200000000000000" pitchFamily="50" charset="-127"/>
-                </a:rPr>
-                <a:t>Execute Engine</a:t>
-              </a:r>
-              <a:endParaRPr lang="ko-KR" altLang="en-US" sz="1200" dirty="0">
+              <a:endParaRPr lang="ko-KR" altLang="en-US" sz="700" dirty="0">
+                <a:solidFill>
+                  <a:schemeClr val="tx1"/>
+                </a:solidFill>
                 <a:latin typeface="Noto Sans KR" panose="020B0200000000000000" pitchFamily="50" charset="-127"/>
                 <a:ea typeface="Noto Sans KR" panose="020B0200000000000000" pitchFamily="50" charset="-127"/>
               </a:endParaRPr>
             </a:p>
           </p:txBody>
         </p:sp>
-        <p:cxnSp>
-          <p:nvCxnSpPr>
-            <p:cNvPr id="9" name="직선 화살표 연결선 8"/>
-            <p:cNvCxnSpPr/>
-            <p:nvPr/>
-          </p:nvCxnSpPr>
-          <p:spPr>
-            <a:xfrm>
-              <a:off x="1087930" y="498666"/>
-              <a:ext cx="0" cy="1481573"/>
-            </a:xfrm>
-            <a:prstGeom prst="straightConnector1">
-              <a:avLst/>
-            </a:prstGeom>
-            <a:ln w="28575">
-              <a:solidFill>
-                <a:srgbClr val="4886BF"/>
-              </a:solidFill>
-              <a:tailEnd type="triangle"/>
-            </a:ln>
-          </p:spPr>
-          <p:style>
-            <a:lnRef idx="1">
-              <a:schemeClr val="accent1"/>
-            </a:lnRef>
-            <a:fillRef idx="0">
-              <a:schemeClr val="accent1"/>
-            </a:fillRef>
-            <a:effectRef idx="0">
-              <a:schemeClr val="accent1"/>
-            </a:effectRef>
-            <a:fontRef idx="minor">
-              <a:schemeClr val="tx1"/>
-            </a:fontRef>
-          </p:style>
-        </p:cxnSp>
         <p:sp>
           <p:nvSpPr>
-            <p:cNvPr id="63" name="순서도: 처리 62"/>
+            <p:cNvPr id="128" name="순서도: 수행의 시작/종료 127"/>
             <p:cNvSpPr/>
             <p:nvPr/>
           </p:nvSpPr>
           <p:spPr>
             <a:xfrm>
-              <a:off x="535514" y="1057013"/>
-              <a:ext cx="1130954" cy="422158"/>
+              <a:off x="4433761" y="1258244"/>
+              <a:ext cx="1080000" cy="216000"/>
             </a:xfrm>
-            <a:prstGeom prst="flowChartProcess">
+            <a:prstGeom prst="flowChartTerminator">
               <a:avLst/>
             </a:prstGeom>
             <a:solidFill>
+              <a:schemeClr val="accent4">
+                <a:lumMod val="60000"/>
+                <a:lumOff val="40000"/>
+              </a:schemeClr>
+            </a:solidFill>
+            <a:ln>
+              <a:solidFill>
+                <a:schemeClr val="accent4">
+                  <a:lumMod val="75000"/>
+                </a:schemeClr>
+              </a:solidFill>
+            </a:ln>
+          </p:spPr>
+          <p:style>
+            <a:lnRef idx="2">
+              <a:schemeClr val="accent1">
+                <a:shade val="50000"/>
+              </a:schemeClr>
+            </a:lnRef>
+            <a:fillRef idx="1">
+              <a:schemeClr val="accent1"/>
+            </a:fillRef>
+            <a:effectRef idx="0">
+              <a:schemeClr val="accent1"/>
+            </a:effectRef>
+            <a:fontRef idx="minor">
+              <a:schemeClr val="lt1"/>
+            </a:fontRef>
+          </p:style>
+          <p:txBody>
+            <a:bodyPr rtlCol="0" anchor="ctr"/>
+            <a:lstStyle/>
+            <a:p>
+              <a:r>
+                <a:rPr lang="en-US" altLang="ko-KR" sz="700" dirty="0" err="1" smtClean="0">
+                  <a:solidFill>
+                    <a:schemeClr val="tx1"/>
+                  </a:solidFill>
+                  <a:latin typeface="Noto Sans KR" panose="020B0200000000000000" pitchFamily="50" charset="-127"/>
+                  <a:ea typeface="Noto Sans KR" panose="020B0200000000000000" pitchFamily="50" charset="-127"/>
+                </a:rPr>
+                <a:t>Message.class</a:t>
+              </a:r>
+              <a:endParaRPr lang="ko-KR" altLang="en-US" sz="700" dirty="0">
+                <a:solidFill>
+                  <a:schemeClr val="tx1"/>
+                </a:solidFill>
+                <a:latin typeface="Noto Sans KR" panose="020B0200000000000000" pitchFamily="50" charset="-127"/>
+                <a:ea typeface="Noto Sans KR" panose="020B0200000000000000" pitchFamily="50" charset="-127"/>
+              </a:endParaRPr>
+            </a:p>
+          </p:txBody>
+        </p:sp>
+        <p:sp>
+          <p:nvSpPr>
+            <p:cNvPr id="129" name="순서도: 수행의 시작/종료 128"/>
+            <p:cNvSpPr/>
+            <p:nvPr/>
+          </p:nvSpPr>
+          <p:spPr>
+            <a:xfrm>
+              <a:off x="4433761" y="1544362"/>
+              <a:ext cx="1080000" cy="216000"/>
+            </a:xfrm>
+            <a:prstGeom prst="flowChartTerminator">
+              <a:avLst/>
+            </a:prstGeom>
+            <a:solidFill>
+              <a:schemeClr val="accent4">
+                <a:lumMod val="60000"/>
+                <a:lumOff val="40000"/>
+              </a:schemeClr>
+            </a:solidFill>
+            <a:ln>
+              <a:solidFill>
+                <a:schemeClr val="accent4">
+                  <a:lumMod val="75000"/>
+                </a:schemeClr>
+              </a:solidFill>
+            </a:ln>
+          </p:spPr>
+          <p:style>
+            <a:lnRef idx="2">
+              <a:schemeClr val="accent1">
+                <a:shade val="50000"/>
+              </a:schemeClr>
+            </a:lnRef>
+            <a:fillRef idx="1">
+              <a:schemeClr val="accent1"/>
+            </a:fillRef>
+            <a:effectRef idx="0">
+              <a:schemeClr val="accent1"/>
+            </a:effectRef>
+            <a:fontRef idx="minor">
+              <a:schemeClr val="lt1"/>
+            </a:fontRef>
+          </p:style>
+          <p:txBody>
+            <a:bodyPr rtlCol="0" anchor="ctr"/>
+            <a:lstStyle/>
+            <a:p>
+              <a:r>
+                <a:rPr lang="en-US" altLang="ko-KR" sz="700" dirty="0" err="1" smtClean="0">
+                  <a:solidFill>
+                    <a:schemeClr val="tx1"/>
+                  </a:solidFill>
+                  <a:latin typeface="Noto Sans KR" panose="020B0200000000000000" pitchFamily="50" charset="-127"/>
+                  <a:ea typeface="Noto Sans KR" panose="020B0200000000000000" pitchFamily="50" charset="-127"/>
+                </a:rPr>
+                <a:t>BPMNFlow.class</a:t>
+              </a:r>
+              <a:endParaRPr lang="ko-KR" altLang="en-US" sz="700" dirty="0">
+                <a:solidFill>
+                  <a:schemeClr val="tx1"/>
+                </a:solidFill>
+                <a:latin typeface="Noto Sans KR" panose="020B0200000000000000" pitchFamily="50" charset="-127"/>
+                <a:ea typeface="Noto Sans KR" panose="020B0200000000000000" pitchFamily="50" charset="-127"/>
+              </a:endParaRPr>
+            </a:p>
+          </p:txBody>
+        </p:sp>
+        <p:sp>
+          <p:nvSpPr>
+            <p:cNvPr id="130" name="순서도: 수행의 시작/종료 129"/>
+            <p:cNvSpPr/>
+            <p:nvPr/>
+          </p:nvSpPr>
+          <p:spPr>
+            <a:xfrm>
+              <a:off x="4433761" y="1830480"/>
+              <a:ext cx="1080000" cy="216000"/>
+            </a:xfrm>
+            <a:prstGeom prst="flowChartTerminator">
+              <a:avLst/>
+            </a:prstGeom>
+            <a:solidFill>
+              <a:schemeClr val="accent4">
+                <a:lumMod val="60000"/>
+                <a:lumOff val="40000"/>
+              </a:schemeClr>
+            </a:solidFill>
+            <a:ln>
+              <a:solidFill>
+                <a:schemeClr val="accent4">
+                  <a:lumMod val="75000"/>
+                </a:schemeClr>
+              </a:solidFill>
+            </a:ln>
+          </p:spPr>
+          <p:style>
+            <a:lnRef idx="2">
+              <a:schemeClr val="accent1">
+                <a:shade val="50000"/>
+              </a:schemeClr>
+            </a:lnRef>
+            <a:fillRef idx="1">
+              <a:schemeClr val="accent1"/>
+            </a:fillRef>
+            <a:effectRef idx="0">
+              <a:schemeClr val="accent1"/>
+            </a:effectRef>
+            <a:fontRef idx="minor">
+              <a:schemeClr val="lt1"/>
+            </a:fontRef>
+          </p:style>
+          <p:txBody>
+            <a:bodyPr rtlCol="0" anchor="ctr"/>
+            <a:lstStyle/>
+            <a:p>
+              <a:r>
+                <a:rPr lang="en-US" altLang="ko-KR" sz="700" dirty="0" err="1" smtClean="0">
+                  <a:solidFill>
+                    <a:schemeClr val="tx1"/>
+                  </a:solidFill>
+                  <a:latin typeface="Noto Sans KR" panose="020B0200000000000000" pitchFamily="50" charset="-127"/>
+                  <a:ea typeface="Noto Sans KR" panose="020B0200000000000000" pitchFamily="50" charset="-127"/>
+                </a:rPr>
+                <a:t>Outbound.class</a:t>
+              </a:r>
+              <a:endParaRPr lang="ko-KR" altLang="en-US" sz="700" dirty="0">
+                <a:solidFill>
+                  <a:schemeClr val="tx1"/>
+                </a:solidFill>
+                <a:latin typeface="Noto Sans KR" panose="020B0200000000000000" pitchFamily="50" charset="-127"/>
+                <a:ea typeface="Noto Sans KR" panose="020B0200000000000000" pitchFamily="50" charset="-127"/>
+              </a:endParaRPr>
+            </a:p>
+          </p:txBody>
+        </p:sp>
+        <p:sp>
+          <p:nvSpPr>
+            <p:cNvPr id="131" name="TextBox 130"/>
+            <p:cNvSpPr txBox="1"/>
+            <p:nvPr/>
+          </p:nvSpPr>
+          <p:spPr>
+            <a:xfrm>
+              <a:off x="4344866" y="638719"/>
+              <a:ext cx="737702" cy="246221"/>
+            </a:xfrm>
+            <a:prstGeom prst="rect">
+              <a:avLst/>
+            </a:prstGeom>
+            <a:noFill/>
+          </p:spPr>
+          <p:txBody>
+            <a:bodyPr wrap="none" rtlCol="0">
+              <a:spAutoFit/>
+            </a:bodyPr>
+            <a:lstStyle/>
+            <a:p>
+              <a:r>
+                <a:rPr lang="en-US" altLang="ko-KR" sz="1000" dirty="0" smtClean="0"/>
+                <a:t>Resource</a:t>
+              </a:r>
+              <a:endParaRPr lang="ko-KR" altLang="en-US" sz="1000" dirty="0"/>
+            </a:p>
+          </p:txBody>
+        </p:sp>
+      </p:grpSp>
+      <p:cxnSp>
+        <p:nvCxnSpPr>
+          <p:cNvPr id="149" name="직선 화살표 연결선 148"/>
+          <p:cNvCxnSpPr>
+            <a:stCxn id="87" idx="3"/>
+            <a:endCxn id="39" idx="1"/>
+          </p:cNvCxnSpPr>
+          <p:nvPr/>
+        </p:nvCxnSpPr>
+        <p:spPr>
+          <a:xfrm>
+            <a:off x="9555061" y="2699607"/>
+            <a:ext cx="362223" cy="2166"/>
+          </a:xfrm>
+          <a:prstGeom prst="straightConnector1">
+            <a:avLst/>
+          </a:prstGeom>
+          <a:ln w="28575">
+            <a:tailEnd type="triangle"/>
+          </a:ln>
+        </p:spPr>
+        <p:style>
+          <a:lnRef idx="1">
+            <a:schemeClr val="accent1"/>
+          </a:lnRef>
+          <a:fillRef idx="0">
+            <a:schemeClr val="accent1"/>
+          </a:fillRef>
+          <a:effectRef idx="0">
+            <a:schemeClr val="accent1"/>
+          </a:effectRef>
+          <a:fontRef idx="minor">
+            <a:schemeClr val="tx1"/>
+          </a:fontRef>
+        </p:style>
+      </p:cxnSp>
+    </p:spTree>
+    <p:extLst>
+      <p:ext uri="{BB962C8B-B14F-4D97-AF65-F5344CB8AC3E}">
+        <p14:creationId xmlns:p14="http://schemas.microsoft.com/office/powerpoint/2010/main" val="479455595"/>
+      </p:ext>
+    </p:extLst>
+  </p:cSld>
+  <p:clrMapOvr>
+    <a:masterClrMapping/>
+  </p:clrMapOvr>
+</p:sld>
+</file>
+
+<file path=ppt/slides/slide5.xml><?xml version="1.0" encoding="utf-8"?>
+<p:sld xmlns:a="http://schemas.openxmlformats.org/drawingml/2006/main" xmlns:r="http://schemas.openxmlformats.org/officeDocument/2006/relationships" xmlns:p="http://schemas.openxmlformats.org/presentationml/2006/main">
+  <p:cSld>
+    <p:spTree>
+      <p:nvGrpSpPr>
+        <p:cNvPr id="1" name=""/>
+        <p:cNvGrpSpPr/>
+        <p:nvPr/>
+      </p:nvGrpSpPr>
+      <p:grpSpPr>
+        <a:xfrm>
+          <a:off x="0" y="0"/>
+          <a:ext cx="0" cy="0"/>
+          <a:chOff x="0" y="0"/>
+          <a:chExt cx="0" cy="0"/>
+        </a:xfrm>
+      </p:grpSpPr>
+      <p:sp>
+        <p:nvSpPr>
+          <p:cNvPr id="127" name="모서리가 둥근 직사각형 126"/>
+          <p:cNvSpPr/>
+          <p:nvPr/>
+        </p:nvSpPr>
+        <p:spPr>
+          <a:xfrm>
+            <a:off x="5604463" y="1826855"/>
+            <a:ext cx="482969" cy="770822"/>
+          </a:xfrm>
+          <a:prstGeom prst="roundRect">
+            <a:avLst/>
+          </a:prstGeom>
+          <a:solidFill>
+            <a:schemeClr val="accent3">
+              <a:lumMod val="40000"/>
+              <a:lumOff val="60000"/>
+              <a:alpha val="30000"/>
+            </a:schemeClr>
+          </a:solidFill>
+          <a:ln>
+            <a:noFill/>
+          </a:ln>
+        </p:spPr>
+        <p:style>
+          <a:lnRef idx="2">
+            <a:schemeClr val="accent1">
+              <a:shade val="50000"/>
+            </a:schemeClr>
+          </a:lnRef>
+          <a:fillRef idx="1">
+            <a:schemeClr val="accent1"/>
+          </a:fillRef>
+          <a:effectRef idx="0">
+            <a:schemeClr val="accent1"/>
+          </a:effectRef>
+          <a:fontRef idx="minor">
+            <a:schemeClr val="lt1"/>
+          </a:fontRef>
+        </p:style>
+        <p:txBody>
+          <a:bodyPr rtlCol="0" anchor="ctr"/>
+          <a:lstStyle/>
+          <a:p>
+            <a:pPr algn="ctr"/>
+            <a:r>
+              <a:rPr lang="en-US" altLang="ko-KR" sz="700" dirty="0" smtClean="0">
+                <a:solidFill>
+                  <a:schemeClr val="tx1">
+                    <a:alpha val="20000"/>
+                  </a:schemeClr>
+                </a:solidFill>
+              </a:rPr>
+              <a:t>ERROR</a:t>
+            </a:r>
+            <a:endParaRPr lang="ko-KR" altLang="en-US" sz="700" dirty="0">
+              <a:solidFill>
+                <a:schemeClr val="tx1">
+                  <a:alpha val="20000"/>
+                </a:schemeClr>
+              </a:solidFill>
+            </a:endParaRPr>
+          </a:p>
+        </p:txBody>
+      </p:sp>
+      <p:sp>
+        <p:nvSpPr>
+          <p:cNvPr id="128" name="모서리가 둥근 직사각형 127"/>
+          <p:cNvSpPr/>
+          <p:nvPr/>
+        </p:nvSpPr>
+        <p:spPr>
+          <a:xfrm>
+            <a:off x="6676943" y="1818787"/>
+            <a:ext cx="482969" cy="770400"/>
+          </a:xfrm>
+          <a:prstGeom prst="roundRect">
+            <a:avLst/>
+          </a:prstGeom>
+          <a:solidFill>
+            <a:schemeClr val="accent3">
+              <a:lumMod val="40000"/>
+              <a:lumOff val="60000"/>
+              <a:alpha val="30000"/>
+            </a:schemeClr>
+          </a:solidFill>
+          <a:ln>
+            <a:noFill/>
+          </a:ln>
+        </p:spPr>
+        <p:style>
+          <a:lnRef idx="2">
+            <a:schemeClr val="accent1">
+              <a:shade val="50000"/>
+            </a:schemeClr>
+          </a:lnRef>
+          <a:fillRef idx="1">
+            <a:schemeClr val="accent1"/>
+          </a:fillRef>
+          <a:effectRef idx="0">
+            <a:schemeClr val="accent1"/>
+          </a:effectRef>
+          <a:fontRef idx="minor">
+            <a:schemeClr val="lt1"/>
+          </a:fontRef>
+        </p:style>
+        <p:txBody>
+          <a:bodyPr rtlCol="0" anchor="ctr"/>
+          <a:lstStyle/>
+          <a:p>
+            <a:pPr algn="ctr"/>
+            <a:r>
+              <a:rPr lang="en-US" altLang="ko-KR" sz="700" dirty="0" smtClean="0">
+                <a:solidFill>
+                  <a:schemeClr val="tx1">
+                    <a:alpha val="20000"/>
+                  </a:schemeClr>
+                </a:solidFill>
+              </a:rPr>
+              <a:t>COMPILE</a:t>
+            </a:r>
+            <a:endParaRPr lang="ko-KR" altLang="en-US" sz="700" dirty="0">
+              <a:solidFill>
+                <a:schemeClr val="tx1">
+                  <a:alpha val="20000"/>
+                </a:schemeClr>
+              </a:solidFill>
+            </a:endParaRPr>
+          </a:p>
+        </p:txBody>
+      </p:sp>
+      <p:sp>
+        <p:nvSpPr>
+          <p:cNvPr id="129" name="모서리가 둥근 직사각형 128"/>
+          <p:cNvSpPr/>
+          <p:nvPr/>
+        </p:nvSpPr>
+        <p:spPr>
+          <a:xfrm>
+            <a:off x="6140703" y="1820804"/>
+            <a:ext cx="482969" cy="770400"/>
+          </a:xfrm>
+          <a:prstGeom prst="roundRect">
+            <a:avLst/>
+          </a:prstGeom>
+          <a:solidFill>
+            <a:schemeClr val="accent3">
+              <a:lumMod val="40000"/>
+              <a:lumOff val="60000"/>
+              <a:alpha val="30000"/>
+            </a:schemeClr>
+          </a:solidFill>
+          <a:ln>
+            <a:noFill/>
+          </a:ln>
+        </p:spPr>
+        <p:style>
+          <a:lnRef idx="2">
+            <a:schemeClr val="accent1">
+              <a:shade val="50000"/>
+            </a:schemeClr>
+          </a:lnRef>
+          <a:fillRef idx="1">
+            <a:schemeClr val="accent1"/>
+          </a:fillRef>
+          <a:effectRef idx="0">
+            <a:schemeClr val="accent1"/>
+          </a:effectRef>
+          <a:fontRef idx="minor">
+            <a:schemeClr val="lt1"/>
+          </a:fontRef>
+        </p:style>
+        <p:txBody>
+          <a:bodyPr rtlCol="0" anchor="ctr"/>
+          <a:lstStyle/>
+          <a:p>
+            <a:pPr algn="ctr"/>
+            <a:r>
+              <a:rPr lang="en-US" altLang="ko-KR" sz="700" dirty="0" smtClean="0">
+                <a:solidFill>
+                  <a:schemeClr val="tx1">
+                    <a:alpha val="20000"/>
+                  </a:schemeClr>
+                </a:solidFill>
+              </a:rPr>
+              <a:t>ERROR</a:t>
+            </a:r>
+            <a:endParaRPr lang="ko-KR" altLang="en-US" sz="700" dirty="0">
+              <a:solidFill>
+                <a:schemeClr val="tx1">
+                  <a:alpha val="20000"/>
+                </a:schemeClr>
+              </a:solidFill>
+            </a:endParaRPr>
+          </a:p>
+        </p:txBody>
+      </p:sp>
+      <p:sp>
+        <p:nvSpPr>
+          <p:cNvPr id="130" name="모서리가 둥근 직사각형 129"/>
+          <p:cNvSpPr/>
+          <p:nvPr/>
+        </p:nvSpPr>
+        <p:spPr>
+          <a:xfrm>
+            <a:off x="5068223" y="1829295"/>
+            <a:ext cx="482969" cy="770400"/>
+          </a:xfrm>
+          <a:prstGeom prst="roundRect">
+            <a:avLst/>
+          </a:prstGeom>
+          <a:solidFill>
+            <a:schemeClr val="accent3">
+              <a:lumMod val="40000"/>
+              <a:lumOff val="60000"/>
+              <a:alpha val="30000"/>
+            </a:schemeClr>
+          </a:solidFill>
+          <a:ln>
+            <a:noFill/>
+          </a:ln>
+        </p:spPr>
+        <p:style>
+          <a:lnRef idx="2">
+            <a:schemeClr val="accent1">
+              <a:shade val="50000"/>
+            </a:schemeClr>
+          </a:lnRef>
+          <a:fillRef idx="1">
+            <a:schemeClr val="accent1"/>
+          </a:fillRef>
+          <a:effectRef idx="0">
+            <a:schemeClr val="accent1"/>
+          </a:effectRef>
+          <a:fontRef idx="minor">
+            <a:schemeClr val="lt1"/>
+          </a:fontRef>
+        </p:style>
+        <p:txBody>
+          <a:bodyPr rtlCol="0" anchor="ctr"/>
+          <a:lstStyle/>
+          <a:p>
+            <a:pPr algn="ctr"/>
+            <a:r>
+              <a:rPr lang="en-US" altLang="ko-KR" sz="700" dirty="0" smtClean="0">
+                <a:solidFill>
+                  <a:schemeClr val="tx1">
+                    <a:alpha val="20000"/>
+                  </a:schemeClr>
+                </a:solidFill>
+              </a:rPr>
+              <a:t>DEPLOY</a:t>
+            </a:r>
+            <a:endParaRPr lang="ko-KR" altLang="en-US" sz="700" dirty="0">
+              <a:solidFill>
+                <a:schemeClr val="tx1">
+                  <a:alpha val="20000"/>
+                </a:schemeClr>
+              </a:solidFill>
+            </a:endParaRPr>
+          </a:p>
+        </p:txBody>
+      </p:sp>
+      <p:sp>
+        <p:nvSpPr>
+          <p:cNvPr id="131" name="모서리가 둥근 직사각형 130"/>
+          <p:cNvSpPr/>
+          <p:nvPr/>
+        </p:nvSpPr>
+        <p:spPr>
+          <a:xfrm>
+            <a:off x="4531983" y="1822821"/>
+            <a:ext cx="482969" cy="770400"/>
+          </a:xfrm>
+          <a:prstGeom prst="roundRect">
+            <a:avLst/>
+          </a:prstGeom>
+          <a:solidFill>
+            <a:schemeClr val="accent3">
+              <a:lumMod val="40000"/>
+              <a:lumOff val="60000"/>
+              <a:alpha val="30000"/>
+            </a:schemeClr>
+          </a:solidFill>
+          <a:ln>
+            <a:noFill/>
+          </a:ln>
+        </p:spPr>
+        <p:style>
+          <a:lnRef idx="2">
+            <a:schemeClr val="accent1">
+              <a:shade val="50000"/>
+            </a:schemeClr>
+          </a:lnRef>
+          <a:fillRef idx="1">
+            <a:schemeClr val="accent1"/>
+          </a:fillRef>
+          <a:effectRef idx="0">
+            <a:schemeClr val="accent1"/>
+          </a:effectRef>
+          <a:fontRef idx="minor">
+            <a:schemeClr val="lt1"/>
+          </a:fontRef>
+        </p:style>
+        <p:txBody>
+          <a:bodyPr rtlCol="0" anchor="ctr"/>
+          <a:lstStyle/>
+          <a:p>
+            <a:pPr algn="ctr"/>
+            <a:r>
+              <a:rPr lang="en-US" altLang="ko-KR" sz="700" dirty="0" smtClean="0">
+                <a:solidFill>
+                  <a:schemeClr val="tx1">
+                    <a:alpha val="20000"/>
+                  </a:schemeClr>
+                </a:solidFill>
+              </a:rPr>
+              <a:t>CODE-GEN</a:t>
+            </a:r>
+            <a:endParaRPr lang="ko-KR" altLang="en-US" sz="700" dirty="0">
+              <a:solidFill>
+                <a:schemeClr val="tx1">
+                  <a:alpha val="20000"/>
+                </a:schemeClr>
+              </a:solidFill>
+            </a:endParaRPr>
+          </a:p>
+        </p:txBody>
+      </p:sp>
+      <p:sp>
+        <p:nvSpPr>
+          <p:cNvPr id="132" name="모서리가 둥근 직사각형 131"/>
+          <p:cNvSpPr/>
+          <p:nvPr/>
+        </p:nvSpPr>
+        <p:spPr>
+          <a:xfrm>
+            <a:off x="7213181" y="1824838"/>
+            <a:ext cx="482969" cy="770400"/>
+          </a:xfrm>
+          <a:prstGeom prst="roundRect">
+            <a:avLst/>
+          </a:prstGeom>
+          <a:solidFill>
+            <a:schemeClr val="accent3">
+              <a:lumMod val="40000"/>
+              <a:lumOff val="60000"/>
+              <a:alpha val="30000"/>
+            </a:schemeClr>
+          </a:solidFill>
+          <a:ln>
+            <a:noFill/>
+          </a:ln>
+        </p:spPr>
+        <p:style>
+          <a:lnRef idx="2">
+            <a:schemeClr val="accent1">
+              <a:shade val="50000"/>
+            </a:schemeClr>
+          </a:lnRef>
+          <a:fillRef idx="1">
+            <a:schemeClr val="accent1"/>
+          </a:fillRef>
+          <a:effectRef idx="0">
+            <a:schemeClr val="accent1"/>
+          </a:effectRef>
+          <a:fontRef idx="minor">
+            <a:schemeClr val="lt1"/>
+          </a:fontRef>
+        </p:style>
+        <p:txBody>
+          <a:bodyPr rtlCol="0" anchor="ctr"/>
+          <a:lstStyle/>
+          <a:p>
+            <a:pPr algn="ctr"/>
+            <a:r>
+              <a:rPr lang="en-US" altLang="ko-KR" sz="700" dirty="0" smtClean="0">
+                <a:solidFill>
+                  <a:schemeClr val="tx1">
+                    <a:alpha val="20000"/>
+                  </a:schemeClr>
+                </a:solidFill>
+              </a:rPr>
+              <a:t>CODE-GEN</a:t>
+            </a:r>
+            <a:endParaRPr lang="ko-KR" altLang="en-US" sz="700" dirty="0">
+              <a:solidFill>
+                <a:schemeClr val="tx1">
+                  <a:alpha val="20000"/>
+                </a:schemeClr>
+              </a:solidFill>
+            </a:endParaRPr>
+          </a:p>
+        </p:txBody>
+      </p:sp>
+      <p:sp>
+        <p:nvSpPr>
+          <p:cNvPr id="60" name="모서리가 둥근 직사각형 59"/>
+          <p:cNvSpPr/>
+          <p:nvPr/>
+        </p:nvSpPr>
+        <p:spPr>
+          <a:xfrm>
+            <a:off x="10254369" y="889297"/>
+            <a:ext cx="1812022" cy="501505"/>
+          </a:xfrm>
+          <a:prstGeom prst="roundRect">
+            <a:avLst/>
+          </a:prstGeom>
+          <a:solidFill>
+            <a:schemeClr val="bg2">
+              <a:lumMod val="50000"/>
+            </a:schemeClr>
+          </a:solidFill>
+          <a:ln>
+            <a:solidFill>
+              <a:schemeClr val="bg2">
+                <a:lumMod val="50000"/>
+              </a:schemeClr>
+            </a:solidFill>
+          </a:ln>
+        </p:spPr>
+        <p:style>
+          <a:lnRef idx="2">
+            <a:schemeClr val="accent1">
+              <a:shade val="50000"/>
+            </a:schemeClr>
+          </a:lnRef>
+          <a:fillRef idx="1">
+            <a:schemeClr val="accent1"/>
+          </a:fillRef>
+          <a:effectRef idx="0">
+            <a:schemeClr val="accent1"/>
+          </a:effectRef>
+          <a:fontRef idx="minor">
+            <a:schemeClr val="lt1"/>
+          </a:fontRef>
+        </p:style>
+        <p:txBody>
+          <a:bodyPr rtlCol="0" anchor="ctr"/>
+          <a:lstStyle/>
+          <a:p>
+            <a:pPr algn="ctr"/>
+            <a:r>
+              <a:rPr lang="en-US" altLang="ko-KR" sz="1200" dirty="0" smtClean="0">
+                <a:latin typeface="Noto Sans KR" panose="020B0200000000000000" pitchFamily="50" charset="-127"/>
+                <a:ea typeface="Noto Sans KR" panose="020B0200000000000000" pitchFamily="50" charset="-127"/>
+              </a:rPr>
+              <a:t>Interface</a:t>
+            </a:r>
+          </a:p>
+          <a:p>
+            <a:pPr algn="ctr"/>
+            <a:r>
+              <a:rPr lang="en-US" altLang="ko-KR" sz="1200" dirty="0" smtClean="0">
+                <a:latin typeface="Noto Sans KR" panose="020B0200000000000000" pitchFamily="50" charset="-127"/>
+                <a:ea typeface="Noto Sans KR" panose="020B0200000000000000" pitchFamily="50" charset="-127"/>
+              </a:rPr>
+              <a:t>Execute Engine</a:t>
+            </a:r>
+            <a:endParaRPr lang="ko-KR" altLang="en-US" sz="1200" dirty="0">
+              <a:latin typeface="Noto Sans KR" panose="020B0200000000000000" pitchFamily="50" charset="-127"/>
+              <a:ea typeface="Noto Sans KR" panose="020B0200000000000000" pitchFamily="50" charset="-127"/>
+            </a:endParaRPr>
+          </a:p>
+        </p:txBody>
+      </p:sp>
+      <p:sp>
+        <p:nvSpPr>
+          <p:cNvPr id="4" name="모서리가 둥근 직사각형 3"/>
+          <p:cNvSpPr/>
+          <p:nvPr/>
+        </p:nvSpPr>
+        <p:spPr>
+          <a:xfrm>
+            <a:off x="3854486" y="960733"/>
+            <a:ext cx="4404220" cy="2629382"/>
+          </a:xfrm>
+          <a:prstGeom prst="roundRect">
+            <a:avLst/>
+          </a:prstGeom>
+          <a:noFill/>
+          <a:ln w="28575">
+            <a:solidFill>
+              <a:srgbClr val="767171"/>
+            </a:solidFill>
+          </a:ln>
+        </p:spPr>
+        <p:style>
+          <a:lnRef idx="2">
+            <a:schemeClr val="accent1">
+              <a:shade val="50000"/>
+            </a:schemeClr>
+          </a:lnRef>
+          <a:fillRef idx="1">
+            <a:schemeClr val="accent1"/>
+          </a:fillRef>
+          <a:effectRef idx="0">
+            <a:schemeClr val="accent1"/>
+          </a:effectRef>
+          <a:fontRef idx="minor">
+            <a:schemeClr val="lt1"/>
+          </a:fontRef>
+        </p:style>
+        <p:txBody>
+          <a:bodyPr rtlCol="0" anchor="ctr"/>
+          <a:lstStyle/>
+          <a:p>
+            <a:pPr algn="ctr"/>
+            <a:endParaRPr lang="ko-KR" altLang="en-US"/>
+          </a:p>
+        </p:txBody>
+      </p:sp>
+      <p:sp>
+        <p:nvSpPr>
+          <p:cNvPr id="61" name="모서리가 둥근 직사각형 60"/>
+          <p:cNvSpPr/>
+          <p:nvPr/>
+        </p:nvSpPr>
+        <p:spPr>
+          <a:xfrm>
+            <a:off x="10254369" y="1953235"/>
+            <a:ext cx="1812022" cy="501505"/>
+          </a:xfrm>
+          <a:prstGeom prst="roundRect">
+            <a:avLst/>
+          </a:prstGeom>
+          <a:solidFill>
+            <a:schemeClr val="bg2">
+              <a:lumMod val="50000"/>
+            </a:schemeClr>
+          </a:solidFill>
+          <a:ln>
+            <a:solidFill>
+              <a:schemeClr val="bg2">
+                <a:lumMod val="50000"/>
+              </a:schemeClr>
+            </a:solidFill>
+          </a:ln>
+        </p:spPr>
+        <p:style>
+          <a:lnRef idx="2">
+            <a:schemeClr val="accent1">
+              <a:shade val="50000"/>
+            </a:schemeClr>
+          </a:lnRef>
+          <a:fillRef idx="1">
+            <a:schemeClr val="accent1"/>
+          </a:fillRef>
+          <a:effectRef idx="0">
+            <a:schemeClr val="accent1"/>
+          </a:effectRef>
+          <a:fontRef idx="minor">
+            <a:schemeClr val="lt1"/>
+          </a:fontRef>
+        </p:style>
+        <p:txBody>
+          <a:bodyPr rtlCol="0" anchor="ctr"/>
+          <a:lstStyle/>
+          <a:p>
+            <a:pPr algn="ctr"/>
+            <a:r>
+              <a:rPr lang="en-US" altLang="ko-KR" sz="1200" dirty="0" smtClean="0">
+                <a:latin typeface="Noto Sans KR" panose="020B0200000000000000" pitchFamily="50" charset="-127"/>
+                <a:ea typeface="Noto Sans KR" panose="020B0200000000000000" pitchFamily="50" charset="-127"/>
+              </a:rPr>
+              <a:t>Interface</a:t>
+            </a:r>
+          </a:p>
+          <a:p>
+            <a:pPr algn="ctr"/>
+            <a:r>
+              <a:rPr lang="en-US" altLang="ko-KR" sz="1200" dirty="0" smtClean="0">
+                <a:latin typeface="Noto Sans KR" panose="020B0200000000000000" pitchFamily="50" charset="-127"/>
+                <a:ea typeface="Noto Sans KR" panose="020B0200000000000000" pitchFamily="50" charset="-127"/>
+              </a:rPr>
+              <a:t>Execute Engine</a:t>
+            </a:r>
+            <a:endParaRPr lang="ko-KR" altLang="en-US" sz="1200" dirty="0">
+              <a:latin typeface="Noto Sans KR" panose="020B0200000000000000" pitchFamily="50" charset="-127"/>
+              <a:ea typeface="Noto Sans KR" panose="020B0200000000000000" pitchFamily="50" charset="-127"/>
+            </a:endParaRPr>
+          </a:p>
+        </p:txBody>
+      </p:sp>
+      <p:sp>
+        <p:nvSpPr>
+          <p:cNvPr id="62" name="모서리가 둥근 직사각형 61"/>
+          <p:cNvSpPr/>
+          <p:nvPr/>
+        </p:nvSpPr>
+        <p:spPr>
+          <a:xfrm>
+            <a:off x="10254369" y="3017173"/>
+            <a:ext cx="1812022" cy="501505"/>
+          </a:xfrm>
+          <a:prstGeom prst="roundRect">
+            <a:avLst/>
+          </a:prstGeom>
+          <a:solidFill>
+            <a:schemeClr val="bg2">
+              <a:lumMod val="50000"/>
+            </a:schemeClr>
+          </a:solidFill>
+          <a:ln>
+            <a:solidFill>
+              <a:schemeClr val="bg2">
+                <a:lumMod val="50000"/>
+              </a:schemeClr>
+            </a:solidFill>
+          </a:ln>
+        </p:spPr>
+        <p:style>
+          <a:lnRef idx="2">
+            <a:schemeClr val="accent1">
+              <a:shade val="50000"/>
+            </a:schemeClr>
+          </a:lnRef>
+          <a:fillRef idx="1">
+            <a:schemeClr val="accent1"/>
+          </a:fillRef>
+          <a:effectRef idx="0">
+            <a:schemeClr val="accent1"/>
+          </a:effectRef>
+          <a:fontRef idx="minor">
+            <a:schemeClr val="lt1"/>
+          </a:fontRef>
+        </p:style>
+        <p:txBody>
+          <a:bodyPr rtlCol="0" anchor="ctr"/>
+          <a:lstStyle/>
+          <a:p>
+            <a:pPr algn="ctr"/>
+            <a:r>
+              <a:rPr lang="en-US" altLang="ko-KR" sz="1200" dirty="0" smtClean="0">
+                <a:latin typeface="Noto Sans KR" panose="020B0200000000000000" pitchFamily="50" charset="-127"/>
+                <a:ea typeface="Noto Sans KR" panose="020B0200000000000000" pitchFamily="50" charset="-127"/>
+              </a:rPr>
+              <a:t>Interface</a:t>
+            </a:r>
+          </a:p>
+          <a:p>
+            <a:pPr algn="ctr"/>
+            <a:r>
+              <a:rPr lang="en-US" altLang="ko-KR" sz="1200" dirty="0" smtClean="0">
+                <a:latin typeface="Noto Sans KR" panose="020B0200000000000000" pitchFamily="50" charset="-127"/>
+                <a:ea typeface="Noto Sans KR" panose="020B0200000000000000" pitchFamily="50" charset="-127"/>
+              </a:rPr>
+              <a:t>Execute Engine</a:t>
+            </a:r>
+            <a:endParaRPr lang="ko-KR" altLang="en-US" sz="1200" dirty="0">
+              <a:latin typeface="Noto Sans KR" panose="020B0200000000000000" pitchFamily="50" charset="-127"/>
+              <a:ea typeface="Noto Sans KR" panose="020B0200000000000000" pitchFamily="50" charset="-127"/>
+            </a:endParaRPr>
+          </a:p>
+        </p:txBody>
+      </p:sp>
+      <p:cxnSp>
+        <p:nvCxnSpPr>
+          <p:cNvPr id="9" name="직선 화살표 연결선 8"/>
+          <p:cNvCxnSpPr>
+            <a:stCxn id="63" idx="3"/>
+            <a:endCxn id="34" idx="1"/>
+          </p:cNvCxnSpPr>
+          <p:nvPr/>
+        </p:nvCxnSpPr>
+        <p:spPr>
+          <a:xfrm>
+            <a:off x="1426119" y="2212265"/>
+            <a:ext cx="430044" cy="0"/>
+          </a:xfrm>
+          <a:prstGeom prst="straightConnector1">
+            <a:avLst/>
+          </a:prstGeom>
+          <a:ln w="28575">
+            <a:solidFill>
               <a:srgbClr val="4886BF"/>
             </a:solidFill>
-            <a:ln>
-              <a:noFill/>
+            <a:tailEnd type="triangle"/>
+          </a:ln>
+        </p:spPr>
+        <p:style>
+          <a:lnRef idx="1">
+            <a:schemeClr val="accent1"/>
+          </a:lnRef>
+          <a:fillRef idx="0">
+            <a:schemeClr val="accent1"/>
+          </a:fillRef>
+          <a:effectRef idx="0">
+            <a:schemeClr val="accent1"/>
+          </a:effectRef>
+          <a:fontRef idx="minor">
+            <a:schemeClr val="tx1"/>
+          </a:fontRef>
+        </p:style>
+      </p:cxnSp>
+      <p:sp>
+        <p:nvSpPr>
+          <p:cNvPr id="63" name="순서도: 처리 62"/>
+          <p:cNvSpPr/>
+          <p:nvPr/>
+        </p:nvSpPr>
+        <p:spPr>
+          <a:xfrm>
+            <a:off x="295165" y="2001186"/>
+            <a:ext cx="1130954" cy="422158"/>
+          </a:xfrm>
+          <a:prstGeom prst="flowChartProcess">
+            <a:avLst/>
+          </a:prstGeom>
+          <a:solidFill>
+            <a:srgbClr val="4886BF"/>
+          </a:solidFill>
+          <a:ln>
+            <a:noFill/>
+          </a:ln>
+        </p:spPr>
+        <p:style>
+          <a:lnRef idx="2">
+            <a:schemeClr val="accent1">
+              <a:shade val="50000"/>
+            </a:schemeClr>
+          </a:lnRef>
+          <a:fillRef idx="1">
+            <a:schemeClr val="accent1"/>
+          </a:fillRef>
+          <a:effectRef idx="0">
+            <a:schemeClr val="accent1"/>
+          </a:effectRef>
+          <a:fontRef idx="minor">
+            <a:schemeClr val="lt1"/>
+          </a:fontRef>
+        </p:style>
+        <p:txBody>
+          <a:bodyPr rtlCol="0" anchor="ctr"/>
+          <a:lstStyle/>
+          <a:p>
+            <a:pPr algn="ctr"/>
+            <a:r>
+              <a:rPr lang="en-US" altLang="ko-KR" sz="1100" dirty="0" smtClean="0">
+                <a:latin typeface="Noto Sans KR" panose="020B0200000000000000" pitchFamily="50" charset="-127"/>
+                <a:ea typeface="Noto Sans KR" panose="020B0200000000000000" pitchFamily="50" charset="-127"/>
+              </a:rPr>
+              <a:t>Deploy</a:t>
+            </a:r>
+          </a:p>
+          <a:p>
+            <a:pPr algn="ctr"/>
+            <a:r>
+              <a:rPr lang="en-US" altLang="ko-KR" sz="1100" dirty="0" smtClean="0">
+                <a:latin typeface="Noto Sans KR" panose="020B0200000000000000" pitchFamily="50" charset="-127"/>
+                <a:ea typeface="Noto Sans KR" panose="020B0200000000000000" pitchFamily="50" charset="-127"/>
+              </a:rPr>
+              <a:t>Request</a:t>
+            </a:r>
+            <a:endParaRPr lang="ko-KR" altLang="en-US" sz="1100" dirty="0">
+              <a:latin typeface="Noto Sans KR" panose="020B0200000000000000" pitchFamily="50" charset="-127"/>
+              <a:ea typeface="Noto Sans KR" panose="020B0200000000000000" pitchFamily="50" charset="-127"/>
+            </a:endParaRPr>
+          </a:p>
+        </p:txBody>
+      </p:sp>
+      <p:sp>
+        <p:nvSpPr>
+          <p:cNvPr id="66" name="모서리가 둥근 직사각형 65"/>
+          <p:cNvSpPr/>
+          <p:nvPr/>
+        </p:nvSpPr>
+        <p:spPr>
+          <a:xfrm>
+            <a:off x="4444977" y="2914932"/>
+            <a:ext cx="901090" cy="365706"/>
+          </a:xfrm>
+          <a:prstGeom prst="roundRect">
+            <a:avLst/>
+          </a:prstGeom>
+          <a:solidFill>
+            <a:schemeClr val="accent3">
+              <a:lumMod val="40000"/>
+              <a:lumOff val="60000"/>
+            </a:schemeClr>
+          </a:solidFill>
+          <a:ln>
+            <a:noFill/>
+          </a:ln>
+        </p:spPr>
+        <p:style>
+          <a:lnRef idx="2">
+            <a:schemeClr val="accent1">
+              <a:shade val="50000"/>
+            </a:schemeClr>
+          </a:lnRef>
+          <a:fillRef idx="1">
+            <a:schemeClr val="accent1"/>
+          </a:fillRef>
+          <a:effectRef idx="0">
+            <a:schemeClr val="accent1"/>
+          </a:effectRef>
+          <a:fontRef idx="minor">
+            <a:schemeClr val="lt1"/>
+          </a:fontRef>
+        </p:style>
+        <p:txBody>
+          <a:bodyPr rtlCol="0" anchor="ctr"/>
+          <a:lstStyle/>
+          <a:p>
+            <a:pPr algn="ctr"/>
+            <a:r>
+              <a:rPr lang="en-US" altLang="ko-KR" sz="1000" dirty="0" smtClean="0">
+                <a:solidFill>
+                  <a:schemeClr val="tx1"/>
+                </a:solidFill>
+              </a:rPr>
+              <a:t>Code-gen</a:t>
+            </a:r>
+          </a:p>
+          <a:p>
+            <a:pPr algn="ctr"/>
+            <a:r>
+              <a:rPr lang="en-US" altLang="ko-KR" sz="1000" dirty="0">
+                <a:solidFill>
+                  <a:schemeClr val="tx1"/>
+                </a:solidFill>
+              </a:rPr>
+              <a:t>Application</a:t>
+            </a:r>
+            <a:endParaRPr lang="ko-KR" altLang="en-US" sz="1000" dirty="0">
+              <a:solidFill>
+                <a:schemeClr val="tx1"/>
+              </a:solidFill>
+            </a:endParaRPr>
+          </a:p>
+        </p:txBody>
+      </p:sp>
+      <p:sp>
+        <p:nvSpPr>
+          <p:cNvPr id="67" name="모서리가 둥근 직사각형 66"/>
+          <p:cNvSpPr/>
+          <p:nvPr/>
+        </p:nvSpPr>
+        <p:spPr>
+          <a:xfrm>
+            <a:off x="6886580" y="1140250"/>
+            <a:ext cx="901090" cy="365706"/>
+          </a:xfrm>
+          <a:prstGeom prst="roundRect">
+            <a:avLst/>
+          </a:prstGeom>
+          <a:solidFill>
+            <a:schemeClr val="accent3">
+              <a:lumMod val="40000"/>
+              <a:lumOff val="60000"/>
+            </a:schemeClr>
+          </a:solidFill>
+          <a:ln>
+            <a:noFill/>
+          </a:ln>
+        </p:spPr>
+        <p:style>
+          <a:lnRef idx="2">
+            <a:schemeClr val="accent1">
+              <a:shade val="50000"/>
+            </a:schemeClr>
+          </a:lnRef>
+          <a:fillRef idx="1">
+            <a:schemeClr val="accent1"/>
+          </a:fillRef>
+          <a:effectRef idx="0">
+            <a:schemeClr val="accent1"/>
+          </a:effectRef>
+          <a:fontRef idx="minor">
+            <a:schemeClr val="lt1"/>
+          </a:fontRef>
+        </p:style>
+        <p:txBody>
+          <a:bodyPr rtlCol="0" anchor="ctr"/>
+          <a:lstStyle/>
+          <a:p>
+            <a:pPr algn="ctr"/>
+            <a:r>
+              <a:rPr lang="en-US" altLang="ko-KR" sz="1000" dirty="0" smtClean="0">
+                <a:solidFill>
+                  <a:schemeClr val="tx1"/>
+                </a:solidFill>
+              </a:rPr>
+              <a:t>Compile</a:t>
+            </a:r>
+          </a:p>
+          <a:p>
+            <a:pPr algn="ctr"/>
+            <a:r>
+              <a:rPr lang="en-US" altLang="ko-KR" sz="1000" dirty="0" smtClean="0">
+                <a:solidFill>
+                  <a:schemeClr val="tx1"/>
+                </a:solidFill>
+              </a:rPr>
+              <a:t>Application</a:t>
+            </a:r>
+            <a:endParaRPr lang="ko-KR" altLang="en-US" sz="1000" dirty="0">
+              <a:solidFill>
+                <a:schemeClr val="tx1"/>
+              </a:solidFill>
+            </a:endParaRPr>
+          </a:p>
+        </p:txBody>
+      </p:sp>
+      <p:sp>
+        <p:nvSpPr>
+          <p:cNvPr id="68" name="모서리가 둥근 직사각형 67"/>
+          <p:cNvSpPr/>
+          <p:nvPr/>
+        </p:nvSpPr>
+        <p:spPr>
+          <a:xfrm>
+            <a:off x="6878191" y="2913276"/>
+            <a:ext cx="901090" cy="365706"/>
+          </a:xfrm>
+          <a:prstGeom prst="roundRect">
+            <a:avLst/>
+          </a:prstGeom>
+          <a:solidFill>
+            <a:schemeClr val="accent3">
+              <a:lumMod val="40000"/>
+              <a:lumOff val="60000"/>
+            </a:schemeClr>
+          </a:solidFill>
+          <a:ln>
+            <a:noFill/>
+          </a:ln>
+        </p:spPr>
+        <p:style>
+          <a:lnRef idx="2">
+            <a:schemeClr val="accent1">
+              <a:shade val="50000"/>
+            </a:schemeClr>
+          </a:lnRef>
+          <a:fillRef idx="1">
+            <a:schemeClr val="accent1"/>
+          </a:fillRef>
+          <a:effectRef idx="0">
+            <a:schemeClr val="accent1"/>
+          </a:effectRef>
+          <a:fontRef idx="minor">
+            <a:schemeClr val="lt1"/>
+          </a:fontRef>
+        </p:style>
+        <p:txBody>
+          <a:bodyPr rtlCol="0" anchor="ctr"/>
+          <a:lstStyle/>
+          <a:p>
+            <a:pPr algn="ctr"/>
+            <a:r>
+              <a:rPr lang="en-US" altLang="ko-KR" sz="1000" dirty="0" smtClean="0">
+                <a:solidFill>
+                  <a:schemeClr val="tx1"/>
+                </a:solidFill>
+              </a:rPr>
+              <a:t>Deploy</a:t>
+            </a:r>
+          </a:p>
+          <a:p>
+            <a:pPr algn="ctr"/>
+            <a:r>
+              <a:rPr lang="en-US" altLang="ko-KR" sz="1000" dirty="0">
+                <a:solidFill>
+                  <a:schemeClr val="tx1"/>
+                </a:solidFill>
+              </a:rPr>
+              <a:t>Application</a:t>
+            </a:r>
+            <a:endParaRPr lang="ko-KR" altLang="en-US" sz="1000" dirty="0">
+              <a:solidFill>
+                <a:schemeClr val="tx1"/>
+              </a:solidFill>
+            </a:endParaRPr>
+          </a:p>
+        </p:txBody>
+      </p:sp>
+      <p:cxnSp>
+        <p:nvCxnSpPr>
+          <p:cNvPr id="19" name="꺾인 연결선 18"/>
+          <p:cNvCxnSpPr>
+            <a:stCxn id="68" idx="3"/>
+            <a:endCxn id="60" idx="1"/>
+          </p:cNvCxnSpPr>
+          <p:nvPr/>
+        </p:nvCxnSpPr>
+        <p:spPr>
+          <a:xfrm flipV="1">
+            <a:off x="7779281" y="1140050"/>
+            <a:ext cx="2475088" cy="1956079"/>
+          </a:xfrm>
+          <a:prstGeom prst="bentConnector3">
+            <a:avLst/>
+          </a:prstGeom>
+          <a:ln w="28575">
+            <a:solidFill>
+              <a:srgbClr val="4886BF"/>
+            </a:solidFill>
+            <a:tailEnd type="triangle"/>
+          </a:ln>
+        </p:spPr>
+        <p:style>
+          <a:lnRef idx="1">
+            <a:schemeClr val="accent1"/>
+          </a:lnRef>
+          <a:fillRef idx="0">
+            <a:schemeClr val="accent1"/>
+          </a:fillRef>
+          <a:effectRef idx="0">
+            <a:schemeClr val="accent1"/>
+          </a:effectRef>
+          <a:fontRef idx="minor">
+            <a:schemeClr val="tx1"/>
+          </a:fontRef>
+        </p:style>
+      </p:cxnSp>
+      <p:cxnSp>
+        <p:nvCxnSpPr>
+          <p:cNvPr id="73" name="꺾인 연결선 72"/>
+          <p:cNvCxnSpPr>
+            <a:stCxn id="68" idx="3"/>
+            <a:endCxn id="61" idx="1"/>
+          </p:cNvCxnSpPr>
+          <p:nvPr/>
+        </p:nvCxnSpPr>
+        <p:spPr>
+          <a:xfrm flipV="1">
+            <a:off x="7779281" y="2203988"/>
+            <a:ext cx="2475088" cy="892141"/>
+          </a:xfrm>
+          <a:prstGeom prst="bentConnector3">
+            <a:avLst>
+              <a:gd name="adj1" fmla="val 50000"/>
+            </a:avLst>
+          </a:prstGeom>
+          <a:ln w="28575">
+            <a:solidFill>
+              <a:srgbClr val="4886BF"/>
+            </a:solidFill>
+            <a:tailEnd type="triangle"/>
+          </a:ln>
+        </p:spPr>
+        <p:style>
+          <a:lnRef idx="1">
+            <a:schemeClr val="accent1"/>
+          </a:lnRef>
+          <a:fillRef idx="0">
+            <a:schemeClr val="accent1"/>
+          </a:fillRef>
+          <a:effectRef idx="0">
+            <a:schemeClr val="accent1"/>
+          </a:effectRef>
+          <a:fontRef idx="minor">
+            <a:schemeClr val="tx1"/>
+          </a:fontRef>
+        </p:style>
+      </p:cxnSp>
+      <p:cxnSp>
+        <p:nvCxnSpPr>
+          <p:cNvPr id="76" name="꺾인 연결선 75"/>
+          <p:cNvCxnSpPr>
+            <a:stCxn id="68" idx="3"/>
+            <a:endCxn id="62" idx="1"/>
+          </p:cNvCxnSpPr>
+          <p:nvPr/>
+        </p:nvCxnSpPr>
+        <p:spPr>
+          <a:xfrm>
+            <a:off x="7779281" y="3096129"/>
+            <a:ext cx="2475088" cy="171797"/>
+          </a:xfrm>
+          <a:prstGeom prst="bentConnector3">
+            <a:avLst>
+              <a:gd name="adj1" fmla="val 50000"/>
+            </a:avLst>
+          </a:prstGeom>
+          <a:ln w="28575">
+            <a:solidFill>
+              <a:srgbClr val="4886BF"/>
+            </a:solidFill>
+            <a:tailEnd type="triangle"/>
+          </a:ln>
+        </p:spPr>
+        <p:style>
+          <a:lnRef idx="1">
+            <a:schemeClr val="accent1"/>
+          </a:lnRef>
+          <a:fillRef idx="0">
+            <a:schemeClr val="accent1"/>
+          </a:fillRef>
+          <a:effectRef idx="0">
+            <a:schemeClr val="accent1"/>
+          </a:effectRef>
+          <a:fontRef idx="minor">
+            <a:schemeClr val="tx1"/>
+          </a:fontRef>
+        </p:style>
+      </p:cxnSp>
+      <p:sp>
+        <p:nvSpPr>
+          <p:cNvPr id="85" name="모서리가 둥근 직사각형 84"/>
+          <p:cNvSpPr/>
+          <p:nvPr/>
+        </p:nvSpPr>
+        <p:spPr>
+          <a:xfrm>
+            <a:off x="4440463" y="1757425"/>
+            <a:ext cx="3347207" cy="914141"/>
+          </a:xfrm>
+          <a:prstGeom prst="roundRect">
+            <a:avLst/>
+          </a:prstGeom>
+          <a:noFill/>
+          <a:ln w="38100">
+            <a:solidFill>
+              <a:schemeClr val="tx1"/>
+            </a:solidFill>
+            <a:prstDash val="sysDash"/>
+          </a:ln>
+        </p:spPr>
+        <p:style>
+          <a:lnRef idx="2">
+            <a:schemeClr val="accent1">
+              <a:shade val="50000"/>
+            </a:schemeClr>
+          </a:lnRef>
+          <a:fillRef idx="1">
+            <a:schemeClr val="accent1"/>
+          </a:fillRef>
+          <a:effectRef idx="0">
+            <a:schemeClr val="accent1"/>
+          </a:effectRef>
+          <a:fontRef idx="minor">
+            <a:schemeClr val="lt1"/>
+          </a:fontRef>
+        </p:style>
+        <p:txBody>
+          <a:bodyPr rtlCol="0" anchor="t"/>
+          <a:lstStyle/>
+          <a:p>
+            <a:pPr algn="ctr"/>
+            <a:r>
+              <a:rPr lang="en-US" altLang="ko-KR" sz="1050" dirty="0" smtClean="0">
+                <a:solidFill>
+                  <a:sysClr val="windowText" lastClr="000000"/>
+                </a:solidFill>
+              </a:rPr>
+              <a:t>Message Queue</a:t>
+            </a:r>
+            <a:endParaRPr lang="ko-KR" altLang="en-US" sz="1050" dirty="0">
+              <a:solidFill>
+                <a:sysClr val="windowText" lastClr="000000"/>
+              </a:solidFill>
+            </a:endParaRPr>
+          </a:p>
+        </p:txBody>
+      </p:sp>
+      <p:sp>
+        <p:nvSpPr>
+          <p:cNvPr id="97" name="모서리가 둥근 직사각형 96"/>
+          <p:cNvSpPr/>
+          <p:nvPr/>
+        </p:nvSpPr>
+        <p:spPr>
+          <a:xfrm>
+            <a:off x="4444977" y="1140050"/>
+            <a:ext cx="901090" cy="365706"/>
+          </a:xfrm>
+          <a:prstGeom prst="roundRect">
+            <a:avLst/>
+          </a:prstGeom>
+          <a:solidFill>
+            <a:schemeClr val="accent3">
+              <a:lumMod val="40000"/>
+              <a:lumOff val="60000"/>
+            </a:schemeClr>
+          </a:solidFill>
+          <a:ln>
+            <a:noFill/>
+          </a:ln>
+        </p:spPr>
+        <p:style>
+          <a:lnRef idx="2">
+            <a:schemeClr val="accent1">
+              <a:shade val="50000"/>
+            </a:schemeClr>
+          </a:lnRef>
+          <a:fillRef idx="1">
+            <a:schemeClr val="accent1"/>
+          </a:fillRef>
+          <a:effectRef idx="0">
+            <a:schemeClr val="accent1"/>
+          </a:effectRef>
+          <a:fontRef idx="minor">
+            <a:schemeClr val="lt1"/>
+          </a:fontRef>
+        </p:style>
+        <p:txBody>
+          <a:bodyPr rtlCol="0" anchor="ctr"/>
+          <a:lstStyle/>
+          <a:p>
+            <a:pPr algn="ctr"/>
+            <a:r>
+              <a:rPr lang="en-US" altLang="ko-KR" sz="1000" dirty="0" smtClean="0">
+                <a:solidFill>
+                  <a:schemeClr val="tx1"/>
+                </a:solidFill>
+              </a:rPr>
+              <a:t>Error</a:t>
+            </a:r>
+          </a:p>
+          <a:p>
+            <a:pPr algn="ctr"/>
+            <a:r>
+              <a:rPr lang="en-US" altLang="ko-KR" sz="1000" dirty="0" smtClean="0">
+                <a:solidFill>
+                  <a:schemeClr val="tx1"/>
+                </a:solidFill>
+              </a:rPr>
+              <a:t>Application</a:t>
+            </a:r>
+            <a:endParaRPr lang="ko-KR" altLang="en-US" sz="1000" dirty="0">
+              <a:solidFill>
+                <a:schemeClr val="tx1"/>
+              </a:solidFill>
+            </a:endParaRPr>
+          </a:p>
+        </p:txBody>
+      </p:sp>
+      <p:cxnSp>
+        <p:nvCxnSpPr>
+          <p:cNvPr id="101" name="꺾인 연결선 100"/>
+          <p:cNvCxnSpPr>
+            <a:stCxn id="97" idx="3"/>
+            <a:endCxn id="85" idx="0"/>
+          </p:cNvCxnSpPr>
+          <p:nvPr/>
+        </p:nvCxnSpPr>
+        <p:spPr>
+          <a:xfrm>
+            <a:off x="5346067" y="1322903"/>
+            <a:ext cx="768000" cy="434522"/>
+          </a:xfrm>
+          <a:prstGeom prst="bentConnector2">
+            <a:avLst/>
+          </a:prstGeom>
+          <a:ln w="28575">
+            <a:solidFill>
+              <a:schemeClr val="tx1"/>
+            </a:solidFill>
+            <a:headEnd type="triangle"/>
+            <a:tailEnd type="triangle"/>
+          </a:ln>
+        </p:spPr>
+        <p:style>
+          <a:lnRef idx="1">
+            <a:schemeClr val="accent1"/>
+          </a:lnRef>
+          <a:fillRef idx="0">
+            <a:schemeClr val="accent1"/>
+          </a:fillRef>
+          <a:effectRef idx="0">
+            <a:schemeClr val="accent1"/>
+          </a:effectRef>
+          <a:fontRef idx="minor">
+            <a:schemeClr val="tx1"/>
+          </a:fontRef>
+        </p:style>
+      </p:cxnSp>
+      <p:cxnSp>
+        <p:nvCxnSpPr>
+          <p:cNvPr id="103" name="꺾인 연결선 102"/>
+          <p:cNvCxnSpPr>
+            <a:stCxn id="67" idx="1"/>
+            <a:endCxn id="85" idx="0"/>
+          </p:cNvCxnSpPr>
+          <p:nvPr/>
+        </p:nvCxnSpPr>
+        <p:spPr>
+          <a:xfrm rot="10800000" flipV="1">
+            <a:off x="6114068" y="1323103"/>
+            <a:ext cx="772513" cy="434322"/>
+          </a:xfrm>
+          <a:prstGeom prst="bentConnector2">
+            <a:avLst/>
+          </a:prstGeom>
+          <a:ln w="28575">
+            <a:solidFill>
+              <a:schemeClr val="tx1"/>
+            </a:solidFill>
+            <a:headEnd type="triangle"/>
+            <a:tailEnd type="triangle"/>
+          </a:ln>
+        </p:spPr>
+        <p:style>
+          <a:lnRef idx="1">
+            <a:schemeClr val="accent1"/>
+          </a:lnRef>
+          <a:fillRef idx="0">
+            <a:schemeClr val="accent1"/>
+          </a:fillRef>
+          <a:effectRef idx="0">
+            <a:schemeClr val="accent1"/>
+          </a:effectRef>
+          <a:fontRef idx="minor">
+            <a:schemeClr val="tx1"/>
+          </a:fontRef>
+        </p:style>
+      </p:cxnSp>
+      <p:cxnSp>
+        <p:nvCxnSpPr>
+          <p:cNvPr id="107" name="꺾인 연결선 106"/>
+          <p:cNvCxnSpPr>
+            <a:stCxn id="66" idx="3"/>
+            <a:endCxn id="85" idx="2"/>
+          </p:cNvCxnSpPr>
+          <p:nvPr/>
+        </p:nvCxnSpPr>
+        <p:spPr>
+          <a:xfrm flipV="1">
+            <a:off x="5346067" y="2671566"/>
+            <a:ext cx="768000" cy="426219"/>
+          </a:xfrm>
+          <a:prstGeom prst="bentConnector2">
+            <a:avLst/>
+          </a:prstGeom>
+          <a:ln w="28575">
+            <a:solidFill>
+              <a:schemeClr val="tx1"/>
+            </a:solidFill>
+            <a:headEnd type="triangle"/>
+            <a:tailEnd type="triangle"/>
+          </a:ln>
+        </p:spPr>
+        <p:style>
+          <a:lnRef idx="1">
+            <a:schemeClr val="accent1"/>
+          </a:lnRef>
+          <a:fillRef idx="0">
+            <a:schemeClr val="accent1"/>
+          </a:fillRef>
+          <a:effectRef idx="0">
+            <a:schemeClr val="accent1"/>
+          </a:effectRef>
+          <a:fontRef idx="minor">
+            <a:schemeClr val="tx1"/>
+          </a:fontRef>
+        </p:style>
+      </p:cxnSp>
+      <p:cxnSp>
+        <p:nvCxnSpPr>
+          <p:cNvPr id="109" name="꺾인 연결선 108"/>
+          <p:cNvCxnSpPr>
+            <a:stCxn id="85" idx="2"/>
+            <a:endCxn id="68" idx="1"/>
+          </p:cNvCxnSpPr>
+          <p:nvPr/>
+        </p:nvCxnSpPr>
+        <p:spPr>
+          <a:xfrm rot="16200000" flipH="1">
+            <a:off x="6283848" y="2501785"/>
+            <a:ext cx="424563" cy="764124"/>
+          </a:xfrm>
+          <a:prstGeom prst="bentConnector2">
+            <a:avLst/>
+          </a:prstGeom>
+          <a:ln w="28575">
+            <a:solidFill>
+              <a:schemeClr val="tx1"/>
+            </a:solidFill>
+            <a:headEnd type="triangle"/>
+            <a:tailEnd type="triangle"/>
+          </a:ln>
+        </p:spPr>
+        <p:style>
+          <a:lnRef idx="1">
+            <a:schemeClr val="accent1"/>
+          </a:lnRef>
+          <a:fillRef idx="0">
+            <a:schemeClr val="accent1"/>
+          </a:fillRef>
+          <a:effectRef idx="0">
+            <a:schemeClr val="accent1"/>
+          </a:effectRef>
+          <a:fontRef idx="minor">
+            <a:schemeClr val="tx1"/>
+          </a:fontRef>
+        </p:style>
+      </p:cxnSp>
+      <p:cxnSp>
+        <p:nvCxnSpPr>
+          <p:cNvPr id="126" name="직선 화살표 연결선 125"/>
+          <p:cNvCxnSpPr>
+            <a:stCxn id="34" idx="3"/>
+            <a:endCxn id="85" idx="1"/>
+          </p:cNvCxnSpPr>
+          <p:nvPr/>
+        </p:nvCxnSpPr>
+        <p:spPr>
+          <a:xfrm>
+            <a:off x="3668185" y="2212265"/>
+            <a:ext cx="772278" cy="2231"/>
+          </a:xfrm>
+          <a:prstGeom prst="straightConnector1">
+            <a:avLst/>
+          </a:prstGeom>
+          <a:ln w="28575">
+            <a:solidFill>
+              <a:schemeClr val="tx1"/>
+            </a:solidFill>
+            <a:tailEnd type="triangle"/>
+          </a:ln>
+        </p:spPr>
+        <p:style>
+          <a:lnRef idx="1">
+            <a:schemeClr val="accent1"/>
+          </a:lnRef>
+          <a:fillRef idx="0">
+            <a:schemeClr val="accent1"/>
+          </a:fillRef>
+          <a:effectRef idx="0">
+            <a:schemeClr val="accent1"/>
+          </a:effectRef>
+          <a:fontRef idx="minor">
+            <a:schemeClr val="tx1"/>
+          </a:fontRef>
+        </p:style>
+      </p:cxnSp>
+      <p:sp>
+        <p:nvSpPr>
+          <p:cNvPr id="34" name="모서리가 둥근 직사각형 33"/>
+          <p:cNvSpPr/>
+          <p:nvPr/>
+        </p:nvSpPr>
+        <p:spPr>
+          <a:xfrm>
+            <a:off x="1856163" y="1961512"/>
+            <a:ext cx="1812022" cy="501505"/>
+          </a:xfrm>
+          <a:prstGeom prst="roundRect">
+            <a:avLst/>
+          </a:prstGeom>
+          <a:solidFill>
+            <a:schemeClr val="bg2">
+              <a:lumMod val="50000"/>
+            </a:schemeClr>
+          </a:solidFill>
+          <a:ln>
+            <a:solidFill>
+              <a:schemeClr val="bg2">
+                <a:lumMod val="50000"/>
+              </a:schemeClr>
+            </a:solidFill>
+          </a:ln>
+        </p:spPr>
+        <p:style>
+          <a:lnRef idx="2">
+            <a:schemeClr val="accent1">
+              <a:shade val="50000"/>
+            </a:schemeClr>
+          </a:lnRef>
+          <a:fillRef idx="1">
+            <a:schemeClr val="accent1"/>
+          </a:fillRef>
+          <a:effectRef idx="0">
+            <a:schemeClr val="accent1"/>
+          </a:effectRef>
+          <a:fontRef idx="minor">
+            <a:schemeClr val="lt1"/>
+          </a:fontRef>
+        </p:style>
+        <p:txBody>
+          <a:bodyPr rtlCol="0" anchor="ctr"/>
+          <a:lstStyle/>
+          <a:p>
+            <a:pPr algn="ctr"/>
+            <a:r>
+              <a:rPr lang="en-US" altLang="ko-KR" sz="1200" dirty="0" smtClean="0">
+                <a:latin typeface="Noto Sans KR" panose="020B0200000000000000" pitchFamily="50" charset="-127"/>
+                <a:ea typeface="Noto Sans KR" panose="020B0200000000000000" pitchFamily="50" charset="-127"/>
+              </a:rPr>
+              <a:t>Integrated API</a:t>
+            </a:r>
+          </a:p>
+          <a:p>
+            <a:pPr algn="ctr"/>
+            <a:r>
+              <a:rPr lang="en-US" altLang="ko-KR" sz="1200" dirty="0" smtClean="0">
+                <a:latin typeface="Noto Sans KR" panose="020B0200000000000000" pitchFamily="50" charset="-127"/>
+                <a:ea typeface="Noto Sans KR" panose="020B0200000000000000" pitchFamily="50" charset="-127"/>
+              </a:rPr>
+              <a:t>Server</a:t>
+            </a:r>
+            <a:endParaRPr lang="ko-KR" altLang="en-US" sz="1200" dirty="0">
+              <a:latin typeface="Noto Sans KR" panose="020B0200000000000000" pitchFamily="50" charset="-127"/>
+              <a:ea typeface="Noto Sans KR" panose="020B0200000000000000" pitchFamily="50" charset="-127"/>
+            </a:endParaRPr>
+          </a:p>
+        </p:txBody>
+      </p:sp>
+      <p:grpSp>
+        <p:nvGrpSpPr>
+          <p:cNvPr id="42" name="그룹 41"/>
+          <p:cNvGrpSpPr/>
+          <p:nvPr/>
+        </p:nvGrpSpPr>
+        <p:grpSpPr>
+          <a:xfrm>
+            <a:off x="8497961" y="1442214"/>
+            <a:ext cx="1295651" cy="1494348"/>
+            <a:chOff x="4307005" y="631632"/>
+            <a:chExt cx="1295651" cy="1494348"/>
+          </a:xfrm>
+        </p:grpSpPr>
+        <p:sp>
+          <p:nvSpPr>
+            <p:cNvPr id="43" name="모서리가 둥근 직사각형 42"/>
+            <p:cNvSpPr/>
+            <p:nvPr/>
+          </p:nvSpPr>
+          <p:spPr>
+            <a:xfrm>
+              <a:off x="4344866" y="888909"/>
+              <a:ext cx="1257790" cy="1237071"/>
+            </a:xfrm>
+            <a:prstGeom prst="roundRect">
+              <a:avLst>
+                <a:gd name="adj" fmla="val 9967"/>
+              </a:avLst>
+            </a:prstGeom>
+            <a:solidFill>
+              <a:schemeClr val="bg1"/>
+            </a:solidFill>
+            <a:ln w="28575">
+              <a:solidFill>
+                <a:srgbClr val="767171"/>
+              </a:solidFill>
             </a:ln>
           </p:spPr>
           <p:style>
@@ -7288,92 +9761,34 @@
             <a:lstStyle/>
             <a:p>
               <a:pPr algn="ctr"/>
-              <a:r>
-                <a:rPr lang="en-US" altLang="ko-KR" sz="1100" dirty="0" smtClean="0">
-                  <a:latin typeface="Noto Sans KR" panose="020B0200000000000000" pitchFamily="50" charset="-127"/>
-                  <a:ea typeface="Noto Sans KR" panose="020B0200000000000000" pitchFamily="50" charset="-127"/>
-                </a:rPr>
-                <a:t>Deploy</a:t>
-              </a:r>
-            </a:p>
-            <a:p>
-              <a:pPr algn="ctr"/>
-              <a:r>
-                <a:rPr lang="en-US" altLang="ko-KR" sz="1100" dirty="0" smtClean="0">
-                  <a:latin typeface="Noto Sans KR" panose="020B0200000000000000" pitchFamily="50" charset="-127"/>
-                  <a:ea typeface="Noto Sans KR" panose="020B0200000000000000" pitchFamily="50" charset="-127"/>
-                </a:rPr>
-                <a:t>Request</a:t>
-              </a:r>
-              <a:endParaRPr lang="ko-KR" altLang="en-US" sz="1100" dirty="0">
-                <a:latin typeface="Noto Sans KR" panose="020B0200000000000000" pitchFamily="50" charset="-127"/>
-                <a:ea typeface="Noto Sans KR" panose="020B0200000000000000" pitchFamily="50" charset="-127"/>
-              </a:endParaRPr>
+              <a:endParaRPr lang="ko-KR" altLang="en-US"/>
             </a:p>
           </p:txBody>
         </p:sp>
-        <p:cxnSp>
-          <p:nvCxnSpPr>
-            <p:cNvPr id="64" name="직선 화살표 연결선 63"/>
-            <p:cNvCxnSpPr>
-              <a:stCxn id="58" idx="3"/>
-              <a:endCxn id="14" idx="1"/>
-            </p:cNvCxnSpPr>
-            <p:nvPr/>
-          </p:nvCxnSpPr>
-          <p:spPr>
-            <a:xfrm flipV="1">
-              <a:off x="1993941" y="2230990"/>
-              <a:ext cx="634503" cy="2"/>
-            </a:xfrm>
-            <a:prstGeom prst="straightConnector1">
-              <a:avLst/>
-            </a:prstGeom>
-            <a:ln w="28575">
-              <a:solidFill>
-                <a:srgbClr val="4886BF"/>
-              </a:solidFill>
-              <a:tailEnd type="triangle"/>
-            </a:ln>
-          </p:spPr>
-          <p:style>
-            <a:lnRef idx="1">
-              <a:schemeClr val="accent1"/>
-            </a:lnRef>
-            <a:fillRef idx="0">
-              <a:schemeClr val="accent1"/>
-            </a:fillRef>
-            <a:effectRef idx="0">
-              <a:schemeClr val="accent1"/>
-            </a:effectRef>
-            <a:fontRef idx="minor">
-              <a:schemeClr val="tx1"/>
-            </a:fontRef>
-          </p:style>
-        </p:cxnSp>
         <p:sp>
           <p:nvSpPr>
-            <p:cNvPr id="65" name="모서리가 둥근 직사각형 64"/>
+            <p:cNvPr id="44" name="순서도: 수행의 시작/종료 43"/>
             <p:cNvSpPr/>
             <p:nvPr/>
           </p:nvSpPr>
           <p:spPr>
             <a:xfrm>
-              <a:off x="4690201" y="3467274"/>
-              <a:ext cx="1812022" cy="501505"/>
+              <a:off x="4433761" y="972126"/>
+              <a:ext cx="1080000" cy="216000"/>
             </a:xfrm>
-            <a:prstGeom prst="roundRect">
+            <a:prstGeom prst="flowChartTerminator">
               <a:avLst/>
             </a:prstGeom>
             <a:solidFill>
-              <a:schemeClr val="bg2">
-                <a:lumMod val="50000"/>
+              <a:schemeClr val="accent4">
+                <a:lumMod val="60000"/>
+                <a:lumOff val="40000"/>
               </a:schemeClr>
             </a:solidFill>
             <a:ln>
               <a:solidFill>
-                <a:schemeClr val="bg2">
-                  <a:lumMod val="50000"/>
+                <a:schemeClr val="accent4">
+                  <a:lumMod val="75000"/>
                 </a:schemeClr>
               </a:solidFill>
             </a:ln>
@@ -7398,25 +9813,20 @@
             <a:bodyPr rtlCol="0" anchor="ctr"/>
             <a:lstStyle/>
             <a:p>
-              <a:pPr algn="ctr"/>
               <a:r>
-                <a:rPr lang="en-US" altLang="ko-KR" sz="1200" dirty="0" smtClean="0">
+                <a:rPr lang="en-US" altLang="ko-KR" sz="700" dirty="0" err="1" smtClean="0">
+                  <a:solidFill>
+                    <a:schemeClr val="tx1"/>
+                  </a:solidFill>
                   <a:latin typeface="Noto Sans KR" panose="020B0200000000000000" pitchFamily="50" charset="-127"/>
                   <a:ea typeface="Noto Sans KR" panose="020B0200000000000000" pitchFamily="50" charset="-127"/>
                 </a:rPr>
-                <a:t>Integrated API</a:t>
+                <a:t>Transaction.class</a:t>
               </a:r>
-            </a:p>
-            <a:p>
-              <a:pPr algn="ctr"/>
-              <a:r>
-                <a:rPr lang="en-US" altLang="ko-KR" sz="1200" dirty="0" smtClean="0">
-                  <a:latin typeface="Noto Sans KR" panose="020B0200000000000000" pitchFamily="50" charset="-127"/>
-                  <a:ea typeface="Noto Sans KR" panose="020B0200000000000000" pitchFamily="50" charset="-127"/>
-                </a:rPr>
-                <a:t>Server</a:t>
-              </a:r>
-              <a:endParaRPr lang="ko-KR" altLang="en-US" sz="1200" dirty="0">
+              <a:endParaRPr lang="ko-KR" altLang="en-US" sz="700" dirty="0">
+                <a:solidFill>
+                  <a:schemeClr val="tx1"/>
+                </a:solidFill>
                 <a:latin typeface="Noto Sans KR" panose="020B0200000000000000" pitchFamily="50" charset="-127"/>
                 <a:ea typeface="Noto Sans KR" panose="020B0200000000000000" pitchFamily="50" charset="-127"/>
               </a:endParaRPr>
@@ -7425,26 +9835,30 @@
         </p:sp>
         <p:sp>
           <p:nvSpPr>
-            <p:cNvPr id="14" name="모서리가 둥근 직사각형 13"/>
+            <p:cNvPr id="45" name="순서도: 수행의 시작/종료 44"/>
             <p:cNvSpPr/>
             <p:nvPr/>
           </p:nvSpPr>
           <p:spPr>
             <a:xfrm>
-              <a:off x="2628444" y="2048137"/>
-              <a:ext cx="901090" cy="365706"/>
+              <a:off x="4433761" y="1258244"/>
+              <a:ext cx="1080000" cy="216000"/>
             </a:xfrm>
-            <a:prstGeom prst="roundRect">
+            <a:prstGeom prst="flowChartTerminator">
               <a:avLst/>
             </a:prstGeom>
             <a:solidFill>
-              <a:schemeClr val="accent3">
-                <a:lumMod val="40000"/>
-                <a:lumOff val="60000"/>
+              <a:schemeClr val="accent4">
+                <a:lumMod val="60000"/>
+                <a:lumOff val="40000"/>
               </a:schemeClr>
             </a:solidFill>
             <a:ln>
-              <a:noFill/>
+              <a:solidFill>
+                <a:schemeClr val="accent4">
+                  <a:lumMod val="75000"/>
+                </a:schemeClr>
+              </a:solidFill>
             </a:ln>
           </p:spPr>
           <p:style>
@@ -7467,45 +9881,52 @@
             <a:bodyPr rtlCol="0" anchor="ctr"/>
             <a:lstStyle/>
             <a:p>
-              <a:pPr algn="ctr"/>
               <a:r>
-                <a:rPr lang="en-US" altLang="ko-KR" sz="1100" dirty="0" smtClean="0">
+                <a:rPr lang="en-US" altLang="ko-KR" sz="700" dirty="0" err="1" smtClean="0">
                   <a:solidFill>
                     <a:schemeClr val="tx1"/>
                   </a:solidFill>
+                  <a:latin typeface="Noto Sans KR" panose="020B0200000000000000" pitchFamily="50" charset="-127"/>
+                  <a:ea typeface="Noto Sans KR" panose="020B0200000000000000" pitchFamily="50" charset="-127"/>
                 </a:rPr>
-                <a:t>Gateway</a:t>
+                <a:t>Message.class</a:t>
               </a:r>
-              <a:endParaRPr lang="ko-KR" altLang="en-US" sz="1100" dirty="0">
+              <a:endParaRPr lang="ko-KR" altLang="en-US" sz="700" dirty="0">
                 <a:solidFill>
                   <a:schemeClr val="tx1"/>
                 </a:solidFill>
+                <a:latin typeface="Noto Sans KR" panose="020B0200000000000000" pitchFamily="50" charset="-127"/>
+                <a:ea typeface="Noto Sans KR" panose="020B0200000000000000" pitchFamily="50" charset="-127"/>
               </a:endParaRPr>
             </a:p>
           </p:txBody>
         </p:sp>
         <p:sp>
           <p:nvSpPr>
-            <p:cNvPr id="66" name="모서리가 둥근 직사각형 65"/>
+            <p:cNvPr id="46" name="순서도: 수행의 시작/종료 45"/>
             <p:cNvSpPr/>
             <p:nvPr/>
           </p:nvSpPr>
           <p:spPr>
             <a:xfrm>
-              <a:off x="3984593" y="2931426"/>
-              <a:ext cx="901090" cy="365706"/>
+              <a:off x="4433761" y="1544362"/>
+              <a:ext cx="1080000" cy="216000"/>
             </a:xfrm>
-            <a:prstGeom prst="roundRect">
+            <a:prstGeom prst="flowChartTerminator">
               <a:avLst/>
             </a:prstGeom>
             <a:solidFill>
-              <a:schemeClr val="accent3">
-                <a:lumMod val="40000"/>
-                <a:lumOff val="60000"/>
+              <a:schemeClr val="accent4">
+                <a:lumMod val="60000"/>
+                <a:lumOff val="40000"/>
               </a:schemeClr>
             </a:solidFill>
             <a:ln>
-              <a:noFill/>
+              <a:solidFill>
+                <a:schemeClr val="accent4">
+                  <a:lumMod val="75000"/>
+                </a:schemeClr>
+              </a:solidFill>
             </a:ln>
           </p:spPr>
           <p:style>
@@ -7528,56 +9949,52 @@
             <a:bodyPr rtlCol="0" anchor="ctr"/>
             <a:lstStyle/>
             <a:p>
-              <a:pPr algn="ctr"/>
               <a:r>
-                <a:rPr lang="en-US" altLang="ko-KR" sz="1100" dirty="0" smtClean="0">
+                <a:rPr lang="en-US" altLang="ko-KR" sz="700" dirty="0" err="1" smtClean="0">
                   <a:solidFill>
                     <a:schemeClr val="tx1"/>
                   </a:solidFill>
+                  <a:latin typeface="Noto Sans KR" panose="020B0200000000000000" pitchFamily="50" charset="-127"/>
+                  <a:ea typeface="Noto Sans KR" panose="020B0200000000000000" pitchFamily="50" charset="-127"/>
                 </a:rPr>
-                <a:t>Code-gen</a:t>
+                <a:t>BPMNFlow.class</a:t>
               </a:r>
-            </a:p>
-            <a:p>
-              <a:pPr algn="ctr"/>
-              <a:r>
-                <a:rPr lang="en-US" altLang="ko-KR" sz="1100" dirty="0" smtClean="0">
-                  <a:solidFill>
-                    <a:schemeClr val="tx1"/>
-                  </a:solidFill>
-                </a:rPr>
-                <a:t>Service</a:t>
-              </a:r>
-              <a:endParaRPr lang="ko-KR" altLang="en-US" sz="1100" dirty="0">
+              <a:endParaRPr lang="ko-KR" altLang="en-US" sz="700" dirty="0">
                 <a:solidFill>
                   <a:schemeClr val="tx1"/>
                 </a:solidFill>
+                <a:latin typeface="Noto Sans KR" panose="020B0200000000000000" pitchFamily="50" charset="-127"/>
+                <a:ea typeface="Noto Sans KR" panose="020B0200000000000000" pitchFamily="50" charset="-127"/>
               </a:endParaRPr>
             </a:p>
           </p:txBody>
         </p:sp>
         <p:sp>
           <p:nvSpPr>
-            <p:cNvPr id="67" name="모서리가 둥근 직사각형 66"/>
+            <p:cNvPr id="47" name="순서도: 수행의 시작/종료 46"/>
             <p:cNvSpPr/>
             <p:nvPr/>
           </p:nvSpPr>
           <p:spPr>
             <a:xfrm>
-              <a:off x="6426196" y="1156744"/>
-              <a:ext cx="901090" cy="365706"/>
+              <a:off x="4433761" y="1830480"/>
+              <a:ext cx="1080000" cy="216000"/>
             </a:xfrm>
-            <a:prstGeom prst="roundRect">
+            <a:prstGeom prst="flowChartTerminator">
               <a:avLst/>
             </a:prstGeom>
             <a:solidFill>
-              <a:schemeClr val="accent3">
-                <a:lumMod val="40000"/>
-                <a:lumOff val="60000"/>
+              <a:schemeClr val="accent4">
+                <a:lumMod val="60000"/>
+                <a:lumOff val="40000"/>
               </a:schemeClr>
             </a:solidFill>
             <a:ln>
-              <a:noFill/>
+              <a:solidFill>
+                <a:schemeClr val="accent4">
+                  <a:lumMod val="75000"/>
+                </a:schemeClr>
+              </a:solidFill>
             </a:ln>
           </p:spPr>
           <p:style>
@@ -7600,620 +10017,53 @@
             <a:bodyPr rtlCol="0" anchor="ctr"/>
             <a:lstStyle/>
             <a:p>
-              <a:pPr algn="ctr"/>
               <a:r>
-                <a:rPr lang="en-US" altLang="ko-KR" sz="1100" dirty="0" smtClean="0">
+                <a:rPr lang="en-US" altLang="ko-KR" sz="700" dirty="0" err="1" smtClean="0">
                   <a:solidFill>
                     <a:schemeClr val="tx1"/>
                   </a:solidFill>
+                  <a:latin typeface="Noto Sans KR" panose="020B0200000000000000" pitchFamily="50" charset="-127"/>
+                  <a:ea typeface="Noto Sans KR" panose="020B0200000000000000" pitchFamily="50" charset="-127"/>
                 </a:rPr>
-                <a:t>Compile</a:t>
+                <a:t>Outbound.class</a:t>
               </a:r>
-            </a:p>
-            <a:p>
-              <a:pPr algn="ctr"/>
-              <a:r>
-                <a:rPr lang="en-US" altLang="ko-KR" sz="1100" dirty="0" smtClean="0">
-                  <a:solidFill>
-                    <a:schemeClr val="tx1"/>
-                  </a:solidFill>
-                </a:rPr>
-                <a:t>Service</a:t>
-              </a:r>
-              <a:endParaRPr lang="ko-KR" altLang="en-US" sz="1100" dirty="0">
+              <a:endParaRPr lang="ko-KR" altLang="en-US" sz="700" dirty="0">
                 <a:solidFill>
                   <a:schemeClr val="tx1"/>
                 </a:solidFill>
+                <a:latin typeface="Noto Sans KR" panose="020B0200000000000000" pitchFamily="50" charset="-127"/>
+                <a:ea typeface="Noto Sans KR" panose="020B0200000000000000" pitchFamily="50" charset="-127"/>
               </a:endParaRPr>
             </a:p>
           </p:txBody>
         </p:sp>
         <p:sp>
           <p:nvSpPr>
-            <p:cNvPr id="68" name="모서리가 둥근 직사각형 67"/>
-            <p:cNvSpPr/>
+            <p:cNvPr id="48" name="TextBox 47"/>
+            <p:cNvSpPr txBox="1"/>
             <p:nvPr/>
           </p:nvSpPr>
           <p:spPr>
             <a:xfrm>
-              <a:off x="6417807" y="2929770"/>
-              <a:ext cx="901090" cy="365706"/>
+              <a:off x="4307005" y="631632"/>
+              <a:ext cx="1186543" cy="246221"/>
             </a:xfrm>
-            <a:prstGeom prst="roundRect">
-              <a:avLst/>
-            </a:prstGeom>
-            <a:solidFill>
-              <a:schemeClr val="accent3">
-                <a:lumMod val="40000"/>
-                <a:lumOff val="60000"/>
-              </a:schemeClr>
-            </a:solidFill>
-            <a:ln>
-              <a:noFill/>
-            </a:ln>
-          </p:spPr>
-          <p:style>
-            <a:lnRef idx="2">
-              <a:schemeClr val="accent1">
-                <a:shade val="50000"/>
-              </a:schemeClr>
-            </a:lnRef>
-            <a:fillRef idx="1">
-              <a:schemeClr val="accent1"/>
-            </a:fillRef>
-            <a:effectRef idx="0">
-              <a:schemeClr val="accent1"/>
-            </a:effectRef>
-            <a:fontRef idx="minor">
-              <a:schemeClr val="lt1"/>
-            </a:fontRef>
-          </p:style>
-          <p:txBody>
-            <a:bodyPr rtlCol="0" anchor="ctr"/>
-            <a:lstStyle/>
-            <a:p>
-              <a:pPr algn="ctr"/>
-              <a:r>
-                <a:rPr lang="en-US" altLang="ko-KR" sz="1100" dirty="0" smtClean="0">
-                  <a:solidFill>
-                    <a:schemeClr val="tx1"/>
-                  </a:solidFill>
-                </a:rPr>
-                <a:t>Deploy</a:t>
-              </a:r>
-            </a:p>
-            <a:p>
-              <a:pPr algn="ctr"/>
-              <a:r>
-                <a:rPr lang="en-US" altLang="ko-KR" sz="1100" dirty="0" smtClean="0">
-                  <a:solidFill>
-                    <a:schemeClr val="tx1"/>
-                  </a:solidFill>
-                </a:rPr>
-                <a:t>Service</a:t>
-              </a:r>
-              <a:endParaRPr lang="ko-KR" altLang="en-US" sz="1100" dirty="0">
-                <a:solidFill>
-                  <a:schemeClr val="tx1"/>
-                </a:solidFill>
-              </a:endParaRPr>
-            </a:p>
-          </p:txBody>
-        </p:sp>
-        <p:cxnSp>
-          <p:nvCxnSpPr>
-            <p:cNvPr id="19" name="꺾인 연결선 18"/>
-            <p:cNvCxnSpPr>
-              <a:stCxn id="68" idx="3"/>
-              <a:endCxn id="60" idx="1"/>
-            </p:cNvCxnSpPr>
-            <p:nvPr/>
-          </p:nvCxnSpPr>
-          <p:spPr>
-            <a:xfrm flipV="1">
-              <a:off x="7318897" y="1156544"/>
-              <a:ext cx="1934068" cy="1956079"/>
-            </a:xfrm>
-            <a:prstGeom prst="bentConnector3">
-              <a:avLst/>
-            </a:prstGeom>
-            <a:ln w="28575">
-              <a:solidFill>
-                <a:srgbClr val="4886BF"/>
-              </a:solidFill>
-              <a:tailEnd type="triangle"/>
-            </a:ln>
-          </p:spPr>
-          <p:style>
-            <a:lnRef idx="1">
-              <a:schemeClr val="accent1"/>
-            </a:lnRef>
-            <a:fillRef idx="0">
-              <a:schemeClr val="accent1"/>
-            </a:fillRef>
-            <a:effectRef idx="0">
-              <a:schemeClr val="accent1"/>
-            </a:effectRef>
-            <a:fontRef idx="minor">
-              <a:schemeClr val="tx1"/>
-            </a:fontRef>
-          </p:style>
-        </p:cxnSp>
-        <p:cxnSp>
-          <p:nvCxnSpPr>
-            <p:cNvPr id="73" name="꺾인 연결선 72"/>
-            <p:cNvCxnSpPr>
-              <a:stCxn id="68" idx="3"/>
-              <a:endCxn id="61" idx="1"/>
-            </p:cNvCxnSpPr>
-            <p:nvPr/>
-          </p:nvCxnSpPr>
-          <p:spPr>
-            <a:xfrm flipV="1">
-              <a:off x="7318897" y="2220482"/>
-              <a:ext cx="1934068" cy="892141"/>
-            </a:xfrm>
-            <a:prstGeom prst="bentConnector3">
-              <a:avLst>
-                <a:gd name="adj1" fmla="val 50000"/>
-              </a:avLst>
-            </a:prstGeom>
-            <a:ln w="28575">
-              <a:solidFill>
-                <a:srgbClr val="4886BF"/>
-              </a:solidFill>
-              <a:tailEnd type="triangle"/>
-            </a:ln>
-          </p:spPr>
-          <p:style>
-            <a:lnRef idx="1">
-              <a:schemeClr val="accent1"/>
-            </a:lnRef>
-            <a:fillRef idx="0">
-              <a:schemeClr val="accent1"/>
-            </a:fillRef>
-            <a:effectRef idx="0">
-              <a:schemeClr val="accent1"/>
-            </a:effectRef>
-            <a:fontRef idx="minor">
-              <a:schemeClr val="tx1"/>
-            </a:fontRef>
-          </p:style>
-        </p:cxnSp>
-        <p:cxnSp>
-          <p:nvCxnSpPr>
-            <p:cNvPr id="76" name="꺾인 연결선 75"/>
-            <p:cNvCxnSpPr>
-              <a:stCxn id="68" idx="3"/>
-              <a:endCxn id="62" idx="1"/>
-            </p:cNvCxnSpPr>
-            <p:nvPr/>
-          </p:nvCxnSpPr>
-          <p:spPr>
-            <a:xfrm>
-              <a:off x="7318897" y="3112623"/>
-              <a:ext cx="1934068" cy="171797"/>
-            </a:xfrm>
-            <a:prstGeom prst="bentConnector3">
-              <a:avLst>
-                <a:gd name="adj1" fmla="val 50000"/>
-              </a:avLst>
-            </a:prstGeom>
-            <a:ln w="28575">
-              <a:solidFill>
-                <a:srgbClr val="4886BF"/>
-              </a:solidFill>
-              <a:tailEnd type="triangle"/>
-            </a:ln>
-          </p:spPr>
-          <p:style>
-            <a:lnRef idx="1">
-              <a:schemeClr val="accent1"/>
-            </a:lnRef>
-            <a:fillRef idx="0">
-              <a:schemeClr val="accent1"/>
-            </a:fillRef>
-            <a:effectRef idx="0">
-              <a:schemeClr val="accent1"/>
-            </a:effectRef>
-            <a:fontRef idx="minor">
-              <a:schemeClr val="tx1"/>
-            </a:fontRef>
-          </p:style>
-        </p:cxnSp>
-        <p:sp>
-          <p:nvSpPr>
-            <p:cNvPr id="85" name="모서리가 둥근 직사각형 84"/>
-            <p:cNvSpPr/>
-            <p:nvPr/>
-          </p:nvSpPr>
-          <p:spPr>
-            <a:xfrm>
-              <a:off x="3980079" y="1773919"/>
-              <a:ext cx="3347207" cy="914141"/>
-            </a:xfrm>
-            <a:prstGeom prst="roundRect">
+            <a:prstGeom prst="rect">
               <a:avLst/>
             </a:prstGeom>
             <a:noFill/>
-            <a:ln w="38100">
-              <a:solidFill>
-                <a:schemeClr val="tx1"/>
-              </a:solidFill>
-              <a:prstDash val="sysDash"/>
-            </a:ln>
           </p:spPr>
-          <p:style>
-            <a:lnRef idx="2">
-              <a:schemeClr val="accent1">
-                <a:shade val="50000"/>
-              </a:schemeClr>
-            </a:lnRef>
-            <a:fillRef idx="1">
-              <a:schemeClr val="accent1"/>
-            </a:fillRef>
-            <a:effectRef idx="0">
-              <a:schemeClr val="accent1"/>
-            </a:effectRef>
-            <a:fontRef idx="minor">
-              <a:schemeClr val="lt1"/>
-            </a:fontRef>
-          </p:style>
           <p:txBody>
-            <a:bodyPr rtlCol="0" anchor="t"/>
+            <a:bodyPr wrap="none" rtlCol="0">
+              <a:spAutoFit/>
+            </a:bodyPr>
             <a:lstStyle/>
             <a:p>
-              <a:pPr algn="ctr"/>
               <a:r>
-                <a:rPr lang="en-US" altLang="ko-KR" sz="1050" dirty="0" smtClean="0">
-                  <a:solidFill>
-                    <a:sysClr val="windowText" lastClr="000000"/>
-                  </a:solidFill>
-                </a:rPr>
-                <a:t>Message Queue</a:t>
+                <a:rPr lang="en-US" altLang="ko-KR" sz="1000" dirty="0" smtClean="0"/>
+                <a:t>Deploy Resource</a:t>
               </a:r>
-              <a:endParaRPr lang="ko-KR" altLang="en-US" sz="1050" dirty="0">
-                <a:solidFill>
-                  <a:sysClr val="windowText" lastClr="000000"/>
-                </a:solidFill>
-              </a:endParaRPr>
-            </a:p>
-          </p:txBody>
-        </p:sp>
-        <p:sp>
-          <p:nvSpPr>
-            <p:cNvPr id="97" name="모서리가 둥근 직사각형 96"/>
-            <p:cNvSpPr/>
-            <p:nvPr/>
-          </p:nvSpPr>
-          <p:spPr>
-            <a:xfrm>
-              <a:off x="3984593" y="1156544"/>
-              <a:ext cx="901090" cy="365706"/>
-            </a:xfrm>
-            <a:prstGeom prst="roundRect">
-              <a:avLst/>
-            </a:prstGeom>
-            <a:solidFill>
-              <a:schemeClr val="accent3">
-                <a:lumMod val="40000"/>
-                <a:lumOff val="60000"/>
-              </a:schemeClr>
-            </a:solidFill>
-            <a:ln>
-              <a:noFill/>
-            </a:ln>
-          </p:spPr>
-          <p:style>
-            <a:lnRef idx="2">
-              <a:schemeClr val="accent1">
-                <a:shade val="50000"/>
-              </a:schemeClr>
-            </a:lnRef>
-            <a:fillRef idx="1">
-              <a:schemeClr val="accent1"/>
-            </a:fillRef>
-            <a:effectRef idx="0">
-              <a:schemeClr val="accent1"/>
-            </a:effectRef>
-            <a:fontRef idx="minor">
-              <a:schemeClr val="lt1"/>
-            </a:fontRef>
-          </p:style>
-          <p:txBody>
-            <a:bodyPr rtlCol="0" anchor="ctr"/>
-            <a:lstStyle/>
-            <a:p>
-              <a:pPr algn="ctr"/>
-              <a:r>
-                <a:rPr lang="en-US" altLang="ko-KR" sz="1100" dirty="0" smtClean="0">
-                  <a:solidFill>
-                    <a:schemeClr val="tx1"/>
-                  </a:solidFill>
-                </a:rPr>
-                <a:t>Error</a:t>
-              </a:r>
-            </a:p>
-            <a:p>
-              <a:pPr algn="ctr"/>
-              <a:r>
-                <a:rPr lang="en-US" altLang="ko-KR" sz="1100" dirty="0" smtClean="0">
-                  <a:solidFill>
-                    <a:schemeClr val="tx1"/>
-                  </a:solidFill>
-                </a:rPr>
-                <a:t>Service</a:t>
-              </a:r>
-              <a:endParaRPr lang="ko-KR" altLang="en-US" sz="1100" dirty="0">
-                <a:solidFill>
-                  <a:schemeClr val="tx1"/>
-                </a:solidFill>
-              </a:endParaRPr>
-            </a:p>
-          </p:txBody>
-        </p:sp>
-        <p:cxnSp>
-          <p:nvCxnSpPr>
-            <p:cNvPr id="101" name="꺾인 연결선 100"/>
-            <p:cNvCxnSpPr>
-              <a:stCxn id="97" idx="3"/>
-              <a:endCxn id="85" idx="0"/>
-            </p:cNvCxnSpPr>
-            <p:nvPr/>
-          </p:nvCxnSpPr>
-          <p:spPr>
-            <a:xfrm>
-              <a:off x="4885683" y="1339397"/>
-              <a:ext cx="768000" cy="434522"/>
-            </a:xfrm>
-            <a:prstGeom prst="bentConnector2">
-              <a:avLst/>
-            </a:prstGeom>
-            <a:ln w="28575">
-              <a:solidFill>
-                <a:schemeClr val="tx1"/>
-              </a:solidFill>
-              <a:headEnd type="triangle"/>
-              <a:tailEnd type="triangle"/>
-            </a:ln>
-          </p:spPr>
-          <p:style>
-            <a:lnRef idx="1">
-              <a:schemeClr val="accent1"/>
-            </a:lnRef>
-            <a:fillRef idx="0">
-              <a:schemeClr val="accent1"/>
-            </a:fillRef>
-            <a:effectRef idx="0">
-              <a:schemeClr val="accent1"/>
-            </a:effectRef>
-            <a:fontRef idx="minor">
-              <a:schemeClr val="tx1"/>
-            </a:fontRef>
-          </p:style>
-        </p:cxnSp>
-        <p:cxnSp>
-          <p:nvCxnSpPr>
-            <p:cNvPr id="103" name="꺾인 연결선 102"/>
-            <p:cNvCxnSpPr>
-              <a:stCxn id="67" idx="1"/>
-              <a:endCxn id="85" idx="0"/>
-            </p:cNvCxnSpPr>
-            <p:nvPr/>
-          </p:nvCxnSpPr>
-          <p:spPr>
-            <a:xfrm rot="10800000" flipV="1">
-              <a:off x="5653684" y="1339597"/>
-              <a:ext cx="772513" cy="434322"/>
-            </a:xfrm>
-            <a:prstGeom prst="bentConnector2">
-              <a:avLst/>
-            </a:prstGeom>
-            <a:ln w="28575">
-              <a:solidFill>
-                <a:schemeClr val="tx1"/>
-              </a:solidFill>
-              <a:headEnd type="triangle"/>
-              <a:tailEnd type="triangle"/>
-            </a:ln>
-          </p:spPr>
-          <p:style>
-            <a:lnRef idx="1">
-              <a:schemeClr val="accent1"/>
-            </a:lnRef>
-            <a:fillRef idx="0">
-              <a:schemeClr val="accent1"/>
-            </a:fillRef>
-            <a:effectRef idx="0">
-              <a:schemeClr val="accent1"/>
-            </a:effectRef>
-            <a:fontRef idx="minor">
-              <a:schemeClr val="tx1"/>
-            </a:fontRef>
-          </p:style>
-        </p:cxnSp>
-        <p:cxnSp>
-          <p:nvCxnSpPr>
-            <p:cNvPr id="107" name="꺾인 연결선 106"/>
-            <p:cNvCxnSpPr>
-              <a:stCxn id="66" idx="3"/>
-              <a:endCxn id="85" idx="2"/>
-            </p:cNvCxnSpPr>
-            <p:nvPr/>
-          </p:nvCxnSpPr>
-          <p:spPr>
-            <a:xfrm flipV="1">
-              <a:off x="4885683" y="2688060"/>
-              <a:ext cx="768000" cy="426219"/>
-            </a:xfrm>
-            <a:prstGeom prst="bentConnector2">
-              <a:avLst/>
-            </a:prstGeom>
-            <a:ln w="28575">
-              <a:solidFill>
-                <a:schemeClr val="tx1"/>
-              </a:solidFill>
-              <a:headEnd type="triangle"/>
-              <a:tailEnd type="triangle"/>
-            </a:ln>
-          </p:spPr>
-          <p:style>
-            <a:lnRef idx="1">
-              <a:schemeClr val="accent1"/>
-            </a:lnRef>
-            <a:fillRef idx="0">
-              <a:schemeClr val="accent1"/>
-            </a:fillRef>
-            <a:effectRef idx="0">
-              <a:schemeClr val="accent1"/>
-            </a:effectRef>
-            <a:fontRef idx="minor">
-              <a:schemeClr val="tx1"/>
-            </a:fontRef>
-          </p:style>
-        </p:cxnSp>
-        <p:cxnSp>
-          <p:nvCxnSpPr>
-            <p:cNvPr id="109" name="꺾인 연결선 108"/>
-            <p:cNvCxnSpPr>
-              <a:stCxn id="85" idx="2"/>
-              <a:endCxn id="68" idx="1"/>
-            </p:cNvCxnSpPr>
-            <p:nvPr/>
-          </p:nvCxnSpPr>
-          <p:spPr>
-            <a:xfrm rot="16200000" flipH="1">
-              <a:off x="5823464" y="2518279"/>
-              <a:ext cx="424563" cy="764124"/>
-            </a:xfrm>
-            <a:prstGeom prst="bentConnector2">
-              <a:avLst/>
-            </a:prstGeom>
-            <a:ln w="28575">
-              <a:solidFill>
-                <a:schemeClr val="tx1"/>
-              </a:solidFill>
-              <a:headEnd type="triangle"/>
-              <a:tailEnd type="triangle"/>
-            </a:ln>
-          </p:spPr>
-          <p:style>
-            <a:lnRef idx="1">
-              <a:schemeClr val="accent1"/>
-            </a:lnRef>
-            <a:fillRef idx="0">
-              <a:schemeClr val="accent1"/>
-            </a:fillRef>
-            <a:effectRef idx="0">
-              <a:schemeClr val="accent1"/>
-            </a:effectRef>
-            <a:fontRef idx="minor">
-              <a:schemeClr val="tx1"/>
-            </a:fontRef>
-          </p:style>
-        </p:cxnSp>
-        <p:cxnSp>
-          <p:nvCxnSpPr>
-            <p:cNvPr id="126" name="직선 화살표 연결선 125"/>
-            <p:cNvCxnSpPr>
-              <a:stCxn id="14" idx="3"/>
-              <a:endCxn id="85" idx="1"/>
-            </p:cNvCxnSpPr>
-            <p:nvPr/>
-          </p:nvCxnSpPr>
-          <p:spPr>
-            <a:xfrm>
-              <a:off x="3529534" y="2230990"/>
-              <a:ext cx="450545" cy="0"/>
-            </a:xfrm>
-            <a:prstGeom prst="straightConnector1">
-              <a:avLst/>
-            </a:prstGeom>
-            <a:ln w="28575">
-              <a:solidFill>
-                <a:schemeClr val="tx1"/>
-              </a:solidFill>
-              <a:tailEnd type="triangle"/>
-            </a:ln>
-          </p:spPr>
-          <p:style>
-            <a:lnRef idx="1">
-              <a:schemeClr val="accent1"/>
-            </a:lnRef>
-            <a:fillRef idx="0">
-              <a:schemeClr val="accent1"/>
-            </a:fillRef>
-            <a:effectRef idx="0">
-              <a:schemeClr val="accent1"/>
-            </a:effectRef>
-            <a:fontRef idx="minor">
-              <a:schemeClr val="tx1"/>
-            </a:fontRef>
-          </p:style>
-        </p:cxnSp>
-        <p:sp>
-          <p:nvSpPr>
-            <p:cNvPr id="133" name="순서도: 처리 132"/>
-            <p:cNvSpPr/>
-            <p:nvPr/>
-          </p:nvSpPr>
-          <p:spPr>
-            <a:xfrm>
-              <a:off x="7875853" y="2017681"/>
-              <a:ext cx="1130954" cy="422158"/>
-            </a:xfrm>
-            <a:prstGeom prst="flowChartProcess">
-              <a:avLst/>
-            </a:prstGeom>
-            <a:solidFill>
-              <a:srgbClr val="4886BF"/>
-            </a:solidFill>
-            <a:ln>
-              <a:noFill/>
-            </a:ln>
-          </p:spPr>
-          <p:style>
-            <a:lnRef idx="2">
-              <a:schemeClr val="accent1">
-                <a:shade val="50000"/>
-              </a:schemeClr>
-            </a:lnRef>
-            <a:fillRef idx="1">
-              <a:schemeClr val="accent1"/>
-            </a:fillRef>
-            <a:effectRef idx="0">
-              <a:schemeClr val="accent1"/>
-            </a:effectRef>
-            <a:fontRef idx="minor">
-              <a:schemeClr val="lt1"/>
-            </a:fontRef>
-          </p:style>
-          <p:txBody>
-            <a:bodyPr rtlCol="0" anchor="ctr"/>
-            <a:lstStyle/>
-            <a:p>
-              <a:pPr algn="ctr"/>
-              <a:r>
-                <a:rPr lang="en-US" altLang="ko-KR" sz="1100" dirty="0" smtClean="0">
-                  <a:latin typeface="Noto Sans KR" panose="020B0200000000000000" pitchFamily="50" charset="-127"/>
-                  <a:ea typeface="Noto Sans KR" panose="020B0200000000000000" pitchFamily="50" charset="-127"/>
-                </a:rPr>
-                <a:t>Deploy</a:t>
-              </a:r>
-            </a:p>
-            <a:p>
-              <a:pPr algn="ctr"/>
-              <a:r>
-                <a:rPr lang="en-US" altLang="ko-KR" sz="1100" dirty="0" smtClean="0">
-                  <a:latin typeface="Noto Sans KR" panose="020B0200000000000000" pitchFamily="50" charset="-127"/>
-                  <a:ea typeface="Noto Sans KR" panose="020B0200000000000000" pitchFamily="50" charset="-127"/>
-                </a:rPr>
-                <a:t>Resource</a:t>
-              </a:r>
-              <a:endParaRPr lang="ko-KR" altLang="en-US" sz="1100" dirty="0">
-                <a:latin typeface="Noto Sans KR" panose="020B0200000000000000" pitchFamily="50" charset="-127"/>
-                <a:ea typeface="Noto Sans KR" panose="020B0200000000000000" pitchFamily="50" charset="-127"/>
-              </a:endParaRPr>
+              <a:endParaRPr lang="ko-KR" altLang="en-US" sz="1000" dirty="0"/>
             </a:p>
           </p:txBody>
         </p:sp>
@@ -8231,7 +10081,7 @@
 </p:sld>
 </file>
 
-<file path=ppt/slides/slide5.xml><?xml version="1.0" encoding="utf-8"?>
+<file path=ppt/slides/slide6.xml><?xml version="1.0" encoding="utf-8"?>
 <p:sld xmlns:a="http://schemas.openxmlformats.org/drawingml/2006/main" xmlns:r="http://schemas.openxmlformats.org/officeDocument/2006/relationships" xmlns:p="http://schemas.openxmlformats.org/presentationml/2006/main">
   <p:cSld>
     <p:spTree>
@@ -9597,7 +11447,7 @@
 </p:sld>
 </file>
 
-<file path=ppt/slides/slide6.xml><?xml version="1.0" encoding="utf-8"?>
+<file path=ppt/slides/slide7.xml><?xml version="1.0" encoding="utf-8"?>
 <p:sld xmlns:a="http://schemas.openxmlformats.org/drawingml/2006/main" xmlns:r="http://schemas.openxmlformats.org/officeDocument/2006/relationships" xmlns:p="http://schemas.openxmlformats.org/presentationml/2006/main">
   <p:cSld>
     <p:spTree>
@@ -10918,7 +12768,7 @@
 </p:sld>
 </file>
 
-<file path=ppt/slides/slide7.xml><?xml version="1.0" encoding="utf-8"?>
+<file path=ppt/slides/slide8.xml><?xml version="1.0" encoding="utf-8"?>
 <p:sld xmlns:a="http://schemas.openxmlformats.org/drawingml/2006/main" xmlns:r="http://schemas.openxmlformats.org/officeDocument/2006/relationships" xmlns:p="http://schemas.openxmlformats.org/presentationml/2006/main">
   <p:cSld>
     <p:spTree>
@@ -12436,1533 +14286,6 @@
     <p:extLst>
       <p:ext uri="{BB962C8B-B14F-4D97-AF65-F5344CB8AC3E}">
         <p14:creationId xmlns:p14="http://schemas.microsoft.com/office/powerpoint/2010/main" val="691940702"/>
-      </p:ext>
-    </p:extLst>
-  </p:cSld>
-  <p:clrMapOvr>
-    <a:masterClrMapping/>
-  </p:clrMapOvr>
-</p:sld>
-</file>
-
-<file path=ppt/slides/slide8.xml><?xml version="1.0" encoding="utf-8"?>
-<p:sld xmlns:a="http://schemas.openxmlformats.org/drawingml/2006/main" xmlns:r="http://schemas.openxmlformats.org/officeDocument/2006/relationships" xmlns:p="http://schemas.openxmlformats.org/presentationml/2006/main">
-  <p:cSld>
-    <p:spTree>
-      <p:nvGrpSpPr>
-        <p:cNvPr id="1" name=""/>
-        <p:cNvGrpSpPr/>
-        <p:nvPr/>
-      </p:nvGrpSpPr>
-      <p:grpSpPr>
-        <a:xfrm>
-          <a:off x="0" y="0"/>
-          <a:ext cx="0" cy="0"/>
-          <a:chOff x="0" y="0"/>
-          <a:chExt cx="0" cy="0"/>
-        </a:xfrm>
-      </p:grpSpPr>
-      <p:grpSp>
-        <p:nvGrpSpPr>
-          <p:cNvPr id="80" name="그룹 79"/>
-          <p:cNvGrpSpPr/>
-          <p:nvPr/>
-        </p:nvGrpSpPr>
-        <p:grpSpPr>
-          <a:xfrm>
-            <a:off x="897885" y="481612"/>
-            <a:ext cx="10119752" cy="3574814"/>
-            <a:chOff x="897885" y="481612"/>
-            <a:chExt cx="10119752" cy="3574814"/>
-          </a:xfrm>
-        </p:grpSpPr>
-        <p:sp>
-          <p:nvSpPr>
-            <p:cNvPr id="51" name="모서리가 둥근 직사각형 50"/>
-            <p:cNvSpPr/>
-            <p:nvPr/>
-          </p:nvSpPr>
-          <p:spPr>
-            <a:xfrm>
-              <a:off x="8976325" y="481612"/>
-              <a:ext cx="2041312" cy="676800"/>
-            </a:xfrm>
-            <a:prstGeom prst="roundRect">
-              <a:avLst/>
-            </a:prstGeom>
-            <a:solidFill>
-              <a:schemeClr val="accent1">
-                <a:lumMod val="60000"/>
-                <a:lumOff val="40000"/>
-              </a:schemeClr>
-            </a:solidFill>
-            <a:ln w="28575">
-              <a:solidFill>
-                <a:schemeClr val="accent1">
-                  <a:lumMod val="75000"/>
-                </a:schemeClr>
-              </a:solidFill>
-            </a:ln>
-          </p:spPr>
-          <p:style>
-            <a:lnRef idx="2">
-              <a:schemeClr val="accent1">
-                <a:shade val="50000"/>
-              </a:schemeClr>
-            </a:lnRef>
-            <a:fillRef idx="1">
-              <a:schemeClr val="accent1"/>
-            </a:fillRef>
-            <a:effectRef idx="0">
-              <a:schemeClr val="accent1"/>
-            </a:effectRef>
-            <a:fontRef idx="minor">
-              <a:schemeClr val="lt1"/>
-            </a:fontRef>
-          </p:style>
-          <p:txBody>
-            <a:bodyPr rtlCol="0" anchor="ctr"/>
-            <a:lstStyle/>
-            <a:p>
-              <a:pPr algn="ctr"/>
-              <a:r>
-                <a:rPr lang="en-US" altLang="ko-KR" sz="1100" dirty="0" smtClean="0">
-                  <a:solidFill>
-                    <a:schemeClr val="tx1"/>
-                  </a:solidFill>
-                </a:rPr>
-                <a:t>Kubernetes</a:t>
-              </a:r>
-            </a:p>
-            <a:p>
-              <a:pPr algn="ctr"/>
-              <a:r>
-                <a:rPr lang="en-US" altLang="ko-KR" sz="1100" dirty="0" smtClean="0">
-                  <a:solidFill>
-                    <a:schemeClr val="tx1"/>
-                  </a:solidFill>
-                </a:rPr>
-                <a:t>Environment</a:t>
-              </a:r>
-              <a:endParaRPr lang="ko-KR" altLang="en-US" sz="1100" dirty="0">
-                <a:solidFill>
-                  <a:schemeClr val="tx1"/>
-                </a:solidFill>
-              </a:endParaRPr>
-            </a:p>
-          </p:txBody>
-        </p:sp>
-        <p:sp>
-          <p:nvSpPr>
-            <p:cNvPr id="52" name="모서리가 둥근 직사각형 51"/>
-            <p:cNvSpPr/>
-            <p:nvPr/>
-          </p:nvSpPr>
-          <p:spPr>
-            <a:xfrm>
-              <a:off x="8780771" y="1882081"/>
-              <a:ext cx="2041200" cy="676800"/>
-            </a:xfrm>
-            <a:prstGeom prst="roundRect">
-              <a:avLst/>
-            </a:prstGeom>
-            <a:solidFill>
-              <a:schemeClr val="bg2">
-                <a:lumMod val="50000"/>
-              </a:schemeClr>
-            </a:solidFill>
-            <a:ln w="28575">
-              <a:solidFill>
-                <a:schemeClr val="bg2">
-                  <a:lumMod val="25000"/>
-                </a:schemeClr>
-              </a:solidFill>
-            </a:ln>
-          </p:spPr>
-          <p:style>
-            <a:lnRef idx="2">
-              <a:schemeClr val="accent1">
-                <a:shade val="50000"/>
-              </a:schemeClr>
-            </a:lnRef>
-            <a:fillRef idx="1">
-              <a:schemeClr val="accent1"/>
-            </a:fillRef>
-            <a:effectRef idx="0">
-              <a:schemeClr val="accent1"/>
-            </a:effectRef>
-            <a:fontRef idx="minor">
-              <a:schemeClr val="lt1"/>
-            </a:fontRef>
-          </p:style>
-          <p:txBody>
-            <a:bodyPr rtlCol="0" anchor="ctr"/>
-            <a:lstStyle/>
-            <a:p>
-              <a:pPr algn="ctr"/>
-              <a:r>
-                <a:rPr lang="en-US" altLang="ko-KR" sz="1100" dirty="0" smtClean="0">
-                  <a:solidFill>
-                    <a:schemeClr val="bg1"/>
-                  </a:solidFill>
-                </a:rPr>
-                <a:t>Local Working Directory</a:t>
-              </a:r>
-              <a:endParaRPr lang="ko-KR" altLang="en-US" sz="1100" dirty="0">
-                <a:solidFill>
-                  <a:schemeClr val="bg1"/>
-                </a:solidFill>
-              </a:endParaRPr>
-            </a:p>
-          </p:txBody>
-        </p:sp>
-        <p:sp>
-          <p:nvSpPr>
-            <p:cNvPr id="29" name="모서리가 둥근 직사각형 28"/>
-            <p:cNvSpPr/>
-            <p:nvPr/>
-          </p:nvSpPr>
-          <p:spPr>
-            <a:xfrm>
-              <a:off x="8976325" y="3379626"/>
-              <a:ext cx="2041312" cy="676800"/>
-            </a:xfrm>
-            <a:prstGeom prst="roundRect">
-              <a:avLst/>
-            </a:prstGeom>
-            <a:solidFill>
-              <a:schemeClr val="accent4">
-                <a:lumMod val="60000"/>
-                <a:lumOff val="40000"/>
-              </a:schemeClr>
-            </a:solidFill>
-            <a:ln w="28575">
-              <a:solidFill>
-                <a:schemeClr val="accent4">
-                  <a:lumMod val="75000"/>
-                </a:schemeClr>
-              </a:solidFill>
-            </a:ln>
-          </p:spPr>
-          <p:style>
-            <a:lnRef idx="2">
-              <a:schemeClr val="accent1">
-                <a:shade val="50000"/>
-              </a:schemeClr>
-            </a:lnRef>
-            <a:fillRef idx="1">
-              <a:schemeClr val="accent1"/>
-            </a:fillRef>
-            <a:effectRef idx="0">
-              <a:schemeClr val="accent1"/>
-            </a:effectRef>
-            <a:fontRef idx="minor">
-              <a:schemeClr val="lt1"/>
-            </a:fontRef>
-          </p:style>
-          <p:txBody>
-            <a:bodyPr rtlCol="0" anchor="ctr"/>
-            <a:lstStyle/>
-            <a:p>
-              <a:pPr algn="ctr"/>
-              <a:r>
-                <a:rPr lang="en-US" altLang="ko-KR" sz="1100" dirty="0" smtClean="0">
-                  <a:solidFill>
-                    <a:schemeClr val="tx1"/>
-                  </a:solidFill>
-                </a:rPr>
-                <a:t>Version Control Service</a:t>
-              </a:r>
-            </a:p>
-            <a:p>
-              <a:pPr algn="ctr"/>
-              <a:r>
-                <a:rPr lang="en-US" altLang="ko-KR" sz="1100" dirty="0" smtClean="0">
-                  <a:solidFill>
-                    <a:schemeClr val="tx1"/>
-                  </a:solidFill>
-                </a:rPr>
-                <a:t>(</a:t>
-              </a:r>
-              <a:r>
-                <a:rPr lang="en-US" altLang="ko-KR" sz="1100" dirty="0" err="1" smtClean="0">
-                  <a:solidFill>
-                    <a:schemeClr val="tx1"/>
-                  </a:solidFill>
-                </a:rPr>
-                <a:t>Git</a:t>
-              </a:r>
-              <a:r>
-                <a:rPr lang="en-US" altLang="ko-KR" sz="1100" dirty="0" smtClean="0">
-                  <a:solidFill>
-                    <a:schemeClr val="tx1"/>
-                  </a:solidFill>
-                </a:rPr>
-                <a:t>)</a:t>
-              </a:r>
-              <a:endParaRPr lang="ko-KR" altLang="en-US" sz="1100" dirty="0">
-                <a:solidFill>
-                  <a:schemeClr val="tx1"/>
-                </a:solidFill>
-              </a:endParaRPr>
-            </a:p>
-          </p:txBody>
-        </p:sp>
-        <p:sp>
-          <p:nvSpPr>
-            <p:cNvPr id="32" name="모서리가 둥근 직사각형 31"/>
-            <p:cNvSpPr/>
-            <p:nvPr/>
-          </p:nvSpPr>
-          <p:spPr>
-            <a:xfrm>
-              <a:off x="5144079" y="1843349"/>
-              <a:ext cx="482969" cy="770822"/>
-            </a:xfrm>
-            <a:prstGeom prst="roundRect">
-              <a:avLst/>
-            </a:prstGeom>
-            <a:solidFill>
-              <a:schemeClr val="accent3">
-                <a:lumMod val="40000"/>
-                <a:lumOff val="60000"/>
-                <a:alpha val="30000"/>
-              </a:schemeClr>
-            </a:solidFill>
-            <a:ln>
-              <a:noFill/>
-            </a:ln>
-          </p:spPr>
-          <p:style>
-            <a:lnRef idx="2">
-              <a:schemeClr val="accent1">
-                <a:shade val="50000"/>
-              </a:schemeClr>
-            </a:lnRef>
-            <a:fillRef idx="1">
-              <a:schemeClr val="accent1"/>
-            </a:fillRef>
-            <a:effectRef idx="0">
-              <a:schemeClr val="accent1"/>
-            </a:effectRef>
-            <a:fontRef idx="minor">
-              <a:schemeClr val="lt1"/>
-            </a:fontRef>
-          </p:style>
-          <p:txBody>
-            <a:bodyPr rtlCol="0" anchor="ctr"/>
-            <a:lstStyle/>
-            <a:p>
-              <a:pPr algn="ctr"/>
-              <a:r>
-                <a:rPr lang="en-US" altLang="ko-KR" sz="700" dirty="0" smtClean="0">
-                  <a:solidFill>
-                    <a:schemeClr val="tx1">
-                      <a:alpha val="20000"/>
-                    </a:schemeClr>
-                  </a:solidFill>
-                </a:rPr>
-                <a:t>VCS</a:t>
-              </a:r>
-              <a:endParaRPr lang="ko-KR" altLang="en-US" sz="700" dirty="0">
-                <a:solidFill>
-                  <a:schemeClr val="tx1">
-                    <a:alpha val="20000"/>
-                  </a:schemeClr>
-                </a:solidFill>
-              </a:endParaRPr>
-            </a:p>
-          </p:txBody>
-        </p:sp>
-        <p:sp>
-          <p:nvSpPr>
-            <p:cNvPr id="33" name="모서리가 둥근 직사각형 32"/>
-            <p:cNvSpPr/>
-            <p:nvPr/>
-          </p:nvSpPr>
-          <p:spPr>
-            <a:xfrm>
-              <a:off x="6216559" y="1835281"/>
-              <a:ext cx="482969" cy="770400"/>
-            </a:xfrm>
-            <a:prstGeom prst="roundRect">
-              <a:avLst/>
-            </a:prstGeom>
-            <a:solidFill>
-              <a:schemeClr val="accent3">
-                <a:lumMod val="40000"/>
-                <a:lumOff val="60000"/>
-                <a:alpha val="30000"/>
-              </a:schemeClr>
-            </a:solidFill>
-            <a:ln>
-              <a:noFill/>
-            </a:ln>
-          </p:spPr>
-          <p:style>
-            <a:lnRef idx="2">
-              <a:schemeClr val="accent1">
-                <a:shade val="50000"/>
-              </a:schemeClr>
-            </a:lnRef>
-            <a:fillRef idx="1">
-              <a:schemeClr val="accent1"/>
-            </a:fillRef>
-            <a:effectRef idx="0">
-              <a:schemeClr val="accent1"/>
-            </a:effectRef>
-            <a:fontRef idx="minor">
-              <a:schemeClr val="lt1"/>
-            </a:fontRef>
-          </p:style>
-          <p:txBody>
-            <a:bodyPr rtlCol="0" anchor="ctr"/>
-            <a:lstStyle/>
-            <a:p>
-              <a:pPr algn="ctr"/>
-              <a:r>
-                <a:rPr lang="en-US" altLang="ko-KR" sz="700" dirty="0" smtClean="0">
-                  <a:solidFill>
-                    <a:schemeClr val="tx1">
-                      <a:alpha val="20000"/>
-                    </a:schemeClr>
-                  </a:solidFill>
-                </a:rPr>
-                <a:t>KUBE</a:t>
-              </a:r>
-              <a:endParaRPr lang="ko-KR" altLang="en-US" sz="700" dirty="0">
-                <a:solidFill>
-                  <a:schemeClr val="tx1">
-                    <a:alpha val="20000"/>
-                  </a:schemeClr>
-                </a:solidFill>
-              </a:endParaRPr>
-            </a:p>
-          </p:txBody>
-        </p:sp>
-        <p:sp>
-          <p:nvSpPr>
-            <p:cNvPr id="34" name="모서리가 둥근 직사각형 33"/>
-            <p:cNvSpPr/>
-            <p:nvPr/>
-          </p:nvSpPr>
-          <p:spPr>
-            <a:xfrm>
-              <a:off x="5680319" y="1837298"/>
-              <a:ext cx="482969" cy="770400"/>
-            </a:xfrm>
-            <a:prstGeom prst="roundRect">
-              <a:avLst/>
-            </a:prstGeom>
-            <a:solidFill>
-              <a:schemeClr val="accent3">
-                <a:lumMod val="40000"/>
-                <a:lumOff val="60000"/>
-                <a:alpha val="30000"/>
-              </a:schemeClr>
-            </a:solidFill>
-            <a:ln>
-              <a:noFill/>
-            </a:ln>
-          </p:spPr>
-          <p:style>
-            <a:lnRef idx="2">
-              <a:schemeClr val="accent1">
-                <a:shade val="50000"/>
-              </a:schemeClr>
-            </a:lnRef>
-            <a:fillRef idx="1">
-              <a:schemeClr val="accent1"/>
-            </a:fillRef>
-            <a:effectRef idx="0">
-              <a:schemeClr val="accent1"/>
-            </a:effectRef>
-            <a:fontRef idx="minor">
-              <a:schemeClr val="lt1"/>
-            </a:fontRef>
-          </p:style>
-          <p:txBody>
-            <a:bodyPr rtlCol="0" anchor="ctr"/>
-            <a:lstStyle/>
-            <a:p>
-              <a:pPr algn="ctr"/>
-              <a:r>
-                <a:rPr lang="en-US" altLang="ko-KR" sz="700" dirty="0" smtClean="0">
-                  <a:solidFill>
-                    <a:schemeClr val="tx1">
-                      <a:alpha val="20000"/>
-                    </a:schemeClr>
-                  </a:solidFill>
-                </a:rPr>
-                <a:t>VCS</a:t>
-              </a:r>
-              <a:endParaRPr lang="ko-KR" altLang="en-US" sz="700" dirty="0">
-                <a:solidFill>
-                  <a:schemeClr val="tx1">
-                    <a:alpha val="20000"/>
-                  </a:schemeClr>
-                </a:solidFill>
-              </a:endParaRPr>
-            </a:p>
-          </p:txBody>
-        </p:sp>
-        <p:sp>
-          <p:nvSpPr>
-            <p:cNvPr id="35" name="모서리가 둥근 직사각형 34"/>
-            <p:cNvSpPr/>
-            <p:nvPr/>
-          </p:nvSpPr>
-          <p:spPr>
-            <a:xfrm>
-              <a:off x="4607839" y="1845789"/>
-              <a:ext cx="482969" cy="770400"/>
-            </a:xfrm>
-            <a:prstGeom prst="roundRect">
-              <a:avLst/>
-            </a:prstGeom>
-            <a:solidFill>
-              <a:schemeClr val="accent3">
-                <a:lumMod val="40000"/>
-                <a:lumOff val="60000"/>
-                <a:alpha val="30000"/>
-              </a:schemeClr>
-            </a:solidFill>
-            <a:ln>
-              <a:noFill/>
-            </a:ln>
-          </p:spPr>
-          <p:style>
-            <a:lnRef idx="2">
-              <a:schemeClr val="accent1">
-                <a:shade val="50000"/>
-              </a:schemeClr>
-            </a:lnRef>
-            <a:fillRef idx="1">
-              <a:schemeClr val="accent1"/>
-            </a:fillRef>
-            <a:effectRef idx="0">
-              <a:schemeClr val="accent1"/>
-            </a:effectRef>
-            <a:fontRef idx="minor">
-              <a:schemeClr val="lt1"/>
-            </a:fontRef>
-          </p:style>
-          <p:txBody>
-            <a:bodyPr rtlCol="0" anchor="ctr"/>
-            <a:lstStyle/>
-            <a:p>
-              <a:pPr algn="ctr"/>
-              <a:r>
-                <a:rPr lang="en-US" altLang="ko-KR" sz="700" dirty="0" smtClean="0">
-                  <a:solidFill>
-                    <a:schemeClr val="tx1">
-                      <a:alpha val="20000"/>
-                    </a:schemeClr>
-                  </a:solidFill>
-                </a:rPr>
-                <a:t>KUBE</a:t>
-              </a:r>
-              <a:endParaRPr lang="ko-KR" altLang="en-US" sz="700" dirty="0">
-                <a:solidFill>
-                  <a:schemeClr val="tx1">
-                    <a:alpha val="20000"/>
-                  </a:schemeClr>
-                </a:solidFill>
-              </a:endParaRPr>
-            </a:p>
-          </p:txBody>
-        </p:sp>
-        <p:sp>
-          <p:nvSpPr>
-            <p:cNvPr id="36" name="모서리가 둥근 직사각형 35"/>
-            <p:cNvSpPr/>
-            <p:nvPr/>
-          </p:nvSpPr>
-          <p:spPr>
-            <a:xfrm>
-              <a:off x="4071599" y="1839315"/>
-              <a:ext cx="482969" cy="770400"/>
-            </a:xfrm>
-            <a:prstGeom prst="roundRect">
-              <a:avLst/>
-            </a:prstGeom>
-            <a:solidFill>
-              <a:schemeClr val="accent3">
-                <a:lumMod val="40000"/>
-                <a:lumOff val="60000"/>
-                <a:alpha val="30000"/>
-              </a:schemeClr>
-            </a:solidFill>
-            <a:ln>
-              <a:noFill/>
-            </a:ln>
-          </p:spPr>
-          <p:style>
-            <a:lnRef idx="2">
-              <a:schemeClr val="accent1">
-                <a:shade val="50000"/>
-              </a:schemeClr>
-            </a:lnRef>
-            <a:fillRef idx="1">
-              <a:schemeClr val="accent1"/>
-            </a:fillRef>
-            <a:effectRef idx="0">
-              <a:schemeClr val="accent1"/>
-            </a:effectRef>
-            <a:fontRef idx="minor">
-              <a:schemeClr val="lt1"/>
-            </a:fontRef>
-          </p:style>
-          <p:txBody>
-            <a:bodyPr rtlCol="0" anchor="ctr"/>
-            <a:lstStyle/>
-            <a:p>
-              <a:pPr algn="ctr"/>
-              <a:r>
-                <a:rPr lang="en-US" altLang="ko-KR" sz="700" dirty="0" smtClean="0">
-                  <a:solidFill>
-                    <a:schemeClr val="tx1">
-                      <a:alpha val="20000"/>
-                    </a:schemeClr>
-                  </a:solidFill>
-                </a:rPr>
-                <a:t>ERR</a:t>
-              </a:r>
-              <a:endParaRPr lang="ko-KR" altLang="en-US" sz="700" dirty="0">
-                <a:solidFill>
-                  <a:schemeClr val="tx1">
-                    <a:alpha val="20000"/>
-                  </a:schemeClr>
-                </a:solidFill>
-              </a:endParaRPr>
-            </a:p>
-          </p:txBody>
-        </p:sp>
-        <p:sp>
-          <p:nvSpPr>
-            <p:cNvPr id="37" name="모서리가 둥근 직사각형 36"/>
-            <p:cNvSpPr/>
-            <p:nvPr/>
-          </p:nvSpPr>
-          <p:spPr>
-            <a:xfrm>
-              <a:off x="6752797" y="1841332"/>
-              <a:ext cx="482969" cy="770400"/>
-            </a:xfrm>
-            <a:prstGeom prst="roundRect">
-              <a:avLst/>
-            </a:prstGeom>
-            <a:solidFill>
-              <a:schemeClr val="accent3">
-                <a:lumMod val="40000"/>
-                <a:lumOff val="60000"/>
-                <a:alpha val="30000"/>
-              </a:schemeClr>
-            </a:solidFill>
-            <a:ln>
-              <a:noFill/>
-            </a:ln>
-          </p:spPr>
-          <p:style>
-            <a:lnRef idx="2">
-              <a:schemeClr val="accent1">
-                <a:shade val="50000"/>
-              </a:schemeClr>
-            </a:lnRef>
-            <a:fillRef idx="1">
-              <a:schemeClr val="accent1"/>
-            </a:fillRef>
-            <a:effectRef idx="0">
-              <a:schemeClr val="accent1"/>
-            </a:effectRef>
-            <a:fontRef idx="minor">
-              <a:schemeClr val="lt1"/>
-            </a:fontRef>
-          </p:style>
-          <p:txBody>
-            <a:bodyPr rtlCol="0" anchor="ctr"/>
-            <a:lstStyle/>
-            <a:p>
-              <a:pPr algn="ctr"/>
-              <a:r>
-                <a:rPr lang="en-US" altLang="ko-KR" sz="700" dirty="0" smtClean="0">
-                  <a:solidFill>
-                    <a:schemeClr val="tx1">
-                      <a:alpha val="20000"/>
-                    </a:schemeClr>
-                  </a:solidFill>
-                </a:rPr>
-                <a:t>ERR</a:t>
-              </a:r>
-              <a:endParaRPr lang="ko-KR" altLang="en-US" sz="700" dirty="0">
-                <a:solidFill>
-                  <a:schemeClr val="tx1">
-                    <a:alpha val="20000"/>
-                  </a:schemeClr>
-                </a:solidFill>
-              </a:endParaRPr>
-            </a:p>
-          </p:txBody>
-        </p:sp>
-        <p:sp>
-          <p:nvSpPr>
-            <p:cNvPr id="40" name="모서리가 둥근 직사각형 39"/>
-            <p:cNvSpPr/>
-            <p:nvPr/>
-          </p:nvSpPr>
-          <p:spPr>
-            <a:xfrm>
-              <a:off x="3444436" y="977227"/>
-              <a:ext cx="4404220" cy="2629382"/>
-            </a:xfrm>
-            <a:prstGeom prst="roundRect">
-              <a:avLst/>
-            </a:prstGeom>
-            <a:noFill/>
-            <a:ln w="28575">
-              <a:solidFill>
-                <a:srgbClr val="767171"/>
-              </a:solidFill>
-            </a:ln>
-          </p:spPr>
-          <p:style>
-            <a:lnRef idx="2">
-              <a:schemeClr val="accent1">
-                <a:shade val="50000"/>
-              </a:schemeClr>
-            </a:lnRef>
-            <a:fillRef idx="1">
-              <a:schemeClr val="accent1"/>
-            </a:fillRef>
-            <a:effectRef idx="0">
-              <a:schemeClr val="accent1"/>
-            </a:effectRef>
-            <a:fontRef idx="minor">
-              <a:schemeClr val="lt1"/>
-            </a:fontRef>
-          </p:style>
-          <p:txBody>
-            <a:bodyPr rtlCol="0" anchor="ctr"/>
-            <a:lstStyle/>
-            <a:p>
-              <a:pPr algn="ctr"/>
-              <a:endParaRPr lang="ko-KR" altLang="en-US"/>
-            </a:p>
-          </p:txBody>
-        </p:sp>
-        <p:cxnSp>
-          <p:nvCxnSpPr>
-            <p:cNvPr id="45" name="직선 화살표 연결선 44"/>
-            <p:cNvCxnSpPr>
-              <a:stCxn id="73" idx="3"/>
-              <a:endCxn id="47" idx="1"/>
-            </p:cNvCxnSpPr>
-            <p:nvPr/>
-          </p:nvCxnSpPr>
-          <p:spPr>
-            <a:xfrm flipV="1">
-              <a:off x="2028839" y="2220481"/>
-              <a:ext cx="664490" cy="8279"/>
-            </a:xfrm>
-            <a:prstGeom prst="straightConnector1">
-              <a:avLst/>
-            </a:prstGeom>
-            <a:ln w="28575">
-              <a:solidFill>
-                <a:srgbClr val="4886BF"/>
-              </a:solidFill>
-              <a:tailEnd type="triangle"/>
-            </a:ln>
-          </p:spPr>
-          <p:style>
-            <a:lnRef idx="1">
-              <a:schemeClr val="accent1"/>
-            </a:lnRef>
-            <a:fillRef idx="0">
-              <a:schemeClr val="accent1"/>
-            </a:fillRef>
-            <a:effectRef idx="0">
-              <a:schemeClr val="accent1"/>
-            </a:effectRef>
-            <a:fontRef idx="minor">
-              <a:schemeClr val="tx1"/>
-            </a:fontRef>
-          </p:style>
-        </p:cxnSp>
-        <p:sp>
-          <p:nvSpPr>
-            <p:cNvPr id="46" name="모서리가 둥근 직사각형 45"/>
-            <p:cNvSpPr/>
-            <p:nvPr/>
-          </p:nvSpPr>
-          <p:spPr>
-            <a:xfrm>
-              <a:off x="4747671" y="3483512"/>
-              <a:ext cx="1812022" cy="501505"/>
-            </a:xfrm>
-            <a:prstGeom prst="roundRect">
-              <a:avLst/>
-            </a:prstGeom>
-            <a:solidFill>
-              <a:schemeClr val="bg2">
-                <a:lumMod val="50000"/>
-              </a:schemeClr>
-            </a:solidFill>
-            <a:ln>
-              <a:solidFill>
-                <a:schemeClr val="bg2">
-                  <a:lumMod val="50000"/>
-                </a:schemeClr>
-              </a:solidFill>
-            </a:ln>
-          </p:spPr>
-          <p:style>
-            <a:lnRef idx="2">
-              <a:schemeClr val="accent1">
-                <a:shade val="50000"/>
-              </a:schemeClr>
-            </a:lnRef>
-            <a:fillRef idx="1">
-              <a:schemeClr val="accent1"/>
-            </a:fillRef>
-            <a:effectRef idx="0">
-              <a:schemeClr val="accent1"/>
-            </a:effectRef>
-            <a:fontRef idx="minor">
-              <a:schemeClr val="lt1"/>
-            </a:fontRef>
-          </p:style>
-          <p:txBody>
-            <a:bodyPr rtlCol="0" anchor="ctr"/>
-            <a:lstStyle/>
-            <a:p>
-              <a:pPr algn="ctr"/>
-              <a:r>
-                <a:rPr lang="en-US" altLang="ko-KR" sz="1200" dirty="0" smtClean="0">
-                  <a:latin typeface="Noto Sans KR" panose="020B0200000000000000" pitchFamily="50" charset="-127"/>
-                  <a:ea typeface="Noto Sans KR" panose="020B0200000000000000" pitchFamily="50" charset="-127"/>
-                </a:rPr>
-                <a:t>Testbed API</a:t>
-              </a:r>
-              <a:endParaRPr lang="ko-KR" altLang="en-US" sz="1200" dirty="0">
-                <a:latin typeface="Noto Sans KR" panose="020B0200000000000000" pitchFamily="50" charset="-127"/>
-                <a:ea typeface="Noto Sans KR" panose="020B0200000000000000" pitchFamily="50" charset="-127"/>
-              </a:endParaRPr>
-            </a:p>
-          </p:txBody>
-        </p:sp>
-        <p:sp>
-          <p:nvSpPr>
-            <p:cNvPr id="47" name="모서리가 둥근 직사각형 46"/>
-            <p:cNvSpPr/>
-            <p:nvPr/>
-          </p:nvSpPr>
-          <p:spPr>
-            <a:xfrm>
-              <a:off x="2693329" y="2037628"/>
-              <a:ext cx="901090" cy="365706"/>
-            </a:xfrm>
-            <a:prstGeom prst="roundRect">
-              <a:avLst/>
-            </a:prstGeom>
-            <a:solidFill>
-              <a:schemeClr val="accent3">
-                <a:lumMod val="40000"/>
-                <a:lumOff val="60000"/>
-              </a:schemeClr>
-            </a:solidFill>
-            <a:ln>
-              <a:noFill/>
-            </a:ln>
-          </p:spPr>
-          <p:style>
-            <a:lnRef idx="2">
-              <a:schemeClr val="accent1">
-                <a:shade val="50000"/>
-              </a:schemeClr>
-            </a:lnRef>
-            <a:fillRef idx="1">
-              <a:schemeClr val="accent1"/>
-            </a:fillRef>
-            <a:effectRef idx="0">
-              <a:schemeClr val="accent1"/>
-            </a:effectRef>
-            <a:fontRef idx="minor">
-              <a:schemeClr val="lt1"/>
-            </a:fontRef>
-          </p:style>
-          <p:txBody>
-            <a:bodyPr rtlCol="0" anchor="ctr"/>
-            <a:lstStyle/>
-            <a:p>
-              <a:pPr algn="ctr"/>
-              <a:r>
-                <a:rPr lang="en-US" altLang="ko-KR" sz="1100" dirty="0" smtClean="0">
-                  <a:solidFill>
-                    <a:schemeClr val="tx1"/>
-                  </a:solidFill>
-                </a:rPr>
-                <a:t>Gateway</a:t>
-              </a:r>
-              <a:endParaRPr lang="ko-KR" altLang="en-US" sz="1100" dirty="0">
-                <a:solidFill>
-                  <a:schemeClr val="tx1"/>
-                </a:solidFill>
-              </a:endParaRPr>
-            </a:p>
-          </p:txBody>
-        </p:sp>
-        <p:sp>
-          <p:nvSpPr>
-            <p:cNvPr id="56" name="모서리가 둥근 직사각형 55"/>
-            <p:cNvSpPr/>
-            <p:nvPr/>
-          </p:nvSpPr>
-          <p:spPr>
-            <a:xfrm>
-              <a:off x="6426196" y="1156744"/>
-              <a:ext cx="1263600" cy="365706"/>
-            </a:xfrm>
-            <a:prstGeom prst="roundRect">
-              <a:avLst/>
-            </a:prstGeom>
-            <a:solidFill>
-              <a:schemeClr val="accent3">
-                <a:lumMod val="40000"/>
-                <a:lumOff val="60000"/>
-              </a:schemeClr>
-            </a:solidFill>
-            <a:ln>
-              <a:noFill/>
-            </a:ln>
-          </p:spPr>
-          <p:style>
-            <a:lnRef idx="2">
-              <a:schemeClr val="accent1">
-                <a:shade val="50000"/>
-              </a:schemeClr>
-            </a:lnRef>
-            <a:fillRef idx="1">
-              <a:schemeClr val="accent1"/>
-            </a:fillRef>
-            <a:effectRef idx="0">
-              <a:schemeClr val="accent1"/>
-            </a:effectRef>
-            <a:fontRef idx="minor">
-              <a:schemeClr val="lt1"/>
-            </a:fontRef>
-          </p:style>
-          <p:txBody>
-            <a:bodyPr rtlCol="0" anchor="ctr"/>
-            <a:lstStyle/>
-            <a:p>
-              <a:pPr algn="ctr"/>
-              <a:r>
-                <a:rPr lang="en-US" altLang="ko-KR" sz="1050" dirty="0" smtClean="0">
-                  <a:solidFill>
-                    <a:schemeClr val="tx1"/>
-                  </a:solidFill>
-                </a:rPr>
-                <a:t>Kubernetes</a:t>
-              </a:r>
-            </a:p>
-            <a:p>
-              <a:pPr algn="ctr"/>
-              <a:r>
-                <a:rPr lang="en-US" altLang="ko-KR" sz="1050" dirty="0" smtClean="0">
-                  <a:solidFill>
-                    <a:schemeClr val="tx1"/>
-                  </a:solidFill>
-                </a:rPr>
-                <a:t>Service</a:t>
-              </a:r>
-              <a:endParaRPr lang="ko-KR" altLang="en-US" sz="1050" dirty="0">
-                <a:solidFill>
-                  <a:schemeClr val="tx1"/>
-                </a:solidFill>
-              </a:endParaRPr>
-            </a:p>
-          </p:txBody>
-        </p:sp>
-        <p:sp>
-          <p:nvSpPr>
-            <p:cNvPr id="57" name="모서리가 둥근 직사각형 56"/>
-            <p:cNvSpPr/>
-            <p:nvPr/>
-          </p:nvSpPr>
-          <p:spPr>
-            <a:xfrm>
-              <a:off x="6417807" y="2929770"/>
-              <a:ext cx="1263600" cy="365706"/>
-            </a:xfrm>
-            <a:prstGeom prst="roundRect">
-              <a:avLst/>
-            </a:prstGeom>
-            <a:solidFill>
-              <a:schemeClr val="accent3">
-                <a:lumMod val="40000"/>
-                <a:lumOff val="60000"/>
-              </a:schemeClr>
-            </a:solidFill>
-            <a:ln>
-              <a:noFill/>
-            </a:ln>
-          </p:spPr>
-          <p:style>
-            <a:lnRef idx="2">
-              <a:schemeClr val="accent1">
-                <a:shade val="50000"/>
-              </a:schemeClr>
-            </a:lnRef>
-            <a:fillRef idx="1">
-              <a:schemeClr val="accent1"/>
-            </a:fillRef>
-            <a:effectRef idx="0">
-              <a:schemeClr val="accent1"/>
-            </a:effectRef>
-            <a:fontRef idx="minor">
-              <a:schemeClr val="lt1"/>
-            </a:fontRef>
-          </p:style>
-          <p:txBody>
-            <a:bodyPr rtlCol="0" anchor="ctr"/>
-            <a:lstStyle/>
-            <a:p>
-              <a:pPr algn="ctr"/>
-              <a:r>
-                <a:rPr lang="en-US" altLang="ko-KR" sz="1050" dirty="0" smtClean="0">
-                  <a:solidFill>
-                    <a:schemeClr val="tx1"/>
-                  </a:solidFill>
-                </a:rPr>
-                <a:t>VCS</a:t>
-              </a:r>
-            </a:p>
-            <a:p>
-              <a:pPr algn="ctr"/>
-              <a:r>
-                <a:rPr lang="en-US" altLang="ko-KR" sz="1050" dirty="0" smtClean="0">
-                  <a:solidFill>
-                    <a:schemeClr val="tx1"/>
-                  </a:solidFill>
-                </a:rPr>
-                <a:t>Service</a:t>
-              </a:r>
-              <a:endParaRPr lang="ko-KR" altLang="en-US" sz="1050" dirty="0">
-                <a:solidFill>
-                  <a:schemeClr val="tx1"/>
-                </a:solidFill>
-              </a:endParaRPr>
-            </a:p>
-          </p:txBody>
-        </p:sp>
-        <p:sp>
-          <p:nvSpPr>
-            <p:cNvPr id="61" name="모서리가 둥근 직사각형 60"/>
-            <p:cNvSpPr/>
-            <p:nvPr/>
-          </p:nvSpPr>
-          <p:spPr>
-            <a:xfrm>
-              <a:off x="3980079" y="1773919"/>
-              <a:ext cx="3347207" cy="914141"/>
-            </a:xfrm>
-            <a:prstGeom prst="roundRect">
-              <a:avLst/>
-            </a:prstGeom>
-            <a:noFill/>
-            <a:ln w="38100">
-              <a:solidFill>
-                <a:schemeClr val="tx1"/>
-              </a:solidFill>
-              <a:prstDash val="sysDash"/>
-            </a:ln>
-          </p:spPr>
-          <p:style>
-            <a:lnRef idx="2">
-              <a:schemeClr val="accent1">
-                <a:shade val="50000"/>
-              </a:schemeClr>
-            </a:lnRef>
-            <a:fillRef idx="1">
-              <a:schemeClr val="accent1"/>
-            </a:fillRef>
-            <a:effectRef idx="0">
-              <a:schemeClr val="accent1"/>
-            </a:effectRef>
-            <a:fontRef idx="minor">
-              <a:schemeClr val="lt1"/>
-            </a:fontRef>
-          </p:style>
-          <p:txBody>
-            <a:bodyPr rtlCol="0" anchor="t"/>
-            <a:lstStyle/>
-            <a:p>
-              <a:pPr algn="ctr"/>
-              <a:r>
-                <a:rPr lang="en-US" altLang="ko-KR" sz="1050" dirty="0" smtClean="0">
-                  <a:solidFill>
-                    <a:sysClr val="windowText" lastClr="000000"/>
-                  </a:solidFill>
-                </a:rPr>
-                <a:t>Message Queue</a:t>
-              </a:r>
-              <a:endParaRPr lang="ko-KR" altLang="en-US" sz="1050" dirty="0">
-                <a:solidFill>
-                  <a:sysClr val="windowText" lastClr="000000"/>
-                </a:solidFill>
-              </a:endParaRPr>
-            </a:p>
-          </p:txBody>
-        </p:sp>
-        <p:sp>
-          <p:nvSpPr>
-            <p:cNvPr id="62" name="모서리가 둥근 직사각형 61"/>
-            <p:cNvSpPr/>
-            <p:nvPr/>
-          </p:nvSpPr>
-          <p:spPr>
-            <a:xfrm>
-              <a:off x="3612372" y="1156743"/>
-              <a:ext cx="1263600" cy="365706"/>
-            </a:xfrm>
-            <a:prstGeom prst="roundRect">
-              <a:avLst/>
-            </a:prstGeom>
-            <a:solidFill>
-              <a:schemeClr val="accent3">
-                <a:lumMod val="40000"/>
-                <a:lumOff val="60000"/>
-              </a:schemeClr>
-            </a:solidFill>
-            <a:ln>
-              <a:noFill/>
-            </a:ln>
-          </p:spPr>
-          <p:style>
-            <a:lnRef idx="2">
-              <a:schemeClr val="accent1">
-                <a:shade val="50000"/>
-              </a:schemeClr>
-            </a:lnRef>
-            <a:fillRef idx="1">
-              <a:schemeClr val="accent1"/>
-            </a:fillRef>
-            <a:effectRef idx="0">
-              <a:schemeClr val="accent1"/>
-            </a:effectRef>
-            <a:fontRef idx="minor">
-              <a:schemeClr val="lt1"/>
-            </a:fontRef>
-          </p:style>
-          <p:txBody>
-            <a:bodyPr rtlCol="0" anchor="ctr"/>
-            <a:lstStyle/>
-            <a:p>
-              <a:pPr algn="ctr"/>
-              <a:r>
-                <a:rPr lang="en-US" altLang="ko-KR" sz="1050" dirty="0" smtClean="0">
-                  <a:solidFill>
-                    <a:schemeClr val="tx1"/>
-                  </a:solidFill>
-                </a:rPr>
-                <a:t>Error</a:t>
-              </a:r>
-            </a:p>
-            <a:p>
-              <a:pPr algn="ctr"/>
-              <a:r>
-                <a:rPr lang="en-US" altLang="ko-KR" sz="1050" dirty="0" smtClean="0">
-                  <a:solidFill>
-                    <a:schemeClr val="tx1"/>
-                  </a:solidFill>
-                </a:rPr>
-                <a:t>Service</a:t>
-              </a:r>
-              <a:endParaRPr lang="ko-KR" altLang="en-US" sz="1050" dirty="0">
-                <a:solidFill>
-                  <a:schemeClr val="tx1"/>
-                </a:solidFill>
-              </a:endParaRPr>
-            </a:p>
-          </p:txBody>
-        </p:sp>
-        <p:cxnSp>
-          <p:nvCxnSpPr>
-            <p:cNvPr id="63" name="꺾인 연결선 62"/>
-            <p:cNvCxnSpPr>
-              <a:stCxn id="62" idx="3"/>
-              <a:endCxn id="61" idx="0"/>
-            </p:cNvCxnSpPr>
-            <p:nvPr/>
-          </p:nvCxnSpPr>
-          <p:spPr>
-            <a:xfrm>
-              <a:off x="4875972" y="1339596"/>
-              <a:ext cx="777711" cy="434323"/>
-            </a:xfrm>
-            <a:prstGeom prst="bentConnector2">
-              <a:avLst/>
-            </a:prstGeom>
-            <a:ln w="28575">
-              <a:solidFill>
-                <a:schemeClr val="tx1"/>
-              </a:solidFill>
-              <a:headEnd type="triangle"/>
-              <a:tailEnd type="triangle"/>
-            </a:ln>
-          </p:spPr>
-          <p:style>
-            <a:lnRef idx="1">
-              <a:schemeClr val="accent1"/>
-            </a:lnRef>
-            <a:fillRef idx="0">
-              <a:schemeClr val="accent1"/>
-            </a:fillRef>
-            <a:effectRef idx="0">
-              <a:schemeClr val="accent1"/>
-            </a:effectRef>
-            <a:fontRef idx="minor">
-              <a:schemeClr val="tx1"/>
-            </a:fontRef>
-          </p:style>
-        </p:cxnSp>
-        <p:cxnSp>
-          <p:nvCxnSpPr>
-            <p:cNvPr id="64" name="꺾인 연결선 63"/>
-            <p:cNvCxnSpPr>
-              <a:stCxn id="56" idx="1"/>
-              <a:endCxn id="61" idx="0"/>
-            </p:cNvCxnSpPr>
-            <p:nvPr/>
-          </p:nvCxnSpPr>
-          <p:spPr>
-            <a:xfrm rot="10800000" flipV="1">
-              <a:off x="5653684" y="1339597"/>
-              <a:ext cx="772513" cy="434322"/>
-            </a:xfrm>
-            <a:prstGeom prst="bentConnector2">
-              <a:avLst/>
-            </a:prstGeom>
-            <a:ln w="28575">
-              <a:solidFill>
-                <a:schemeClr val="tx1"/>
-              </a:solidFill>
-              <a:headEnd type="triangle"/>
-              <a:tailEnd type="triangle"/>
-            </a:ln>
-          </p:spPr>
-          <p:style>
-            <a:lnRef idx="1">
-              <a:schemeClr val="accent1"/>
-            </a:lnRef>
-            <a:fillRef idx="0">
-              <a:schemeClr val="accent1"/>
-            </a:fillRef>
-            <a:effectRef idx="0">
-              <a:schemeClr val="accent1"/>
-            </a:effectRef>
-            <a:fontRef idx="minor">
-              <a:schemeClr val="tx1"/>
-            </a:fontRef>
-          </p:style>
-        </p:cxnSp>
-        <p:cxnSp>
-          <p:nvCxnSpPr>
-            <p:cNvPr id="68" name="꺾인 연결선 67"/>
-            <p:cNvCxnSpPr>
-              <a:stCxn id="61" idx="2"/>
-              <a:endCxn id="57" idx="1"/>
-            </p:cNvCxnSpPr>
-            <p:nvPr/>
-          </p:nvCxnSpPr>
-          <p:spPr>
-            <a:xfrm rot="16200000" flipH="1">
-              <a:off x="5823464" y="2518279"/>
-              <a:ext cx="424563" cy="764124"/>
-            </a:xfrm>
-            <a:prstGeom prst="bentConnector2">
-              <a:avLst/>
-            </a:prstGeom>
-            <a:ln w="28575">
-              <a:solidFill>
-                <a:schemeClr val="tx1"/>
-              </a:solidFill>
-              <a:headEnd type="triangle"/>
-              <a:tailEnd type="triangle"/>
-            </a:ln>
-          </p:spPr>
-          <p:style>
-            <a:lnRef idx="1">
-              <a:schemeClr val="accent1"/>
-            </a:lnRef>
-            <a:fillRef idx="0">
-              <a:schemeClr val="accent1"/>
-            </a:fillRef>
-            <a:effectRef idx="0">
-              <a:schemeClr val="accent1"/>
-            </a:effectRef>
-            <a:fontRef idx="minor">
-              <a:schemeClr val="tx1"/>
-            </a:fontRef>
-          </p:style>
-        </p:cxnSp>
-        <p:cxnSp>
-          <p:nvCxnSpPr>
-            <p:cNvPr id="71" name="직선 화살표 연결선 70"/>
-            <p:cNvCxnSpPr>
-              <a:stCxn id="47" idx="3"/>
-              <a:endCxn id="61" idx="1"/>
-            </p:cNvCxnSpPr>
-            <p:nvPr/>
-          </p:nvCxnSpPr>
-          <p:spPr>
-            <a:xfrm>
-              <a:off x="3594419" y="2220481"/>
-              <a:ext cx="385660" cy="10509"/>
-            </a:xfrm>
-            <a:prstGeom prst="straightConnector1">
-              <a:avLst/>
-            </a:prstGeom>
-            <a:ln w="28575">
-              <a:solidFill>
-                <a:schemeClr val="tx1"/>
-              </a:solidFill>
-              <a:tailEnd type="triangle"/>
-            </a:ln>
-          </p:spPr>
-          <p:style>
-            <a:lnRef idx="1">
-              <a:schemeClr val="accent1"/>
-            </a:lnRef>
-            <a:fillRef idx="0">
-              <a:schemeClr val="accent1"/>
-            </a:fillRef>
-            <a:effectRef idx="0">
-              <a:schemeClr val="accent1"/>
-            </a:effectRef>
-            <a:fontRef idx="minor">
-              <a:schemeClr val="tx1"/>
-            </a:fontRef>
-          </p:style>
-        </p:cxnSp>
-        <p:sp>
-          <p:nvSpPr>
-            <p:cNvPr id="73" name="순서도: 처리 72"/>
-            <p:cNvSpPr/>
-            <p:nvPr/>
-          </p:nvSpPr>
-          <p:spPr>
-            <a:xfrm>
-              <a:off x="897885" y="2017681"/>
-              <a:ext cx="1130954" cy="422158"/>
-            </a:xfrm>
-            <a:prstGeom prst="flowChartProcess">
-              <a:avLst/>
-            </a:prstGeom>
-            <a:solidFill>
-              <a:srgbClr val="4886BF"/>
-            </a:solidFill>
-            <a:ln>
-              <a:noFill/>
-            </a:ln>
-          </p:spPr>
-          <p:style>
-            <a:lnRef idx="2">
-              <a:schemeClr val="accent1">
-                <a:shade val="50000"/>
-              </a:schemeClr>
-            </a:lnRef>
-            <a:fillRef idx="1">
-              <a:schemeClr val="accent1"/>
-            </a:fillRef>
-            <a:effectRef idx="0">
-              <a:schemeClr val="accent1"/>
-            </a:effectRef>
-            <a:fontRef idx="minor">
-              <a:schemeClr val="lt1"/>
-            </a:fontRef>
-          </p:style>
-          <p:txBody>
-            <a:bodyPr rtlCol="0" anchor="ctr"/>
-            <a:lstStyle/>
-            <a:p>
-              <a:pPr algn="ctr"/>
-              <a:r>
-                <a:rPr lang="en-US" altLang="ko-KR" sz="1100" dirty="0" smtClean="0">
-                  <a:latin typeface="Noto Sans KR" panose="020B0200000000000000" pitchFamily="50" charset="-127"/>
-                  <a:ea typeface="Noto Sans KR" panose="020B0200000000000000" pitchFamily="50" charset="-127"/>
-                </a:rPr>
-                <a:t>Request</a:t>
-              </a:r>
-              <a:endParaRPr lang="ko-KR" altLang="en-US" sz="1100" dirty="0">
-                <a:latin typeface="Noto Sans KR" panose="020B0200000000000000" pitchFamily="50" charset="-127"/>
-                <a:ea typeface="Noto Sans KR" panose="020B0200000000000000" pitchFamily="50" charset="-127"/>
-              </a:endParaRPr>
-            </a:p>
-          </p:txBody>
-        </p:sp>
-        <p:cxnSp>
-          <p:nvCxnSpPr>
-            <p:cNvPr id="9" name="꺾인 연결선 8"/>
-            <p:cNvCxnSpPr>
-              <a:stCxn id="57" idx="3"/>
-              <a:endCxn id="52" idx="2"/>
-            </p:cNvCxnSpPr>
-            <p:nvPr/>
-          </p:nvCxnSpPr>
-          <p:spPr>
-            <a:xfrm flipV="1">
-              <a:off x="7681407" y="2558881"/>
-              <a:ext cx="2119964" cy="553742"/>
-            </a:xfrm>
-            <a:prstGeom prst="bentConnector2">
-              <a:avLst/>
-            </a:prstGeom>
-            <a:ln w="28575">
-              <a:solidFill>
-                <a:schemeClr val="tx1"/>
-              </a:solidFill>
-              <a:tailEnd type="triangle"/>
-            </a:ln>
-          </p:spPr>
-          <p:style>
-            <a:lnRef idx="1">
-              <a:schemeClr val="accent1"/>
-            </a:lnRef>
-            <a:fillRef idx="0">
-              <a:schemeClr val="accent1"/>
-            </a:fillRef>
-            <a:effectRef idx="0">
-              <a:schemeClr val="accent1"/>
-            </a:effectRef>
-            <a:fontRef idx="minor">
-              <a:schemeClr val="tx1"/>
-            </a:fontRef>
-          </p:style>
-        </p:cxnSp>
-        <p:cxnSp>
-          <p:nvCxnSpPr>
-            <p:cNvPr id="12" name="꺾인 연결선 11"/>
-            <p:cNvCxnSpPr>
-              <a:stCxn id="56" idx="3"/>
-              <a:endCxn id="51" idx="1"/>
-            </p:cNvCxnSpPr>
-            <p:nvPr/>
-          </p:nvCxnSpPr>
-          <p:spPr>
-            <a:xfrm flipV="1">
-              <a:off x="7689796" y="820012"/>
-              <a:ext cx="1286529" cy="519585"/>
-            </a:xfrm>
-            <a:prstGeom prst="bentConnector3">
-              <a:avLst/>
-            </a:prstGeom>
-            <a:ln w="28575">
-              <a:solidFill>
-                <a:schemeClr val="tx1"/>
-              </a:solidFill>
-              <a:tailEnd type="triangle"/>
-            </a:ln>
-          </p:spPr>
-          <p:style>
-            <a:lnRef idx="1">
-              <a:schemeClr val="accent1"/>
-            </a:lnRef>
-            <a:fillRef idx="0">
-              <a:schemeClr val="accent1"/>
-            </a:fillRef>
-            <a:effectRef idx="0">
-              <a:schemeClr val="accent1"/>
-            </a:effectRef>
-            <a:fontRef idx="minor">
-              <a:schemeClr val="tx1"/>
-            </a:fontRef>
-          </p:style>
-        </p:cxnSp>
-        <p:cxnSp>
-          <p:nvCxnSpPr>
-            <p:cNvPr id="17" name="꺾인 연결선 16"/>
-            <p:cNvCxnSpPr>
-              <a:stCxn id="56" idx="3"/>
-              <a:endCxn id="52" idx="0"/>
-            </p:cNvCxnSpPr>
-            <p:nvPr/>
-          </p:nvCxnSpPr>
-          <p:spPr>
-            <a:xfrm>
-              <a:off x="7689796" y="1339597"/>
-              <a:ext cx="2111575" cy="542484"/>
-            </a:xfrm>
-            <a:prstGeom prst="bentConnector2">
-              <a:avLst/>
-            </a:prstGeom>
-            <a:ln w="28575">
-              <a:solidFill>
-                <a:schemeClr val="tx1"/>
-              </a:solidFill>
-              <a:tailEnd type="triangle"/>
-            </a:ln>
-          </p:spPr>
-          <p:style>
-            <a:lnRef idx="1">
-              <a:schemeClr val="accent1"/>
-            </a:lnRef>
-            <a:fillRef idx="0">
-              <a:schemeClr val="accent1"/>
-            </a:fillRef>
-            <a:effectRef idx="0">
-              <a:schemeClr val="accent1"/>
-            </a:effectRef>
-            <a:fontRef idx="minor">
-              <a:schemeClr val="tx1"/>
-            </a:fontRef>
-          </p:style>
-        </p:cxnSp>
-        <p:cxnSp>
-          <p:nvCxnSpPr>
-            <p:cNvPr id="78" name="꺾인 연결선 77"/>
-            <p:cNvCxnSpPr>
-              <a:stCxn id="57" idx="3"/>
-              <a:endCxn id="29" idx="1"/>
-            </p:cNvCxnSpPr>
-            <p:nvPr/>
-          </p:nvCxnSpPr>
-          <p:spPr>
-            <a:xfrm>
-              <a:off x="7681407" y="3112623"/>
-              <a:ext cx="1294918" cy="605403"/>
-            </a:xfrm>
-            <a:prstGeom prst="bentConnector3">
-              <a:avLst/>
-            </a:prstGeom>
-            <a:ln w="28575">
-              <a:solidFill>
-                <a:schemeClr val="tx1"/>
-              </a:solidFill>
-              <a:tailEnd type="triangle"/>
-            </a:ln>
-          </p:spPr>
-          <p:style>
-            <a:lnRef idx="1">
-              <a:schemeClr val="accent1"/>
-            </a:lnRef>
-            <a:fillRef idx="0">
-              <a:schemeClr val="accent1"/>
-            </a:fillRef>
-            <a:effectRef idx="0">
-              <a:schemeClr val="accent1"/>
-            </a:effectRef>
-            <a:fontRef idx="minor">
-              <a:schemeClr val="tx1"/>
-            </a:fontRef>
-          </p:style>
-        </p:cxnSp>
-      </p:grpSp>
-    </p:spTree>
-    <p:extLst>
-      <p:ext uri="{BB962C8B-B14F-4D97-AF65-F5344CB8AC3E}">
-        <p14:creationId xmlns:p14="http://schemas.microsoft.com/office/powerpoint/2010/main" val="479455595"/>
       </p:ext>
     </p:extLst>
   </p:cSld>

--- a/경력기술서_사진.pptx
+++ b/경력기술서_사진.pptx
@@ -10,9 +10,10 @@
     <p:sldId id="258" r:id="rId4"/>
     <p:sldId id="264" r:id="rId5"/>
     <p:sldId id="259" r:id="rId6"/>
-    <p:sldId id="260" r:id="rId7"/>
-    <p:sldId id="261" r:id="rId8"/>
-    <p:sldId id="263" r:id="rId9"/>
+    <p:sldId id="265" r:id="rId7"/>
+    <p:sldId id="260" r:id="rId8"/>
+    <p:sldId id="261" r:id="rId9"/>
+    <p:sldId id="263" r:id="rId10"/>
   </p:sldIdLst>
   <p:sldSz cx="12192000" cy="6858000"/>
   <p:notesSz cx="6858000" cy="9144000"/>
@@ -6577,11 +6578,6 @@
               </a:rPr>
               <a:t>Code generation</a:t>
             </a:r>
-            <a:endParaRPr lang="en-US" altLang="ko-KR" sz="1050" dirty="0" smtClean="0">
-              <a:solidFill>
-                <a:schemeClr val="tx1"/>
-              </a:solidFill>
-            </a:endParaRPr>
           </a:p>
         </p:txBody>
       </p:sp>
@@ -6789,11 +6785,6 @@
               </a:rPr>
               <a:t>Java Compile</a:t>
             </a:r>
-            <a:endParaRPr lang="en-US" altLang="ko-KR" sz="1050" dirty="0" smtClean="0">
-              <a:solidFill>
-                <a:schemeClr val="tx1"/>
-              </a:solidFill>
-            </a:endParaRPr>
           </a:p>
         </p:txBody>
       </p:sp>
@@ -6994,11 +6985,6 @@
               </a:rPr>
               <a:t>Transfer</a:t>
             </a:r>
-            <a:endParaRPr lang="en-US" altLang="ko-KR" sz="1050" dirty="0" smtClean="0">
-              <a:solidFill>
-                <a:schemeClr val="tx1"/>
-              </a:solidFill>
-            </a:endParaRPr>
           </a:p>
         </p:txBody>
       </p:sp>
@@ -10100,6 +10086,1040 @@
       </p:grpSpPr>
       <p:grpSp>
         <p:nvGrpSpPr>
+          <p:cNvPr id="36" name="그룹 35"/>
+          <p:cNvGrpSpPr/>
+          <p:nvPr/>
+        </p:nvGrpSpPr>
+        <p:grpSpPr>
+          <a:xfrm>
+            <a:off x="219665" y="1266652"/>
+            <a:ext cx="10820247" cy="2094674"/>
+            <a:chOff x="219665" y="1266652"/>
+            <a:chExt cx="10820247" cy="2094674"/>
+          </a:xfrm>
+        </p:grpSpPr>
+        <p:cxnSp>
+          <p:nvCxnSpPr>
+            <p:cNvPr id="9" name="직선 화살표 연결선 8"/>
+            <p:cNvCxnSpPr>
+              <a:stCxn id="63" idx="3"/>
+            </p:cNvCxnSpPr>
+            <p:nvPr/>
+          </p:nvCxnSpPr>
+          <p:spPr>
+            <a:xfrm>
+              <a:off x="1350619" y="2114019"/>
+              <a:ext cx="9689293" cy="0"/>
+            </a:xfrm>
+            <a:prstGeom prst="straightConnector1">
+              <a:avLst/>
+            </a:prstGeom>
+            <a:ln w="28575">
+              <a:solidFill>
+                <a:schemeClr val="tx1"/>
+              </a:solidFill>
+              <a:tailEnd type="triangle"/>
+            </a:ln>
+          </p:spPr>
+          <p:style>
+            <a:lnRef idx="1">
+              <a:schemeClr val="accent1"/>
+            </a:lnRef>
+            <a:fillRef idx="0">
+              <a:schemeClr val="accent1"/>
+            </a:fillRef>
+            <a:effectRef idx="0">
+              <a:schemeClr val="accent1"/>
+            </a:effectRef>
+            <a:fontRef idx="minor">
+              <a:schemeClr val="tx1"/>
+            </a:fontRef>
+          </p:style>
+        </p:cxnSp>
+        <p:sp>
+          <p:nvSpPr>
+            <p:cNvPr id="63" name="순서도: 처리 62"/>
+            <p:cNvSpPr/>
+            <p:nvPr/>
+          </p:nvSpPr>
+          <p:spPr>
+            <a:xfrm>
+              <a:off x="219665" y="1902940"/>
+              <a:ext cx="1130954" cy="422158"/>
+            </a:xfrm>
+            <a:prstGeom prst="flowChartProcess">
+              <a:avLst/>
+            </a:prstGeom>
+            <a:solidFill>
+              <a:schemeClr val="tx1">
+                <a:lumMod val="50000"/>
+                <a:lumOff val="50000"/>
+              </a:schemeClr>
+            </a:solidFill>
+            <a:ln>
+              <a:solidFill>
+                <a:schemeClr val="tx1"/>
+              </a:solidFill>
+            </a:ln>
+          </p:spPr>
+          <p:style>
+            <a:lnRef idx="2">
+              <a:schemeClr val="accent1">
+                <a:shade val="50000"/>
+              </a:schemeClr>
+            </a:lnRef>
+            <a:fillRef idx="1">
+              <a:schemeClr val="accent1"/>
+            </a:fillRef>
+            <a:effectRef idx="0">
+              <a:schemeClr val="accent1"/>
+            </a:effectRef>
+            <a:fontRef idx="minor">
+              <a:schemeClr val="lt1"/>
+            </a:fontRef>
+          </p:style>
+          <p:txBody>
+            <a:bodyPr rtlCol="0" anchor="ctr"/>
+            <a:lstStyle/>
+            <a:p>
+              <a:pPr algn="ctr"/>
+              <a:r>
+                <a:rPr lang="en-US" altLang="ko-KR" sz="1000" dirty="0" smtClean="0">
+                  <a:latin typeface="Noto Sans KR" panose="020B0200000000000000" pitchFamily="50" charset="-127"/>
+                  <a:ea typeface="Noto Sans KR" panose="020B0200000000000000" pitchFamily="50" charset="-127"/>
+                </a:rPr>
+                <a:t>‘develop’ branch</a:t>
+              </a:r>
+              <a:endParaRPr lang="ko-KR" altLang="en-US" sz="1000" dirty="0">
+                <a:latin typeface="Noto Sans KR" panose="020B0200000000000000" pitchFamily="50" charset="-127"/>
+                <a:ea typeface="Noto Sans KR" panose="020B0200000000000000" pitchFamily="50" charset="-127"/>
+              </a:endParaRPr>
+            </a:p>
+          </p:txBody>
+        </p:sp>
+        <p:cxnSp>
+          <p:nvCxnSpPr>
+            <p:cNvPr id="53" name="직선 화살표 연결선 52"/>
+            <p:cNvCxnSpPr>
+              <a:stCxn id="72" idx="6"/>
+            </p:cNvCxnSpPr>
+            <p:nvPr/>
+          </p:nvCxnSpPr>
+          <p:spPr>
+            <a:xfrm>
+              <a:off x="4401868" y="3325326"/>
+              <a:ext cx="3290837" cy="0"/>
+            </a:xfrm>
+            <a:prstGeom prst="straightConnector1">
+              <a:avLst/>
+            </a:prstGeom>
+            <a:ln w="28575">
+              <a:solidFill>
+                <a:srgbClr val="FFC000"/>
+              </a:solidFill>
+              <a:tailEnd type="triangle"/>
+            </a:ln>
+          </p:spPr>
+          <p:style>
+            <a:lnRef idx="1">
+              <a:schemeClr val="accent1"/>
+            </a:lnRef>
+            <a:fillRef idx="0">
+              <a:schemeClr val="accent1"/>
+            </a:fillRef>
+            <a:effectRef idx="0">
+              <a:schemeClr val="accent1"/>
+            </a:effectRef>
+            <a:fontRef idx="minor">
+              <a:schemeClr val="tx1"/>
+            </a:fontRef>
+          </p:style>
+        </p:cxnSp>
+        <p:cxnSp>
+          <p:nvCxnSpPr>
+            <p:cNvPr id="55" name="직선 화살표 연결선 54"/>
+            <p:cNvCxnSpPr/>
+            <p:nvPr/>
+          </p:nvCxnSpPr>
+          <p:spPr>
+            <a:xfrm>
+              <a:off x="2360085" y="1302652"/>
+              <a:ext cx="4560832" cy="0"/>
+            </a:xfrm>
+            <a:prstGeom prst="straightConnector1">
+              <a:avLst/>
+            </a:prstGeom>
+            <a:ln w="28575">
+              <a:solidFill>
+                <a:srgbClr val="4886BF"/>
+              </a:solidFill>
+              <a:tailEnd type="triangle"/>
+            </a:ln>
+          </p:spPr>
+          <p:style>
+            <a:lnRef idx="1">
+              <a:schemeClr val="accent1"/>
+            </a:lnRef>
+            <a:fillRef idx="0">
+              <a:schemeClr val="accent1"/>
+            </a:fillRef>
+            <a:effectRef idx="0">
+              <a:schemeClr val="accent1"/>
+            </a:effectRef>
+            <a:fontRef idx="minor">
+              <a:schemeClr val="tx1"/>
+            </a:fontRef>
+          </p:style>
+        </p:cxnSp>
+        <p:cxnSp>
+          <p:nvCxnSpPr>
+            <p:cNvPr id="18" name="직선 연결선 17"/>
+            <p:cNvCxnSpPr>
+              <a:stCxn id="13" idx="0"/>
+              <a:endCxn id="56" idx="3"/>
+            </p:cNvCxnSpPr>
+            <p:nvPr/>
+          </p:nvCxnSpPr>
+          <p:spPr>
+            <a:xfrm flipV="1">
+              <a:off x="1807134" y="1328108"/>
+              <a:ext cx="491495" cy="749911"/>
+            </a:xfrm>
+            <a:prstGeom prst="line">
+              <a:avLst/>
+            </a:prstGeom>
+            <a:ln w="28575"/>
+          </p:spPr>
+          <p:style>
+            <a:lnRef idx="1">
+              <a:schemeClr val="accent1"/>
+            </a:lnRef>
+            <a:fillRef idx="0">
+              <a:schemeClr val="accent1"/>
+            </a:fillRef>
+            <a:effectRef idx="0">
+              <a:schemeClr val="accent1"/>
+            </a:effectRef>
+            <a:fontRef idx="minor">
+              <a:schemeClr val="tx1"/>
+            </a:fontRef>
+          </p:style>
+        </p:cxnSp>
+        <p:sp>
+          <p:nvSpPr>
+            <p:cNvPr id="13" name="순서도: 연결자 12"/>
+            <p:cNvSpPr/>
+            <p:nvPr/>
+          </p:nvSpPr>
+          <p:spPr>
+            <a:xfrm>
+              <a:off x="1771134" y="2078019"/>
+              <a:ext cx="72000" cy="72000"/>
+            </a:xfrm>
+            <a:prstGeom prst="flowChartConnector">
+              <a:avLst/>
+            </a:prstGeom>
+            <a:solidFill>
+              <a:schemeClr val="bg1"/>
+            </a:solidFill>
+            <a:ln w="28575">
+              <a:solidFill>
+                <a:schemeClr val="accent1">
+                  <a:lumMod val="75000"/>
+                </a:schemeClr>
+              </a:solidFill>
+            </a:ln>
+          </p:spPr>
+          <p:style>
+            <a:lnRef idx="2">
+              <a:schemeClr val="accent1">
+                <a:shade val="50000"/>
+              </a:schemeClr>
+            </a:lnRef>
+            <a:fillRef idx="1">
+              <a:schemeClr val="accent1"/>
+            </a:fillRef>
+            <a:effectRef idx="0">
+              <a:schemeClr val="accent1"/>
+            </a:effectRef>
+            <a:fontRef idx="minor">
+              <a:schemeClr val="lt1"/>
+            </a:fontRef>
+          </p:style>
+          <p:txBody>
+            <a:bodyPr rtlCol="0" anchor="ctr"/>
+            <a:lstStyle/>
+            <a:p>
+              <a:pPr algn="ctr"/>
+              <a:endParaRPr lang="ko-KR" altLang="en-US" sz="1000"/>
+            </a:p>
+          </p:txBody>
+        </p:sp>
+        <p:sp>
+          <p:nvSpPr>
+            <p:cNvPr id="56" name="순서도: 연결자 55"/>
+            <p:cNvSpPr/>
+            <p:nvPr/>
+          </p:nvSpPr>
+          <p:spPr>
+            <a:xfrm>
+              <a:off x="2288085" y="1266652"/>
+              <a:ext cx="72000" cy="72000"/>
+            </a:xfrm>
+            <a:prstGeom prst="flowChartConnector">
+              <a:avLst/>
+            </a:prstGeom>
+            <a:solidFill>
+              <a:schemeClr val="bg1"/>
+            </a:solidFill>
+            <a:ln w="28575">
+              <a:solidFill>
+                <a:schemeClr val="accent1">
+                  <a:lumMod val="75000"/>
+                </a:schemeClr>
+              </a:solidFill>
+            </a:ln>
+          </p:spPr>
+          <p:style>
+            <a:lnRef idx="2">
+              <a:schemeClr val="accent1">
+                <a:shade val="50000"/>
+              </a:schemeClr>
+            </a:lnRef>
+            <a:fillRef idx="1">
+              <a:schemeClr val="accent1"/>
+            </a:fillRef>
+            <a:effectRef idx="0">
+              <a:schemeClr val="accent1"/>
+            </a:effectRef>
+            <a:fontRef idx="minor">
+              <a:schemeClr val="lt1"/>
+            </a:fontRef>
+          </p:style>
+          <p:txBody>
+            <a:bodyPr rtlCol="0" anchor="ctr"/>
+            <a:lstStyle/>
+            <a:p>
+              <a:pPr algn="ctr"/>
+              <a:endParaRPr lang="ko-KR" altLang="en-US" sz="1000"/>
+            </a:p>
+          </p:txBody>
+        </p:sp>
+        <p:cxnSp>
+          <p:nvCxnSpPr>
+            <p:cNvPr id="59" name="직선 연결선 58"/>
+            <p:cNvCxnSpPr>
+              <a:stCxn id="72" idx="1"/>
+              <a:endCxn id="58" idx="4"/>
+            </p:cNvCxnSpPr>
+            <p:nvPr/>
+          </p:nvCxnSpPr>
+          <p:spPr>
+            <a:xfrm flipH="1" flipV="1">
+              <a:off x="4105493" y="2769046"/>
+              <a:ext cx="234919" cy="530824"/>
+            </a:xfrm>
+            <a:prstGeom prst="line">
+              <a:avLst/>
+            </a:prstGeom>
+            <a:ln w="28575">
+              <a:solidFill>
+                <a:srgbClr val="FFC000"/>
+              </a:solidFill>
+            </a:ln>
+          </p:spPr>
+          <p:style>
+            <a:lnRef idx="1">
+              <a:schemeClr val="accent1"/>
+            </a:lnRef>
+            <a:fillRef idx="0">
+              <a:schemeClr val="accent1"/>
+            </a:fillRef>
+            <a:effectRef idx="0">
+              <a:schemeClr val="accent1"/>
+            </a:effectRef>
+            <a:fontRef idx="minor">
+              <a:schemeClr val="tx1"/>
+            </a:fontRef>
+          </p:style>
+        </p:cxnSp>
+        <p:sp>
+          <p:nvSpPr>
+            <p:cNvPr id="64" name="순서도: 연결자 63"/>
+            <p:cNvSpPr/>
+            <p:nvPr/>
+          </p:nvSpPr>
+          <p:spPr>
+            <a:xfrm>
+              <a:off x="2907981" y="2697046"/>
+              <a:ext cx="72000" cy="72000"/>
+            </a:xfrm>
+            <a:prstGeom prst="flowChartConnector">
+              <a:avLst/>
+            </a:prstGeom>
+            <a:solidFill>
+              <a:schemeClr val="bg1"/>
+            </a:solidFill>
+            <a:ln w="28575">
+              <a:solidFill>
+                <a:schemeClr val="accent6">
+                  <a:lumMod val="75000"/>
+                </a:schemeClr>
+              </a:solidFill>
+            </a:ln>
+          </p:spPr>
+          <p:style>
+            <a:lnRef idx="2">
+              <a:schemeClr val="accent1">
+                <a:shade val="50000"/>
+              </a:schemeClr>
+            </a:lnRef>
+            <a:fillRef idx="1">
+              <a:schemeClr val="accent1"/>
+            </a:fillRef>
+            <a:effectRef idx="0">
+              <a:schemeClr val="accent1"/>
+            </a:effectRef>
+            <a:fontRef idx="minor">
+              <a:schemeClr val="lt1"/>
+            </a:fontRef>
+          </p:style>
+          <p:txBody>
+            <a:bodyPr rtlCol="0" anchor="ctr"/>
+            <a:lstStyle/>
+            <a:p>
+              <a:pPr algn="ctr"/>
+              <a:endParaRPr lang="ko-KR" altLang="en-US" sz="1000"/>
+            </a:p>
+          </p:txBody>
+        </p:sp>
+        <p:cxnSp>
+          <p:nvCxnSpPr>
+            <p:cNvPr id="65" name="직선 화살표 연결선 64"/>
+            <p:cNvCxnSpPr>
+              <a:stCxn id="64" idx="6"/>
+            </p:cNvCxnSpPr>
+            <p:nvPr/>
+          </p:nvCxnSpPr>
+          <p:spPr>
+            <a:xfrm>
+              <a:off x="2979981" y="2733046"/>
+              <a:ext cx="6113685" cy="0"/>
+            </a:xfrm>
+            <a:prstGeom prst="straightConnector1">
+              <a:avLst/>
+            </a:prstGeom>
+            <a:ln w="28575">
+              <a:solidFill>
+                <a:schemeClr val="accent6">
+                  <a:lumMod val="75000"/>
+                </a:schemeClr>
+              </a:solidFill>
+              <a:tailEnd type="triangle"/>
+            </a:ln>
+          </p:spPr>
+          <p:style>
+            <a:lnRef idx="1">
+              <a:schemeClr val="accent1"/>
+            </a:lnRef>
+            <a:fillRef idx="0">
+              <a:schemeClr val="accent1"/>
+            </a:fillRef>
+            <a:effectRef idx="0">
+              <a:schemeClr val="accent1"/>
+            </a:effectRef>
+            <a:fontRef idx="minor">
+              <a:schemeClr val="tx1"/>
+            </a:fontRef>
+          </p:style>
+        </p:cxnSp>
+        <p:sp>
+          <p:nvSpPr>
+            <p:cNvPr id="58" name="순서도: 연결자 57"/>
+            <p:cNvSpPr/>
+            <p:nvPr/>
+          </p:nvSpPr>
+          <p:spPr>
+            <a:xfrm>
+              <a:off x="4069493" y="2697046"/>
+              <a:ext cx="72000" cy="72000"/>
+            </a:xfrm>
+            <a:prstGeom prst="flowChartConnector">
+              <a:avLst/>
+            </a:prstGeom>
+            <a:solidFill>
+              <a:schemeClr val="bg1"/>
+            </a:solidFill>
+            <a:ln w="28575">
+              <a:solidFill>
+                <a:srgbClr val="FFC000"/>
+              </a:solidFill>
+            </a:ln>
+          </p:spPr>
+          <p:style>
+            <a:lnRef idx="2">
+              <a:schemeClr val="accent1">
+                <a:shade val="50000"/>
+              </a:schemeClr>
+            </a:lnRef>
+            <a:fillRef idx="1">
+              <a:schemeClr val="accent1"/>
+            </a:fillRef>
+            <a:effectRef idx="0">
+              <a:schemeClr val="accent1"/>
+            </a:effectRef>
+            <a:fontRef idx="minor">
+              <a:schemeClr val="lt1"/>
+            </a:fontRef>
+          </p:style>
+          <p:txBody>
+            <a:bodyPr rtlCol="0" anchor="ctr"/>
+            <a:lstStyle/>
+            <a:p>
+              <a:pPr algn="ctr"/>
+              <a:endParaRPr lang="ko-KR" altLang="en-US" sz="1000"/>
+            </a:p>
+          </p:txBody>
+        </p:sp>
+        <p:cxnSp>
+          <p:nvCxnSpPr>
+            <p:cNvPr id="69" name="직선 연결선 68"/>
+            <p:cNvCxnSpPr>
+              <a:stCxn id="71" idx="4"/>
+              <a:endCxn id="64" idx="1"/>
+            </p:cNvCxnSpPr>
+            <p:nvPr/>
+          </p:nvCxnSpPr>
+          <p:spPr>
+            <a:xfrm>
+              <a:off x="2584131" y="2144988"/>
+              <a:ext cx="334394" cy="562602"/>
+            </a:xfrm>
+            <a:prstGeom prst="line">
+              <a:avLst/>
+            </a:prstGeom>
+            <a:ln w="28575">
+              <a:solidFill>
+                <a:schemeClr val="accent6">
+                  <a:lumMod val="75000"/>
+                </a:schemeClr>
+              </a:solidFill>
+            </a:ln>
+          </p:spPr>
+          <p:style>
+            <a:lnRef idx="1">
+              <a:schemeClr val="accent1"/>
+            </a:lnRef>
+            <a:fillRef idx="0">
+              <a:schemeClr val="accent1"/>
+            </a:fillRef>
+            <a:effectRef idx="0">
+              <a:schemeClr val="accent1"/>
+            </a:effectRef>
+            <a:fontRef idx="minor">
+              <a:schemeClr val="tx1"/>
+            </a:fontRef>
+          </p:style>
+        </p:cxnSp>
+        <p:sp>
+          <p:nvSpPr>
+            <p:cNvPr id="71" name="순서도: 연결자 70"/>
+            <p:cNvSpPr/>
+            <p:nvPr/>
+          </p:nvSpPr>
+          <p:spPr>
+            <a:xfrm>
+              <a:off x="2548131" y="2072988"/>
+              <a:ext cx="72000" cy="72000"/>
+            </a:xfrm>
+            <a:prstGeom prst="flowChartConnector">
+              <a:avLst/>
+            </a:prstGeom>
+            <a:solidFill>
+              <a:schemeClr val="bg1"/>
+            </a:solidFill>
+            <a:ln w="28575">
+              <a:solidFill>
+                <a:schemeClr val="accent6">
+                  <a:lumMod val="75000"/>
+                </a:schemeClr>
+              </a:solidFill>
+            </a:ln>
+          </p:spPr>
+          <p:style>
+            <a:lnRef idx="2">
+              <a:schemeClr val="accent1">
+                <a:shade val="50000"/>
+              </a:schemeClr>
+            </a:lnRef>
+            <a:fillRef idx="1">
+              <a:schemeClr val="accent1"/>
+            </a:fillRef>
+            <a:effectRef idx="0">
+              <a:schemeClr val="accent1"/>
+            </a:effectRef>
+            <a:fontRef idx="minor">
+              <a:schemeClr val="lt1"/>
+            </a:fontRef>
+          </p:style>
+          <p:txBody>
+            <a:bodyPr rtlCol="0" anchor="ctr"/>
+            <a:lstStyle/>
+            <a:p>
+              <a:pPr algn="ctr"/>
+              <a:endParaRPr lang="ko-KR" altLang="en-US" sz="1000"/>
+            </a:p>
+          </p:txBody>
+        </p:sp>
+        <p:sp>
+          <p:nvSpPr>
+            <p:cNvPr id="72" name="순서도: 연결자 71"/>
+            <p:cNvSpPr/>
+            <p:nvPr/>
+          </p:nvSpPr>
+          <p:spPr>
+            <a:xfrm>
+              <a:off x="4329868" y="3289326"/>
+              <a:ext cx="72000" cy="72000"/>
+            </a:xfrm>
+            <a:prstGeom prst="flowChartConnector">
+              <a:avLst/>
+            </a:prstGeom>
+            <a:solidFill>
+              <a:schemeClr val="bg1"/>
+            </a:solidFill>
+            <a:ln w="28575">
+              <a:solidFill>
+                <a:srgbClr val="FFC000"/>
+              </a:solidFill>
+            </a:ln>
+          </p:spPr>
+          <p:style>
+            <a:lnRef idx="2">
+              <a:schemeClr val="accent1">
+                <a:shade val="50000"/>
+              </a:schemeClr>
+            </a:lnRef>
+            <a:fillRef idx="1">
+              <a:schemeClr val="accent1"/>
+            </a:fillRef>
+            <a:effectRef idx="0">
+              <a:schemeClr val="accent1"/>
+            </a:effectRef>
+            <a:fontRef idx="minor">
+              <a:schemeClr val="lt1"/>
+            </a:fontRef>
+          </p:style>
+          <p:txBody>
+            <a:bodyPr rtlCol="0" anchor="ctr"/>
+            <a:lstStyle/>
+            <a:p>
+              <a:pPr algn="ctr"/>
+              <a:endParaRPr lang="ko-KR" altLang="en-US" sz="1000"/>
+            </a:p>
+          </p:txBody>
+        </p:sp>
+        <p:cxnSp>
+          <p:nvCxnSpPr>
+            <p:cNvPr id="79" name="직선 화살표 연결선 78"/>
+            <p:cNvCxnSpPr>
+              <a:stCxn id="82" idx="6"/>
+            </p:cNvCxnSpPr>
+            <p:nvPr/>
+          </p:nvCxnSpPr>
+          <p:spPr>
+            <a:xfrm>
+              <a:off x="5979582" y="1739063"/>
+              <a:ext cx="4618073" cy="0"/>
+            </a:xfrm>
+            <a:prstGeom prst="straightConnector1">
+              <a:avLst/>
+            </a:prstGeom>
+            <a:ln w="28575">
+              <a:solidFill>
+                <a:schemeClr val="accent2">
+                  <a:lumMod val="75000"/>
+                </a:schemeClr>
+              </a:solidFill>
+              <a:tailEnd type="triangle"/>
+            </a:ln>
+          </p:spPr>
+          <p:style>
+            <a:lnRef idx="1">
+              <a:schemeClr val="accent1"/>
+            </a:lnRef>
+            <a:fillRef idx="0">
+              <a:schemeClr val="accent1"/>
+            </a:fillRef>
+            <a:effectRef idx="0">
+              <a:schemeClr val="accent1"/>
+            </a:effectRef>
+            <a:fontRef idx="minor">
+              <a:schemeClr val="tx1"/>
+            </a:fontRef>
+          </p:style>
+        </p:cxnSp>
+        <p:cxnSp>
+          <p:nvCxnSpPr>
+            <p:cNvPr id="80" name="직선 연결선 79"/>
+            <p:cNvCxnSpPr>
+              <a:stCxn id="81" idx="7"/>
+              <a:endCxn id="82" idx="2"/>
+            </p:cNvCxnSpPr>
+            <p:nvPr/>
+          </p:nvCxnSpPr>
+          <p:spPr>
+            <a:xfrm flipV="1">
+              <a:off x="5416087" y="1739063"/>
+              <a:ext cx="491495" cy="349500"/>
+            </a:xfrm>
+            <a:prstGeom prst="line">
+              <a:avLst/>
+            </a:prstGeom>
+            <a:ln w="28575">
+              <a:solidFill>
+                <a:schemeClr val="accent2">
+                  <a:lumMod val="75000"/>
+                </a:schemeClr>
+              </a:solidFill>
+            </a:ln>
+          </p:spPr>
+          <p:style>
+            <a:lnRef idx="1">
+              <a:schemeClr val="accent1"/>
+            </a:lnRef>
+            <a:fillRef idx="0">
+              <a:schemeClr val="accent1"/>
+            </a:fillRef>
+            <a:effectRef idx="0">
+              <a:schemeClr val="accent1"/>
+            </a:effectRef>
+            <a:fontRef idx="minor">
+              <a:schemeClr val="tx1"/>
+            </a:fontRef>
+          </p:style>
+        </p:cxnSp>
+        <p:sp>
+          <p:nvSpPr>
+            <p:cNvPr id="81" name="순서도: 연결자 80"/>
+            <p:cNvSpPr/>
+            <p:nvPr/>
+          </p:nvSpPr>
+          <p:spPr>
+            <a:xfrm>
+              <a:off x="5354631" y="2078019"/>
+              <a:ext cx="72000" cy="72000"/>
+            </a:xfrm>
+            <a:prstGeom prst="flowChartConnector">
+              <a:avLst/>
+            </a:prstGeom>
+            <a:solidFill>
+              <a:schemeClr val="bg1"/>
+            </a:solidFill>
+            <a:ln w="28575">
+              <a:solidFill>
+                <a:schemeClr val="accent2">
+                  <a:lumMod val="75000"/>
+                </a:schemeClr>
+              </a:solidFill>
+            </a:ln>
+          </p:spPr>
+          <p:style>
+            <a:lnRef idx="2">
+              <a:schemeClr val="accent1">
+                <a:shade val="50000"/>
+              </a:schemeClr>
+            </a:lnRef>
+            <a:fillRef idx="1">
+              <a:schemeClr val="accent1"/>
+            </a:fillRef>
+            <a:effectRef idx="0">
+              <a:schemeClr val="accent1"/>
+            </a:effectRef>
+            <a:fontRef idx="minor">
+              <a:schemeClr val="lt1"/>
+            </a:fontRef>
+          </p:style>
+          <p:txBody>
+            <a:bodyPr rtlCol="0" anchor="ctr"/>
+            <a:lstStyle/>
+            <a:p>
+              <a:pPr algn="ctr"/>
+              <a:endParaRPr lang="ko-KR" altLang="en-US" sz="1000"/>
+            </a:p>
+          </p:txBody>
+        </p:sp>
+        <p:sp>
+          <p:nvSpPr>
+            <p:cNvPr id="82" name="순서도: 연결자 81"/>
+            <p:cNvSpPr/>
+            <p:nvPr/>
+          </p:nvSpPr>
+          <p:spPr>
+            <a:xfrm>
+              <a:off x="5907582" y="1703063"/>
+              <a:ext cx="72000" cy="72000"/>
+            </a:xfrm>
+            <a:prstGeom prst="flowChartConnector">
+              <a:avLst/>
+            </a:prstGeom>
+            <a:solidFill>
+              <a:schemeClr val="bg1"/>
+            </a:solidFill>
+            <a:ln w="28575">
+              <a:solidFill>
+                <a:schemeClr val="accent2">
+                  <a:lumMod val="75000"/>
+                </a:schemeClr>
+              </a:solidFill>
+            </a:ln>
+          </p:spPr>
+          <p:style>
+            <a:lnRef idx="2">
+              <a:schemeClr val="accent1">
+                <a:shade val="50000"/>
+              </a:schemeClr>
+            </a:lnRef>
+            <a:fillRef idx="1">
+              <a:schemeClr val="accent1"/>
+            </a:fillRef>
+            <a:effectRef idx="0">
+              <a:schemeClr val="accent1"/>
+            </a:effectRef>
+            <a:fontRef idx="minor">
+              <a:schemeClr val="lt1"/>
+            </a:fontRef>
+          </p:style>
+          <p:txBody>
+            <a:bodyPr rtlCol="0" anchor="ctr"/>
+            <a:lstStyle/>
+            <a:p>
+              <a:pPr algn="ctr"/>
+              <a:endParaRPr lang="ko-KR" altLang="en-US" sz="1000"/>
+            </a:p>
+          </p:txBody>
+        </p:sp>
+      </p:grpSp>
+      <p:sp>
+        <p:nvSpPr>
+          <p:cNvPr id="39" name="TextBox 38"/>
+          <p:cNvSpPr txBox="1"/>
+          <p:nvPr/>
+        </p:nvSpPr>
+        <p:spPr>
+          <a:xfrm>
+            <a:off x="2620131" y="1179541"/>
+            <a:ext cx="1923925" cy="246221"/>
+          </a:xfrm>
+          <a:prstGeom prst="rect">
+            <a:avLst/>
+          </a:prstGeom>
+          <a:solidFill>
+            <a:srgbClr val="4886BF"/>
+          </a:solidFill>
+        </p:spPr>
+        <p:txBody>
+          <a:bodyPr wrap="none" rtlCol="0">
+            <a:spAutoFit/>
+          </a:bodyPr>
+          <a:lstStyle/>
+          <a:p>
+            <a:r>
+              <a:rPr lang="en-US" altLang="ko-KR" sz="1000" dirty="0" smtClean="0">
+                <a:solidFill>
+                  <a:schemeClr val="bg1"/>
+                </a:solidFill>
+              </a:rPr>
+              <a:t>Client Site ‘A’ : Feature-33873</a:t>
+            </a:r>
+            <a:endParaRPr lang="ko-KR" altLang="en-US" sz="1000" dirty="0">
+              <a:solidFill>
+                <a:schemeClr val="bg1"/>
+              </a:solidFill>
+            </a:endParaRPr>
+          </a:p>
+        </p:txBody>
+      </p:sp>
+      <p:sp>
+        <p:nvSpPr>
+          <p:cNvPr id="89" name="TextBox 88"/>
+          <p:cNvSpPr txBox="1"/>
+          <p:nvPr/>
+        </p:nvSpPr>
+        <p:spPr>
+          <a:xfrm>
+            <a:off x="6085592" y="1615952"/>
+            <a:ext cx="1959191" cy="246221"/>
+          </a:xfrm>
+          <a:prstGeom prst="rect">
+            <a:avLst/>
+          </a:prstGeom>
+          <a:solidFill>
+            <a:schemeClr val="accent2">
+              <a:lumMod val="75000"/>
+            </a:schemeClr>
+          </a:solidFill>
+        </p:spPr>
+        <p:txBody>
+          <a:bodyPr wrap="none" rtlCol="0">
+            <a:spAutoFit/>
+          </a:bodyPr>
+          <a:lstStyle/>
+          <a:p>
+            <a:r>
+              <a:rPr lang="en-US" altLang="ko-KR" sz="1000" dirty="0">
+                <a:solidFill>
+                  <a:schemeClr val="bg1"/>
+                </a:solidFill>
+              </a:rPr>
+              <a:t>Client </a:t>
+            </a:r>
+            <a:r>
+              <a:rPr lang="en-US" altLang="ko-KR" sz="1000" dirty="0" smtClean="0">
+                <a:solidFill>
+                  <a:schemeClr val="bg1"/>
+                </a:solidFill>
+              </a:rPr>
+              <a:t>Site ‘B’ : Feature-41198</a:t>
+            </a:r>
+            <a:endParaRPr lang="ko-KR" altLang="en-US" sz="1000" dirty="0">
+              <a:solidFill>
+                <a:schemeClr val="bg1"/>
+              </a:solidFill>
+            </a:endParaRPr>
+          </a:p>
+        </p:txBody>
+      </p:sp>
+      <p:sp>
+        <p:nvSpPr>
+          <p:cNvPr id="90" name="TextBox 89"/>
+          <p:cNvSpPr txBox="1"/>
+          <p:nvPr/>
+        </p:nvSpPr>
+        <p:spPr>
+          <a:xfrm>
+            <a:off x="4369379" y="2586429"/>
+            <a:ext cx="1927131" cy="246221"/>
+          </a:xfrm>
+          <a:prstGeom prst="rect">
+            <a:avLst/>
+          </a:prstGeom>
+          <a:solidFill>
+            <a:schemeClr val="accent6">
+              <a:lumMod val="75000"/>
+            </a:schemeClr>
+          </a:solidFill>
+        </p:spPr>
+        <p:txBody>
+          <a:bodyPr wrap="none" rtlCol="0">
+            <a:spAutoFit/>
+          </a:bodyPr>
+          <a:lstStyle/>
+          <a:p>
+            <a:r>
+              <a:rPr lang="en-US" altLang="ko-KR" sz="1000" dirty="0">
+                <a:solidFill>
+                  <a:schemeClr val="bg1"/>
+                </a:solidFill>
+              </a:rPr>
+              <a:t>Client </a:t>
+            </a:r>
+            <a:r>
+              <a:rPr lang="en-US" altLang="ko-KR" sz="1000" dirty="0" smtClean="0">
+                <a:solidFill>
+                  <a:schemeClr val="bg1"/>
+                </a:solidFill>
+              </a:rPr>
+              <a:t>Site ‘C’ : Feature-36579</a:t>
+            </a:r>
+            <a:endParaRPr lang="ko-KR" altLang="en-US" sz="1000" dirty="0">
+              <a:solidFill>
+                <a:schemeClr val="bg1"/>
+              </a:solidFill>
+            </a:endParaRPr>
+          </a:p>
+        </p:txBody>
+      </p:sp>
+      <p:sp>
+        <p:nvSpPr>
+          <p:cNvPr id="91" name="TextBox 90"/>
+          <p:cNvSpPr txBox="1"/>
+          <p:nvPr/>
+        </p:nvSpPr>
+        <p:spPr>
+          <a:xfrm>
+            <a:off x="4820656" y="3192963"/>
+            <a:ext cx="1933543" cy="246221"/>
+          </a:xfrm>
+          <a:prstGeom prst="rect">
+            <a:avLst/>
+          </a:prstGeom>
+          <a:solidFill>
+            <a:srgbClr val="FFC618"/>
+          </a:solidFill>
+        </p:spPr>
+        <p:txBody>
+          <a:bodyPr wrap="none" rtlCol="0">
+            <a:spAutoFit/>
+          </a:bodyPr>
+          <a:lstStyle/>
+          <a:p>
+            <a:r>
+              <a:rPr lang="en-US" altLang="ko-KR" sz="1000" dirty="0">
+                <a:solidFill>
+                  <a:schemeClr val="bg1"/>
+                </a:solidFill>
+              </a:rPr>
+              <a:t>Client </a:t>
+            </a:r>
+            <a:r>
+              <a:rPr lang="en-US" altLang="ko-KR" sz="1000" dirty="0" smtClean="0">
+                <a:solidFill>
+                  <a:schemeClr val="bg1"/>
+                </a:solidFill>
+              </a:rPr>
+              <a:t>Site ‘D’ : Feature-37888</a:t>
+            </a:r>
+            <a:endParaRPr lang="ko-KR" altLang="en-US" sz="1000" dirty="0">
+              <a:solidFill>
+                <a:schemeClr val="bg1"/>
+              </a:solidFill>
+            </a:endParaRPr>
+          </a:p>
+        </p:txBody>
+      </p:sp>
+    </p:spTree>
+    <p:extLst>
+      <p:ext uri="{BB962C8B-B14F-4D97-AF65-F5344CB8AC3E}">
+        <p14:creationId xmlns:p14="http://schemas.microsoft.com/office/powerpoint/2010/main" val="3048903986"/>
+      </p:ext>
+    </p:extLst>
+  </p:cSld>
+  <p:clrMapOvr>
+    <a:masterClrMapping/>
+  </p:clrMapOvr>
+</p:sld>
+</file>
+
+<file path=ppt/slides/slide7.xml><?xml version="1.0" encoding="utf-8"?>
+<p:sld xmlns:a="http://schemas.openxmlformats.org/drawingml/2006/main" xmlns:r="http://schemas.openxmlformats.org/officeDocument/2006/relationships" xmlns:p="http://schemas.openxmlformats.org/presentationml/2006/main">
+  <p:cSld>
+    <p:spTree>
+      <p:nvGrpSpPr>
+        <p:cNvPr id="1" name=""/>
+        <p:cNvGrpSpPr/>
+        <p:nvPr/>
+      </p:nvGrpSpPr>
+      <p:grpSpPr>
+        <a:xfrm>
+          <a:off x="0" y="0"/>
+          <a:ext cx="0" cy="0"/>
+          <a:chOff x="0" y="0"/>
+          <a:chExt cx="0" cy="0"/>
+        </a:xfrm>
+      </p:grpSpPr>
+      <p:grpSp>
+        <p:nvGrpSpPr>
           <p:cNvPr id="166" name="그룹 165"/>
           <p:cNvGrpSpPr/>
           <p:nvPr/>
@@ -11447,7 +12467,7 @@
 </p:sld>
 </file>
 
-<file path=ppt/slides/slide7.xml><?xml version="1.0" encoding="utf-8"?>
+<file path=ppt/slides/slide8.xml><?xml version="1.0" encoding="utf-8"?>
 <p:sld xmlns:a="http://schemas.openxmlformats.org/drawingml/2006/main" xmlns:r="http://schemas.openxmlformats.org/officeDocument/2006/relationships" xmlns:p="http://schemas.openxmlformats.org/presentationml/2006/main">
   <p:cSld>
     <p:spTree>
@@ -12768,7 +13788,7 @@
 </p:sld>
 </file>
 
-<file path=ppt/slides/slide8.xml><?xml version="1.0" encoding="utf-8"?>
+<file path=ppt/slides/slide9.xml><?xml version="1.0" encoding="utf-8"?>
 <p:sld xmlns:a="http://schemas.openxmlformats.org/drawingml/2006/main" xmlns:r="http://schemas.openxmlformats.org/officeDocument/2006/relationships" xmlns:p="http://schemas.openxmlformats.org/presentationml/2006/main">
   <p:cSld>
     <p:spTree>
@@ -12787,16 +13807,16 @@
       </p:grpSpPr>
       <p:grpSp>
         <p:nvGrpSpPr>
-          <p:cNvPr id="80" name="그룹 79"/>
+          <p:cNvPr id="7" name="그룹 6"/>
           <p:cNvGrpSpPr/>
           <p:nvPr/>
         </p:nvGrpSpPr>
         <p:grpSpPr>
           <a:xfrm>
-            <a:off x="897885" y="481612"/>
-            <a:ext cx="10119752" cy="3574814"/>
-            <a:chOff x="897885" y="481612"/>
-            <a:chExt cx="10119752" cy="3574814"/>
+            <a:off x="168705" y="481612"/>
+            <a:ext cx="10848932" cy="3574814"/>
+            <a:chOff x="168705" y="481612"/>
+            <a:chExt cx="10848932" cy="3574814"/>
           </a:xfrm>
         </p:grpSpPr>
         <p:sp>
@@ -13478,14 +14498,14 @@
             <p:cNvPr id="45" name="직선 화살표 연결선 44"/>
             <p:cNvCxnSpPr>
               <a:stCxn id="73" idx="3"/>
-              <a:endCxn id="47" idx="1"/>
+              <a:endCxn id="46" idx="1"/>
             </p:cNvCxnSpPr>
             <p:nvPr/>
           </p:nvCxnSpPr>
           <p:spPr>
-            <a:xfrm flipV="1">
-              <a:off x="2028839" y="2220481"/>
-              <a:ext cx="664490" cy="8279"/>
+            <a:xfrm>
+              <a:off x="1299659" y="2228760"/>
+              <a:ext cx="443942" cy="0"/>
             </a:xfrm>
             <a:prstGeom prst="straightConnector1">
               <a:avLst/>
@@ -13520,8 +14540,8 @@
           </p:nvSpPr>
           <p:spPr>
             <a:xfrm>
-              <a:off x="4747671" y="3483512"/>
-              <a:ext cx="1812022" cy="501505"/>
+              <a:off x="1743601" y="1978007"/>
+              <a:ext cx="1572020" cy="501505"/>
             </a:xfrm>
             <a:prstGeom prst="roundRect">
               <a:avLst/>
@@ -13570,67 +14590,6 @@
               <a:endParaRPr lang="ko-KR" altLang="en-US" sz="1200" dirty="0">
                 <a:latin typeface="Noto Sans KR" panose="020B0200000000000000" pitchFamily="50" charset="-127"/>
                 <a:ea typeface="Noto Sans KR" panose="020B0200000000000000" pitchFamily="50" charset="-127"/>
-              </a:endParaRPr>
-            </a:p>
-          </p:txBody>
-        </p:sp>
-        <p:sp>
-          <p:nvSpPr>
-            <p:cNvPr id="47" name="모서리가 둥근 직사각형 46"/>
-            <p:cNvSpPr/>
-            <p:nvPr/>
-          </p:nvSpPr>
-          <p:spPr>
-            <a:xfrm>
-              <a:off x="2693329" y="2037628"/>
-              <a:ext cx="901090" cy="365706"/>
-            </a:xfrm>
-            <a:prstGeom prst="roundRect">
-              <a:avLst/>
-            </a:prstGeom>
-            <a:solidFill>
-              <a:schemeClr val="accent3">
-                <a:lumMod val="40000"/>
-                <a:lumOff val="60000"/>
-              </a:schemeClr>
-            </a:solidFill>
-            <a:ln>
-              <a:noFill/>
-            </a:ln>
-          </p:spPr>
-          <p:style>
-            <a:lnRef idx="2">
-              <a:schemeClr val="accent1">
-                <a:shade val="50000"/>
-              </a:schemeClr>
-            </a:lnRef>
-            <a:fillRef idx="1">
-              <a:schemeClr val="accent1"/>
-            </a:fillRef>
-            <a:effectRef idx="0">
-              <a:schemeClr val="accent1"/>
-            </a:effectRef>
-            <a:fontRef idx="minor">
-              <a:schemeClr val="lt1"/>
-            </a:fontRef>
-          </p:style>
-          <p:txBody>
-            <a:bodyPr rtlCol="0" anchor="ctr"/>
-            <a:lstStyle/>
-            <a:p>
-              <a:pPr algn="ctr"/>
-              <a:r>
-                <a:rPr lang="en-US" altLang="ko-KR" sz="1100" dirty="0" smtClean="0">
-                  <a:solidFill>
-                    <a:schemeClr val="tx1"/>
-                  </a:solidFill>
-                </a:rPr>
-                <a:t>Gateway</a:t>
-              </a:r>
-              <a:endParaRPr lang="ko-KR" altLang="en-US" sz="1100" dirty="0">
-                <a:solidFill>
-                  <a:schemeClr val="tx1"/>
-                </a:solidFill>
               </a:endParaRPr>
             </a:p>
           </p:txBody>
@@ -14034,15 +14993,15 @@
           <p:nvCxnSpPr>
             <p:cNvPr id="71" name="직선 화살표 연결선 70"/>
             <p:cNvCxnSpPr>
-              <a:stCxn id="47" idx="3"/>
+              <a:stCxn id="46" idx="3"/>
               <a:endCxn id="61" idx="1"/>
             </p:cNvCxnSpPr>
             <p:nvPr/>
           </p:nvCxnSpPr>
           <p:spPr>
             <a:xfrm>
-              <a:off x="3594419" y="2220481"/>
-              <a:ext cx="385660" cy="10509"/>
+              <a:off x="3315621" y="2228760"/>
+              <a:ext cx="664458" cy="2230"/>
             </a:xfrm>
             <a:prstGeom prst="straightConnector1">
               <a:avLst/>
@@ -14077,7 +15036,7 @@
           </p:nvSpPr>
           <p:spPr>
             <a:xfrm>
-              <a:off x="897885" y="2017681"/>
+              <a:off x="168705" y="2017681"/>
               <a:ext cx="1130954" cy="422158"/>
             </a:xfrm>
             <a:prstGeom prst="flowChartProcess">
